--- a/Slides/07_HTML_TrainingPlan.pptx
+++ b/Slides/07_HTML_TrainingPlan.pptx
@@ -5,7 +5,7 @@
     <p:sldMasterId id="2147483672" r:id="rId1"/>
   </p:sldMasterIdLst>
   <p:notesMasterIdLst>
-    <p:notesMasterId r:id="rId19"/>
+    <p:notesMasterId r:id="rId27"/>
   </p:notesMasterIdLst>
   <p:sldIdLst>
     <p:sldId id="256" r:id="rId2"/>
@@ -13,18 +13,26 @@
     <p:sldId id="296" r:id="rId4"/>
     <p:sldId id="294" r:id="rId5"/>
     <p:sldId id="299" r:id="rId6"/>
-    <p:sldId id="300" r:id="rId7"/>
-    <p:sldId id="301" r:id="rId8"/>
-    <p:sldId id="303" r:id="rId9"/>
-    <p:sldId id="302" r:id="rId10"/>
-    <p:sldId id="305" r:id="rId11"/>
-    <p:sldId id="298" r:id="rId12"/>
-    <p:sldId id="297" r:id="rId13"/>
-    <p:sldId id="304" r:id="rId14"/>
-    <p:sldId id="306" r:id="rId15"/>
-    <p:sldId id="341" r:id="rId16"/>
-    <p:sldId id="340" r:id="rId17"/>
-    <p:sldId id="342" r:id="rId18"/>
+    <p:sldId id="343" r:id="rId7"/>
+    <p:sldId id="348" r:id="rId8"/>
+    <p:sldId id="300" r:id="rId9"/>
+    <p:sldId id="301" r:id="rId10"/>
+    <p:sldId id="344" r:id="rId11"/>
+    <p:sldId id="349" r:id="rId12"/>
+    <p:sldId id="351" r:id="rId13"/>
+    <p:sldId id="303" r:id="rId14"/>
+    <p:sldId id="345" r:id="rId15"/>
+    <p:sldId id="302" r:id="rId16"/>
+    <p:sldId id="305" r:id="rId17"/>
+    <p:sldId id="346" r:id="rId18"/>
+    <p:sldId id="298" r:id="rId19"/>
+    <p:sldId id="297" r:id="rId20"/>
+    <p:sldId id="347" r:id="rId21"/>
+    <p:sldId id="350" r:id="rId22"/>
+    <p:sldId id="352" r:id="rId23"/>
+    <p:sldId id="304" r:id="rId24"/>
+    <p:sldId id="340" r:id="rId25"/>
+    <p:sldId id="342" r:id="rId26"/>
   </p:sldIdLst>
   <p:sldSz cx="12192000" cy="6858000"/>
   <p:notesSz cx="6858000" cy="9144000"/>
@@ -213,7 +221,7 @@
           <a:p>
             <a:fld id="{511FFA03-EA42-4D4B-BC08-EB70C6D8C289}" type="datetimeFigureOut">
               <a:rPr lang="en-US" smtClean="0"/>
-              <a:t>1/21/2018</a:t>
+              <a:t>2/4/2018</a:t>
             </a:fld>
             <a:endParaRPr lang="en-US"/>
           </a:p>
@@ -656,61 +664,87 @@
           <a:bodyPr/>
           <a:lstStyle/>
           <a:p>
-            <a:pPr marL="171450" indent="-171450">
+            <a:pPr marL="171450" lvl="0" indent="-171450">
               <a:buFont typeface="Arial" panose="020B0604020202020204" pitchFamily="34" charset="0"/>
               <a:buChar char="•"/>
             </a:pPr>
             <a:r>
-              <a:rPr lang="en-US" baseline="0" dirty="0" smtClean="0"/>
-              <a:t>The form is the standard way for the page to submit data to the server.</a:t>
-            </a:r>
-          </a:p>
-          <a:p>
-            <a:pPr marL="171450" indent="-171450">
+              <a:rPr lang="en-US" sz="1200" kern="1200" dirty="0" smtClean="0">
+                <a:solidFill>
+                  <a:schemeClr val="tx1"/>
+                </a:solidFill>
+                <a:effectLst/>
+                <a:latin typeface="+mn-lt"/>
+                <a:ea typeface="+mn-ea"/>
+                <a:cs typeface="+mn-cs"/>
+              </a:rPr>
+              <a:t>Write </a:t>
+            </a:r>
+            <a:r>
+              <a:rPr lang="en-US" sz="1200" kern="1200" dirty="0" smtClean="0">
+                <a:solidFill>
+                  <a:schemeClr val="tx1"/>
+                </a:solidFill>
+                <a:effectLst/>
+                <a:latin typeface="+mn-lt"/>
+                <a:ea typeface="+mn-ea"/>
+                <a:cs typeface="+mn-cs"/>
+              </a:rPr>
+              <a:t>on the board a paragraph with text “this is a paragraph”.</a:t>
+            </a:r>
+          </a:p>
+          <a:p>
+            <a:pPr marL="171450" lvl="0" indent="-171450">
               <a:buFont typeface="Arial" panose="020B0604020202020204" pitchFamily="34" charset="0"/>
               <a:buChar char="•"/>
             </a:pPr>
             <a:r>
-              <a:rPr lang="en-US" baseline="0" dirty="0" smtClean="0"/>
-              <a:t>Everything is surrounded by the form element start and end tags.</a:t>
-            </a:r>
-          </a:p>
-          <a:p>
-            <a:pPr marL="171450" indent="-171450">
-              <a:buFont typeface="Arial" panose="020B0604020202020204" pitchFamily="34" charset="0"/>
-              <a:buChar char="•"/>
-            </a:pPr>
-            <a:r>
-              <a:rPr lang="en-US" baseline="0" dirty="0" smtClean="0"/>
-              <a:t>Within the form tags are input elements.</a:t>
-            </a:r>
-          </a:p>
-          <a:p>
-            <a:pPr marL="171450" indent="-171450">
-              <a:buFont typeface="Arial" panose="020B0604020202020204" pitchFamily="34" charset="0"/>
-              <a:buChar char="•"/>
-            </a:pPr>
-            <a:r>
-              <a:rPr lang="en-US" baseline="0" dirty="0" smtClean="0"/>
-              <a:t>Different types can be specified for the input such as text for a textbox, radio for radio buttons, checkbox for checkboxes, and submit for the submit button.</a:t>
-            </a:r>
-          </a:p>
-          <a:p>
-            <a:pPr marL="171450" indent="-171450">
-              <a:buFont typeface="Arial" panose="020B0604020202020204" pitchFamily="34" charset="0"/>
-              <a:buChar char="•"/>
-            </a:pPr>
-            <a:r>
-              <a:rPr lang="en-US" baseline="0" dirty="0" smtClean="0"/>
-              <a:t>The </a:t>
-            </a:r>
-            <a:r>
-              <a:rPr lang="en-US" baseline="0" dirty="0" err="1" smtClean="0"/>
-              <a:t>fieldset</a:t>
-            </a:r>
-            <a:r>
-              <a:rPr lang="en-US" baseline="0" dirty="0" smtClean="0"/>
-              <a:t> can be used to semantically describe where form fields are.</a:t>
+              <a:rPr lang="en-US" sz="1200" kern="1200" dirty="0" smtClean="0">
+                <a:solidFill>
+                  <a:schemeClr val="tx1"/>
+                </a:solidFill>
+                <a:effectLst/>
+                <a:latin typeface="+mn-lt"/>
+                <a:ea typeface="+mn-ea"/>
+                <a:cs typeface="+mn-cs"/>
+              </a:rPr>
+              <a:t>Write on the board an image that exists in the </a:t>
+            </a:r>
+            <a:r>
+              <a:rPr lang="en-US" sz="1200" kern="1200" dirty="0" err="1" smtClean="0">
+                <a:solidFill>
+                  <a:schemeClr val="tx1"/>
+                </a:solidFill>
+                <a:effectLst/>
+                <a:latin typeface="+mn-lt"/>
+                <a:ea typeface="+mn-ea"/>
+                <a:cs typeface="+mn-cs"/>
+              </a:rPr>
+              <a:t>img</a:t>
+            </a:r>
+            <a:r>
+              <a:rPr lang="en-US" sz="1200" kern="1200" dirty="0" smtClean="0">
+                <a:solidFill>
+                  <a:schemeClr val="tx1"/>
+                </a:solidFill>
+                <a:effectLst/>
+                <a:latin typeface="+mn-lt"/>
+                <a:ea typeface="+mn-ea"/>
+                <a:cs typeface="+mn-cs"/>
+              </a:rPr>
+              <a:t> folder named </a:t>
+            </a:r>
+            <a:r>
+              <a:rPr lang="en-US" sz="1200" kern="1200" dirty="0" smtClean="0">
+                <a:solidFill>
+                  <a:schemeClr val="tx1"/>
+                </a:solidFill>
+                <a:effectLst/>
+                <a:latin typeface="+mn-lt"/>
+                <a:ea typeface="+mn-ea"/>
+                <a:cs typeface="+mn-cs"/>
+              </a:rPr>
+              <a:t>profile.gif</a:t>
             </a:r>
           </a:p>
         </p:txBody>
@@ -730,7 +764,7 @@
           <a:bodyPr/>
           <a:lstStyle/>
           <a:p>
-            <a:fld id="{90562276-63C7-43F9-8E9E-CFA137F6F839}" type="slidenum">
+            <a:fld id="{226FA58D-4B12-4E7B-A2FA-693CE3EACDFD}" type="slidenum">
               <a:rPr lang="en-US" smtClean="0"/>
               <a:t>11</a:t>
             </a:fld>
@@ -741,7 +775,7 @@
     </p:spTree>
     <p:extLst>
       <p:ext uri="{BB962C8B-B14F-4D97-AF65-F5344CB8AC3E}">
-        <p14:creationId xmlns:p14="http://schemas.microsoft.com/office/powerpoint/2010/main" val="3728070651"/>
+        <p14:creationId xmlns:p14="http://schemas.microsoft.com/office/powerpoint/2010/main" val="2638990938"/>
       </p:ext>
     </p:extLst>
   </p:cSld>
@@ -799,10 +833,7 @@
               <a:buFont typeface="Arial" panose="020B0604020202020204" pitchFamily="34" charset="0"/>
               <a:buChar char="•"/>
             </a:pPr>
-            <a:r>
-              <a:rPr lang="en-US" baseline="0" dirty="0" smtClean="0"/>
-              <a:t>Here’s a quick example of a form.</a:t>
-            </a:r>
+            <a:endParaRPr lang="en-US" dirty="0"/>
           </a:p>
         </p:txBody>
       </p:sp>
@@ -821,7 +852,7 @@
           <a:bodyPr/>
           <a:lstStyle/>
           <a:p>
-            <a:fld id="{90562276-63C7-43F9-8E9E-CFA137F6F839}" type="slidenum">
+            <a:fld id="{226FA58D-4B12-4E7B-A2FA-693CE3EACDFD}" type="slidenum">
               <a:rPr lang="en-US" smtClean="0"/>
               <a:t>12</a:t>
             </a:fld>
@@ -832,7 +863,7 @@
     </p:spTree>
     <p:extLst>
       <p:ext uri="{BB962C8B-B14F-4D97-AF65-F5344CB8AC3E}">
-        <p14:creationId xmlns:p14="http://schemas.microsoft.com/office/powerpoint/2010/main" val="1463369117"/>
+        <p14:creationId xmlns:p14="http://schemas.microsoft.com/office/powerpoint/2010/main" val="779278617"/>
       </p:ext>
     </p:extLst>
   </p:cSld>
@@ -892,7 +923,7 @@
             </a:pPr>
             <a:r>
               <a:rPr lang="en-US" baseline="0" dirty="0" smtClean="0"/>
-              <a:t>Comments in html are represented with this syntax &lt;!-- comment --&gt;</a:t>
+              <a:t>Links are represented by the a element.</a:t>
             </a:r>
           </a:p>
           <a:p>
@@ -902,7 +933,73 @@
             </a:pPr>
             <a:r>
               <a:rPr lang="en-US" baseline="0" dirty="0" smtClean="0"/>
-              <a:t>Here is an example.</a:t>
+              <a:t>The </a:t>
+            </a:r>
+            <a:r>
+              <a:rPr lang="en-US" baseline="0" dirty="0" err="1" smtClean="0"/>
+              <a:t>href</a:t>
+            </a:r>
+            <a:r>
+              <a:rPr lang="en-US" baseline="0" dirty="0" smtClean="0"/>
+              <a:t> attribute specifies the location of the link.</a:t>
+            </a:r>
+          </a:p>
+          <a:p>
+            <a:pPr marL="171450" indent="-171450">
+              <a:buFont typeface="Arial" panose="020B0604020202020204" pitchFamily="34" charset="0"/>
+              <a:buChar char="•"/>
+            </a:pPr>
+            <a:r>
+              <a:rPr lang="en-US" baseline="0" dirty="0" smtClean="0"/>
+              <a:t>The text of the link goes between the tags.</a:t>
+            </a:r>
+          </a:p>
+          <a:p>
+            <a:pPr marL="171450" indent="-171450">
+              <a:buFont typeface="Arial" panose="020B0604020202020204" pitchFamily="34" charset="0"/>
+              <a:buChar char="•"/>
+            </a:pPr>
+            <a:r>
+              <a:rPr lang="en-US" baseline="0" dirty="0" smtClean="0"/>
+              <a:t>The paths can be specified in multiple ways.  </a:t>
+            </a:r>
+          </a:p>
+          <a:p>
+            <a:pPr marL="171450" indent="-171450">
+              <a:buFont typeface="Arial" panose="020B0604020202020204" pitchFamily="34" charset="0"/>
+              <a:buChar char="•"/>
+            </a:pPr>
+            <a:r>
+              <a:rPr lang="en-US" baseline="0" dirty="0" smtClean="0"/>
+              <a:t>An absolute path can be specified with the full </a:t>
+            </a:r>
+            <a:r>
+              <a:rPr lang="en-US" baseline="0" dirty="0" err="1" smtClean="0"/>
+              <a:t>url</a:t>
+            </a:r>
+            <a:r>
+              <a:rPr lang="en-US" baseline="0" dirty="0" smtClean="0"/>
+              <a:t>.</a:t>
+            </a:r>
+          </a:p>
+          <a:p>
+            <a:pPr marL="171450" indent="-171450">
+              <a:buFont typeface="Arial" panose="020B0604020202020204" pitchFamily="34" charset="0"/>
+              <a:buChar char="•"/>
+            </a:pPr>
+            <a:r>
+              <a:rPr lang="en-US" baseline="0" dirty="0" smtClean="0"/>
+              <a:t>Or a relative path can be used in reference to the page that the link is displayed on.</a:t>
+            </a:r>
+          </a:p>
+          <a:p>
+            <a:pPr marL="171450" indent="-171450">
+              <a:buFont typeface="Arial" panose="020B0604020202020204" pitchFamily="34" charset="0"/>
+              <a:buChar char="•"/>
+            </a:pPr>
+            <a:r>
+              <a:rPr lang="en-US" baseline="0" dirty="0" smtClean="0"/>
+              <a:t>The relative path is recommended if the link is hosted within the same site.</a:t>
             </a:r>
           </a:p>
         </p:txBody>
@@ -933,7 +1030,7 @@
     </p:spTree>
     <p:extLst>
       <p:ext uri="{BB962C8B-B14F-4D97-AF65-F5344CB8AC3E}">
-        <p14:creationId xmlns:p14="http://schemas.microsoft.com/office/powerpoint/2010/main" val="4123764120"/>
+        <p14:creationId xmlns:p14="http://schemas.microsoft.com/office/powerpoint/2010/main" val="330587490"/>
       </p:ext>
     </p:extLst>
   </p:cSld>
@@ -987,24 +1084,6 @@
           <a:bodyPr/>
           <a:lstStyle/>
           <a:p>
-            <a:r>
-              <a:rPr lang="en-US" dirty="0" smtClean="0"/>
-              <a:t>Let’s do some more</a:t>
-            </a:r>
-            <a:r>
-              <a:rPr lang="en-US" baseline="0" dirty="0" smtClean="0"/>
-              <a:t> examples.</a:t>
-            </a:r>
-          </a:p>
-          <a:p>
-            <a:pPr marL="628650" lvl="1" indent="-171450">
-              <a:buFont typeface="Arial" panose="020B0604020202020204" pitchFamily="34" charset="0"/>
-              <a:buChar char="•"/>
-            </a:pPr>
-            <a:r>
-              <a:rPr lang="en-US" baseline="0" dirty="0" smtClean="0"/>
-              <a:t>Run through example by adding text to the elements</a:t>
-            </a:r>
             <a:endParaRPr lang="en-US" dirty="0"/>
           </a:p>
         </p:txBody>
@@ -1035,7 +1114,7 @@
     </p:spTree>
     <p:extLst>
       <p:ext uri="{BB962C8B-B14F-4D97-AF65-F5344CB8AC3E}">
-        <p14:creationId xmlns:p14="http://schemas.microsoft.com/office/powerpoint/2010/main" val="3845464708"/>
+        <p14:creationId xmlns:p14="http://schemas.microsoft.com/office/powerpoint/2010/main" val="571624853"/>
       </p:ext>
     </p:extLst>
   </p:cSld>
@@ -1089,177 +1168,33 @@
           <a:bodyPr/>
           <a:lstStyle/>
           <a:p>
-            <a:pPr marL="171450" lvl="0" indent="-171450">
+            <a:pPr marL="171450" indent="-171450">
               <a:buFont typeface="Arial" panose="020B0604020202020204" pitchFamily="34" charset="0"/>
               <a:buChar char="•"/>
             </a:pPr>
             <a:r>
-              <a:rPr lang="en-US" sz="1200" kern="1200" dirty="0" smtClean="0">
-                <a:solidFill>
-                  <a:schemeClr val="tx1"/>
-                </a:solidFill>
-                <a:effectLst/>
-                <a:latin typeface="+mn-lt"/>
-                <a:ea typeface="+mn-ea"/>
-                <a:cs typeface="+mn-cs"/>
-              </a:rPr>
-              <a:t>What is the name of objects on the page?</a:t>
-            </a:r>
-          </a:p>
-          <a:p>
-            <a:pPr marL="171450" lvl="0" indent="-171450">
+              <a:rPr lang="en-US" baseline="0" dirty="0" smtClean="0"/>
+              <a:t>There are a number of elements that just exist to help make the page more semantic.</a:t>
+            </a:r>
+          </a:p>
+          <a:p>
+            <a:pPr marL="171450" indent="-171450">
               <a:buFont typeface="Arial" panose="020B0604020202020204" pitchFamily="34" charset="0"/>
               <a:buChar char="•"/>
             </a:pPr>
             <a:r>
-              <a:rPr lang="en-US" sz="1200" kern="1200" dirty="0" smtClean="0">
-                <a:solidFill>
-                  <a:schemeClr val="tx1"/>
-                </a:solidFill>
-                <a:effectLst/>
-                <a:latin typeface="+mn-lt"/>
-                <a:ea typeface="+mn-ea"/>
-                <a:cs typeface="+mn-cs"/>
-              </a:rPr>
-              <a:t>What are properties associated with an element called?</a:t>
-            </a:r>
-          </a:p>
-          <a:p>
-            <a:pPr marL="171450" lvl="0" indent="-171450">
+              <a:rPr lang="en-US" baseline="0" dirty="0" smtClean="0"/>
+              <a:t>This means that the elements are describing what is inside the element.</a:t>
+            </a:r>
+          </a:p>
+          <a:p>
+            <a:pPr marL="171450" indent="-171450">
               <a:buFont typeface="Arial" panose="020B0604020202020204" pitchFamily="34" charset="0"/>
               <a:buChar char="•"/>
             </a:pPr>
             <a:r>
-              <a:rPr lang="en-US" sz="1200" kern="1200" dirty="0" smtClean="0">
-                <a:solidFill>
-                  <a:schemeClr val="tx1"/>
-                </a:solidFill>
-                <a:effectLst/>
-                <a:latin typeface="+mn-lt"/>
-                <a:ea typeface="+mn-ea"/>
-                <a:cs typeface="+mn-cs"/>
-              </a:rPr>
-              <a:t>Write on the board a paragraph with text “this is a paragraph”.</a:t>
-            </a:r>
-          </a:p>
-          <a:p>
-            <a:pPr marL="171450" lvl="0" indent="-171450">
-              <a:buFont typeface="Arial" panose="020B0604020202020204" pitchFamily="34" charset="0"/>
-              <a:buChar char="•"/>
-            </a:pPr>
-            <a:r>
-              <a:rPr lang="en-US" sz="1200" kern="1200" dirty="0" smtClean="0">
-                <a:solidFill>
-                  <a:schemeClr val="tx1"/>
-                </a:solidFill>
-                <a:effectLst/>
-                <a:latin typeface="+mn-lt"/>
-                <a:ea typeface="+mn-ea"/>
-                <a:cs typeface="+mn-cs"/>
-              </a:rPr>
-              <a:t>Write on the board an image that exists in the </a:t>
-            </a:r>
-            <a:r>
-              <a:rPr lang="en-US" sz="1200" kern="1200" dirty="0" err="1" smtClean="0">
-                <a:solidFill>
-                  <a:schemeClr val="tx1"/>
-                </a:solidFill>
-                <a:effectLst/>
-                <a:latin typeface="+mn-lt"/>
-                <a:ea typeface="+mn-ea"/>
-                <a:cs typeface="+mn-cs"/>
-              </a:rPr>
-              <a:t>img</a:t>
-            </a:r>
-            <a:r>
-              <a:rPr lang="en-US" sz="1200" kern="1200" dirty="0" smtClean="0">
-                <a:solidFill>
-                  <a:schemeClr val="tx1"/>
-                </a:solidFill>
-                <a:effectLst/>
-                <a:latin typeface="+mn-lt"/>
-                <a:ea typeface="+mn-ea"/>
-                <a:cs typeface="+mn-cs"/>
-              </a:rPr>
-              <a:t> folder named profile.gif</a:t>
-            </a:r>
-          </a:p>
-          <a:p>
-            <a:pPr marL="171450" lvl="0" indent="-171450">
-              <a:buFont typeface="Arial" panose="020B0604020202020204" pitchFamily="34" charset="0"/>
-              <a:buChar char="•"/>
-            </a:pPr>
-            <a:r>
-              <a:rPr lang="en-US" sz="1200" kern="1200" dirty="0" smtClean="0">
-                <a:solidFill>
-                  <a:schemeClr val="tx1"/>
-                </a:solidFill>
-                <a:effectLst/>
-                <a:latin typeface="+mn-lt"/>
-                <a:ea typeface="+mn-ea"/>
-                <a:cs typeface="+mn-cs"/>
-              </a:rPr>
-              <a:t>Write on the board a link to Google’s site with text “search engine”</a:t>
-            </a:r>
-          </a:p>
-          <a:p>
-            <a:pPr marL="171450" lvl="0" indent="-171450">
-              <a:buFont typeface="Arial" panose="020B0604020202020204" pitchFamily="34" charset="0"/>
-              <a:buChar char="•"/>
-            </a:pPr>
-            <a:r>
-              <a:rPr lang="en-US" sz="1200" kern="1200" dirty="0" smtClean="0">
-                <a:solidFill>
-                  <a:schemeClr val="tx1"/>
-                </a:solidFill>
-                <a:effectLst/>
-                <a:latin typeface="+mn-lt"/>
-                <a:ea typeface="+mn-ea"/>
-                <a:cs typeface="+mn-cs"/>
-              </a:rPr>
-              <a:t>Write on the board a table with two columns, a header, and two rows.  Put in whatever text you would like.</a:t>
-            </a:r>
-          </a:p>
-          <a:p>
-            <a:pPr marL="171450" lvl="0" indent="-171450">
-              <a:buFont typeface="Arial" panose="020B0604020202020204" pitchFamily="34" charset="0"/>
-              <a:buChar char="•"/>
-            </a:pPr>
-            <a:r>
-              <a:rPr lang="en-US" sz="1200" kern="1200" dirty="0" smtClean="0">
-                <a:solidFill>
-                  <a:schemeClr val="tx1"/>
-                </a:solidFill>
-                <a:effectLst/>
-                <a:latin typeface="+mn-lt"/>
-                <a:ea typeface="+mn-ea"/>
-                <a:cs typeface="+mn-cs"/>
-              </a:rPr>
-              <a:t>Write on the board a text box with an id “</a:t>
-            </a:r>
-            <a:r>
-              <a:rPr lang="en-US" sz="1200" kern="1200" dirty="0" err="1" smtClean="0">
-                <a:solidFill>
-                  <a:schemeClr val="tx1"/>
-                </a:solidFill>
-                <a:effectLst/>
-                <a:latin typeface="+mn-lt"/>
-                <a:ea typeface="+mn-ea"/>
-                <a:cs typeface="+mn-cs"/>
-              </a:rPr>
-              <a:t>LastName</a:t>
-            </a:r>
-            <a:r>
-              <a:rPr lang="en-US" sz="1200" kern="1200" dirty="0" smtClean="0">
-                <a:solidFill>
-                  <a:schemeClr val="tx1"/>
-                </a:solidFill>
-                <a:effectLst/>
-                <a:latin typeface="+mn-lt"/>
-                <a:ea typeface="+mn-ea"/>
-                <a:cs typeface="+mn-cs"/>
-              </a:rPr>
-              <a:t>”</a:t>
+              <a:rPr lang="en-US" baseline="0" dirty="0" smtClean="0"/>
+              <a:t>This means that not only does the page work for users to use it in a browser, but it can also be used by other machines to read the page and figure out what to do with the text based upon what semantic element it’s in.</a:t>
             </a:r>
           </a:p>
         </p:txBody>
@@ -1279,7 +1214,7 @@
           <a:bodyPr/>
           <a:lstStyle/>
           <a:p>
-            <a:fld id="{226FA58D-4B12-4E7B-A2FA-693CE3EACDFD}" type="slidenum">
+            <a:fld id="{90562276-63C7-43F9-8E9E-CFA137F6F839}" type="slidenum">
               <a:rPr lang="en-US" smtClean="0"/>
               <a:t>15</a:t>
             </a:fld>
@@ -1290,7 +1225,7 @@
     </p:spTree>
     <p:extLst>
       <p:ext uri="{BB962C8B-B14F-4D97-AF65-F5344CB8AC3E}">
-        <p14:creationId xmlns:p14="http://schemas.microsoft.com/office/powerpoint/2010/main" val="72611866"/>
+        <p14:creationId xmlns:p14="http://schemas.microsoft.com/office/powerpoint/2010/main" val="34666075"/>
       </p:ext>
     </p:extLst>
   </p:cSld>
@@ -1344,177 +1279,103 @@
           <a:bodyPr/>
           <a:lstStyle/>
           <a:p>
-            <a:pPr marL="171450" lvl="0" indent="-171450">
+            <a:pPr marL="171450" indent="-171450">
               <a:buFont typeface="Arial" panose="020B0604020202020204" pitchFamily="34" charset="0"/>
               <a:buChar char="•"/>
             </a:pPr>
             <a:r>
-              <a:rPr lang="en-US" sz="1200" kern="1200" dirty="0" smtClean="0">
-                <a:solidFill>
-                  <a:schemeClr val="tx1"/>
-                </a:solidFill>
-                <a:effectLst/>
-                <a:latin typeface="+mn-lt"/>
-                <a:ea typeface="+mn-ea"/>
-                <a:cs typeface="+mn-cs"/>
-              </a:rPr>
-              <a:t>What is the name of objects on the page?</a:t>
-            </a:r>
-          </a:p>
-          <a:p>
-            <a:pPr marL="171450" lvl="0" indent="-171450">
+              <a:rPr lang="en-US" baseline="0" dirty="0" smtClean="0"/>
+              <a:t>The table element represents a table as you might imagine.</a:t>
+            </a:r>
+          </a:p>
+          <a:p>
+            <a:pPr marL="171450" indent="-171450">
               <a:buFont typeface="Arial" panose="020B0604020202020204" pitchFamily="34" charset="0"/>
               <a:buChar char="•"/>
             </a:pPr>
             <a:r>
-              <a:rPr lang="en-US" sz="1200" kern="1200" dirty="0" smtClean="0">
-                <a:solidFill>
-                  <a:schemeClr val="tx1"/>
-                </a:solidFill>
-                <a:effectLst/>
-                <a:latin typeface="+mn-lt"/>
-                <a:ea typeface="+mn-ea"/>
-                <a:cs typeface="+mn-cs"/>
-              </a:rPr>
-              <a:t>What are properties associated with an element called?</a:t>
-            </a:r>
-          </a:p>
-          <a:p>
-            <a:pPr marL="171450" lvl="0" indent="-171450">
+              <a:rPr lang="en-US" baseline="0" dirty="0" smtClean="0"/>
+              <a:t>There is a </a:t>
+            </a:r>
+            <a:r>
+              <a:rPr lang="en-US" baseline="0" dirty="0" err="1" smtClean="0"/>
+              <a:t>thead</a:t>
+            </a:r>
+            <a:r>
+              <a:rPr lang="en-US" baseline="0" dirty="0" smtClean="0"/>
+              <a:t> element that represent the header and a </a:t>
+            </a:r>
+            <a:r>
+              <a:rPr lang="en-US" baseline="0" dirty="0" err="1" smtClean="0"/>
+              <a:t>tbody</a:t>
+            </a:r>
+            <a:r>
+              <a:rPr lang="en-US" baseline="0" dirty="0" smtClean="0"/>
+              <a:t> element that represents the body of the table.</a:t>
+            </a:r>
+          </a:p>
+          <a:p>
+            <a:pPr marL="171450" indent="-171450">
               <a:buFont typeface="Arial" panose="020B0604020202020204" pitchFamily="34" charset="0"/>
               <a:buChar char="•"/>
             </a:pPr>
             <a:r>
-              <a:rPr lang="en-US" sz="1200" kern="1200" dirty="0" smtClean="0">
-                <a:solidFill>
-                  <a:schemeClr val="tx1"/>
-                </a:solidFill>
-                <a:effectLst/>
-                <a:latin typeface="+mn-lt"/>
-                <a:ea typeface="+mn-ea"/>
-                <a:cs typeface="+mn-cs"/>
-              </a:rPr>
-              <a:t>Write on the board a paragraph with text “this is a paragraph”.</a:t>
-            </a:r>
-          </a:p>
-          <a:p>
-            <a:pPr marL="171450" lvl="0" indent="-171450">
+              <a:rPr lang="en-US" baseline="0" dirty="0" smtClean="0"/>
+              <a:t>The footer is represented by the </a:t>
+            </a:r>
+            <a:r>
+              <a:rPr lang="en-US" baseline="0" dirty="0" err="1" smtClean="0"/>
+              <a:t>tfoot</a:t>
+            </a:r>
+            <a:r>
+              <a:rPr lang="en-US" baseline="0" dirty="0" smtClean="0"/>
+              <a:t> element.</a:t>
+            </a:r>
+          </a:p>
+          <a:p>
+            <a:pPr marL="171450" indent="-171450">
               <a:buFont typeface="Arial" panose="020B0604020202020204" pitchFamily="34" charset="0"/>
               <a:buChar char="•"/>
             </a:pPr>
             <a:r>
-              <a:rPr lang="en-US" sz="1200" kern="1200" dirty="0" smtClean="0">
-                <a:solidFill>
-                  <a:schemeClr val="tx1"/>
-                </a:solidFill>
-                <a:effectLst/>
-                <a:latin typeface="+mn-lt"/>
-                <a:ea typeface="+mn-ea"/>
-                <a:cs typeface="+mn-cs"/>
-              </a:rPr>
-              <a:t>Write on the board an image that exists in the </a:t>
-            </a:r>
-            <a:r>
-              <a:rPr lang="en-US" sz="1200" kern="1200" dirty="0" err="1" smtClean="0">
-                <a:solidFill>
-                  <a:schemeClr val="tx1"/>
-                </a:solidFill>
-                <a:effectLst/>
-                <a:latin typeface="+mn-lt"/>
-                <a:ea typeface="+mn-ea"/>
-                <a:cs typeface="+mn-cs"/>
-              </a:rPr>
-              <a:t>img</a:t>
-            </a:r>
-            <a:r>
-              <a:rPr lang="en-US" sz="1200" kern="1200" dirty="0" smtClean="0">
-                <a:solidFill>
-                  <a:schemeClr val="tx1"/>
-                </a:solidFill>
-                <a:effectLst/>
-                <a:latin typeface="+mn-lt"/>
-                <a:ea typeface="+mn-ea"/>
-                <a:cs typeface="+mn-cs"/>
-              </a:rPr>
-              <a:t> folder named profile.gif</a:t>
-            </a:r>
-          </a:p>
-          <a:p>
-            <a:pPr marL="171450" lvl="0" indent="-171450">
+              <a:rPr lang="en-US" baseline="0" dirty="0" smtClean="0"/>
+              <a:t>These are optional.</a:t>
+            </a:r>
+          </a:p>
+          <a:p>
+            <a:pPr marL="171450" indent="-171450">
               <a:buFont typeface="Arial" panose="020B0604020202020204" pitchFamily="34" charset="0"/>
               <a:buChar char="•"/>
             </a:pPr>
             <a:r>
-              <a:rPr lang="en-US" sz="1200" kern="1200" dirty="0" smtClean="0">
-                <a:solidFill>
-                  <a:schemeClr val="tx1"/>
-                </a:solidFill>
-                <a:effectLst/>
-                <a:latin typeface="+mn-lt"/>
-                <a:ea typeface="+mn-ea"/>
-                <a:cs typeface="+mn-cs"/>
-              </a:rPr>
-              <a:t>Write on the board a link to Google’s site with text “search engine”</a:t>
-            </a:r>
-          </a:p>
-          <a:p>
-            <a:pPr marL="171450" lvl="0" indent="-171450">
+              <a:rPr lang="en-US" baseline="0" dirty="0" smtClean="0"/>
+              <a:t>Inside the table the </a:t>
+            </a:r>
+            <a:r>
+              <a:rPr lang="en-US" baseline="0" dirty="0" err="1" smtClean="0"/>
+              <a:t>tr</a:t>
+            </a:r>
+            <a:r>
+              <a:rPr lang="en-US" baseline="0" dirty="0" smtClean="0"/>
+              <a:t> element represents a table row.</a:t>
+            </a:r>
+          </a:p>
+          <a:p>
+            <a:pPr marL="171450" indent="-171450">
               <a:buFont typeface="Arial" panose="020B0604020202020204" pitchFamily="34" charset="0"/>
               <a:buChar char="•"/>
             </a:pPr>
             <a:r>
-              <a:rPr lang="en-US" sz="1200" kern="1200" dirty="0" smtClean="0">
-                <a:solidFill>
-                  <a:schemeClr val="tx1"/>
-                </a:solidFill>
-                <a:effectLst/>
-                <a:latin typeface="+mn-lt"/>
-                <a:ea typeface="+mn-ea"/>
-                <a:cs typeface="+mn-cs"/>
-              </a:rPr>
-              <a:t>Write on the board a table with two columns, a header, and two rows.  Put in whatever text you would like.</a:t>
-            </a:r>
-          </a:p>
-          <a:p>
-            <a:pPr marL="171450" lvl="0" indent="-171450">
-              <a:buFont typeface="Arial" panose="020B0604020202020204" pitchFamily="34" charset="0"/>
-              <a:buChar char="•"/>
-            </a:pPr>
-            <a:r>
-              <a:rPr lang="en-US" sz="1200" kern="1200" dirty="0" smtClean="0">
-                <a:solidFill>
-                  <a:schemeClr val="tx1"/>
-                </a:solidFill>
-                <a:effectLst/>
-                <a:latin typeface="+mn-lt"/>
-                <a:ea typeface="+mn-ea"/>
-                <a:cs typeface="+mn-cs"/>
-              </a:rPr>
-              <a:t>Write on the board a text box with an id “</a:t>
-            </a:r>
-            <a:r>
-              <a:rPr lang="en-US" sz="1200" kern="1200" dirty="0" err="1" smtClean="0">
-                <a:solidFill>
-                  <a:schemeClr val="tx1"/>
-                </a:solidFill>
-                <a:effectLst/>
-                <a:latin typeface="+mn-lt"/>
-                <a:ea typeface="+mn-ea"/>
-                <a:cs typeface="+mn-cs"/>
-              </a:rPr>
-              <a:t>LastName</a:t>
-            </a:r>
-            <a:r>
-              <a:rPr lang="en-US" sz="1200" kern="1200" dirty="0" smtClean="0">
-                <a:solidFill>
-                  <a:schemeClr val="tx1"/>
-                </a:solidFill>
-                <a:effectLst/>
-                <a:latin typeface="+mn-lt"/>
-                <a:ea typeface="+mn-ea"/>
-                <a:cs typeface="+mn-cs"/>
-              </a:rPr>
-              <a:t>”</a:t>
+              <a:rPr lang="en-US" baseline="0" dirty="0" smtClean="0"/>
+              <a:t>Each column is represented by </a:t>
+            </a:r>
+            <a:r>
+              <a:rPr lang="en-US" baseline="0" dirty="0" err="1" smtClean="0"/>
+              <a:t>th</a:t>
+            </a:r>
+            <a:r>
+              <a:rPr lang="en-US" baseline="0" dirty="0" smtClean="0"/>
+              <a:t> in the header and td in the body.</a:t>
             </a:r>
           </a:p>
         </p:txBody>
@@ -1534,7 +1395,7 @@
           <a:bodyPr/>
           <a:lstStyle/>
           <a:p>
-            <a:fld id="{226FA58D-4B12-4E7B-A2FA-693CE3EACDFD}" type="slidenum">
+            <a:fld id="{90562276-63C7-43F9-8E9E-CFA137F6F839}" type="slidenum">
               <a:rPr lang="en-US" smtClean="0"/>
               <a:t>16</a:t>
             </a:fld>
@@ -1545,7 +1406,7 @@
     </p:spTree>
     <p:extLst>
       <p:ext uri="{BB962C8B-B14F-4D97-AF65-F5344CB8AC3E}">
-        <p14:creationId xmlns:p14="http://schemas.microsoft.com/office/powerpoint/2010/main" val="479644399"/>
+        <p14:creationId xmlns:p14="http://schemas.microsoft.com/office/powerpoint/2010/main" val="190889969"/>
       </p:ext>
     </p:extLst>
   </p:cSld>
@@ -1599,11 +1460,146 @@
           <a:bodyPr/>
           <a:lstStyle/>
           <a:p>
+            <a:endParaRPr lang="en-US" dirty="0"/>
+          </a:p>
+        </p:txBody>
+      </p:sp>
+      <p:sp>
+        <p:nvSpPr>
+          <p:cNvPr id="4" name="Slide Number Placeholder 3"/>
+          <p:cNvSpPr>
+            <a:spLocks noGrp="1"/>
+          </p:cNvSpPr>
+          <p:nvPr>
+            <p:ph type="sldNum" sz="quarter" idx="10"/>
+          </p:nvPr>
+        </p:nvSpPr>
+        <p:spPr/>
+        <p:txBody>
+          <a:bodyPr/>
+          <a:lstStyle/>
+          <a:p>
+            <a:fld id="{CB14DD28-1949-4B74-B4FA-306122DED2C3}" type="slidenum">
+              <a:rPr lang="en-US" smtClean="0"/>
+              <a:t>17</a:t>
+            </a:fld>
+            <a:endParaRPr lang="en-US"/>
+          </a:p>
+        </p:txBody>
+      </p:sp>
+    </p:spTree>
+    <p:extLst>
+      <p:ext uri="{BB962C8B-B14F-4D97-AF65-F5344CB8AC3E}">
+        <p14:creationId xmlns:p14="http://schemas.microsoft.com/office/powerpoint/2010/main" val="2830135243"/>
+      </p:ext>
+    </p:extLst>
+  </p:cSld>
+  <p:clrMapOvr>
+    <a:masterClrMapping/>
+  </p:clrMapOvr>
+</p:notes>
+</file>
+
+<file path=ppt/notesSlides/notesSlide17.xml><?xml version="1.0" encoding="utf-8"?>
+<p:notes xmlns:a="http://schemas.openxmlformats.org/drawingml/2006/main" xmlns:r="http://schemas.openxmlformats.org/officeDocument/2006/relationships" xmlns:p="http://schemas.openxmlformats.org/presentationml/2006/main">
+  <p:cSld>
+    <p:spTree>
+      <p:nvGrpSpPr>
+        <p:cNvPr id="1" name=""/>
+        <p:cNvGrpSpPr/>
+        <p:nvPr/>
+      </p:nvGrpSpPr>
+      <p:grpSpPr>
+        <a:xfrm>
+          <a:off x="0" y="0"/>
+          <a:ext cx="0" cy="0"/>
+          <a:chOff x="0" y="0"/>
+          <a:chExt cx="0" cy="0"/>
+        </a:xfrm>
+      </p:grpSpPr>
+      <p:sp>
+        <p:nvSpPr>
+          <p:cNvPr id="2" name="Slide Image Placeholder 1"/>
+          <p:cNvSpPr>
+            <a:spLocks noGrp="1" noRot="1" noChangeAspect="1"/>
+          </p:cNvSpPr>
+          <p:nvPr>
+            <p:ph type="sldImg"/>
+          </p:nvPr>
+        </p:nvSpPr>
+        <p:spPr/>
+      </p:sp>
+      <p:sp>
+        <p:nvSpPr>
+          <p:cNvPr id="3" name="Notes Placeholder 2"/>
+          <p:cNvSpPr>
+            <a:spLocks noGrp="1"/>
+          </p:cNvSpPr>
+          <p:nvPr>
+            <p:ph type="body" idx="1"/>
+          </p:nvPr>
+        </p:nvSpPr>
+        <p:spPr/>
+        <p:txBody>
+          <a:bodyPr/>
+          <a:lstStyle/>
+          <a:p>
             <a:pPr marL="171450" indent="-171450">
               <a:buFont typeface="Arial" panose="020B0604020202020204" pitchFamily="34" charset="0"/>
               <a:buChar char="•"/>
             </a:pPr>
-            <a:endParaRPr lang="en-US" dirty="0"/>
+            <a:r>
+              <a:rPr lang="en-US" baseline="0" dirty="0" smtClean="0"/>
+              <a:t>The form is the standard way for the page to submit data to the server.</a:t>
+            </a:r>
+          </a:p>
+          <a:p>
+            <a:pPr marL="171450" indent="-171450">
+              <a:buFont typeface="Arial" panose="020B0604020202020204" pitchFamily="34" charset="0"/>
+              <a:buChar char="•"/>
+            </a:pPr>
+            <a:r>
+              <a:rPr lang="en-US" baseline="0" dirty="0" smtClean="0"/>
+              <a:t>Everything is surrounded by the form element start and end tags.</a:t>
+            </a:r>
+          </a:p>
+          <a:p>
+            <a:pPr marL="171450" indent="-171450">
+              <a:buFont typeface="Arial" panose="020B0604020202020204" pitchFamily="34" charset="0"/>
+              <a:buChar char="•"/>
+            </a:pPr>
+            <a:r>
+              <a:rPr lang="en-US" baseline="0" dirty="0" smtClean="0"/>
+              <a:t>Within the form tags are input elements.</a:t>
+            </a:r>
+          </a:p>
+          <a:p>
+            <a:pPr marL="171450" indent="-171450">
+              <a:buFont typeface="Arial" panose="020B0604020202020204" pitchFamily="34" charset="0"/>
+              <a:buChar char="•"/>
+            </a:pPr>
+            <a:r>
+              <a:rPr lang="en-US" baseline="0" dirty="0" smtClean="0"/>
+              <a:t>Different types can be specified for the input such as text for a textbox, radio for radio buttons, checkbox for checkboxes, and submit for the submit button.</a:t>
+            </a:r>
+          </a:p>
+          <a:p>
+            <a:pPr marL="171450" indent="-171450">
+              <a:buFont typeface="Arial" panose="020B0604020202020204" pitchFamily="34" charset="0"/>
+              <a:buChar char="•"/>
+            </a:pPr>
+            <a:r>
+              <a:rPr lang="en-US" baseline="0" dirty="0" smtClean="0"/>
+              <a:t>The </a:t>
+            </a:r>
+            <a:r>
+              <a:rPr lang="en-US" baseline="0" dirty="0" err="1" smtClean="0"/>
+              <a:t>fieldset</a:t>
+            </a:r>
+            <a:r>
+              <a:rPr lang="en-US" baseline="0" dirty="0" smtClean="0"/>
+              <a:t> can be used to semantically describe where form fields are.</a:t>
+            </a:r>
           </a:p>
         </p:txBody>
       </p:sp>
@@ -1622,9 +1618,9 @@
           <a:bodyPr/>
           <a:lstStyle/>
           <a:p>
-            <a:fld id="{226FA58D-4B12-4E7B-A2FA-693CE3EACDFD}" type="slidenum">
-              <a:rPr lang="en-US" smtClean="0"/>
-              <a:t>17</a:t>
+            <a:fld id="{90562276-63C7-43F9-8E9E-CFA137F6F839}" type="slidenum">
+              <a:rPr lang="en-US" smtClean="0"/>
+              <a:t>18</a:t>
             </a:fld>
             <a:endParaRPr lang="en-US"/>
           </a:p>
@@ -1633,7 +1629,182 @@
     </p:spTree>
     <p:extLst>
       <p:ext uri="{BB962C8B-B14F-4D97-AF65-F5344CB8AC3E}">
-        <p14:creationId xmlns:p14="http://schemas.microsoft.com/office/powerpoint/2010/main" val="1724744770"/>
+        <p14:creationId xmlns:p14="http://schemas.microsoft.com/office/powerpoint/2010/main" val="3728070651"/>
+      </p:ext>
+    </p:extLst>
+  </p:cSld>
+  <p:clrMapOvr>
+    <a:masterClrMapping/>
+  </p:clrMapOvr>
+</p:notes>
+</file>
+
+<file path=ppt/notesSlides/notesSlide18.xml><?xml version="1.0" encoding="utf-8"?>
+<p:notes xmlns:a="http://schemas.openxmlformats.org/drawingml/2006/main" xmlns:r="http://schemas.openxmlformats.org/officeDocument/2006/relationships" xmlns:p="http://schemas.openxmlformats.org/presentationml/2006/main">
+  <p:cSld>
+    <p:spTree>
+      <p:nvGrpSpPr>
+        <p:cNvPr id="1" name=""/>
+        <p:cNvGrpSpPr/>
+        <p:nvPr/>
+      </p:nvGrpSpPr>
+      <p:grpSpPr>
+        <a:xfrm>
+          <a:off x="0" y="0"/>
+          <a:ext cx="0" cy="0"/>
+          <a:chOff x="0" y="0"/>
+          <a:chExt cx="0" cy="0"/>
+        </a:xfrm>
+      </p:grpSpPr>
+      <p:sp>
+        <p:nvSpPr>
+          <p:cNvPr id="2" name="Slide Image Placeholder 1"/>
+          <p:cNvSpPr>
+            <a:spLocks noGrp="1" noRot="1" noChangeAspect="1"/>
+          </p:cNvSpPr>
+          <p:nvPr>
+            <p:ph type="sldImg"/>
+          </p:nvPr>
+        </p:nvSpPr>
+        <p:spPr/>
+      </p:sp>
+      <p:sp>
+        <p:nvSpPr>
+          <p:cNvPr id="3" name="Notes Placeholder 2"/>
+          <p:cNvSpPr>
+            <a:spLocks noGrp="1"/>
+          </p:cNvSpPr>
+          <p:nvPr>
+            <p:ph type="body" idx="1"/>
+          </p:nvPr>
+        </p:nvSpPr>
+        <p:spPr/>
+        <p:txBody>
+          <a:bodyPr/>
+          <a:lstStyle/>
+          <a:p>
+            <a:pPr marL="171450" indent="-171450">
+              <a:buFont typeface="Arial" panose="020B0604020202020204" pitchFamily="34" charset="0"/>
+              <a:buChar char="•"/>
+            </a:pPr>
+            <a:r>
+              <a:rPr lang="en-US" baseline="0" dirty="0" smtClean="0"/>
+              <a:t>Here’s a quick example of a form.</a:t>
+            </a:r>
+          </a:p>
+        </p:txBody>
+      </p:sp>
+      <p:sp>
+        <p:nvSpPr>
+          <p:cNvPr id="4" name="Slide Number Placeholder 3"/>
+          <p:cNvSpPr>
+            <a:spLocks noGrp="1"/>
+          </p:cNvSpPr>
+          <p:nvPr>
+            <p:ph type="sldNum" sz="quarter" idx="10"/>
+          </p:nvPr>
+        </p:nvSpPr>
+        <p:spPr/>
+        <p:txBody>
+          <a:bodyPr/>
+          <a:lstStyle/>
+          <a:p>
+            <a:fld id="{90562276-63C7-43F9-8E9E-CFA137F6F839}" type="slidenum">
+              <a:rPr lang="en-US" smtClean="0"/>
+              <a:t>19</a:t>
+            </a:fld>
+            <a:endParaRPr lang="en-US"/>
+          </a:p>
+        </p:txBody>
+      </p:sp>
+    </p:spTree>
+    <p:extLst>
+      <p:ext uri="{BB962C8B-B14F-4D97-AF65-F5344CB8AC3E}">
+        <p14:creationId xmlns:p14="http://schemas.microsoft.com/office/powerpoint/2010/main" val="1463369117"/>
+      </p:ext>
+    </p:extLst>
+  </p:cSld>
+  <p:clrMapOvr>
+    <a:masterClrMapping/>
+  </p:clrMapOvr>
+</p:notes>
+</file>
+
+<file path=ppt/notesSlides/notesSlide19.xml><?xml version="1.0" encoding="utf-8"?>
+<p:notes xmlns:a="http://schemas.openxmlformats.org/drawingml/2006/main" xmlns:r="http://schemas.openxmlformats.org/officeDocument/2006/relationships" xmlns:p="http://schemas.openxmlformats.org/presentationml/2006/main">
+  <p:cSld>
+    <p:spTree>
+      <p:nvGrpSpPr>
+        <p:cNvPr id="1" name=""/>
+        <p:cNvGrpSpPr/>
+        <p:nvPr/>
+      </p:nvGrpSpPr>
+      <p:grpSpPr>
+        <a:xfrm>
+          <a:off x="0" y="0"/>
+          <a:ext cx="0" cy="0"/>
+          <a:chOff x="0" y="0"/>
+          <a:chExt cx="0" cy="0"/>
+        </a:xfrm>
+      </p:grpSpPr>
+      <p:sp>
+        <p:nvSpPr>
+          <p:cNvPr id="2" name="Slide Image Placeholder 1"/>
+          <p:cNvSpPr>
+            <a:spLocks noGrp="1" noRot="1" noChangeAspect="1"/>
+          </p:cNvSpPr>
+          <p:nvPr>
+            <p:ph type="sldImg"/>
+          </p:nvPr>
+        </p:nvSpPr>
+        <p:spPr/>
+      </p:sp>
+      <p:sp>
+        <p:nvSpPr>
+          <p:cNvPr id="3" name="Notes Placeholder 2"/>
+          <p:cNvSpPr>
+            <a:spLocks noGrp="1"/>
+          </p:cNvSpPr>
+          <p:nvPr>
+            <p:ph type="body" idx="1"/>
+          </p:nvPr>
+        </p:nvSpPr>
+        <p:spPr/>
+        <p:txBody>
+          <a:bodyPr/>
+          <a:lstStyle/>
+          <a:p>
+            <a:endParaRPr lang="en-US" dirty="0"/>
+          </a:p>
+        </p:txBody>
+      </p:sp>
+      <p:sp>
+        <p:nvSpPr>
+          <p:cNvPr id="4" name="Slide Number Placeholder 3"/>
+          <p:cNvSpPr>
+            <a:spLocks noGrp="1"/>
+          </p:cNvSpPr>
+          <p:nvPr>
+            <p:ph type="sldNum" sz="quarter" idx="10"/>
+          </p:nvPr>
+        </p:nvSpPr>
+        <p:spPr/>
+        <p:txBody>
+          <a:bodyPr/>
+          <a:lstStyle/>
+          <a:p>
+            <a:fld id="{CB14DD28-1949-4B74-B4FA-306122DED2C3}" type="slidenum">
+              <a:rPr lang="en-US" smtClean="0"/>
+              <a:t>20</a:t>
+            </a:fld>
+            <a:endParaRPr lang="en-US"/>
+          </a:p>
+        </p:txBody>
+      </p:sp>
+    </p:spTree>
+    <p:extLst>
+      <p:ext uri="{BB962C8B-B14F-4D97-AF65-F5344CB8AC3E}">
+        <p14:creationId xmlns:p14="http://schemas.microsoft.com/office/powerpoint/2010/main" val="2401793172"/>
       </p:ext>
     </p:extLst>
   </p:cSld>
@@ -1745,6 +1916,722 @@
     <p:extLst>
       <p:ext uri="{BB962C8B-B14F-4D97-AF65-F5344CB8AC3E}">
         <p14:creationId xmlns:p14="http://schemas.microsoft.com/office/powerpoint/2010/main" val="1298843669"/>
+      </p:ext>
+    </p:extLst>
+  </p:cSld>
+  <p:clrMapOvr>
+    <a:masterClrMapping/>
+  </p:clrMapOvr>
+</p:notes>
+</file>
+
+<file path=ppt/notesSlides/notesSlide20.xml><?xml version="1.0" encoding="utf-8"?>
+<p:notes xmlns:a="http://schemas.openxmlformats.org/drawingml/2006/main" xmlns:r="http://schemas.openxmlformats.org/officeDocument/2006/relationships" xmlns:p="http://schemas.openxmlformats.org/presentationml/2006/main">
+  <p:cSld>
+    <p:spTree>
+      <p:nvGrpSpPr>
+        <p:cNvPr id="1" name=""/>
+        <p:cNvGrpSpPr/>
+        <p:nvPr/>
+      </p:nvGrpSpPr>
+      <p:grpSpPr>
+        <a:xfrm>
+          <a:off x="0" y="0"/>
+          <a:ext cx="0" cy="0"/>
+          <a:chOff x="0" y="0"/>
+          <a:chExt cx="0" cy="0"/>
+        </a:xfrm>
+      </p:grpSpPr>
+      <p:sp>
+        <p:nvSpPr>
+          <p:cNvPr id="2" name="Slide Image Placeholder 1"/>
+          <p:cNvSpPr>
+            <a:spLocks noGrp="1" noRot="1" noChangeAspect="1"/>
+          </p:cNvSpPr>
+          <p:nvPr>
+            <p:ph type="sldImg"/>
+          </p:nvPr>
+        </p:nvSpPr>
+        <p:spPr/>
+      </p:sp>
+      <p:sp>
+        <p:nvSpPr>
+          <p:cNvPr id="3" name="Notes Placeholder 2"/>
+          <p:cNvSpPr>
+            <a:spLocks noGrp="1"/>
+          </p:cNvSpPr>
+          <p:nvPr>
+            <p:ph type="body" idx="1"/>
+          </p:nvPr>
+        </p:nvSpPr>
+        <p:spPr/>
+        <p:txBody>
+          <a:bodyPr/>
+          <a:lstStyle/>
+          <a:p>
+            <a:pPr marL="171450" marR="0" lvl="0" indent="-171450" algn="l" defTabSz="914400" rtl="0" eaLnBrk="1" fontAlgn="auto" latinLnBrk="0" hangingPunct="1">
+              <a:lnSpc>
+                <a:spcPct val="100000"/>
+              </a:lnSpc>
+              <a:spcBef>
+                <a:spcPts val="0"/>
+              </a:spcBef>
+              <a:spcAft>
+                <a:spcPts val="0"/>
+              </a:spcAft>
+              <a:buClrTx/>
+              <a:buSzTx/>
+              <a:buFont typeface="Arial" panose="020B0604020202020204" pitchFamily="34" charset="0"/>
+              <a:buChar char="•"/>
+              <a:tabLst/>
+              <a:defRPr/>
+            </a:pPr>
+            <a:r>
+              <a:rPr lang="en-US" sz="1200" kern="1200" dirty="0" smtClean="0">
+                <a:solidFill>
+                  <a:schemeClr val="tx1"/>
+                </a:solidFill>
+                <a:effectLst/>
+                <a:latin typeface="+mn-lt"/>
+                <a:ea typeface="+mn-ea"/>
+                <a:cs typeface="+mn-cs"/>
+              </a:rPr>
+              <a:t>Write on the board a link to Google’s site with text “search engine”</a:t>
+            </a:r>
+          </a:p>
+          <a:p>
+            <a:pPr marL="171450" lvl="0" indent="-171450">
+              <a:buFont typeface="Arial" panose="020B0604020202020204" pitchFamily="34" charset="0"/>
+              <a:buChar char="•"/>
+            </a:pPr>
+            <a:r>
+              <a:rPr lang="en-US" sz="1200" kern="1200" dirty="0" smtClean="0">
+                <a:solidFill>
+                  <a:schemeClr val="tx1"/>
+                </a:solidFill>
+                <a:effectLst/>
+                <a:latin typeface="+mn-lt"/>
+                <a:ea typeface="+mn-ea"/>
+                <a:cs typeface="+mn-cs"/>
+              </a:rPr>
+              <a:t>Write </a:t>
+            </a:r>
+            <a:r>
+              <a:rPr lang="en-US" sz="1200" kern="1200" dirty="0" smtClean="0">
+                <a:solidFill>
+                  <a:schemeClr val="tx1"/>
+                </a:solidFill>
+                <a:effectLst/>
+                <a:latin typeface="+mn-lt"/>
+                <a:ea typeface="+mn-ea"/>
+                <a:cs typeface="+mn-cs"/>
+              </a:rPr>
+              <a:t>on the board a table with two columns, a header, and two rows.  Put in whatever text you would like.</a:t>
+            </a:r>
+          </a:p>
+          <a:p>
+            <a:pPr marL="171450" lvl="0" indent="-171450">
+              <a:buFont typeface="Arial" panose="020B0604020202020204" pitchFamily="34" charset="0"/>
+              <a:buChar char="•"/>
+            </a:pPr>
+            <a:r>
+              <a:rPr lang="en-US" sz="1200" kern="1200" dirty="0" smtClean="0">
+                <a:solidFill>
+                  <a:schemeClr val="tx1"/>
+                </a:solidFill>
+                <a:effectLst/>
+                <a:latin typeface="+mn-lt"/>
+                <a:ea typeface="+mn-ea"/>
+                <a:cs typeface="+mn-cs"/>
+              </a:rPr>
+              <a:t>Write on the board a text box with an id “</a:t>
+            </a:r>
+            <a:r>
+              <a:rPr lang="en-US" sz="1200" kern="1200" dirty="0" err="1" smtClean="0">
+                <a:solidFill>
+                  <a:schemeClr val="tx1"/>
+                </a:solidFill>
+                <a:effectLst/>
+                <a:latin typeface="+mn-lt"/>
+                <a:ea typeface="+mn-ea"/>
+                <a:cs typeface="+mn-cs"/>
+              </a:rPr>
+              <a:t>LastName</a:t>
+            </a:r>
+            <a:r>
+              <a:rPr lang="en-US" sz="1200" kern="1200" dirty="0" smtClean="0">
+                <a:solidFill>
+                  <a:schemeClr val="tx1"/>
+                </a:solidFill>
+                <a:effectLst/>
+                <a:latin typeface="+mn-lt"/>
+                <a:ea typeface="+mn-ea"/>
+                <a:cs typeface="+mn-cs"/>
+              </a:rPr>
+              <a:t>”</a:t>
+            </a:r>
+          </a:p>
+        </p:txBody>
+      </p:sp>
+      <p:sp>
+        <p:nvSpPr>
+          <p:cNvPr id="4" name="Slide Number Placeholder 3"/>
+          <p:cNvSpPr>
+            <a:spLocks noGrp="1"/>
+          </p:cNvSpPr>
+          <p:nvPr>
+            <p:ph type="sldNum" sz="quarter" idx="10"/>
+          </p:nvPr>
+        </p:nvSpPr>
+        <p:spPr/>
+        <p:txBody>
+          <a:bodyPr/>
+          <a:lstStyle/>
+          <a:p>
+            <a:fld id="{226FA58D-4B12-4E7B-A2FA-693CE3EACDFD}" type="slidenum">
+              <a:rPr lang="en-US" smtClean="0"/>
+              <a:t>21</a:t>
+            </a:fld>
+            <a:endParaRPr lang="en-US"/>
+          </a:p>
+        </p:txBody>
+      </p:sp>
+    </p:spTree>
+    <p:extLst>
+      <p:ext uri="{BB962C8B-B14F-4D97-AF65-F5344CB8AC3E}">
+        <p14:creationId xmlns:p14="http://schemas.microsoft.com/office/powerpoint/2010/main" val="3635157650"/>
+      </p:ext>
+    </p:extLst>
+  </p:cSld>
+  <p:clrMapOvr>
+    <a:masterClrMapping/>
+  </p:clrMapOvr>
+</p:notes>
+</file>
+
+<file path=ppt/notesSlides/notesSlide21.xml><?xml version="1.0" encoding="utf-8"?>
+<p:notes xmlns:a="http://schemas.openxmlformats.org/drawingml/2006/main" xmlns:r="http://schemas.openxmlformats.org/officeDocument/2006/relationships" xmlns:p="http://schemas.openxmlformats.org/presentationml/2006/main">
+  <p:cSld>
+    <p:spTree>
+      <p:nvGrpSpPr>
+        <p:cNvPr id="1" name=""/>
+        <p:cNvGrpSpPr/>
+        <p:nvPr/>
+      </p:nvGrpSpPr>
+      <p:grpSpPr>
+        <a:xfrm>
+          <a:off x="0" y="0"/>
+          <a:ext cx="0" cy="0"/>
+          <a:chOff x="0" y="0"/>
+          <a:chExt cx="0" cy="0"/>
+        </a:xfrm>
+      </p:grpSpPr>
+      <p:sp>
+        <p:nvSpPr>
+          <p:cNvPr id="2" name="Slide Image Placeholder 1"/>
+          <p:cNvSpPr>
+            <a:spLocks noGrp="1" noRot="1" noChangeAspect="1"/>
+          </p:cNvSpPr>
+          <p:nvPr>
+            <p:ph type="sldImg"/>
+          </p:nvPr>
+        </p:nvSpPr>
+        <p:spPr/>
+      </p:sp>
+      <p:sp>
+        <p:nvSpPr>
+          <p:cNvPr id="3" name="Notes Placeholder 2"/>
+          <p:cNvSpPr>
+            <a:spLocks noGrp="1"/>
+          </p:cNvSpPr>
+          <p:nvPr>
+            <p:ph type="body" idx="1"/>
+          </p:nvPr>
+        </p:nvSpPr>
+        <p:spPr/>
+        <p:txBody>
+          <a:bodyPr/>
+          <a:lstStyle/>
+          <a:p>
+            <a:pPr marL="171450" indent="-171450">
+              <a:buFont typeface="Arial" panose="020B0604020202020204" pitchFamily="34" charset="0"/>
+              <a:buChar char="•"/>
+            </a:pPr>
+            <a:endParaRPr lang="en-US" dirty="0"/>
+          </a:p>
+        </p:txBody>
+      </p:sp>
+      <p:sp>
+        <p:nvSpPr>
+          <p:cNvPr id="4" name="Slide Number Placeholder 3"/>
+          <p:cNvSpPr>
+            <a:spLocks noGrp="1"/>
+          </p:cNvSpPr>
+          <p:nvPr>
+            <p:ph type="sldNum" sz="quarter" idx="10"/>
+          </p:nvPr>
+        </p:nvSpPr>
+        <p:spPr/>
+        <p:txBody>
+          <a:bodyPr/>
+          <a:lstStyle/>
+          <a:p>
+            <a:fld id="{226FA58D-4B12-4E7B-A2FA-693CE3EACDFD}" type="slidenum">
+              <a:rPr lang="en-US" smtClean="0"/>
+              <a:t>22</a:t>
+            </a:fld>
+            <a:endParaRPr lang="en-US"/>
+          </a:p>
+        </p:txBody>
+      </p:sp>
+    </p:spTree>
+    <p:extLst>
+      <p:ext uri="{BB962C8B-B14F-4D97-AF65-F5344CB8AC3E}">
+        <p14:creationId xmlns:p14="http://schemas.microsoft.com/office/powerpoint/2010/main" val="3860952169"/>
+      </p:ext>
+    </p:extLst>
+  </p:cSld>
+  <p:clrMapOvr>
+    <a:masterClrMapping/>
+  </p:clrMapOvr>
+</p:notes>
+</file>
+
+<file path=ppt/notesSlides/notesSlide22.xml><?xml version="1.0" encoding="utf-8"?>
+<p:notes xmlns:a="http://schemas.openxmlformats.org/drawingml/2006/main" xmlns:r="http://schemas.openxmlformats.org/officeDocument/2006/relationships" xmlns:p="http://schemas.openxmlformats.org/presentationml/2006/main">
+  <p:cSld>
+    <p:spTree>
+      <p:nvGrpSpPr>
+        <p:cNvPr id="1" name=""/>
+        <p:cNvGrpSpPr/>
+        <p:nvPr/>
+      </p:nvGrpSpPr>
+      <p:grpSpPr>
+        <a:xfrm>
+          <a:off x="0" y="0"/>
+          <a:ext cx="0" cy="0"/>
+          <a:chOff x="0" y="0"/>
+          <a:chExt cx="0" cy="0"/>
+        </a:xfrm>
+      </p:grpSpPr>
+      <p:sp>
+        <p:nvSpPr>
+          <p:cNvPr id="2" name="Slide Image Placeholder 1"/>
+          <p:cNvSpPr>
+            <a:spLocks noGrp="1" noRot="1" noChangeAspect="1"/>
+          </p:cNvSpPr>
+          <p:nvPr>
+            <p:ph type="sldImg"/>
+          </p:nvPr>
+        </p:nvSpPr>
+        <p:spPr/>
+      </p:sp>
+      <p:sp>
+        <p:nvSpPr>
+          <p:cNvPr id="3" name="Notes Placeholder 2"/>
+          <p:cNvSpPr>
+            <a:spLocks noGrp="1"/>
+          </p:cNvSpPr>
+          <p:nvPr>
+            <p:ph type="body" idx="1"/>
+          </p:nvPr>
+        </p:nvSpPr>
+        <p:spPr/>
+        <p:txBody>
+          <a:bodyPr/>
+          <a:lstStyle/>
+          <a:p>
+            <a:pPr marL="171450" indent="-171450">
+              <a:buFont typeface="Arial" panose="020B0604020202020204" pitchFamily="34" charset="0"/>
+              <a:buChar char="•"/>
+            </a:pPr>
+            <a:r>
+              <a:rPr lang="en-US" baseline="0" dirty="0" smtClean="0"/>
+              <a:t>Comments in html are represented with this syntax &lt;!-- comment --&gt;</a:t>
+            </a:r>
+          </a:p>
+          <a:p>
+            <a:pPr marL="171450" indent="-171450">
+              <a:buFont typeface="Arial" panose="020B0604020202020204" pitchFamily="34" charset="0"/>
+              <a:buChar char="•"/>
+            </a:pPr>
+            <a:r>
+              <a:rPr lang="en-US" baseline="0" dirty="0" smtClean="0"/>
+              <a:t>Here is an example.</a:t>
+            </a:r>
+          </a:p>
+        </p:txBody>
+      </p:sp>
+      <p:sp>
+        <p:nvSpPr>
+          <p:cNvPr id="4" name="Slide Number Placeholder 3"/>
+          <p:cNvSpPr>
+            <a:spLocks noGrp="1"/>
+          </p:cNvSpPr>
+          <p:nvPr>
+            <p:ph type="sldNum" sz="quarter" idx="10"/>
+          </p:nvPr>
+        </p:nvSpPr>
+        <p:spPr/>
+        <p:txBody>
+          <a:bodyPr/>
+          <a:lstStyle/>
+          <a:p>
+            <a:fld id="{90562276-63C7-43F9-8E9E-CFA137F6F839}" type="slidenum">
+              <a:rPr lang="en-US" smtClean="0"/>
+              <a:t>23</a:t>
+            </a:fld>
+            <a:endParaRPr lang="en-US"/>
+          </a:p>
+        </p:txBody>
+      </p:sp>
+    </p:spTree>
+    <p:extLst>
+      <p:ext uri="{BB962C8B-B14F-4D97-AF65-F5344CB8AC3E}">
+        <p14:creationId xmlns:p14="http://schemas.microsoft.com/office/powerpoint/2010/main" val="4123764120"/>
+      </p:ext>
+    </p:extLst>
+  </p:cSld>
+  <p:clrMapOvr>
+    <a:masterClrMapping/>
+  </p:clrMapOvr>
+</p:notes>
+</file>
+
+<file path=ppt/notesSlides/notesSlide23.xml><?xml version="1.0" encoding="utf-8"?>
+<p:notes xmlns:a="http://schemas.openxmlformats.org/drawingml/2006/main" xmlns:r="http://schemas.openxmlformats.org/officeDocument/2006/relationships" xmlns:p="http://schemas.openxmlformats.org/presentationml/2006/main">
+  <p:cSld>
+    <p:spTree>
+      <p:nvGrpSpPr>
+        <p:cNvPr id="1" name=""/>
+        <p:cNvGrpSpPr/>
+        <p:nvPr/>
+      </p:nvGrpSpPr>
+      <p:grpSpPr>
+        <a:xfrm>
+          <a:off x="0" y="0"/>
+          <a:ext cx="0" cy="0"/>
+          <a:chOff x="0" y="0"/>
+          <a:chExt cx="0" cy="0"/>
+        </a:xfrm>
+      </p:grpSpPr>
+      <p:sp>
+        <p:nvSpPr>
+          <p:cNvPr id="2" name="Slide Image Placeholder 1"/>
+          <p:cNvSpPr>
+            <a:spLocks noGrp="1" noRot="1" noChangeAspect="1"/>
+          </p:cNvSpPr>
+          <p:nvPr>
+            <p:ph type="sldImg"/>
+          </p:nvPr>
+        </p:nvSpPr>
+        <p:spPr/>
+      </p:sp>
+      <p:sp>
+        <p:nvSpPr>
+          <p:cNvPr id="3" name="Notes Placeholder 2"/>
+          <p:cNvSpPr>
+            <a:spLocks noGrp="1"/>
+          </p:cNvSpPr>
+          <p:nvPr>
+            <p:ph type="body" idx="1"/>
+          </p:nvPr>
+        </p:nvSpPr>
+        <p:spPr/>
+        <p:txBody>
+          <a:bodyPr/>
+          <a:lstStyle/>
+          <a:p>
+            <a:pPr marL="171450" lvl="0" indent="-171450">
+              <a:buFont typeface="Arial" panose="020B0604020202020204" pitchFamily="34" charset="0"/>
+              <a:buChar char="•"/>
+            </a:pPr>
+            <a:r>
+              <a:rPr lang="en-US" sz="1200" kern="1200" dirty="0" smtClean="0">
+                <a:solidFill>
+                  <a:schemeClr val="tx1"/>
+                </a:solidFill>
+                <a:effectLst/>
+                <a:latin typeface="+mn-lt"/>
+                <a:ea typeface="+mn-ea"/>
+                <a:cs typeface="+mn-cs"/>
+              </a:rPr>
+              <a:t>What is the name of objects on the page?</a:t>
+            </a:r>
+          </a:p>
+          <a:p>
+            <a:pPr marL="171450" lvl="0" indent="-171450">
+              <a:buFont typeface="Arial" panose="020B0604020202020204" pitchFamily="34" charset="0"/>
+              <a:buChar char="•"/>
+            </a:pPr>
+            <a:r>
+              <a:rPr lang="en-US" sz="1200" kern="1200" dirty="0" smtClean="0">
+                <a:solidFill>
+                  <a:schemeClr val="tx1"/>
+                </a:solidFill>
+                <a:effectLst/>
+                <a:latin typeface="+mn-lt"/>
+                <a:ea typeface="+mn-ea"/>
+                <a:cs typeface="+mn-cs"/>
+              </a:rPr>
+              <a:t>What are properties associated with an element called?</a:t>
+            </a:r>
+          </a:p>
+          <a:p>
+            <a:pPr marL="171450" lvl="0" indent="-171450">
+              <a:buFont typeface="Arial" panose="020B0604020202020204" pitchFamily="34" charset="0"/>
+              <a:buChar char="•"/>
+            </a:pPr>
+            <a:r>
+              <a:rPr lang="en-US" sz="1200" kern="1200" dirty="0" smtClean="0">
+                <a:solidFill>
+                  <a:schemeClr val="tx1"/>
+                </a:solidFill>
+                <a:effectLst/>
+                <a:latin typeface="+mn-lt"/>
+                <a:ea typeface="+mn-ea"/>
+                <a:cs typeface="+mn-cs"/>
+              </a:rPr>
+              <a:t>Write on the board a paragraph with text “this is a paragraph”.</a:t>
+            </a:r>
+          </a:p>
+          <a:p>
+            <a:pPr marL="171450" lvl="0" indent="-171450">
+              <a:buFont typeface="Arial" panose="020B0604020202020204" pitchFamily="34" charset="0"/>
+              <a:buChar char="•"/>
+            </a:pPr>
+            <a:r>
+              <a:rPr lang="en-US" sz="1200" kern="1200" dirty="0" smtClean="0">
+                <a:solidFill>
+                  <a:schemeClr val="tx1"/>
+                </a:solidFill>
+                <a:effectLst/>
+                <a:latin typeface="+mn-lt"/>
+                <a:ea typeface="+mn-ea"/>
+                <a:cs typeface="+mn-cs"/>
+              </a:rPr>
+              <a:t>Write on the board an image that exists in the </a:t>
+            </a:r>
+            <a:r>
+              <a:rPr lang="en-US" sz="1200" kern="1200" dirty="0" err="1" smtClean="0">
+                <a:solidFill>
+                  <a:schemeClr val="tx1"/>
+                </a:solidFill>
+                <a:effectLst/>
+                <a:latin typeface="+mn-lt"/>
+                <a:ea typeface="+mn-ea"/>
+                <a:cs typeface="+mn-cs"/>
+              </a:rPr>
+              <a:t>img</a:t>
+            </a:r>
+            <a:r>
+              <a:rPr lang="en-US" sz="1200" kern="1200" dirty="0" smtClean="0">
+                <a:solidFill>
+                  <a:schemeClr val="tx1"/>
+                </a:solidFill>
+                <a:effectLst/>
+                <a:latin typeface="+mn-lt"/>
+                <a:ea typeface="+mn-ea"/>
+                <a:cs typeface="+mn-cs"/>
+              </a:rPr>
+              <a:t> folder named profile.gif</a:t>
+            </a:r>
+          </a:p>
+          <a:p>
+            <a:pPr marL="171450" lvl="0" indent="-171450">
+              <a:buFont typeface="Arial" panose="020B0604020202020204" pitchFamily="34" charset="0"/>
+              <a:buChar char="•"/>
+            </a:pPr>
+            <a:r>
+              <a:rPr lang="en-US" sz="1200" kern="1200" dirty="0" smtClean="0">
+                <a:solidFill>
+                  <a:schemeClr val="tx1"/>
+                </a:solidFill>
+                <a:effectLst/>
+                <a:latin typeface="+mn-lt"/>
+                <a:ea typeface="+mn-ea"/>
+                <a:cs typeface="+mn-cs"/>
+              </a:rPr>
+              <a:t>Write on the board a link to Google’s site with text “search engine”</a:t>
+            </a:r>
+          </a:p>
+          <a:p>
+            <a:pPr marL="171450" lvl="0" indent="-171450">
+              <a:buFont typeface="Arial" panose="020B0604020202020204" pitchFamily="34" charset="0"/>
+              <a:buChar char="•"/>
+            </a:pPr>
+            <a:r>
+              <a:rPr lang="en-US" sz="1200" kern="1200" dirty="0" smtClean="0">
+                <a:solidFill>
+                  <a:schemeClr val="tx1"/>
+                </a:solidFill>
+                <a:effectLst/>
+                <a:latin typeface="+mn-lt"/>
+                <a:ea typeface="+mn-ea"/>
+                <a:cs typeface="+mn-cs"/>
+              </a:rPr>
+              <a:t>Write on the board a table with two columns, a header, and two rows.  Put in whatever text you would like.</a:t>
+            </a:r>
+          </a:p>
+          <a:p>
+            <a:pPr marL="171450" lvl="0" indent="-171450">
+              <a:buFont typeface="Arial" panose="020B0604020202020204" pitchFamily="34" charset="0"/>
+              <a:buChar char="•"/>
+            </a:pPr>
+            <a:r>
+              <a:rPr lang="en-US" sz="1200" kern="1200" dirty="0" smtClean="0">
+                <a:solidFill>
+                  <a:schemeClr val="tx1"/>
+                </a:solidFill>
+                <a:effectLst/>
+                <a:latin typeface="+mn-lt"/>
+                <a:ea typeface="+mn-ea"/>
+                <a:cs typeface="+mn-cs"/>
+              </a:rPr>
+              <a:t>Write on the board a text box with an id “</a:t>
+            </a:r>
+            <a:r>
+              <a:rPr lang="en-US" sz="1200" kern="1200" dirty="0" err="1" smtClean="0">
+                <a:solidFill>
+                  <a:schemeClr val="tx1"/>
+                </a:solidFill>
+                <a:effectLst/>
+                <a:latin typeface="+mn-lt"/>
+                <a:ea typeface="+mn-ea"/>
+                <a:cs typeface="+mn-cs"/>
+              </a:rPr>
+              <a:t>LastName</a:t>
+            </a:r>
+            <a:r>
+              <a:rPr lang="en-US" sz="1200" kern="1200" dirty="0" smtClean="0">
+                <a:solidFill>
+                  <a:schemeClr val="tx1"/>
+                </a:solidFill>
+                <a:effectLst/>
+                <a:latin typeface="+mn-lt"/>
+                <a:ea typeface="+mn-ea"/>
+                <a:cs typeface="+mn-cs"/>
+              </a:rPr>
+              <a:t>”</a:t>
+            </a:r>
+          </a:p>
+        </p:txBody>
+      </p:sp>
+      <p:sp>
+        <p:nvSpPr>
+          <p:cNvPr id="4" name="Slide Number Placeholder 3"/>
+          <p:cNvSpPr>
+            <a:spLocks noGrp="1"/>
+          </p:cNvSpPr>
+          <p:nvPr>
+            <p:ph type="sldNum" sz="quarter" idx="10"/>
+          </p:nvPr>
+        </p:nvSpPr>
+        <p:spPr/>
+        <p:txBody>
+          <a:bodyPr/>
+          <a:lstStyle/>
+          <a:p>
+            <a:fld id="{226FA58D-4B12-4E7B-A2FA-693CE3EACDFD}" type="slidenum">
+              <a:rPr lang="en-US" smtClean="0"/>
+              <a:t>24</a:t>
+            </a:fld>
+            <a:endParaRPr lang="en-US"/>
+          </a:p>
+        </p:txBody>
+      </p:sp>
+    </p:spTree>
+    <p:extLst>
+      <p:ext uri="{BB962C8B-B14F-4D97-AF65-F5344CB8AC3E}">
+        <p14:creationId xmlns:p14="http://schemas.microsoft.com/office/powerpoint/2010/main" val="479644399"/>
+      </p:ext>
+    </p:extLst>
+  </p:cSld>
+  <p:clrMapOvr>
+    <a:masterClrMapping/>
+  </p:clrMapOvr>
+</p:notes>
+</file>
+
+<file path=ppt/notesSlides/notesSlide24.xml><?xml version="1.0" encoding="utf-8"?>
+<p:notes xmlns:a="http://schemas.openxmlformats.org/drawingml/2006/main" xmlns:r="http://schemas.openxmlformats.org/officeDocument/2006/relationships" xmlns:p="http://schemas.openxmlformats.org/presentationml/2006/main">
+  <p:cSld>
+    <p:spTree>
+      <p:nvGrpSpPr>
+        <p:cNvPr id="1" name=""/>
+        <p:cNvGrpSpPr/>
+        <p:nvPr/>
+      </p:nvGrpSpPr>
+      <p:grpSpPr>
+        <a:xfrm>
+          <a:off x="0" y="0"/>
+          <a:ext cx="0" cy="0"/>
+          <a:chOff x="0" y="0"/>
+          <a:chExt cx="0" cy="0"/>
+        </a:xfrm>
+      </p:grpSpPr>
+      <p:sp>
+        <p:nvSpPr>
+          <p:cNvPr id="2" name="Slide Image Placeholder 1"/>
+          <p:cNvSpPr>
+            <a:spLocks noGrp="1" noRot="1" noChangeAspect="1"/>
+          </p:cNvSpPr>
+          <p:nvPr>
+            <p:ph type="sldImg"/>
+          </p:nvPr>
+        </p:nvSpPr>
+        <p:spPr/>
+      </p:sp>
+      <p:sp>
+        <p:nvSpPr>
+          <p:cNvPr id="3" name="Notes Placeholder 2"/>
+          <p:cNvSpPr>
+            <a:spLocks noGrp="1"/>
+          </p:cNvSpPr>
+          <p:nvPr>
+            <p:ph type="body" idx="1"/>
+          </p:nvPr>
+        </p:nvSpPr>
+        <p:spPr/>
+        <p:txBody>
+          <a:bodyPr/>
+          <a:lstStyle/>
+          <a:p>
+            <a:pPr marL="171450" indent="-171450">
+              <a:buFont typeface="Arial" panose="020B0604020202020204" pitchFamily="34" charset="0"/>
+              <a:buChar char="•"/>
+            </a:pPr>
+            <a:endParaRPr lang="en-US" dirty="0"/>
+          </a:p>
+        </p:txBody>
+      </p:sp>
+      <p:sp>
+        <p:nvSpPr>
+          <p:cNvPr id="4" name="Slide Number Placeholder 3"/>
+          <p:cNvSpPr>
+            <a:spLocks noGrp="1"/>
+          </p:cNvSpPr>
+          <p:nvPr>
+            <p:ph type="sldNum" sz="quarter" idx="10"/>
+          </p:nvPr>
+        </p:nvSpPr>
+        <p:spPr/>
+        <p:txBody>
+          <a:bodyPr/>
+          <a:lstStyle/>
+          <a:p>
+            <a:fld id="{226FA58D-4B12-4E7B-A2FA-693CE3EACDFD}" type="slidenum">
+              <a:rPr lang="en-US" smtClean="0"/>
+              <a:t>25</a:t>
+            </a:fld>
+            <a:endParaRPr lang="en-US"/>
+          </a:p>
+        </p:txBody>
+      </p:sp>
+    </p:spTree>
+    <p:extLst>
+      <p:ext uri="{BB962C8B-B14F-4D97-AF65-F5344CB8AC3E}">
+        <p14:creationId xmlns:p14="http://schemas.microsoft.com/office/powerpoint/2010/main" val="1724744770"/>
       </p:ext>
     </p:extLst>
   </p:cSld>
@@ -2083,100 +2970,7 @@
           <a:bodyPr/>
           <a:lstStyle/>
           <a:p>
-            <a:pPr marL="171450" indent="-171450">
-              <a:buFont typeface="Arial" panose="020B0604020202020204" pitchFamily="34" charset="0"/>
-              <a:buChar char="•"/>
-            </a:pPr>
-            <a:r>
-              <a:rPr lang="en-US" baseline="0" dirty="0" smtClean="0"/>
-              <a:t>Here are some common elements that you will see over and over again.</a:t>
-            </a:r>
-          </a:p>
-          <a:p>
-            <a:pPr marL="171450" indent="-171450">
-              <a:buFont typeface="Arial" panose="020B0604020202020204" pitchFamily="34" charset="0"/>
-              <a:buChar char="•"/>
-            </a:pPr>
-            <a:r>
-              <a:rPr lang="en-US" baseline="0" dirty="0" err="1" smtClean="0"/>
-              <a:t>Div</a:t>
-            </a:r>
-            <a:r>
-              <a:rPr lang="en-US" baseline="0" dirty="0" smtClean="0"/>
-              <a:t> provides an empty container to be styled.</a:t>
-            </a:r>
-          </a:p>
-          <a:p>
-            <a:pPr marL="171450" indent="-171450">
-              <a:buFont typeface="Arial" panose="020B0604020202020204" pitchFamily="34" charset="0"/>
-              <a:buChar char="•"/>
-            </a:pPr>
-            <a:r>
-              <a:rPr lang="en-US" baseline="0" dirty="0" smtClean="0"/>
-              <a:t>Span also provides an empty container to be styled, but inline.</a:t>
-            </a:r>
-          </a:p>
-          <a:p>
-            <a:pPr marL="171450" indent="-171450">
-              <a:buFont typeface="Arial" panose="020B0604020202020204" pitchFamily="34" charset="0"/>
-              <a:buChar char="•"/>
-            </a:pPr>
-            <a:r>
-              <a:rPr lang="en-US" baseline="0" dirty="0" smtClean="0"/>
-              <a:t>p represents a paragraph</a:t>
-            </a:r>
-          </a:p>
-          <a:p>
-            <a:pPr marL="171450" indent="-171450">
-              <a:buFont typeface="Arial" panose="020B0604020202020204" pitchFamily="34" charset="0"/>
-              <a:buChar char="•"/>
-            </a:pPr>
-            <a:r>
-              <a:rPr lang="en-US" baseline="0" dirty="0" smtClean="0"/>
-              <a:t>h1, h2, h3, h4, h5, and h6 are different sizes of headings.</a:t>
-            </a:r>
-          </a:p>
-          <a:p>
-            <a:pPr marL="171450" indent="-171450">
-              <a:buFont typeface="Arial" panose="020B0604020202020204" pitchFamily="34" charset="0"/>
-              <a:buChar char="•"/>
-            </a:pPr>
-            <a:r>
-              <a:rPr lang="en-US" baseline="0" dirty="0" err="1" smtClean="0"/>
-              <a:t>br</a:t>
-            </a:r>
-            <a:r>
-              <a:rPr lang="en-US" baseline="0" dirty="0" smtClean="0"/>
-              <a:t> represents a break</a:t>
-            </a:r>
-          </a:p>
-          <a:p>
-            <a:pPr marL="171450" indent="-171450">
-              <a:buFont typeface="Arial" panose="020B0604020202020204" pitchFamily="34" charset="0"/>
-              <a:buChar char="•"/>
-            </a:pPr>
-            <a:r>
-              <a:rPr lang="en-US" baseline="0" dirty="0" err="1" smtClean="0"/>
-              <a:t>hr</a:t>
-            </a:r>
-            <a:r>
-              <a:rPr lang="en-US" baseline="0" dirty="0" smtClean="0"/>
-              <a:t> represents a horizontal line</a:t>
-            </a:r>
-          </a:p>
-          <a:p>
-            <a:pPr marL="171450" indent="-171450">
-              <a:buFont typeface="Arial" panose="020B0604020202020204" pitchFamily="34" charset="0"/>
-              <a:buChar char="•"/>
-            </a:pPr>
-            <a:endParaRPr lang="en-US" baseline="0" dirty="0" smtClean="0"/>
-          </a:p>
-          <a:p>
-            <a:pPr marL="171450" indent="-171450">
-              <a:buFont typeface="Arial" panose="020B0604020202020204" pitchFamily="34" charset="0"/>
-              <a:buChar char="•"/>
-            </a:pPr>
-            <a:endParaRPr lang="en-US" baseline="0" dirty="0" smtClean="0"/>
+            <a:endParaRPr lang="en-US" dirty="0"/>
           </a:p>
         </p:txBody>
       </p:sp>
@@ -2195,7 +2989,7 @@
           <a:bodyPr/>
           <a:lstStyle/>
           <a:p>
-            <a:fld id="{90562276-63C7-43F9-8E9E-CFA137F6F839}" type="slidenum">
+            <a:fld id="{CB14DD28-1949-4B74-B4FA-306122DED2C3}" type="slidenum">
               <a:rPr lang="en-US" smtClean="0"/>
               <a:t>6</a:t>
             </a:fld>
@@ -2206,7 +3000,7 @@
     </p:spTree>
     <p:extLst>
       <p:ext uri="{BB962C8B-B14F-4D97-AF65-F5344CB8AC3E}">
-        <p14:creationId xmlns:p14="http://schemas.microsoft.com/office/powerpoint/2010/main" val="2189443116"/>
+        <p14:creationId xmlns:p14="http://schemas.microsoft.com/office/powerpoint/2010/main" val="3081801029"/>
       </p:ext>
     </p:extLst>
   </p:cSld>
@@ -2260,70 +3054,61 @@
           <a:bodyPr/>
           <a:lstStyle/>
           <a:p>
-            <a:pPr marL="171450" indent="-171450">
+            <a:pPr marL="171450" lvl="0" indent="-171450">
               <a:buFont typeface="Arial" panose="020B0604020202020204" pitchFamily="34" charset="0"/>
               <a:buChar char="•"/>
             </a:pPr>
             <a:r>
-              <a:rPr lang="en-US" baseline="0" dirty="0" smtClean="0"/>
-              <a:t>The </a:t>
-            </a:r>
-            <a:r>
-              <a:rPr lang="en-US" baseline="0" dirty="0" err="1" smtClean="0"/>
-              <a:t>img</a:t>
-            </a:r>
-            <a:r>
-              <a:rPr lang="en-US" baseline="0" dirty="0" smtClean="0"/>
-              <a:t> element represents an image on the page.</a:t>
-            </a:r>
-          </a:p>
-          <a:p>
-            <a:pPr marL="171450" indent="-171450">
+              <a:rPr lang="en-US" sz="1200" kern="1200" dirty="0" smtClean="0">
+                <a:solidFill>
+                  <a:schemeClr val="tx1"/>
+                </a:solidFill>
+                <a:effectLst/>
+                <a:latin typeface="+mn-lt"/>
+                <a:ea typeface="+mn-ea"/>
+                <a:cs typeface="+mn-cs"/>
+              </a:rPr>
+              <a:t>What is the name of objects on the page?</a:t>
+            </a:r>
+          </a:p>
+          <a:p>
+            <a:pPr marL="171450" lvl="0" indent="-171450">
               <a:buFont typeface="Arial" panose="020B0604020202020204" pitchFamily="34" charset="0"/>
               <a:buChar char="•"/>
             </a:pPr>
             <a:r>
-              <a:rPr lang="en-US" baseline="0" dirty="0" smtClean="0"/>
-              <a:t>Here is an example of the element.</a:t>
-            </a:r>
-          </a:p>
-          <a:p>
-            <a:pPr marL="171450" indent="-171450">
-              <a:buFont typeface="Arial" panose="020B0604020202020204" pitchFamily="34" charset="0"/>
-              <a:buChar char="•"/>
-            </a:pPr>
-            <a:r>
-              <a:rPr lang="en-US" baseline="0" dirty="0" smtClean="0"/>
-              <a:t>There is a </a:t>
-            </a:r>
-            <a:r>
-              <a:rPr lang="en-US" baseline="0" dirty="0" err="1" smtClean="0"/>
-              <a:t>src</a:t>
-            </a:r>
-            <a:r>
-              <a:rPr lang="en-US" baseline="0" dirty="0" smtClean="0"/>
-              <a:t> attribute that defines where the image is in reference to the page.</a:t>
-            </a:r>
-          </a:p>
-          <a:p>
-            <a:pPr marL="171450" indent="-171450">
-              <a:buFont typeface="Arial" panose="020B0604020202020204" pitchFamily="34" charset="0"/>
-              <a:buChar char="•"/>
-            </a:pPr>
-            <a:r>
-              <a:rPr lang="en-US" baseline="0" dirty="0" smtClean="0"/>
-              <a:t>The alt attribute is text that shows if the image cannot be displayed for some reason.</a:t>
-            </a:r>
-          </a:p>
-          <a:p>
-            <a:pPr marL="171450" indent="-171450">
-              <a:buFont typeface="Arial" panose="020B0604020202020204" pitchFamily="34" charset="0"/>
-              <a:buChar char="•"/>
-            </a:pPr>
-            <a:r>
-              <a:rPr lang="en-US" baseline="0" dirty="0" smtClean="0"/>
-              <a:t>There is a width and height also, but it is recommended to use the style instead.</a:t>
-            </a:r>
+              <a:rPr lang="en-US" sz="1200" kern="1200" dirty="0" smtClean="0">
+                <a:solidFill>
+                  <a:schemeClr val="tx1"/>
+                </a:solidFill>
+                <a:effectLst/>
+                <a:latin typeface="+mn-lt"/>
+                <a:ea typeface="+mn-ea"/>
+                <a:cs typeface="+mn-cs"/>
+              </a:rPr>
+              <a:t>What are properties associated with an element called</a:t>
+            </a:r>
+            <a:r>
+              <a:rPr lang="en-US" sz="1200" kern="1200" dirty="0" smtClean="0">
+                <a:solidFill>
+                  <a:schemeClr val="tx1"/>
+                </a:solidFill>
+                <a:effectLst/>
+                <a:latin typeface="+mn-lt"/>
+                <a:ea typeface="+mn-ea"/>
+                <a:cs typeface="+mn-cs"/>
+              </a:rPr>
+              <a:t>?</a:t>
+            </a:r>
+            <a:endParaRPr lang="en-US" sz="1200" kern="1200" dirty="0" smtClean="0">
+              <a:solidFill>
+                <a:schemeClr val="tx1"/>
+              </a:solidFill>
+              <a:effectLst/>
+              <a:latin typeface="+mn-lt"/>
+              <a:ea typeface="+mn-ea"/>
+              <a:cs typeface="+mn-cs"/>
+            </a:endParaRPr>
           </a:p>
         </p:txBody>
       </p:sp>
@@ -2342,7 +3127,7 @@
           <a:bodyPr/>
           <a:lstStyle/>
           <a:p>
-            <a:fld id="{90562276-63C7-43F9-8E9E-CFA137F6F839}" type="slidenum">
+            <a:fld id="{226FA58D-4B12-4E7B-A2FA-693CE3EACDFD}" type="slidenum">
               <a:rPr lang="en-US" smtClean="0"/>
               <a:t>7</a:t>
             </a:fld>
@@ -2353,7 +3138,7 @@
     </p:spTree>
     <p:extLst>
       <p:ext uri="{BB962C8B-B14F-4D97-AF65-F5344CB8AC3E}">
-        <p14:creationId xmlns:p14="http://schemas.microsoft.com/office/powerpoint/2010/main" val="1217673261"/>
+        <p14:creationId xmlns:p14="http://schemas.microsoft.com/office/powerpoint/2010/main" val="2878688675"/>
       </p:ext>
     </p:extLst>
   </p:cSld>
@@ -2413,7 +3198,7 @@
             </a:pPr>
             <a:r>
               <a:rPr lang="en-US" baseline="0" dirty="0" smtClean="0"/>
-              <a:t>Links are represented by the a element.</a:t>
+              <a:t>Here are some common elements that you will see over and over again.</a:t>
             </a:r>
           </a:p>
           <a:p>
@@ -2422,16 +3207,12 @@
               <a:buChar char="•"/>
             </a:pPr>
             <a:r>
+              <a:rPr lang="en-US" baseline="0" dirty="0" err="1" smtClean="0"/>
+              <a:t>Div</a:t>
+            </a:r>
+            <a:r>
               <a:rPr lang="en-US" baseline="0" dirty="0" smtClean="0"/>
-              <a:t>The </a:t>
-            </a:r>
-            <a:r>
-              <a:rPr lang="en-US" baseline="0" dirty="0" err="1" smtClean="0"/>
-              <a:t>href</a:t>
-            </a:r>
-            <a:r>
-              <a:rPr lang="en-US" baseline="0" dirty="0" smtClean="0"/>
-              <a:t> attribute specifies the location of the link.</a:t>
+              <a:t> provides an empty container to be styled.</a:t>
             </a:r>
           </a:p>
           <a:p>
@@ -2441,7 +3222,7 @@
             </a:pPr>
             <a:r>
               <a:rPr lang="en-US" baseline="0" dirty="0" smtClean="0"/>
-              <a:t>The text of the link goes between the tags.</a:t>
+              <a:t>Span also provides an empty container to be styled, but inline.</a:t>
             </a:r>
           </a:p>
           <a:p>
@@ -2451,7 +3232,7 @@
             </a:pPr>
             <a:r>
               <a:rPr lang="en-US" baseline="0" dirty="0" smtClean="0"/>
-              <a:t>The paths can be specified in multiple ways.  </a:t>
+              <a:t>p represents a paragraph</a:t>
             </a:r>
           </a:p>
           <a:p>
@@ -2461,15 +3242,7 @@
             </a:pPr>
             <a:r>
               <a:rPr lang="en-US" baseline="0" dirty="0" smtClean="0"/>
-              <a:t>An absolute path can be specified with the full </a:t>
-            </a:r>
-            <a:r>
-              <a:rPr lang="en-US" baseline="0" dirty="0" err="1" smtClean="0"/>
-              <a:t>url</a:t>
-            </a:r>
-            <a:r>
-              <a:rPr lang="en-US" baseline="0" dirty="0" smtClean="0"/>
-              <a:t>.</a:t>
+              <a:t>h1, h2, h3, h4, h5, and h6 are different sizes of headings.</a:t>
             </a:r>
           </a:p>
           <a:p>
@@ -2478,8 +3251,12 @@
               <a:buChar char="•"/>
             </a:pPr>
             <a:r>
+              <a:rPr lang="en-US" baseline="0" dirty="0" err="1" smtClean="0"/>
+              <a:t>br</a:t>
+            </a:r>
+            <a:r>
               <a:rPr lang="en-US" baseline="0" dirty="0" smtClean="0"/>
-              <a:t>Or a relative path can be used in reference to the page that the link is displayed on.</a:t>
+              <a:t> represents a break</a:t>
             </a:r>
           </a:p>
           <a:p>
@@ -2488,9 +3265,27 @@
               <a:buChar char="•"/>
             </a:pPr>
             <a:r>
+              <a:rPr lang="en-US" baseline="0" dirty="0" err="1" smtClean="0"/>
+              <a:t>hr</a:t>
+            </a:r>
+            <a:r>
               <a:rPr lang="en-US" baseline="0" dirty="0" smtClean="0"/>
-              <a:t>The relative path is recommended if the link is hosted within the same site.</a:t>
-            </a:r>
+              <a:t> represents a horizontal line</a:t>
+            </a:r>
+          </a:p>
+          <a:p>
+            <a:pPr marL="171450" indent="-171450">
+              <a:buFont typeface="Arial" panose="020B0604020202020204" pitchFamily="34" charset="0"/>
+              <a:buChar char="•"/>
+            </a:pPr>
+            <a:endParaRPr lang="en-US" baseline="0" dirty="0" smtClean="0"/>
+          </a:p>
+          <a:p>
+            <a:pPr marL="171450" indent="-171450">
+              <a:buFont typeface="Arial" panose="020B0604020202020204" pitchFamily="34" charset="0"/>
+              <a:buChar char="•"/>
+            </a:pPr>
+            <a:endParaRPr lang="en-US" baseline="0" dirty="0" smtClean="0"/>
           </a:p>
         </p:txBody>
       </p:sp>
@@ -2520,7 +3315,7 @@
     </p:spTree>
     <p:extLst>
       <p:ext uri="{BB962C8B-B14F-4D97-AF65-F5344CB8AC3E}">
-        <p14:creationId xmlns:p14="http://schemas.microsoft.com/office/powerpoint/2010/main" val="330587490"/>
+        <p14:creationId xmlns:p14="http://schemas.microsoft.com/office/powerpoint/2010/main" val="2189443116"/>
       </p:ext>
     </p:extLst>
   </p:cSld>
@@ -2580,7 +3375,15 @@
             </a:pPr>
             <a:r>
               <a:rPr lang="en-US" baseline="0" dirty="0" smtClean="0"/>
-              <a:t>There are a number of elements that just exist to help make the page more semantic.</a:t>
+              <a:t>The </a:t>
+            </a:r>
+            <a:r>
+              <a:rPr lang="en-US" baseline="0" dirty="0" err="1" smtClean="0"/>
+              <a:t>img</a:t>
+            </a:r>
+            <a:r>
+              <a:rPr lang="en-US" baseline="0" dirty="0" smtClean="0"/>
+              <a:t> element represents an image on the page.</a:t>
             </a:r>
           </a:p>
           <a:p>
@@ -2590,7 +3393,7 @@
             </a:pPr>
             <a:r>
               <a:rPr lang="en-US" baseline="0" dirty="0" smtClean="0"/>
-              <a:t>This means that the elements are describing what is inside the element.</a:t>
+              <a:t>Here is an example of the element.</a:t>
             </a:r>
           </a:p>
           <a:p>
@@ -2600,7 +3403,35 @@
             </a:pPr>
             <a:r>
               <a:rPr lang="en-US" baseline="0" dirty="0" smtClean="0"/>
-              <a:t>This means that not only does the page work for users to use it in a browser, but it can also be used by other machines to read the page and figure out what to do with the text based upon what semantic element it’s in.</a:t>
+              <a:t>There is a </a:t>
+            </a:r>
+            <a:r>
+              <a:rPr lang="en-US" baseline="0" dirty="0" err="1" smtClean="0"/>
+              <a:t>src</a:t>
+            </a:r>
+            <a:r>
+              <a:rPr lang="en-US" baseline="0" dirty="0" smtClean="0"/>
+              <a:t> attribute that defines where the image is in reference to the page.</a:t>
+            </a:r>
+          </a:p>
+          <a:p>
+            <a:pPr marL="171450" indent="-171450">
+              <a:buFont typeface="Arial" panose="020B0604020202020204" pitchFamily="34" charset="0"/>
+              <a:buChar char="•"/>
+            </a:pPr>
+            <a:r>
+              <a:rPr lang="en-US" baseline="0" dirty="0" smtClean="0"/>
+              <a:t>The alt attribute is text that shows if the image cannot be displayed for some reason.</a:t>
+            </a:r>
+          </a:p>
+          <a:p>
+            <a:pPr marL="171450" indent="-171450">
+              <a:buFont typeface="Arial" panose="020B0604020202020204" pitchFamily="34" charset="0"/>
+              <a:buChar char="•"/>
+            </a:pPr>
+            <a:r>
+              <a:rPr lang="en-US" baseline="0" dirty="0" smtClean="0"/>
+              <a:t>There is a width and height also, but it is recommended to use the style instead.</a:t>
             </a:r>
           </a:p>
         </p:txBody>
@@ -2631,7 +3462,7 @@
     </p:spTree>
     <p:extLst>
       <p:ext uri="{BB962C8B-B14F-4D97-AF65-F5344CB8AC3E}">
-        <p14:creationId xmlns:p14="http://schemas.microsoft.com/office/powerpoint/2010/main" val="34666075"/>
+        <p14:creationId xmlns:p14="http://schemas.microsoft.com/office/powerpoint/2010/main" val="1217673261"/>
       </p:ext>
     </p:extLst>
   </p:cSld>
@@ -2685,104 +3516,7 @@
           <a:bodyPr/>
           <a:lstStyle/>
           <a:p>
-            <a:pPr marL="171450" indent="-171450">
-              <a:buFont typeface="Arial" panose="020B0604020202020204" pitchFamily="34" charset="0"/>
-              <a:buChar char="•"/>
-            </a:pPr>
-            <a:r>
-              <a:rPr lang="en-US" baseline="0" dirty="0" smtClean="0"/>
-              <a:t>The table element represents a table as you might imagine.</a:t>
-            </a:r>
-          </a:p>
-          <a:p>
-            <a:pPr marL="171450" indent="-171450">
-              <a:buFont typeface="Arial" panose="020B0604020202020204" pitchFamily="34" charset="0"/>
-              <a:buChar char="•"/>
-            </a:pPr>
-            <a:r>
-              <a:rPr lang="en-US" baseline="0" dirty="0" smtClean="0"/>
-              <a:t>There is a </a:t>
-            </a:r>
-            <a:r>
-              <a:rPr lang="en-US" baseline="0" dirty="0" err="1" smtClean="0"/>
-              <a:t>thead</a:t>
-            </a:r>
-            <a:r>
-              <a:rPr lang="en-US" baseline="0" dirty="0" smtClean="0"/>
-              <a:t> element that represent the header and a </a:t>
-            </a:r>
-            <a:r>
-              <a:rPr lang="en-US" baseline="0" dirty="0" err="1" smtClean="0"/>
-              <a:t>tbody</a:t>
-            </a:r>
-            <a:r>
-              <a:rPr lang="en-US" baseline="0" dirty="0" smtClean="0"/>
-              <a:t> element that represents the body of the table.</a:t>
-            </a:r>
-          </a:p>
-          <a:p>
-            <a:pPr marL="171450" indent="-171450">
-              <a:buFont typeface="Arial" panose="020B0604020202020204" pitchFamily="34" charset="0"/>
-              <a:buChar char="•"/>
-            </a:pPr>
-            <a:r>
-              <a:rPr lang="en-US" baseline="0" dirty="0" smtClean="0"/>
-              <a:t>The footer is represented by the </a:t>
-            </a:r>
-            <a:r>
-              <a:rPr lang="en-US" baseline="0" dirty="0" err="1" smtClean="0"/>
-              <a:t>tfoot</a:t>
-            </a:r>
-            <a:r>
-              <a:rPr lang="en-US" baseline="0" dirty="0" smtClean="0"/>
-              <a:t> element.</a:t>
-            </a:r>
-          </a:p>
-          <a:p>
-            <a:pPr marL="171450" indent="-171450">
-              <a:buFont typeface="Arial" panose="020B0604020202020204" pitchFamily="34" charset="0"/>
-              <a:buChar char="•"/>
-            </a:pPr>
-            <a:r>
-              <a:rPr lang="en-US" baseline="0" dirty="0" smtClean="0"/>
-              <a:t>These are optional.</a:t>
-            </a:r>
-          </a:p>
-          <a:p>
-            <a:pPr marL="171450" indent="-171450">
-              <a:buFont typeface="Arial" panose="020B0604020202020204" pitchFamily="34" charset="0"/>
-              <a:buChar char="•"/>
-            </a:pPr>
-            <a:r>
-              <a:rPr lang="en-US" baseline="0" dirty="0" smtClean="0"/>
-              <a:t>Inside the table the </a:t>
-            </a:r>
-            <a:r>
-              <a:rPr lang="en-US" baseline="0" dirty="0" err="1" smtClean="0"/>
-              <a:t>tr</a:t>
-            </a:r>
-            <a:r>
-              <a:rPr lang="en-US" baseline="0" dirty="0" smtClean="0"/>
-              <a:t> element represents a table row.</a:t>
-            </a:r>
-          </a:p>
-          <a:p>
-            <a:pPr marL="171450" indent="-171450">
-              <a:buFont typeface="Arial" panose="020B0604020202020204" pitchFamily="34" charset="0"/>
-              <a:buChar char="•"/>
-            </a:pPr>
-            <a:r>
-              <a:rPr lang="en-US" baseline="0" dirty="0" smtClean="0"/>
-              <a:t>Each column is represented by </a:t>
-            </a:r>
-            <a:r>
-              <a:rPr lang="en-US" baseline="0" dirty="0" err="1" smtClean="0"/>
-              <a:t>th</a:t>
-            </a:r>
-            <a:r>
-              <a:rPr lang="en-US" baseline="0" dirty="0" smtClean="0"/>
-              <a:t> in the header and td in the body.</a:t>
-            </a:r>
+            <a:endParaRPr lang="en-US" dirty="0"/>
           </a:p>
         </p:txBody>
       </p:sp>
@@ -2801,7 +3535,7 @@
           <a:bodyPr/>
           <a:lstStyle/>
           <a:p>
-            <a:fld id="{90562276-63C7-43F9-8E9E-CFA137F6F839}" type="slidenum">
+            <a:fld id="{CB14DD28-1949-4B74-B4FA-306122DED2C3}" type="slidenum">
               <a:rPr lang="en-US" smtClean="0"/>
               <a:t>10</a:t>
             </a:fld>
@@ -2812,7 +3546,7 @@
     </p:spTree>
     <p:extLst>
       <p:ext uri="{BB962C8B-B14F-4D97-AF65-F5344CB8AC3E}">
-        <p14:creationId xmlns:p14="http://schemas.microsoft.com/office/powerpoint/2010/main" val="190889969"/>
+        <p14:creationId xmlns:p14="http://schemas.microsoft.com/office/powerpoint/2010/main" val="3809248829"/>
       </p:ext>
     </p:extLst>
   </p:cSld>
@@ -3008,7 +3742,7 @@
           <a:p>
             <a:fld id="{96FB5D56-0812-4ED5-8B52-3D0DCBF578CB}" type="datetimeFigureOut">
               <a:rPr lang="en-US" smtClean="0"/>
-              <a:t>1/21/2018</a:t>
+              <a:t>2/4/2018</a:t>
             </a:fld>
             <a:endParaRPr lang="en-US"/>
           </a:p>
@@ -3283,7 +4017,7 @@
           <a:p>
             <a:fld id="{96FB5D56-0812-4ED5-8B52-3D0DCBF578CB}" type="datetimeFigureOut">
               <a:rPr lang="en-US" smtClean="0"/>
-              <a:t>1/21/2018</a:t>
+              <a:t>2/4/2018</a:t>
             </a:fld>
             <a:endParaRPr lang="en-US"/>
           </a:p>
@@ -3477,7 +4211,7 @@
           <a:p>
             <a:fld id="{96FB5D56-0812-4ED5-8B52-3D0DCBF578CB}" type="datetimeFigureOut">
               <a:rPr lang="en-US" smtClean="0"/>
-              <a:t>1/21/2018</a:t>
+              <a:t>2/4/2018</a:t>
             </a:fld>
             <a:endParaRPr lang="en-US"/>
           </a:p>
@@ -3750,7 +4484,7 @@
           <a:p>
             <a:fld id="{96FB5D56-0812-4ED5-8B52-3D0DCBF578CB}" type="datetimeFigureOut">
               <a:rPr lang="en-US" smtClean="0"/>
-              <a:t>1/21/2018</a:t>
+              <a:t>2/4/2018</a:t>
             </a:fld>
             <a:endParaRPr lang="en-US"/>
           </a:p>
@@ -4091,7 +4825,7 @@
           <a:p>
             <a:fld id="{96FB5D56-0812-4ED5-8B52-3D0DCBF578CB}" type="datetimeFigureOut">
               <a:rPr lang="en-US" smtClean="0"/>
-              <a:t>1/21/2018</a:t>
+              <a:t>2/4/2018</a:t>
             </a:fld>
             <a:endParaRPr lang="en-US"/>
           </a:p>
@@ -4714,7 +5448,7 @@
           <a:p>
             <a:fld id="{96FB5D56-0812-4ED5-8B52-3D0DCBF578CB}" type="datetimeFigureOut">
               <a:rPr lang="en-US" smtClean="0"/>
-              <a:t>1/21/2018</a:t>
+              <a:t>2/4/2018</a:t>
             </a:fld>
             <a:endParaRPr lang="en-US"/>
           </a:p>
@@ -5574,7 +6308,7 @@
           <a:p>
             <a:fld id="{96FB5D56-0812-4ED5-8B52-3D0DCBF578CB}" type="datetimeFigureOut">
               <a:rPr lang="en-US" smtClean="0"/>
-              <a:t>1/21/2018</a:t>
+              <a:t>2/4/2018</a:t>
             </a:fld>
             <a:endParaRPr lang="en-US"/>
           </a:p>
@@ -5744,7 +6478,7 @@
           <a:p>
             <a:fld id="{96FB5D56-0812-4ED5-8B52-3D0DCBF578CB}" type="datetimeFigureOut">
               <a:rPr lang="en-US" smtClean="0"/>
-              <a:t>1/21/2018</a:t>
+              <a:t>2/4/2018</a:t>
             </a:fld>
             <a:endParaRPr lang="en-US"/>
           </a:p>
@@ -5924,7 +6658,7 @@
           <a:p>
             <a:fld id="{96FB5D56-0812-4ED5-8B52-3D0DCBF578CB}" type="datetimeFigureOut">
               <a:rPr lang="en-US" smtClean="0"/>
-              <a:t>1/21/2018</a:t>
+              <a:t>2/4/2018</a:t>
             </a:fld>
             <a:endParaRPr lang="en-US"/>
           </a:p>
@@ -6094,7 +6828,7 @@
           <a:p>
             <a:fld id="{96FB5D56-0812-4ED5-8B52-3D0DCBF578CB}" type="datetimeFigureOut">
               <a:rPr lang="en-US" smtClean="0"/>
-              <a:t>1/21/2018</a:t>
+              <a:t>2/4/2018</a:t>
             </a:fld>
             <a:endParaRPr lang="en-US"/>
           </a:p>
@@ -6341,7 +7075,7 @@
           <a:p>
             <a:fld id="{96FB5D56-0812-4ED5-8B52-3D0DCBF578CB}" type="datetimeFigureOut">
               <a:rPr lang="en-US" smtClean="0"/>
-              <a:t>1/21/2018</a:t>
+              <a:t>2/4/2018</a:t>
             </a:fld>
             <a:endParaRPr lang="en-US"/>
           </a:p>
@@ -6633,7 +7367,7 @@
           <a:p>
             <a:fld id="{96FB5D56-0812-4ED5-8B52-3D0DCBF578CB}" type="datetimeFigureOut">
               <a:rPr lang="en-US" smtClean="0"/>
-              <a:t>1/21/2018</a:t>
+              <a:t>2/4/2018</a:t>
             </a:fld>
             <a:endParaRPr lang="en-US"/>
           </a:p>
@@ -7077,7 +7811,7 @@
           <a:p>
             <a:fld id="{96FB5D56-0812-4ED5-8B52-3D0DCBF578CB}" type="datetimeFigureOut">
               <a:rPr lang="en-US" smtClean="0"/>
-              <a:t>1/21/2018</a:t>
+              <a:t>2/4/2018</a:t>
             </a:fld>
             <a:endParaRPr lang="en-US"/>
           </a:p>
@@ -7195,7 +7929,7 @@
           <a:p>
             <a:fld id="{96FB5D56-0812-4ED5-8B52-3D0DCBF578CB}" type="datetimeFigureOut">
               <a:rPr lang="en-US" smtClean="0"/>
-              <a:t>1/21/2018</a:t>
+              <a:t>2/4/2018</a:t>
             </a:fld>
             <a:endParaRPr lang="en-US"/>
           </a:p>
@@ -7290,7 +8024,7 @@
           <a:p>
             <a:fld id="{96FB5D56-0812-4ED5-8B52-3D0DCBF578CB}" type="datetimeFigureOut">
               <a:rPr lang="en-US" smtClean="0"/>
-              <a:t>1/21/2018</a:t>
+              <a:t>2/4/2018</a:t>
             </a:fld>
             <a:endParaRPr lang="en-US"/>
           </a:p>
@@ -7569,7 +8303,7 @@
           <a:p>
             <a:fld id="{96FB5D56-0812-4ED5-8B52-3D0DCBF578CB}" type="datetimeFigureOut">
               <a:rPr lang="en-US" smtClean="0"/>
-              <a:t>1/21/2018</a:t>
+              <a:t>2/4/2018</a:t>
             </a:fld>
             <a:endParaRPr lang="en-US"/>
           </a:p>
@@ -7844,7 +8578,7 @@
           <a:p>
             <a:fld id="{96FB5D56-0812-4ED5-8B52-3D0DCBF578CB}" type="datetimeFigureOut">
               <a:rPr lang="en-US" smtClean="0"/>
-              <a:t>1/21/2018</a:t>
+              <a:t>2/4/2018</a:t>
             </a:fld>
             <a:endParaRPr lang="en-US"/>
           </a:p>
@@ -8273,7 +9007,7 @@
           <a:p>
             <a:fld id="{96FB5D56-0812-4ED5-8B52-3D0DCBF578CB}" type="datetimeFigureOut">
               <a:rPr lang="en-US" smtClean="0"/>
-              <a:t>1/21/2018</a:t>
+              <a:t>2/4/2018</a:t>
             </a:fld>
             <a:endParaRPr lang="en-US"/>
           </a:p>
@@ -8911,6 +9645,866 @@
           <a:p>
             <a:r>
               <a:rPr lang="en-US" dirty="0" smtClean="0"/>
+              <a:t>EXAMPLE</a:t>
+            </a:r>
+            <a:endParaRPr lang="en-US" dirty="0"/>
+          </a:p>
+        </p:txBody>
+      </p:sp>
+      <p:sp>
+        <p:nvSpPr>
+          <p:cNvPr id="3" name="Text Placeholder 2"/>
+          <p:cNvSpPr>
+            <a:spLocks noGrp="1"/>
+          </p:cNvSpPr>
+          <p:nvPr>
+            <p:ph type="body" idx="1"/>
+          </p:nvPr>
+        </p:nvSpPr>
+        <p:spPr/>
+        <p:txBody>
+          <a:bodyPr/>
+          <a:lstStyle/>
+          <a:p>
+            <a:r>
+              <a:rPr lang="en-US" dirty="0" err="1" smtClean="0"/>
+              <a:t>iMAGES</a:t>
+            </a:r>
+            <a:endParaRPr lang="en-US" dirty="0"/>
+          </a:p>
+        </p:txBody>
+      </p:sp>
+      <p:pic>
+        <p:nvPicPr>
+          <p:cNvPr id="4" name="Content Placeholder 4"/>
+          <p:cNvPicPr>
+            <a:picLocks noChangeAspect="1"/>
+          </p:cNvPicPr>
+          <p:nvPr/>
+        </p:nvPicPr>
+        <p:blipFill>
+          <a:blip r:embed="rId3">
+            <a:extLst>
+              <a:ext uri="{28A0092B-C50C-407E-A947-70E740481C1C}">
+                <a14:useLocalDpi xmlns:a14="http://schemas.microsoft.com/office/drawing/2010/main" val="0"/>
+              </a:ext>
+            </a:extLst>
+          </a:blip>
+          <a:stretch>
+            <a:fillRect/>
+          </a:stretch>
+        </p:blipFill>
+        <p:spPr>
+          <a:xfrm>
+            <a:off x="1154955" y="563880"/>
+            <a:ext cx="3819192" cy="3055354"/>
+          </a:xfrm>
+          <a:prstGeom prst="rect">
+            <a:avLst/>
+          </a:prstGeom>
+        </p:spPr>
+      </p:pic>
+    </p:spTree>
+    <p:extLst>
+      <p:ext uri="{BB962C8B-B14F-4D97-AF65-F5344CB8AC3E}">
+        <p14:creationId xmlns:p14="http://schemas.microsoft.com/office/powerpoint/2010/main" val="2764870214"/>
+      </p:ext>
+    </p:extLst>
+  </p:cSld>
+  <p:clrMapOvr>
+    <a:masterClrMapping/>
+  </p:clrMapOvr>
+  <p:timing>
+    <p:tnLst>
+      <p:par>
+        <p:cTn id="1" dur="indefinite" restart="never" nodeType="tmRoot"/>
+      </p:par>
+    </p:tnLst>
+  </p:timing>
+</p:sld>
+</file>
+
+<file path=ppt/slides/slide11.xml><?xml version="1.0" encoding="utf-8"?>
+<p:sld xmlns:a="http://schemas.openxmlformats.org/drawingml/2006/main" xmlns:r="http://schemas.openxmlformats.org/officeDocument/2006/relationships" xmlns:p="http://schemas.openxmlformats.org/presentationml/2006/main">
+  <p:cSld>
+    <p:spTree>
+      <p:nvGrpSpPr>
+        <p:cNvPr id="1" name=""/>
+        <p:cNvGrpSpPr/>
+        <p:nvPr/>
+      </p:nvGrpSpPr>
+      <p:grpSpPr>
+        <a:xfrm>
+          <a:off x="0" y="0"/>
+          <a:ext cx="0" cy="0"/>
+          <a:chOff x="0" y="0"/>
+          <a:chExt cx="0" cy="0"/>
+        </a:xfrm>
+      </p:grpSpPr>
+      <p:sp>
+        <p:nvSpPr>
+          <p:cNvPr id="2" name="Title 1"/>
+          <p:cNvSpPr>
+            <a:spLocks noGrp="1"/>
+          </p:cNvSpPr>
+          <p:nvPr>
+            <p:ph type="ctrTitle"/>
+          </p:nvPr>
+        </p:nvSpPr>
+        <p:spPr/>
+        <p:txBody>
+          <a:bodyPr/>
+          <a:lstStyle/>
+          <a:p>
+            <a:r>
+              <a:rPr lang="en-US" dirty="0" smtClean="0"/>
+              <a:t>ASSESSMENT</a:t>
+            </a:r>
+            <a:endParaRPr lang="en-US" dirty="0"/>
+          </a:p>
+        </p:txBody>
+      </p:sp>
+      <p:sp>
+        <p:nvSpPr>
+          <p:cNvPr id="3" name="Subtitle 2"/>
+          <p:cNvSpPr>
+            <a:spLocks noGrp="1"/>
+          </p:cNvSpPr>
+          <p:nvPr>
+            <p:ph type="subTitle" idx="1"/>
+          </p:nvPr>
+        </p:nvSpPr>
+        <p:spPr/>
+        <p:txBody>
+          <a:bodyPr/>
+          <a:lstStyle/>
+          <a:p>
+            <a:r>
+              <a:rPr lang="en-US" dirty="0" smtClean="0"/>
+              <a:t>Paragraph</a:t>
+            </a:r>
+            <a:r>
+              <a:rPr lang="en-US" dirty="0"/>
+              <a:t> </a:t>
+            </a:r>
+            <a:r>
+              <a:rPr lang="en-US" dirty="0" smtClean="0"/>
+              <a:t>and Images</a:t>
+            </a:r>
+            <a:endParaRPr lang="en-US" dirty="0"/>
+          </a:p>
+        </p:txBody>
+      </p:sp>
+      <p:pic>
+        <p:nvPicPr>
+          <p:cNvPr id="4" name="Picture 3"/>
+          <p:cNvPicPr>
+            <a:picLocks noChangeAspect="1"/>
+          </p:cNvPicPr>
+          <p:nvPr/>
+        </p:nvPicPr>
+        <p:blipFill>
+          <a:blip r:embed="rId3">
+            <a:extLst>
+              <a:ext uri="{28A0092B-C50C-407E-A947-70E740481C1C}">
+                <a14:useLocalDpi xmlns:a14="http://schemas.microsoft.com/office/drawing/2010/main" val="0"/>
+              </a:ext>
+            </a:extLst>
+          </a:blip>
+          <a:stretch>
+            <a:fillRect/>
+          </a:stretch>
+        </p:blipFill>
+        <p:spPr>
+          <a:xfrm>
+            <a:off x="7950200" y="1447800"/>
+            <a:ext cx="3571240" cy="4529836"/>
+          </a:xfrm>
+          <a:prstGeom prst="rect">
+            <a:avLst/>
+          </a:prstGeom>
+        </p:spPr>
+      </p:pic>
+    </p:spTree>
+    <p:extLst>
+      <p:ext uri="{BB962C8B-B14F-4D97-AF65-F5344CB8AC3E}">
+        <p14:creationId xmlns:p14="http://schemas.microsoft.com/office/powerpoint/2010/main" val="1027029863"/>
+      </p:ext>
+    </p:extLst>
+  </p:cSld>
+  <p:clrMapOvr>
+    <a:masterClrMapping/>
+  </p:clrMapOvr>
+  <p:timing>
+    <p:tnLst>
+      <p:par>
+        <p:cTn id="1" dur="indefinite" restart="never" nodeType="tmRoot"/>
+      </p:par>
+    </p:tnLst>
+  </p:timing>
+</p:sld>
+</file>
+
+<file path=ppt/slides/slide12.xml><?xml version="1.0" encoding="utf-8"?>
+<p:sld xmlns:a="http://schemas.openxmlformats.org/drawingml/2006/main" xmlns:r="http://schemas.openxmlformats.org/officeDocument/2006/relationships" xmlns:p="http://schemas.openxmlformats.org/presentationml/2006/main">
+  <p:cSld>
+    <p:spTree>
+      <p:nvGrpSpPr>
+        <p:cNvPr id="1" name=""/>
+        <p:cNvGrpSpPr/>
+        <p:nvPr/>
+      </p:nvGrpSpPr>
+      <p:grpSpPr>
+        <a:xfrm>
+          <a:off x="0" y="0"/>
+          <a:ext cx="0" cy="0"/>
+          <a:chOff x="0" y="0"/>
+          <a:chExt cx="0" cy="0"/>
+        </a:xfrm>
+      </p:grpSpPr>
+      <p:sp>
+        <p:nvSpPr>
+          <p:cNvPr id="2" name="Title 1"/>
+          <p:cNvSpPr>
+            <a:spLocks noGrp="1"/>
+          </p:cNvSpPr>
+          <p:nvPr>
+            <p:ph type="title"/>
+          </p:nvPr>
+        </p:nvSpPr>
+        <p:spPr/>
+        <p:txBody>
+          <a:bodyPr/>
+          <a:lstStyle/>
+          <a:p>
+            <a:r>
+              <a:rPr lang="en-US" dirty="0" smtClean="0"/>
+              <a:t>Assignment</a:t>
+            </a:r>
+            <a:endParaRPr lang="en-US" dirty="0"/>
+          </a:p>
+        </p:txBody>
+      </p:sp>
+      <p:sp>
+        <p:nvSpPr>
+          <p:cNvPr id="3" name="Content Placeholder 2"/>
+          <p:cNvSpPr>
+            <a:spLocks noGrp="1"/>
+          </p:cNvSpPr>
+          <p:nvPr>
+            <p:ph sz="half" idx="1"/>
+          </p:nvPr>
+        </p:nvSpPr>
+        <p:spPr>
+          <a:xfrm>
+            <a:off x="496388" y="1387975"/>
+            <a:ext cx="7772401" cy="5119408"/>
+          </a:xfrm>
+        </p:spPr>
+        <p:txBody>
+          <a:bodyPr>
+            <a:normAutofit lnSpcReduction="10000"/>
+          </a:bodyPr>
+          <a:lstStyle/>
+          <a:p>
+            <a:r>
+              <a:rPr lang="en-US" sz="3200" dirty="0" smtClean="0"/>
+              <a:t>Write an interface for our status report.</a:t>
+            </a:r>
+            <a:endParaRPr lang="en-US" sz="3200" dirty="0"/>
+          </a:p>
+          <a:p>
+            <a:pPr lvl="0"/>
+            <a:r>
+              <a:rPr lang="en-US" sz="3200" dirty="0" smtClean="0"/>
+              <a:t>Write the basic html structure with header text and title of “Zombie Status Report”.</a:t>
+            </a:r>
+          </a:p>
+          <a:p>
+            <a:pPr lvl="0"/>
+            <a:r>
+              <a:rPr lang="en-US" sz="3200" dirty="0" smtClean="0"/>
+              <a:t>Under the title, link to an image that you find online or have on your computer.</a:t>
+            </a:r>
+          </a:p>
+          <a:p>
+            <a:pPr lvl="0"/>
+            <a:r>
+              <a:rPr lang="en-US" sz="3200" dirty="0" smtClean="0"/>
+              <a:t>Under the image add a paragraph tag describing the report.</a:t>
+            </a:r>
+            <a:endParaRPr lang="en-US" sz="3200" dirty="0" smtClean="0"/>
+          </a:p>
+          <a:p>
+            <a:pPr lvl="0"/>
+            <a:endParaRPr lang="en-US" sz="2800" dirty="0"/>
+          </a:p>
+        </p:txBody>
+      </p:sp>
+      <p:pic>
+        <p:nvPicPr>
+          <p:cNvPr id="5" name="Content Placeholder 4"/>
+          <p:cNvPicPr>
+            <a:picLocks noGrp="1" noChangeAspect="1"/>
+          </p:cNvPicPr>
+          <p:nvPr>
+            <p:ph sz="half" idx="2"/>
+          </p:nvPr>
+        </p:nvPicPr>
+        <p:blipFill>
+          <a:blip r:embed="rId3">
+            <a:extLst>
+              <a:ext uri="{28A0092B-C50C-407E-A947-70E740481C1C}">
+                <a14:useLocalDpi xmlns:a14="http://schemas.microsoft.com/office/drawing/2010/main" val="0"/>
+              </a:ext>
+            </a:extLst>
+          </a:blip>
+          <a:stretch>
+            <a:fillRect/>
+          </a:stretch>
+        </p:blipFill>
+        <p:spPr>
+          <a:xfrm>
+            <a:off x="8630940" y="1387975"/>
+            <a:ext cx="3179422" cy="5119408"/>
+          </a:xfrm>
+        </p:spPr>
+      </p:pic>
+    </p:spTree>
+    <p:extLst>
+      <p:ext uri="{BB962C8B-B14F-4D97-AF65-F5344CB8AC3E}">
+        <p14:creationId xmlns:p14="http://schemas.microsoft.com/office/powerpoint/2010/main" val="2187233602"/>
+      </p:ext>
+    </p:extLst>
+  </p:cSld>
+  <p:clrMapOvr>
+    <a:masterClrMapping/>
+  </p:clrMapOvr>
+</p:sld>
+</file>
+
+<file path=ppt/slides/slide13.xml><?xml version="1.0" encoding="utf-8"?>
+<p:sld xmlns:a="http://schemas.openxmlformats.org/drawingml/2006/main" xmlns:r="http://schemas.openxmlformats.org/officeDocument/2006/relationships" xmlns:p="http://schemas.openxmlformats.org/presentationml/2006/main">
+  <p:cSld>
+    <p:spTree>
+      <p:nvGrpSpPr>
+        <p:cNvPr id="1" name=""/>
+        <p:cNvGrpSpPr/>
+        <p:nvPr/>
+      </p:nvGrpSpPr>
+      <p:grpSpPr>
+        <a:xfrm>
+          <a:off x="0" y="0"/>
+          <a:ext cx="0" cy="0"/>
+          <a:chOff x="0" y="0"/>
+          <a:chExt cx="0" cy="0"/>
+        </a:xfrm>
+      </p:grpSpPr>
+      <p:sp>
+        <p:nvSpPr>
+          <p:cNvPr id="2" name="Title 1"/>
+          <p:cNvSpPr>
+            <a:spLocks noGrp="1"/>
+          </p:cNvSpPr>
+          <p:nvPr>
+            <p:ph type="title"/>
+          </p:nvPr>
+        </p:nvSpPr>
+        <p:spPr/>
+        <p:txBody>
+          <a:bodyPr/>
+          <a:lstStyle/>
+          <a:p>
+            <a:r>
+              <a:rPr lang="en-US" dirty="0" smtClean="0"/>
+              <a:t>Links (Hyperlinks)</a:t>
+            </a:r>
+            <a:endParaRPr lang="en-US" dirty="0"/>
+          </a:p>
+        </p:txBody>
+      </p:sp>
+      <p:sp>
+        <p:nvSpPr>
+          <p:cNvPr id="3" name="Content Placeholder 2"/>
+          <p:cNvSpPr>
+            <a:spLocks noGrp="1"/>
+          </p:cNvSpPr>
+          <p:nvPr>
+            <p:ph sz="half" idx="1"/>
+          </p:nvPr>
+        </p:nvSpPr>
+        <p:spPr/>
+        <p:txBody>
+          <a:bodyPr>
+            <a:normAutofit fontScale="92500" lnSpcReduction="20000"/>
+          </a:bodyPr>
+          <a:lstStyle/>
+          <a:p>
+            <a:r>
+              <a:rPr lang="en-US" dirty="0" smtClean="0"/>
+              <a:t>Represented by the a Element</a:t>
+            </a:r>
+          </a:p>
+          <a:p>
+            <a:r>
+              <a:rPr lang="en-US" dirty="0" smtClean="0"/>
+              <a:t>Attributes:</a:t>
+            </a:r>
+          </a:p>
+          <a:p>
+            <a:pPr lvl="1"/>
+            <a:r>
+              <a:rPr lang="en-US" dirty="0" err="1" smtClean="0"/>
+              <a:t>Href</a:t>
+            </a:r>
+            <a:endParaRPr lang="en-US" dirty="0" smtClean="0"/>
+          </a:p>
+          <a:p>
+            <a:r>
+              <a:rPr lang="en-US" dirty="0" smtClean="0"/>
+              <a:t>Absolute Path</a:t>
+            </a:r>
+          </a:p>
+          <a:p>
+            <a:pPr lvl="1"/>
+            <a:r>
+              <a:rPr lang="en-US" dirty="0" smtClean="0"/>
+              <a:t>http://www.google.com</a:t>
+            </a:r>
+          </a:p>
+          <a:p>
+            <a:r>
+              <a:rPr lang="en-US" dirty="0" smtClean="0"/>
+              <a:t>Relative Paths</a:t>
+            </a:r>
+          </a:p>
+          <a:p>
+            <a:pPr lvl="1"/>
+            <a:r>
+              <a:rPr lang="en-US" dirty="0" smtClean="0"/>
+              <a:t>About.html</a:t>
+            </a:r>
+          </a:p>
+          <a:p>
+            <a:pPr lvl="1"/>
+            <a:r>
+              <a:rPr lang="en-US" dirty="0" smtClean="0"/>
+              <a:t>../About.html</a:t>
+            </a:r>
+          </a:p>
+          <a:p>
+            <a:pPr lvl="1"/>
+            <a:r>
+              <a:rPr lang="en-US" dirty="0" smtClean="0"/>
+              <a:t>/Company/About.html</a:t>
+            </a:r>
+          </a:p>
+          <a:p>
+            <a:pPr marL="274320" lvl="1" indent="0">
+              <a:buNone/>
+            </a:pPr>
+            <a:endParaRPr lang="en-US" dirty="0" smtClean="0"/>
+          </a:p>
+          <a:p>
+            <a:pPr marL="45720" indent="0">
+              <a:spcBef>
+                <a:spcPts val="100"/>
+              </a:spcBef>
+              <a:buNone/>
+            </a:pPr>
+            <a:r>
+              <a:rPr lang="en-US" dirty="0" smtClean="0"/>
+              <a:t>Example:</a:t>
+            </a:r>
+          </a:p>
+          <a:p>
+            <a:pPr marL="45720" indent="0">
+              <a:spcBef>
+                <a:spcPts val="100"/>
+              </a:spcBef>
+              <a:buNone/>
+            </a:pPr>
+            <a:r>
+              <a:rPr lang="en-US" dirty="0" smtClean="0"/>
+              <a:t>&lt;a </a:t>
+            </a:r>
+            <a:r>
+              <a:rPr lang="en-US" dirty="0" err="1" smtClean="0"/>
+              <a:t>href</a:t>
+            </a:r>
+            <a:r>
+              <a:rPr lang="en-US" dirty="0" smtClean="0"/>
+              <a:t>=“http://www.google.com”&gt;Google Link&lt;/a&gt;</a:t>
+            </a:r>
+          </a:p>
+          <a:p>
+            <a:endParaRPr lang="en-US" dirty="0"/>
+          </a:p>
+        </p:txBody>
+      </p:sp>
+      <p:pic>
+        <p:nvPicPr>
+          <p:cNvPr id="5" name="Content Placeholder 4"/>
+          <p:cNvPicPr>
+            <a:picLocks noGrp="1" noChangeAspect="1"/>
+          </p:cNvPicPr>
+          <p:nvPr>
+            <p:ph sz="half" idx="2"/>
+          </p:nvPr>
+        </p:nvPicPr>
+        <p:blipFill>
+          <a:blip r:embed="rId3">
+            <a:extLst>
+              <a:ext uri="{28A0092B-C50C-407E-A947-70E740481C1C}">
+                <a14:useLocalDpi xmlns:a14="http://schemas.microsoft.com/office/drawing/2010/main" val="0"/>
+              </a:ext>
+            </a:extLst>
+          </a:blip>
+          <a:stretch>
+            <a:fillRect/>
+          </a:stretch>
+        </p:blipFill>
+        <p:spPr>
+          <a:xfrm>
+            <a:off x="5968183" y="2365747"/>
+            <a:ext cx="4395788" cy="2718509"/>
+          </a:xfrm>
+        </p:spPr>
+      </p:pic>
+    </p:spTree>
+    <p:extLst>
+      <p:ext uri="{BB962C8B-B14F-4D97-AF65-F5344CB8AC3E}">
+        <p14:creationId xmlns:p14="http://schemas.microsoft.com/office/powerpoint/2010/main" val="2370260309"/>
+      </p:ext>
+    </p:extLst>
+  </p:cSld>
+  <p:clrMapOvr>
+    <a:masterClrMapping/>
+  </p:clrMapOvr>
+</p:sld>
+</file>
+
+<file path=ppt/slides/slide14.xml><?xml version="1.0" encoding="utf-8"?>
+<p:sld xmlns:a="http://schemas.openxmlformats.org/drawingml/2006/main" xmlns:r="http://schemas.openxmlformats.org/officeDocument/2006/relationships" xmlns:p="http://schemas.openxmlformats.org/presentationml/2006/main">
+  <p:cSld>
+    <p:spTree>
+      <p:nvGrpSpPr>
+        <p:cNvPr id="1" name=""/>
+        <p:cNvGrpSpPr/>
+        <p:nvPr/>
+      </p:nvGrpSpPr>
+      <p:grpSpPr>
+        <a:xfrm>
+          <a:off x="0" y="0"/>
+          <a:ext cx="0" cy="0"/>
+          <a:chOff x="0" y="0"/>
+          <a:chExt cx="0" cy="0"/>
+        </a:xfrm>
+      </p:grpSpPr>
+      <p:sp>
+        <p:nvSpPr>
+          <p:cNvPr id="2" name="Title 1"/>
+          <p:cNvSpPr>
+            <a:spLocks noGrp="1"/>
+          </p:cNvSpPr>
+          <p:nvPr>
+            <p:ph type="title"/>
+          </p:nvPr>
+        </p:nvSpPr>
+        <p:spPr/>
+        <p:txBody>
+          <a:bodyPr/>
+          <a:lstStyle/>
+          <a:p>
+            <a:r>
+              <a:rPr lang="en-US" dirty="0" smtClean="0"/>
+              <a:t>EXAMPLE</a:t>
+            </a:r>
+            <a:endParaRPr lang="en-US" dirty="0"/>
+          </a:p>
+        </p:txBody>
+      </p:sp>
+      <p:sp>
+        <p:nvSpPr>
+          <p:cNvPr id="3" name="Text Placeholder 2"/>
+          <p:cNvSpPr>
+            <a:spLocks noGrp="1"/>
+          </p:cNvSpPr>
+          <p:nvPr>
+            <p:ph type="body" idx="1"/>
+          </p:nvPr>
+        </p:nvSpPr>
+        <p:spPr/>
+        <p:txBody>
+          <a:bodyPr/>
+          <a:lstStyle/>
+          <a:p>
+            <a:r>
+              <a:rPr lang="en-US" dirty="0" err="1" smtClean="0"/>
+              <a:t>lINKS</a:t>
+            </a:r>
+            <a:endParaRPr lang="en-US" dirty="0"/>
+          </a:p>
+        </p:txBody>
+      </p:sp>
+      <p:pic>
+        <p:nvPicPr>
+          <p:cNvPr id="4" name="Content Placeholder 4"/>
+          <p:cNvPicPr>
+            <a:picLocks noChangeAspect="1"/>
+          </p:cNvPicPr>
+          <p:nvPr/>
+        </p:nvPicPr>
+        <p:blipFill>
+          <a:blip r:embed="rId3">
+            <a:extLst>
+              <a:ext uri="{28A0092B-C50C-407E-A947-70E740481C1C}">
+                <a14:useLocalDpi xmlns:a14="http://schemas.microsoft.com/office/drawing/2010/main" val="0"/>
+              </a:ext>
+            </a:extLst>
+          </a:blip>
+          <a:stretch>
+            <a:fillRect/>
+          </a:stretch>
+        </p:blipFill>
+        <p:spPr>
+          <a:xfrm>
+            <a:off x="1154955" y="563880"/>
+            <a:ext cx="3819192" cy="3055354"/>
+          </a:xfrm>
+          <a:prstGeom prst="rect">
+            <a:avLst/>
+          </a:prstGeom>
+        </p:spPr>
+      </p:pic>
+    </p:spTree>
+    <p:extLst>
+      <p:ext uri="{BB962C8B-B14F-4D97-AF65-F5344CB8AC3E}">
+        <p14:creationId xmlns:p14="http://schemas.microsoft.com/office/powerpoint/2010/main" val="2596598311"/>
+      </p:ext>
+    </p:extLst>
+  </p:cSld>
+  <p:clrMapOvr>
+    <a:masterClrMapping/>
+  </p:clrMapOvr>
+  <p:timing>
+    <p:tnLst>
+      <p:par>
+        <p:cTn id="1" dur="indefinite" restart="never" nodeType="tmRoot"/>
+      </p:par>
+    </p:tnLst>
+  </p:timing>
+</p:sld>
+</file>
+
+<file path=ppt/slides/slide15.xml><?xml version="1.0" encoding="utf-8"?>
+<p:sld xmlns:a="http://schemas.openxmlformats.org/drawingml/2006/main" xmlns:r="http://schemas.openxmlformats.org/officeDocument/2006/relationships" xmlns:p="http://schemas.openxmlformats.org/presentationml/2006/main">
+  <p:cSld>
+    <p:spTree>
+      <p:nvGrpSpPr>
+        <p:cNvPr id="1" name=""/>
+        <p:cNvGrpSpPr/>
+        <p:nvPr/>
+      </p:nvGrpSpPr>
+      <p:grpSpPr>
+        <a:xfrm>
+          <a:off x="0" y="0"/>
+          <a:ext cx="0" cy="0"/>
+          <a:chOff x="0" y="0"/>
+          <a:chExt cx="0" cy="0"/>
+        </a:xfrm>
+      </p:grpSpPr>
+      <p:sp>
+        <p:nvSpPr>
+          <p:cNvPr id="2" name="Title 1"/>
+          <p:cNvSpPr>
+            <a:spLocks noGrp="1"/>
+          </p:cNvSpPr>
+          <p:nvPr>
+            <p:ph type="title"/>
+          </p:nvPr>
+        </p:nvSpPr>
+        <p:spPr/>
+        <p:txBody>
+          <a:bodyPr/>
+          <a:lstStyle/>
+          <a:p>
+            <a:r>
+              <a:rPr lang="en-US" dirty="0" smtClean="0"/>
+              <a:t>Semantic Elements</a:t>
+            </a:r>
+            <a:endParaRPr lang="en-US" dirty="0"/>
+          </a:p>
+        </p:txBody>
+      </p:sp>
+      <p:sp>
+        <p:nvSpPr>
+          <p:cNvPr id="3" name="Content Placeholder 2"/>
+          <p:cNvSpPr>
+            <a:spLocks noGrp="1"/>
+          </p:cNvSpPr>
+          <p:nvPr>
+            <p:ph sz="half" idx="1"/>
+          </p:nvPr>
+        </p:nvSpPr>
+        <p:spPr/>
+        <p:txBody>
+          <a:bodyPr>
+            <a:normAutofit/>
+          </a:bodyPr>
+          <a:lstStyle/>
+          <a:p>
+            <a:r>
+              <a:rPr lang="en-US" sz="2800" dirty="0" smtClean="0"/>
+              <a:t>article</a:t>
+            </a:r>
+          </a:p>
+          <a:p>
+            <a:r>
+              <a:rPr lang="en-US" sz="2800" dirty="0" smtClean="0"/>
+              <a:t>aside</a:t>
+            </a:r>
+          </a:p>
+          <a:p>
+            <a:r>
+              <a:rPr lang="en-US" sz="2800" dirty="0" smtClean="0"/>
+              <a:t>details</a:t>
+            </a:r>
+          </a:p>
+          <a:p>
+            <a:r>
+              <a:rPr lang="en-US" sz="2800" dirty="0" err="1" smtClean="0"/>
+              <a:t>figcaption</a:t>
+            </a:r>
+            <a:endParaRPr lang="en-US" sz="2800" dirty="0" smtClean="0"/>
+          </a:p>
+          <a:p>
+            <a:r>
+              <a:rPr lang="en-US" sz="2800" dirty="0" smtClean="0"/>
+              <a:t>figure</a:t>
+            </a:r>
+          </a:p>
+          <a:p>
+            <a:r>
+              <a:rPr lang="en-US" sz="2800" dirty="0" smtClean="0"/>
+              <a:t>footer</a:t>
+            </a:r>
+          </a:p>
+          <a:p>
+            <a:r>
+              <a:rPr lang="en-US" sz="2800" dirty="0" smtClean="0"/>
+              <a:t>header</a:t>
+            </a:r>
+          </a:p>
+          <a:p>
+            <a:endParaRPr lang="en-US" dirty="0"/>
+          </a:p>
+        </p:txBody>
+      </p:sp>
+      <p:sp>
+        <p:nvSpPr>
+          <p:cNvPr id="4" name="Content Placeholder 3"/>
+          <p:cNvSpPr>
+            <a:spLocks noGrp="1"/>
+          </p:cNvSpPr>
+          <p:nvPr>
+            <p:ph sz="half" idx="2"/>
+          </p:nvPr>
+        </p:nvSpPr>
+        <p:spPr/>
+        <p:txBody>
+          <a:bodyPr/>
+          <a:lstStyle/>
+          <a:p>
+            <a:r>
+              <a:rPr lang="en-US" sz="2800" dirty="0" smtClean="0"/>
+              <a:t>mark</a:t>
+            </a:r>
+          </a:p>
+          <a:p>
+            <a:r>
+              <a:rPr lang="en-US" sz="2800" dirty="0" err="1" smtClean="0"/>
+              <a:t>nav</a:t>
+            </a:r>
+            <a:endParaRPr lang="en-US" sz="2800" dirty="0" smtClean="0"/>
+          </a:p>
+          <a:p>
+            <a:r>
+              <a:rPr lang="en-US" sz="2800" dirty="0" smtClean="0"/>
+              <a:t>section</a:t>
+            </a:r>
+          </a:p>
+          <a:p>
+            <a:r>
+              <a:rPr lang="en-US" sz="2800" dirty="0" smtClean="0"/>
+              <a:t>summary</a:t>
+            </a:r>
+          </a:p>
+          <a:p>
+            <a:r>
+              <a:rPr lang="en-US" sz="2800" dirty="0" smtClean="0"/>
+              <a:t>Time</a:t>
+            </a:r>
+            <a:endParaRPr lang="en-US" sz="2800" dirty="0"/>
+          </a:p>
+          <a:p>
+            <a:r>
+              <a:rPr lang="en-US" sz="2800" dirty="0"/>
+              <a:t>main</a:t>
+            </a:r>
+          </a:p>
+          <a:p>
+            <a:endParaRPr lang="en-US" dirty="0"/>
+          </a:p>
+        </p:txBody>
+      </p:sp>
+    </p:spTree>
+    <p:extLst>
+      <p:ext uri="{BB962C8B-B14F-4D97-AF65-F5344CB8AC3E}">
+        <p14:creationId xmlns:p14="http://schemas.microsoft.com/office/powerpoint/2010/main" val="346751915"/>
+      </p:ext>
+    </p:extLst>
+  </p:cSld>
+  <p:clrMapOvr>
+    <a:masterClrMapping/>
+  </p:clrMapOvr>
+</p:sld>
+</file>
+
+<file path=ppt/slides/slide16.xml><?xml version="1.0" encoding="utf-8"?>
+<p:sld xmlns:a="http://schemas.openxmlformats.org/drawingml/2006/main" xmlns:r="http://schemas.openxmlformats.org/officeDocument/2006/relationships" xmlns:p="http://schemas.openxmlformats.org/presentationml/2006/main">
+  <p:cSld>
+    <p:spTree>
+      <p:nvGrpSpPr>
+        <p:cNvPr id="1" name=""/>
+        <p:cNvGrpSpPr/>
+        <p:nvPr/>
+      </p:nvGrpSpPr>
+      <p:grpSpPr>
+        <a:xfrm>
+          <a:off x="0" y="0"/>
+          <a:ext cx="0" cy="0"/>
+          <a:chOff x="0" y="0"/>
+          <a:chExt cx="0" cy="0"/>
+        </a:xfrm>
+      </p:grpSpPr>
+      <p:sp>
+        <p:nvSpPr>
+          <p:cNvPr id="2" name="Title 1"/>
+          <p:cNvSpPr>
+            <a:spLocks noGrp="1"/>
+          </p:cNvSpPr>
+          <p:nvPr>
+            <p:ph type="title"/>
+          </p:nvPr>
+        </p:nvSpPr>
+        <p:spPr/>
+        <p:txBody>
+          <a:bodyPr/>
+          <a:lstStyle/>
+          <a:p>
+            <a:r>
+              <a:rPr lang="en-US" dirty="0" smtClean="0"/>
               <a:t>Tables</a:t>
             </a:r>
             <a:endParaRPr lang="en-US" dirty="0"/>
@@ -9377,837 +10971,6 @@
 </p:sld>
 </file>
 
-<file path=ppt/slides/slide11.xml><?xml version="1.0" encoding="utf-8"?>
-<p:sld xmlns:a="http://schemas.openxmlformats.org/drawingml/2006/main" xmlns:r="http://schemas.openxmlformats.org/officeDocument/2006/relationships" xmlns:p="http://schemas.openxmlformats.org/presentationml/2006/main">
-  <p:cSld>
-    <p:spTree>
-      <p:nvGrpSpPr>
-        <p:cNvPr id="1" name=""/>
-        <p:cNvGrpSpPr/>
-        <p:nvPr/>
-      </p:nvGrpSpPr>
-      <p:grpSpPr>
-        <a:xfrm>
-          <a:off x="0" y="0"/>
-          <a:ext cx="0" cy="0"/>
-          <a:chOff x="0" y="0"/>
-          <a:chExt cx="0" cy="0"/>
-        </a:xfrm>
-      </p:grpSpPr>
-      <p:sp>
-        <p:nvSpPr>
-          <p:cNvPr id="2" name="Title 1"/>
-          <p:cNvSpPr>
-            <a:spLocks noGrp="1"/>
-          </p:cNvSpPr>
-          <p:nvPr>
-            <p:ph type="title"/>
-          </p:nvPr>
-        </p:nvSpPr>
-        <p:spPr/>
-        <p:txBody>
-          <a:bodyPr/>
-          <a:lstStyle/>
-          <a:p>
-            <a:r>
-              <a:rPr lang="en-US" dirty="0" smtClean="0"/>
-              <a:t>Form Elements</a:t>
-            </a:r>
-            <a:endParaRPr lang="en-US" dirty="0"/>
-          </a:p>
-        </p:txBody>
-      </p:sp>
-      <p:sp>
-        <p:nvSpPr>
-          <p:cNvPr id="3" name="Content Placeholder 2"/>
-          <p:cNvSpPr>
-            <a:spLocks noGrp="1"/>
-          </p:cNvSpPr>
-          <p:nvPr>
-            <p:ph idx="1"/>
-          </p:nvPr>
-        </p:nvSpPr>
-        <p:spPr/>
-        <p:txBody>
-          <a:bodyPr>
-            <a:normAutofit lnSpcReduction="10000"/>
-          </a:bodyPr>
-          <a:lstStyle/>
-          <a:p>
-            <a:r>
-              <a:rPr lang="en-US" sz="2400" dirty="0" smtClean="0"/>
-              <a:t>form</a:t>
-            </a:r>
-          </a:p>
-          <a:p>
-            <a:pPr lvl="1"/>
-            <a:r>
-              <a:rPr lang="en-US" sz="2400" dirty="0" smtClean="0"/>
-              <a:t>Attributes:  action, method, autocomplete, name, </a:t>
-            </a:r>
-            <a:r>
-              <a:rPr lang="en-US" sz="2400" dirty="0" err="1" smtClean="0"/>
-              <a:t>novalidate</a:t>
-            </a:r>
-            <a:r>
-              <a:rPr lang="en-US" sz="2400" dirty="0" smtClean="0"/>
-              <a:t>, target, accept-charset</a:t>
-            </a:r>
-          </a:p>
-          <a:p>
-            <a:pPr lvl="1"/>
-            <a:r>
-              <a:rPr lang="en-US" sz="2400" dirty="0" smtClean="0"/>
-              <a:t>Methods:  get, post</a:t>
-            </a:r>
-          </a:p>
-          <a:p>
-            <a:r>
-              <a:rPr lang="en-US" sz="2400" dirty="0" smtClean="0"/>
-              <a:t>Input</a:t>
-            </a:r>
-          </a:p>
-          <a:p>
-            <a:pPr lvl="1"/>
-            <a:r>
-              <a:rPr lang="en-US" sz="2400" dirty="0" smtClean="0"/>
-              <a:t>Attributes:  type, name, value</a:t>
-            </a:r>
-          </a:p>
-          <a:p>
-            <a:pPr lvl="1"/>
-            <a:r>
-              <a:rPr lang="en-US" sz="2400" dirty="0" smtClean="0"/>
-              <a:t>Types:  text, radio, checkbox, submit</a:t>
-            </a:r>
-          </a:p>
-          <a:p>
-            <a:r>
-              <a:rPr lang="en-US" sz="2400" dirty="0" err="1" smtClean="0"/>
-              <a:t>fieldset</a:t>
-            </a:r>
-            <a:endParaRPr lang="en-US" sz="2400" dirty="0" smtClean="0"/>
-          </a:p>
-          <a:p>
-            <a:r>
-              <a:rPr lang="en-US" sz="2400" dirty="0" smtClean="0"/>
-              <a:t>legend</a:t>
-            </a:r>
-          </a:p>
-          <a:p>
-            <a:endParaRPr lang="en-US" dirty="0" smtClean="0"/>
-          </a:p>
-          <a:p>
-            <a:endParaRPr lang="en-US" dirty="0"/>
-          </a:p>
-        </p:txBody>
-      </p:sp>
-    </p:spTree>
-    <p:extLst>
-      <p:ext uri="{BB962C8B-B14F-4D97-AF65-F5344CB8AC3E}">
-        <p14:creationId xmlns:p14="http://schemas.microsoft.com/office/powerpoint/2010/main" val="3746883367"/>
-      </p:ext>
-    </p:extLst>
-  </p:cSld>
-  <p:clrMapOvr>
-    <a:masterClrMapping/>
-  </p:clrMapOvr>
-</p:sld>
-</file>
-
-<file path=ppt/slides/slide12.xml><?xml version="1.0" encoding="utf-8"?>
-<p:sld xmlns:a="http://schemas.openxmlformats.org/drawingml/2006/main" xmlns:r="http://schemas.openxmlformats.org/officeDocument/2006/relationships" xmlns:p="http://schemas.openxmlformats.org/presentationml/2006/main">
-  <p:cSld>
-    <p:spTree>
-      <p:nvGrpSpPr>
-        <p:cNvPr id="1" name=""/>
-        <p:cNvGrpSpPr/>
-        <p:nvPr/>
-      </p:nvGrpSpPr>
-      <p:grpSpPr>
-        <a:xfrm>
-          <a:off x="0" y="0"/>
-          <a:ext cx="0" cy="0"/>
-          <a:chOff x="0" y="0"/>
-          <a:chExt cx="0" cy="0"/>
-        </a:xfrm>
-      </p:grpSpPr>
-      <p:sp>
-        <p:nvSpPr>
-          <p:cNvPr id="2" name="Title 1"/>
-          <p:cNvSpPr>
-            <a:spLocks noGrp="1"/>
-          </p:cNvSpPr>
-          <p:nvPr>
-            <p:ph type="title"/>
-          </p:nvPr>
-        </p:nvSpPr>
-        <p:spPr/>
-        <p:txBody>
-          <a:bodyPr/>
-          <a:lstStyle/>
-          <a:p>
-            <a:r>
-              <a:rPr lang="en-US" dirty="0" smtClean="0"/>
-              <a:t>Forms</a:t>
-            </a:r>
-            <a:endParaRPr lang="en-US" dirty="0"/>
-          </a:p>
-        </p:txBody>
-      </p:sp>
-      <p:sp>
-        <p:nvSpPr>
-          <p:cNvPr id="3" name="Content Placeholder 2"/>
-          <p:cNvSpPr>
-            <a:spLocks noGrp="1"/>
-          </p:cNvSpPr>
-          <p:nvPr>
-            <p:ph idx="1"/>
-          </p:nvPr>
-        </p:nvSpPr>
-        <p:spPr/>
-        <p:txBody>
-          <a:bodyPr>
-            <a:noAutofit/>
-          </a:bodyPr>
-          <a:lstStyle/>
-          <a:p>
-            <a:pPr marL="45720" indent="0">
-              <a:spcBef>
-                <a:spcPts val="100"/>
-              </a:spcBef>
-              <a:buNone/>
-            </a:pPr>
-            <a:r>
-              <a:rPr lang="en-US" sz="2400" dirty="0" smtClean="0"/>
-              <a:t>Example:</a:t>
-            </a:r>
-          </a:p>
-          <a:p>
-            <a:pPr marL="45720" indent="0">
-              <a:spcBef>
-                <a:spcPts val="100"/>
-              </a:spcBef>
-              <a:buNone/>
-            </a:pPr>
-            <a:r>
-              <a:rPr lang="en-US" sz="2400" dirty="0" smtClean="0"/>
-              <a:t>&lt;form action=“/formAction.html” method=“post”&gt;</a:t>
-            </a:r>
-          </a:p>
-          <a:p>
-            <a:pPr marL="45720" indent="0">
-              <a:spcBef>
-                <a:spcPts val="100"/>
-              </a:spcBef>
-              <a:buNone/>
-            </a:pPr>
-            <a:r>
-              <a:rPr lang="en-US" sz="2400" dirty="0"/>
-              <a:t> </a:t>
-            </a:r>
-            <a:r>
-              <a:rPr lang="en-US" sz="2400" dirty="0" smtClean="0"/>
-              <a:t> First Name:&lt;</a:t>
-            </a:r>
-            <a:r>
-              <a:rPr lang="en-US" sz="2400" dirty="0" err="1" smtClean="0"/>
-              <a:t>br</a:t>
-            </a:r>
-            <a:r>
-              <a:rPr lang="en-US" sz="2400" dirty="0" smtClean="0"/>
-              <a:t> /&gt;</a:t>
-            </a:r>
-          </a:p>
-          <a:p>
-            <a:pPr marL="45720" indent="0">
-              <a:spcBef>
-                <a:spcPts val="100"/>
-              </a:spcBef>
-              <a:buNone/>
-            </a:pPr>
-            <a:r>
-              <a:rPr lang="en-US" sz="2400" dirty="0"/>
-              <a:t> </a:t>
-            </a:r>
-            <a:r>
-              <a:rPr lang="en-US" sz="2400" dirty="0" smtClean="0"/>
-              <a:t> &lt;input type=“text” name=“</a:t>
-            </a:r>
-            <a:r>
-              <a:rPr lang="en-US" sz="2400" dirty="0" err="1" smtClean="0"/>
-              <a:t>firstName</a:t>
-            </a:r>
-            <a:r>
-              <a:rPr lang="en-US" sz="2400" dirty="0" smtClean="0"/>
-              <a:t>” value=“First” /&gt;</a:t>
-            </a:r>
-          </a:p>
-          <a:p>
-            <a:pPr marL="45720" indent="0">
-              <a:spcBef>
-                <a:spcPts val="100"/>
-              </a:spcBef>
-              <a:buNone/>
-            </a:pPr>
-            <a:r>
-              <a:rPr lang="en-US" sz="2400" dirty="0"/>
-              <a:t> </a:t>
-            </a:r>
-            <a:r>
-              <a:rPr lang="en-US" sz="2400" dirty="0" smtClean="0"/>
-              <a:t> Last Name:&lt;</a:t>
-            </a:r>
-            <a:r>
-              <a:rPr lang="en-US" sz="2400" dirty="0" err="1" smtClean="0"/>
-              <a:t>br</a:t>
-            </a:r>
-            <a:r>
-              <a:rPr lang="en-US" sz="2400" dirty="0" smtClean="0"/>
-              <a:t> /&gt;</a:t>
-            </a:r>
-          </a:p>
-          <a:p>
-            <a:pPr marL="45720" indent="0">
-              <a:spcBef>
-                <a:spcPts val="100"/>
-              </a:spcBef>
-              <a:buNone/>
-            </a:pPr>
-            <a:r>
-              <a:rPr lang="en-US" sz="2400" dirty="0" smtClean="0"/>
-              <a:t>  &lt;</a:t>
-            </a:r>
-            <a:r>
-              <a:rPr lang="en-US" sz="2400" dirty="0"/>
-              <a:t>input type=“text” name</a:t>
-            </a:r>
-            <a:r>
-              <a:rPr lang="en-US" sz="2400" dirty="0" smtClean="0"/>
-              <a:t>=“</a:t>
-            </a:r>
-            <a:r>
-              <a:rPr lang="en-US" sz="2400" dirty="0" err="1" smtClean="0"/>
-              <a:t>lastName</a:t>
-            </a:r>
-            <a:r>
-              <a:rPr lang="en-US" sz="2400" dirty="0"/>
-              <a:t>” value</a:t>
-            </a:r>
-            <a:r>
-              <a:rPr lang="en-US" sz="2400" dirty="0" smtClean="0"/>
-              <a:t>=“Last” /&gt;</a:t>
-            </a:r>
-          </a:p>
-          <a:p>
-            <a:pPr marL="45720" indent="0">
-              <a:spcBef>
-                <a:spcPts val="100"/>
-              </a:spcBef>
-              <a:buNone/>
-            </a:pPr>
-            <a:r>
-              <a:rPr lang="en-US" sz="2400" dirty="0"/>
-              <a:t> </a:t>
-            </a:r>
-            <a:r>
-              <a:rPr lang="en-US" sz="2400" dirty="0" smtClean="0"/>
-              <a:t> &lt;input type=“checkbox” name=“</a:t>
-            </a:r>
-            <a:r>
-              <a:rPr lang="en-US" sz="2400" dirty="0" err="1" smtClean="0"/>
-              <a:t>signUp</a:t>
-            </a:r>
-            <a:r>
-              <a:rPr lang="en-US" sz="2400" dirty="0" smtClean="0"/>
-              <a:t>” value=“</a:t>
-            </a:r>
-            <a:r>
-              <a:rPr lang="en-US" sz="2400" dirty="0" err="1" smtClean="0"/>
-              <a:t>SignedUp</a:t>
-            </a:r>
-            <a:r>
-              <a:rPr lang="en-US" sz="2400" dirty="0" smtClean="0"/>
-              <a:t>” /&gt;</a:t>
-            </a:r>
-          </a:p>
-          <a:p>
-            <a:pPr marL="45720" indent="0">
-              <a:spcBef>
-                <a:spcPts val="100"/>
-              </a:spcBef>
-              <a:buNone/>
-            </a:pPr>
-            <a:r>
-              <a:rPr lang="en-US" sz="2400" dirty="0"/>
-              <a:t> </a:t>
-            </a:r>
-            <a:r>
-              <a:rPr lang="en-US" sz="2400" dirty="0" smtClean="0"/>
-              <a:t> Sign Up?&lt;</a:t>
-            </a:r>
-            <a:r>
-              <a:rPr lang="en-US" sz="2400" dirty="0" err="1" smtClean="0"/>
-              <a:t>br</a:t>
-            </a:r>
-            <a:r>
-              <a:rPr lang="en-US" sz="2400" dirty="0" smtClean="0"/>
-              <a:t> /&gt;</a:t>
-            </a:r>
-          </a:p>
-          <a:p>
-            <a:pPr marL="45720" indent="0">
-              <a:spcBef>
-                <a:spcPts val="100"/>
-              </a:spcBef>
-              <a:buNone/>
-            </a:pPr>
-            <a:r>
-              <a:rPr lang="en-US" sz="2400" dirty="0"/>
-              <a:t> </a:t>
-            </a:r>
-            <a:r>
-              <a:rPr lang="en-US" sz="2400" dirty="0" smtClean="0"/>
-              <a:t> &lt;input type=“submit” value=“Submit” /&gt;</a:t>
-            </a:r>
-          </a:p>
-          <a:p>
-            <a:pPr marL="45720" indent="0">
-              <a:spcBef>
-                <a:spcPts val="100"/>
-              </a:spcBef>
-              <a:buNone/>
-            </a:pPr>
-            <a:r>
-              <a:rPr lang="en-US" sz="2400" dirty="0" smtClean="0"/>
-              <a:t>&lt;/form&gt;</a:t>
-            </a:r>
-            <a:endParaRPr lang="en-US" sz="2400" dirty="0"/>
-          </a:p>
-        </p:txBody>
-      </p:sp>
-    </p:spTree>
-    <p:extLst>
-      <p:ext uri="{BB962C8B-B14F-4D97-AF65-F5344CB8AC3E}">
-        <p14:creationId xmlns:p14="http://schemas.microsoft.com/office/powerpoint/2010/main" val="1243737899"/>
-      </p:ext>
-    </p:extLst>
-  </p:cSld>
-  <p:clrMapOvr>
-    <a:masterClrMapping/>
-  </p:clrMapOvr>
-</p:sld>
-</file>
-
-<file path=ppt/slides/slide13.xml><?xml version="1.0" encoding="utf-8"?>
-<p:sld xmlns:a="http://schemas.openxmlformats.org/drawingml/2006/main" xmlns:r="http://schemas.openxmlformats.org/officeDocument/2006/relationships" xmlns:p="http://schemas.openxmlformats.org/presentationml/2006/main">
-  <p:cSld>
-    <p:spTree>
-      <p:nvGrpSpPr>
-        <p:cNvPr id="1" name=""/>
-        <p:cNvGrpSpPr/>
-        <p:nvPr/>
-      </p:nvGrpSpPr>
-      <p:grpSpPr>
-        <a:xfrm>
-          <a:off x="0" y="0"/>
-          <a:ext cx="0" cy="0"/>
-          <a:chOff x="0" y="0"/>
-          <a:chExt cx="0" cy="0"/>
-        </a:xfrm>
-      </p:grpSpPr>
-      <p:sp>
-        <p:nvSpPr>
-          <p:cNvPr id="2" name="Title 1"/>
-          <p:cNvSpPr>
-            <a:spLocks noGrp="1"/>
-          </p:cNvSpPr>
-          <p:nvPr>
-            <p:ph type="title"/>
-          </p:nvPr>
-        </p:nvSpPr>
-        <p:spPr/>
-        <p:txBody>
-          <a:bodyPr/>
-          <a:lstStyle/>
-          <a:p>
-            <a:r>
-              <a:rPr lang="en-US" dirty="0" smtClean="0"/>
-              <a:t>Comments</a:t>
-            </a:r>
-            <a:endParaRPr lang="en-US" dirty="0"/>
-          </a:p>
-        </p:txBody>
-      </p:sp>
-      <p:sp>
-        <p:nvSpPr>
-          <p:cNvPr id="3" name="Content Placeholder 2"/>
-          <p:cNvSpPr>
-            <a:spLocks noGrp="1"/>
-          </p:cNvSpPr>
-          <p:nvPr>
-            <p:ph idx="1"/>
-          </p:nvPr>
-        </p:nvSpPr>
-        <p:spPr/>
-        <p:txBody>
-          <a:bodyPr>
-            <a:normAutofit/>
-          </a:bodyPr>
-          <a:lstStyle/>
-          <a:p>
-            <a:r>
-              <a:rPr lang="en-US" sz="2800" dirty="0" smtClean="0"/>
-              <a:t>Syntax:  &lt;!--  …  --&gt;</a:t>
-            </a:r>
-          </a:p>
-          <a:p>
-            <a:pPr marL="45720" indent="0">
-              <a:buNone/>
-            </a:pPr>
-            <a:endParaRPr lang="en-US" sz="2800" dirty="0"/>
-          </a:p>
-          <a:p>
-            <a:pPr marL="45720" indent="0">
-              <a:spcBef>
-                <a:spcPts val="100"/>
-              </a:spcBef>
-              <a:buNone/>
-            </a:pPr>
-            <a:r>
-              <a:rPr lang="en-US" sz="2800" dirty="0" smtClean="0"/>
-              <a:t>Example:</a:t>
-            </a:r>
-          </a:p>
-          <a:p>
-            <a:pPr marL="45720" indent="0">
-              <a:spcBef>
-                <a:spcPts val="100"/>
-              </a:spcBef>
-              <a:buNone/>
-            </a:pPr>
-            <a:r>
-              <a:rPr lang="en-US" sz="2800" dirty="0" smtClean="0"/>
-              <a:t>&lt;!– Comments here, everything commented until end comment</a:t>
-            </a:r>
-          </a:p>
-          <a:p>
-            <a:pPr marL="45720" indent="0">
-              <a:spcBef>
-                <a:spcPts val="100"/>
-              </a:spcBef>
-              <a:buNone/>
-            </a:pPr>
-            <a:r>
-              <a:rPr lang="en-US" sz="2800" dirty="0" smtClean="0"/>
-              <a:t>&lt;p&gt;</a:t>
-            </a:r>
-          </a:p>
-          <a:p>
-            <a:pPr marL="45720" indent="0">
-              <a:spcBef>
-                <a:spcPts val="100"/>
-              </a:spcBef>
-              <a:buNone/>
-            </a:pPr>
-            <a:r>
-              <a:rPr lang="en-US" sz="2800" dirty="0"/>
-              <a:t> </a:t>
-            </a:r>
-            <a:r>
-              <a:rPr lang="en-US" sz="2800" dirty="0" smtClean="0"/>
-              <a:t> Some text that won’t show up</a:t>
-            </a:r>
-          </a:p>
-          <a:p>
-            <a:pPr marL="45720" indent="0">
-              <a:spcBef>
-                <a:spcPts val="100"/>
-              </a:spcBef>
-              <a:buNone/>
-            </a:pPr>
-            <a:r>
-              <a:rPr lang="en-US" sz="2800" dirty="0" smtClean="0"/>
-              <a:t>&lt;/p&gt;</a:t>
-            </a:r>
-          </a:p>
-          <a:p>
-            <a:pPr marL="45720" indent="0">
-              <a:spcBef>
-                <a:spcPts val="100"/>
-              </a:spcBef>
-              <a:buNone/>
-            </a:pPr>
-            <a:r>
-              <a:rPr lang="en-US" sz="2800" dirty="0" smtClean="0"/>
-              <a:t>--&gt;</a:t>
-            </a:r>
-            <a:endParaRPr lang="en-US" sz="2800" dirty="0"/>
-          </a:p>
-        </p:txBody>
-      </p:sp>
-    </p:spTree>
-    <p:extLst>
-      <p:ext uri="{BB962C8B-B14F-4D97-AF65-F5344CB8AC3E}">
-        <p14:creationId xmlns:p14="http://schemas.microsoft.com/office/powerpoint/2010/main" val="222774906"/>
-      </p:ext>
-    </p:extLst>
-  </p:cSld>
-  <p:clrMapOvr>
-    <a:masterClrMapping/>
-  </p:clrMapOvr>
-</p:sld>
-</file>
-
-<file path=ppt/slides/slide14.xml><?xml version="1.0" encoding="utf-8"?>
-<p:sld xmlns:a="http://schemas.openxmlformats.org/drawingml/2006/main" xmlns:r="http://schemas.openxmlformats.org/officeDocument/2006/relationships" xmlns:p="http://schemas.openxmlformats.org/presentationml/2006/main">
-  <p:cSld>
-    <p:spTree>
-      <p:nvGrpSpPr>
-        <p:cNvPr id="1" name=""/>
-        <p:cNvGrpSpPr/>
-        <p:nvPr/>
-      </p:nvGrpSpPr>
-      <p:grpSpPr>
-        <a:xfrm>
-          <a:off x="0" y="0"/>
-          <a:ext cx="0" cy="0"/>
-          <a:chOff x="0" y="0"/>
-          <a:chExt cx="0" cy="0"/>
-        </a:xfrm>
-      </p:grpSpPr>
-      <p:sp>
-        <p:nvSpPr>
-          <p:cNvPr id="2" name="Title 1"/>
-          <p:cNvSpPr>
-            <a:spLocks noGrp="1"/>
-          </p:cNvSpPr>
-          <p:nvPr>
-            <p:ph type="title"/>
-          </p:nvPr>
-        </p:nvSpPr>
-        <p:spPr/>
-        <p:txBody>
-          <a:bodyPr/>
-          <a:lstStyle/>
-          <a:p>
-            <a:r>
-              <a:rPr lang="en-US" dirty="0" smtClean="0"/>
-              <a:t>EXAMPLE</a:t>
-            </a:r>
-            <a:endParaRPr lang="en-US" dirty="0"/>
-          </a:p>
-        </p:txBody>
-      </p:sp>
-      <p:sp>
-        <p:nvSpPr>
-          <p:cNvPr id="3" name="Text Placeholder 2"/>
-          <p:cNvSpPr>
-            <a:spLocks noGrp="1"/>
-          </p:cNvSpPr>
-          <p:nvPr>
-            <p:ph type="body" idx="1"/>
-          </p:nvPr>
-        </p:nvSpPr>
-        <p:spPr/>
-        <p:txBody>
-          <a:bodyPr/>
-          <a:lstStyle/>
-          <a:p>
-            <a:r>
-              <a:rPr lang="en-US" dirty="0" smtClean="0"/>
-              <a:t>HTML</a:t>
-            </a:r>
-            <a:endParaRPr lang="en-US" dirty="0"/>
-          </a:p>
-        </p:txBody>
-      </p:sp>
-    </p:spTree>
-    <p:extLst>
-      <p:ext uri="{BB962C8B-B14F-4D97-AF65-F5344CB8AC3E}">
-        <p14:creationId xmlns:p14="http://schemas.microsoft.com/office/powerpoint/2010/main" val="3988995450"/>
-      </p:ext>
-    </p:extLst>
-  </p:cSld>
-  <p:clrMapOvr>
-    <a:masterClrMapping/>
-  </p:clrMapOvr>
-  <p:timing>
-    <p:tnLst>
-      <p:par>
-        <p:cTn id="1" dur="indefinite" restart="never" nodeType="tmRoot"/>
-      </p:par>
-    </p:tnLst>
-  </p:timing>
-</p:sld>
-</file>
-
-<file path=ppt/slides/slide15.xml><?xml version="1.0" encoding="utf-8"?>
-<p:sld xmlns:a="http://schemas.openxmlformats.org/drawingml/2006/main" xmlns:r="http://schemas.openxmlformats.org/officeDocument/2006/relationships" xmlns:p="http://schemas.openxmlformats.org/presentationml/2006/main">
-  <p:cSld>
-    <p:spTree>
-      <p:nvGrpSpPr>
-        <p:cNvPr id="1" name=""/>
-        <p:cNvGrpSpPr/>
-        <p:nvPr/>
-      </p:nvGrpSpPr>
-      <p:grpSpPr>
-        <a:xfrm>
-          <a:off x="0" y="0"/>
-          <a:ext cx="0" cy="0"/>
-          <a:chOff x="0" y="0"/>
-          <a:chExt cx="0" cy="0"/>
-        </a:xfrm>
-      </p:grpSpPr>
-      <p:sp>
-        <p:nvSpPr>
-          <p:cNvPr id="2" name="Title 1"/>
-          <p:cNvSpPr>
-            <a:spLocks noGrp="1"/>
-          </p:cNvSpPr>
-          <p:nvPr>
-            <p:ph type="ctrTitle"/>
-          </p:nvPr>
-        </p:nvSpPr>
-        <p:spPr/>
-        <p:txBody>
-          <a:bodyPr/>
-          <a:lstStyle/>
-          <a:p>
-            <a:r>
-              <a:rPr lang="en-US" dirty="0" smtClean="0"/>
-              <a:t>ASSESSMENT</a:t>
-            </a:r>
-            <a:endParaRPr lang="en-US" dirty="0"/>
-          </a:p>
-        </p:txBody>
-      </p:sp>
-      <p:sp>
-        <p:nvSpPr>
-          <p:cNvPr id="3" name="Subtitle 2"/>
-          <p:cNvSpPr>
-            <a:spLocks noGrp="1"/>
-          </p:cNvSpPr>
-          <p:nvPr>
-            <p:ph type="subTitle" idx="1"/>
-          </p:nvPr>
-        </p:nvSpPr>
-        <p:spPr/>
-        <p:txBody>
-          <a:bodyPr/>
-          <a:lstStyle/>
-          <a:p>
-            <a:r>
-              <a:rPr lang="en-US" dirty="0" smtClean="0"/>
-              <a:t>HTML</a:t>
-            </a:r>
-            <a:endParaRPr lang="en-US" dirty="0"/>
-          </a:p>
-        </p:txBody>
-      </p:sp>
-    </p:spTree>
-    <p:extLst>
-      <p:ext uri="{BB962C8B-B14F-4D97-AF65-F5344CB8AC3E}">
-        <p14:creationId xmlns:p14="http://schemas.microsoft.com/office/powerpoint/2010/main" val="2372223255"/>
-      </p:ext>
-    </p:extLst>
-  </p:cSld>
-  <p:clrMapOvr>
-    <a:masterClrMapping/>
-  </p:clrMapOvr>
-  <p:timing>
-    <p:tnLst>
-      <p:par>
-        <p:cTn id="1" dur="indefinite" restart="never" nodeType="tmRoot"/>
-      </p:par>
-    </p:tnLst>
-  </p:timing>
-</p:sld>
-</file>
-
-<file path=ppt/slides/slide16.xml><?xml version="1.0" encoding="utf-8"?>
-<p:sld xmlns:a="http://schemas.openxmlformats.org/drawingml/2006/main" xmlns:r="http://schemas.openxmlformats.org/officeDocument/2006/relationships" xmlns:p="http://schemas.openxmlformats.org/presentationml/2006/main">
-  <p:cSld>
-    <p:spTree>
-      <p:nvGrpSpPr>
-        <p:cNvPr id="1" name=""/>
-        <p:cNvGrpSpPr/>
-        <p:nvPr/>
-      </p:nvGrpSpPr>
-      <p:grpSpPr>
-        <a:xfrm>
-          <a:off x="0" y="0"/>
-          <a:ext cx="0" cy="0"/>
-          <a:chOff x="0" y="0"/>
-          <a:chExt cx="0" cy="0"/>
-        </a:xfrm>
-      </p:grpSpPr>
-      <p:sp>
-        <p:nvSpPr>
-          <p:cNvPr id="2" name="Title 1"/>
-          <p:cNvSpPr>
-            <a:spLocks noGrp="1"/>
-          </p:cNvSpPr>
-          <p:nvPr>
-            <p:ph type="ctrTitle"/>
-          </p:nvPr>
-        </p:nvSpPr>
-        <p:spPr/>
-        <p:txBody>
-          <a:bodyPr/>
-          <a:lstStyle/>
-          <a:p>
-            <a:r>
-              <a:rPr lang="en-US" dirty="0" smtClean="0"/>
-              <a:t>REVIEW GAME</a:t>
-            </a:r>
-            <a:endParaRPr lang="en-US" dirty="0"/>
-          </a:p>
-        </p:txBody>
-      </p:sp>
-      <p:sp>
-        <p:nvSpPr>
-          <p:cNvPr id="3" name="Subtitle 2"/>
-          <p:cNvSpPr>
-            <a:spLocks noGrp="1"/>
-          </p:cNvSpPr>
-          <p:nvPr>
-            <p:ph type="subTitle" idx="1"/>
-          </p:nvPr>
-        </p:nvSpPr>
-        <p:spPr/>
-        <p:txBody>
-          <a:bodyPr/>
-          <a:lstStyle/>
-          <a:p>
-            <a:r>
-              <a:rPr lang="en-US" dirty="0" smtClean="0"/>
-              <a:t>HTML</a:t>
-            </a:r>
-            <a:endParaRPr lang="en-US" dirty="0"/>
-          </a:p>
-        </p:txBody>
-      </p:sp>
-    </p:spTree>
-    <p:extLst>
-      <p:ext uri="{BB962C8B-B14F-4D97-AF65-F5344CB8AC3E}">
-        <p14:creationId xmlns:p14="http://schemas.microsoft.com/office/powerpoint/2010/main" val="1661233291"/>
-      </p:ext>
-    </p:extLst>
-  </p:cSld>
-  <p:clrMapOvr>
-    <a:masterClrMapping/>
-  </p:clrMapOvr>
-  <p:timing>
-    <p:tnLst>
-      <p:par>
-        <p:cTn id="1" dur="indefinite" restart="never" nodeType="tmRoot"/>
-      </p:par>
-    </p:tnLst>
-  </p:timing>
-</p:sld>
-</file>
-
 <file path=ppt/slides/slide17.xml><?xml version="1.0" encoding="utf-8"?>
 <p:sld xmlns:a="http://schemas.openxmlformats.org/drawingml/2006/main" xmlns:r="http://schemas.openxmlformats.org/officeDocument/2006/relationships" xmlns:p="http://schemas.openxmlformats.org/presentationml/2006/main">
   <p:cSld>
@@ -10242,7 +11005,7 @@
           <a:p>
             <a:r>
               <a:rPr lang="en-US" dirty="0" smtClean="0"/>
-              <a:t>Additional Resources</a:t>
+              <a:t>EXAMPLE</a:t>
             </a:r>
             <a:endParaRPr lang="en-US" dirty="0"/>
           </a:p>
@@ -10250,91 +11013,495 @@
       </p:sp>
       <p:sp>
         <p:nvSpPr>
-          <p:cNvPr id="3" name="Content Placeholder 2"/>
-          <p:cNvSpPr>
-            <a:spLocks noGrp="1"/>
-          </p:cNvSpPr>
-          <p:nvPr>
-            <p:ph sz="half" idx="1"/>
-          </p:nvPr>
-        </p:nvSpPr>
+          <p:cNvPr id="3" name="Text Placeholder 2"/>
+          <p:cNvSpPr>
+            <a:spLocks noGrp="1"/>
+          </p:cNvSpPr>
+          <p:nvPr>
+            <p:ph type="body" idx="1"/>
+          </p:nvPr>
+        </p:nvSpPr>
+        <p:spPr/>
+        <p:txBody>
+          <a:bodyPr/>
+          <a:lstStyle/>
+          <a:p>
+            <a:r>
+              <a:rPr lang="en-US" dirty="0" err="1" smtClean="0"/>
+              <a:t>tABLES</a:t>
+            </a:r>
+            <a:endParaRPr lang="en-US" dirty="0"/>
+          </a:p>
+        </p:txBody>
+      </p:sp>
+      <p:pic>
+        <p:nvPicPr>
+          <p:cNvPr id="4" name="Content Placeholder 4"/>
+          <p:cNvPicPr>
+            <a:picLocks noChangeAspect="1"/>
+          </p:cNvPicPr>
+          <p:nvPr/>
+        </p:nvPicPr>
+        <p:blipFill>
+          <a:blip r:embed="rId3">
+            <a:extLst>
+              <a:ext uri="{28A0092B-C50C-407E-A947-70E740481C1C}">
+                <a14:useLocalDpi xmlns:a14="http://schemas.microsoft.com/office/drawing/2010/main" val="0"/>
+              </a:ext>
+            </a:extLst>
+          </a:blip>
+          <a:stretch>
+            <a:fillRect/>
+          </a:stretch>
+        </p:blipFill>
         <p:spPr>
           <a:xfrm>
-            <a:off x="1103312" y="2060575"/>
-            <a:ext cx="10008033" cy="4195763"/>
+            <a:off x="1154955" y="563880"/>
+            <a:ext cx="3819192" cy="3055354"/>
           </a:xfrm>
+          <a:prstGeom prst="rect">
+            <a:avLst/>
+          </a:prstGeom>
         </p:spPr>
-        <p:txBody>
-          <a:bodyPr>
-            <a:normAutofit/>
-          </a:bodyPr>
-          <a:lstStyle/>
-          <a:p>
-            <a:pPr lvl="0"/>
-            <a:r>
-              <a:rPr lang="en-US" sz="2800" dirty="0" smtClean="0"/>
-              <a:t>MDN Tutorial</a:t>
-            </a:r>
-          </a:p>
-          <a:p>
-            <a:pPr lvl="1"/>
-            <a:r>
-              <a:rPr lang="en-US" sz="2600" dirty="0">
-                <a:hlinkClick r:id="rId3"/>
-              </a:rPr>
-              <a:t>https://</a:t>
-            </a:r>
-            <a:r>
-              <a:rPr lang="en-US" sz="2600" dirty="0" smtClean="0">
-                <a:hlinkClick r:id="rId3"/>
-              </a:rPr>
-              <a:t>developer.mozilla.org/en-US/docs/Learn/HTML</a:t>
-            </a:r>
-            <a:endParaRPr lang="en-US" sz="2600" dirty="0" smtClean="0"/>
-          </a:p>
-          <a:p>
-            <a:pPr lvl="0"/>
-            <a:r>
-              <a:rPr lang="en-US" sz="2800" dirty="0" err="1"/>
-              <a:t>JSFiddle</a:t>
-            </a:r>
-            <a:endParaRPr lang="en-US" sz="2800" dirty="0"/>
-          </a:p>
-          <a:p>
-            <a:pPr lvl="1"/>
-            <a:r>
-              <a:rPr lang="en-US" sz="2600" dirty="0">
-                <a:hlinkClick r:id="rId4"/>
-              </a:rPr>
-              <a:t>https://jsfiddle.net/</a:t>
-            </a:r>
-            <a:endParaRPr lang="en-US" sz="2600" dirty="0"/>
-          </a:p>
-          <a:p>
-            <a:r>
-              <a:rPr lang="en-US" sz="3000" dirty="0"/>
-              <a:t>free Code Camp</a:t>
-            </a:r>
-          </a:p>
-          <a:p>
-            <a:pPr lvl="1"/>
-            <a:r>
-              <a:rPr lang="en-US" sz="2600" dirty="0">
-                <a:hlinkClick r:id="rId5"/>
-              </a:rPr>
-              <a:t>https://www.freecodecamp.org/</a:t>
-            </a:r>
-            <a:endParaRPr lang="en-US" sz="2600" dirty="0"/>
-          </a:p>
-          <a:p>
-            <a:endParaRPr lang="en-US" sz="2800" dirty="0" smtClean="0"/>
-          </a:p>
-        </p:txBody>
-      </p:sp>
+      </p:pic>
     </p:spTree>
     <p:extLst>
       <p:ext uri="{BB962C8B-B14F-4D97-AF65-F5344CB8AC3E}">
-        <p14:creationId xmlns:p14="http://schemas.microsoft.com/office/powerpoint/2010/main" val="3977379878"/>
+        <p14:creationId xmlns:p14="http://schemas.microsoft.com/office/powerpoint/2010/main" val="3207078139"/>
+      </p:ext>
+    </p:extLst>
+  </p:cSld>
+  <p:clrMapOvr>
+    <a:masterClrMapping/>
+  </p:clrMapOvr>
+  <p:timing>
+    <p:tnLst>
+      <p:par>
+        <p:cTn id="1" dur="indefinite" restart="never" nodeType="tmRoot"/>
+      </p:par>
+    </p:tnLst>
+  </p:timing>
+</p:sld>
+</file>
+
+<file path=ppt/slides/slide18.xml><?xml version="1.0" encoding="utf-8"?>
+<p:sld xmlns:a="http://schemas.openxmlformats.org/drawingml/2006/main" xmlns:r="http://schemas.openxmlformats.org/officeDocument/2006/relationships" xmlns:p="http://schemas.openxmlformats.org/presentationml/2006/main">
+  <p:cSld>
+    <p:spTree>
+      <p:nvGrpSpPr>
+        <p:cNvPr id="1" name=""/>
+        <p:cNvGrpSpPr/>
+        <p:nvPr/>
+      </p:nvGrpSpPr>
+      <p:grpSpPr>
+        <a:xfrm>
+          <a:off x="0" y="0"/>
+          <a:ext cx="0" cy="0"/>
+          <a:chOff x="0" y="0"/>
+          <a:chExt cx="0" cy="0"/>
+        </a:xfrm>
+      </p:grpSpPr>
+      <p:sp>
+        <p:nvSpPr>
+          <p:cNvPr id="2" name="Title 1"/>
+          <p:cNvSpPr>
+            <a:spLocks noGrp="1"/>
+          </p:cNvSpPr>
+          <p:nvPr>
+            <p:ph type="title"/>
+          </p:nvPr>
+        </p:nvSpPr>
+        <p:spPr/>
+        <p:txBody>
+          <a:bodyPr/>
+          <a:lstStyle/>
+          <a:p>
+            <a:r>
+              <a:rPr lang="en-US" dirty="0" smtClean="0"/>
+              <a:t>Form Elements</a:t>
+            </a:r>
+            <a:endParaRPr lang="en-US" dirty="0"/>
+          </a:p>
+        </p:txBody>
+      </p:sp>
+      <p:sp>
+        <p:nvSpPr>
+          <p:cNvPr id="3" name="Content Placeholder 2"/>
+          <p:cNvSpPr>
+            <a:spLocks noGrp="1"/>
+          </p:cNvSpPr>
+          <p:nvPr>
+            <p:ph idx="1"/>
+          </p:nvPr>
+        </p:nvSpPr>
+        <p:spPr/>
+        <p:txBody>
+          <a:bodyPr>
+            <a:normAutofit lnSpcReduction="10000"/>
+          </a:bodyPr>
+          <a:lstStyle/>
+          <a:p>
+            <a:r>
+              <a:rPr lang="en-US" sz="2400" dirty="0" smtClean="0"/>
+              <a:t>form</a:t>
+            </a:r>
+          </a:p>
+          <a:p>
+            <a:pPr lvl="1"/>
+            <a:r>
+              <a:rPr lang="en-US" sz="2400" dirty="0" smtClean="0"/>
+              <a:t>Attributes:  action, method, autocomplete, name, </a:t>
+            </a:r>
+            <a:r>
+              <a:rPr lang="en-US" sz="2400" dirty="0" err="1" smtClean="0"/>
+              <a:t>novalidate</a:t>
+            </a:r>
+            <a:r>
+              <a:rPr lang="en-US" sz="2400" dirty="0" smtClean="0"/>
+              <a:t>, target, accept-charset</a:t>
+            </a:r>
+          </a:p>
+          <a:p>
+            <a:pPr lvl="1"/>
+            <a:r>
+              <a:rPr lang="en-US" sz="2400" dirty="0" smtClean="0"/>
+              <a:t>Methods:  get, post</a:t>
+            </a:r>
+          </a:p>
+          <a:p>
+            <a:r>
+              <a:rPr lang="en-US" sz="2400" dirty="0" smtClean="0"/>
+              <a:t>Input</a:t>
+            </a:r>
+          </a:p>
+          <a:p>
+            <a:pPr lvl="1"/>
+            <a:r>
+              <a:rPr lang="en-US" sz="2400" dirty="0" smtClean="0"/>
+              <a:t>Attributes:  type, name, value</a:t>
+            </a:r>
+          </a:p>
+          <a:p>
+            <a:pPr lvl="1"/>
+            <a:r>
+              <a:rPr lang="en-US" sz="2400" dirty="0" smtClean="0"/>
+              <a:t>Types:  text, radio, checkbox, </a:t>
+            </a:r>
+            <a:r>
+              <a:rPr lang="en-US" sz="2400" dirty="0" smtClean="0"/>
+              <a:t>submit, select</a:t>
+            </a:r>
+            <a:endParaRPr lang="en-US" sz="2400" dirty="0" smtClean="0"/>
+          </a:p>
+          <a:p>
+            <a:r>
+              <a:rPr lang="en-US" sz="2400" dirty="0" err="1" smtClean="0"/>
+              <a:t>fieldset</a:t>
+            </a:r>
+            <a:endParaRPr lang="en-US" sz="2400" dirty="0" smtClean="0"/>
+          </a:p>
+          <a:p>
+            <a:r>
+              <a:rPr lang="en-US" sz="2400" dirty="0" smtClean="0"/>
+              <a:t>legend</a:t>
+            </a:r>
+          </a:p>
+          <a:p>
+            <a:endParaRPr lang="en-US" dirty="0" smtClean="0"/>
+          </a:p>
+          <a:p>
+            <a:endParaRPr lang="en-US" dirty="0"/>
+          </a:p>
+        </p:txBody>
+      </p:sp>
+    </p:spTree>
+    <p:extLst>
+      <p:ext uri="{BB962C8B-B14F-4D97-AF65-F5344CB8AC3E}">
+        <p14:creationId xmlns:p14="http://schemas.microsoft.com/office/powerpoint/2010/main" val="3746883367"/>
+      </p:ext>
+    </p:extLst>
+  </p:cSld>
+  <p:clrMapOvr>
+    <a:masterClrMapping/>
+  </p:clrMapOvr>
+</p:sld>
+</file>
+
+<file path=ppt/slides/slide19.xml><?xml version="1.0" encoding="utf-8"?>
+<p:sld xmlns:a="http://schemas.openxmlformats.org/drawingml/2006/main" xmlns:r="http://schemas.openxmlformats.org/officeDocument/2006/relationships" xmlns:p="http://schemas.openxmlformats.org/presentationml/2006/main">
+  <p:cSld>
+    <p:spTree>
+      <p:nvGrpSpPr>
+        <p:cNvPr id="1" name=""/>
+        <p:cNvGrpSpPr/>
+        <p:nvPr/>
+      </p:nvGrpSpPr>
+      <p:grpSpPr>
+        <a:xfrm>
+          <a:off x="0" y="0"/>
+          <a:ext cx="0" cy="0"/>
+          <a:chOff x="0" y="0"/>
+          <a:chExt cx="0" cy="0"/>
+        </a:xfrm>
+      </p:grpSpPr>
+      <p:sp>
+        <p:nvSpPr>
+          <p:cNvPr id="2" name="Title 1"/>
+          <p:cNvSpPr>
+            <a:spLocks noGrp="1"/>
+          </p:cNvSpPr>
+          <p:nvPr>
+            <p:ph type="title"/>
+          </p:nvPr>
+        </p:nvSpPr>
+        <p:spPr/>
+        <p:txBody>
+          <a:bodyPr/>
+          <a:lstStyle/>
+          <a:p>
+            <a:r>
+              <a:rPr lang="en-US" dirty="0" smtClean="0"/>
+              <a:t>Forms</a:t>
+            </a:r>
+            <a:endParaRPr lang="en-US" dirty="0"/>
+          </a:p>
+        </p:txBody>
+      </p:sp>
+      <p:sp>
+        <p:nvSpPr>
+          <p:cNvPr id="3" name="Content Placeholder 2"/>
+          <p:cNvSpPr>
+            <a:spLocks noGrp="1"/>
+          </p:cNvSpPr>
+          <p:nvPr>
+            <p:ph idx="1"/>
+          </p:nvPr>
+        </p:nvSpPr>
+        <p:spPr/>
+        <p:txBody>
+          <a:bodyPr>
+            <a:noAutofit/>
+          </a:bodyPr>
+          <a:lstStyle/>
+          <a:p>
+            <a:pPr marL="45720" indent="0">
+              <a:spcBef>
+                <a:spcPts val="100"/>
+              </a:spcBef>
+              <a:buNone/>
+            </a:pPr>
+            <a:r>
+              <a:rPr lang="en-US" sz="2400" dirty="0" smtClean="0"/>
+              <a:t>Example:</a:t>
+            </a:r>
+          </a:p>
+          <a:p>
+            <a:pPr marL="45720" indent="0">
+              <a:spcBef>
+                <a:spcPts val="100"/>
+              </a:spcBef>
+              <a:buNone/>
+            </a:pPr>
+            <a:r>
+              <a:rPr lang="en-US" sz="2400" dirty="0" smtClean="0"/>
+              <a:t>&lt;form action=“/formAction.html” method=“post”&gt;</a:t>
+            </a:r>
+          </a:p>
+          <a:p>
+            <a:pPr marL="45720" indent="0">
+              <a:spcBef>
+                <a:spcPts val="100"/>
+              </a:spcBef>
+              <a:buNone/>
+            </a:pPr>
+            <a:r>
+              <a:rPr lang="en-US" sz="2400" dirty="0"/>
+              <a:t> </a:t>
+            </a:r>
+            <a:r>
+              <a:rPr lang="en-US" sz="2400" dirty="0" smtClean="0"/>
+              <a:t> First Name:&lt;</a:t>
+            </a:r>
+            <a:r>
+              <a:rPr lang="en-US" sz="2400" dirty="0" err="1" smtClean="0"/>
+              <a:t>br</a:t>
+            </a:r>
+            <a:r>
+              <a:rPr lang="en-US" sz="2400" dirty="0" smtClean="0"/>
+              <a:t> /&gt;</a:t>
+            </a:r>
+          </a:p>
+          <a:p>
+            <a:pPr marL="45720" indent="0">
+              <a:spcBef>
+                <a:spcPts val="100"/>
+              </a:spcBef>
+              <a:buNone/>
+            </a:pPr>
+            <a:r>
+              <a:rPr lang="en-US" sz="2400" dirty="0"/>
+              <a:t> </a:t>
+            </a:r>
+            <a:r>
+              <a:rPr lang="en-US" sz="2400" dirty="0" smtClean="0"/>
+              <a:t> &lt;input type=“text” name=“</a:t>
+            </a:r>
+            <a:r>
+              <a:rPr lang="en-US" sz="2400" dirty="0" err="1" smtClean="0"/>
+              <a:t>firstName</a:t>
+            </a:r>
+            <a:r>
+              <a:rPr lang="en-US" sz="2400" dirty="0" smtClean="0"/>
+              <a:t>” value=“First” /&gt;</a:t>
+            </a:r>
+          </a:p>
+          <a:p>
+            <a:pPr marL="45720" indent="0">
+              <a:spcBef>
+                <a:spcPts val="100"/>
+              </a:spcBef>
+              <a:buNone/>
+            </a:pPr>
+            <a:r>
+              <a:rPr lang="en-US" sz="2400" dirty="0"/>
+              <a:t> </a:t>
+            </a:r>
+            <a:r>
+              <a:rPr lang="en-US" sz="2400" dirty="0" smtClean="0"/>
+              <a:t> Last Name:&lt;</a:t>
+            </a:r>
+            <a:r>
+              <a:rPr lang="en-US" sz="2400" dirty="0" err="1" smtClean="0"/>
+              <a:t>br</a:t>
+            </a:r>
+            <a:r>
+              <a:rPr lang="en-US" sz="2400" dirty="0" smtClean="0"/>
+              <a:t> /&gt;</a:t>
+            </a:r>
+          </a:p>
+          <a:p>
+            <a:pPr marL="45720" indent="0">
+              <a:spcBef>
+                <a:spcPts val="100"/>
+              </a:spcBef>
+              <a:buNone/>
+            </a:pPr>
+            <a:r>
+              <a:rPr lang="en-US" sz="2400" dirty="0" smtClean="0"/>
+              <a:t>  &lt;</a:t>
+            </a:r>
+            <a:r>
+              <a:rPr lang="en-US" sz="2400" dirty="0"/>
+              <a:t>input type=“text” name</a:t>
+            </a:r>
+            <a:r>
+              <a:rPr lang="en-US" sz="2400" dirty="0" smtClean="0"/>
+              <a:t>=“</a:t>
+            </a:r>
+            <a:r>
+              <a:rPr lang="en-US" sz="2400" dirty="0" err="1" smtClean="0"/>
+              <a:t>lastName</a:t>
+            </a:r>
+            <a:r>
+              <a:rPr lang="en-US" sz="2400" dirty="0"/>
+              <a:t>” value</a:t>
+            </a:r>
+            <a:r>
+              <a:rPr lang="en-US" sz="2400" dirty="0" smtClean="0"/>
+              <a:t>=“Last” /&gt;</a:t>
+            </a:r>
+          </a:p>
+          <a:p>
+            <a:pPr marL="45720" indent="0">
+              <a:spcBef>
+                <a:spcPts val="100"/>
+              </a:spcBef>
+              <a:buNone/>
+            </a:pPr>
+            <a:r>
+              <a:rPr lang="en-US" sz="2400" dirty="0"/>
+              <a:t> </a:t>
+            </a:r>
+            <a:r>
+              <a:rPr lang="en-US" sz="2400" dirty="0" smtClean="0"/>
+              <a:t> &lt;input type=“checkbox” name=“</a:t>
+            </a:r>
+            <a:r>
+              <a:rPr lang="en-US" sz="2400" dirty="0" err="1" smtClean="0"/>
+              <a:t>signUp</a:t>
+            </a:r>
+            <a:r>
+              <a:rPr lang="en-US" sz="2400" dirty="0" smtClean="0"/>
+              <a:t>” value=“</a:t>
+            </a:r>
+            <a:r>
+              <a:rPr lang="en-US" sz="2400" dirty="0" err="1" smtClean="0"/>
+              <a:t>SignedUp</a:t>
+            </a:r>
+            <a:r>
+              <a:rPr lang="en-US" sz="2400" dirty="0" smtClean="0"/>
+              <a:t>” /&gt;</a:t>
+            </a:r>
+          </a:p>
+          <a:p>
+            <a:pPr marL="45720" indent="0">
+              <a:spcBef>
+                <a:spcPts val="100"/>
+              </a:spcBef>
+              <a:buNone/>
+            </a:pPr>
+            <a:r>
+              <a:rPr lang="en-US" sz="2400" dirty="0"/>
+              <a:t> </a:t>
+            </a:r>
+            <a:r>
+              <a:rPr lang="en-US" sz="2400" dirty="0" smtClean="0"/>
+              <a:t> Sign Up?&lt;</a:t>
+            </a:r>
+            <a:r>
+              <a:rPr lang="en-US" sz="2400" dirty="0" err="1" smtClean="0"/>
+              <a:t>br</a:t>
+            </a:r>
+            <a:r>
+              <a:rPr lang="en-US" sz="2400" dirty="0" smtClean="0"/>
+              <a:t> /&gt;</a:t>
+            </a:r>
+          </a:p>
+          <a:p>
+            <a:pPr marL="45720" indent="0">
+              <a:spcBef>
+                <a:spcPts val="100"/>
+              </a:spcBef>
+              <a:buNone/>
+            </a:pPr>
+            <a:r>
+              <a:rPr lang="en-US" sz="2400" dirty="0"/>
+              <a:t> </a:t>
+            </a:r>
+            <a:r>
+              <a:rPr lang="en-US" sz="2400" dirty="0" smtClean="0"/>
+              <a:t> &lt;input type=“submit” value=“Submit” /&gt;</a:t>
+            </a:r>
+          </a:p>
+          <a:p>
+            <a:pPr marL="45720" indent="0">
+              <a:spcBef>
+                <a:spcPts val="100"/>
+              </a:spcBef>
+              <a:buNone/>
+            </a:pPr>
+            <a:r>
+              <a:rPr lang="en-US" sz="2400" dirty="0" smtClean="0"/>
+              <a:t>&lt;/form&gt;</a:t>
+            </a:r>
+            <a:endParaRPr lang="en-US" sz="2400" dirty="0"/>
+          </a:p>
+        </p:txBody>
+      </p:sp>
+    </p:spTree>
+    <p:extLst>
+      <p:ext uri="{BB962C8B-B14F-4D97-AF65-F5344CB8AC3E}">
+        <p14:creationId xmlns:p14="http://schemas.microsoft.com/office/powerpoint/2010/main" val="1243737899"/>
       </p:ext>
     </p:extLst>
   </p:cSld>
@@ -10559,6 +11726,787 @@
     <p:extLst>
       <p:ext uri="{BB962C8B-B14F-4D97-AF65-F5344CB8AC3E}">
         <p14:creationId xmlns:p14="http://schemas.microsoft.com/office/powerpoint/2010/main" val="2909286398"/>
+      </p:ext>
+    </p:extLst>
+  </p:cSld>
+  <p:clrMapOvr>
+    <a:masterClrMapping/>
+  </p:clrMapOvr>
+</p:sld>
+</file>
+
+<file path=ppt/slides/slide20.xml><?xml version="1.0" encoding="utf-8"?>
+<p:sld xmlns:a="http://schemas.openxmlformats.org/drawingml/2006/main" xmlns:r="http://schemas.openxmlformats.org/officeDocument/2006/relationships" xmlns:p="http://schemas.openxmlformats.org/presentationml/2006/main">
+  <p:cSld>
+    <p:spTree>
+      <p:nvGrpSpPr>
+        <p:cNvPr id="1" name=""/>
+        <p:cNvGrpSpPr/>
+        <p:nvPr/>
+      </p:nvGrpSpPr>
+      <p:grpSpPr>
+        <a:xfrm>
+          <a:off x="0" y="0"/>
+          <a:ext cx="0" cy="0"/>
+          <a:chOff x="0" y="0"/>
+          <a:chExt cx="0" cy="0"/>
+        </a:xfrm>
+      </p:grpSpPr>
+      <p:sp>
+        <p:nvSpPr>
+          <p:cNvPr id="2" name="Title 1"/>
+          <p:cNvSpPr>
+            <a:spLocks noGrp="1"/>
+          </p:cNvSpPr>
+          <p:nvPr>
+            <p:ph type="title"/>
+          </p:nvPr>
+        </p:nvSpPr>
+        <p:spPr/>
+        <p:txBody>
+          <a:bodyPr/>
+          <a:lstStyle/>
+          <a:p>
+            <a:r>
+              <a:rPr lang="en-US" dirty="0" smtClean="0"/>
+              <a:t>EXAMPLE</a:t>
+            </a:r>
+            <a:endParaRPr lang="en-US" dirty="0"/>
+          </a:p>
+        </p:txBody>
+      </p:sp>
+      <p:sp>
+        <p:nvSpPr>
+          <p:cNvPr id="3" name="Text Placeholder 2"/>
+          <p:cNvSpPr>
+            <a:spLocks noGrp="1"/>
+          </p:cNvSpPr>
+          <p:nvPr>
+            <p:ph type="body" idx="1"/>
+          </p:nvPr>
+        </p:nvSpPr>
+        <p:spPr/>
+        <p:txBody>
+          <a:bodyPr/>
+          <a:lstStyle/>
+          <a:p>
+            <a:r>
+              <a:rPr lang="en-US" dirty="0" err="1" smtClean="0"/>
+              <a:t>fORMS</a:t>
+            </a:r>
+            <a:endParaRPr lang="en-US" dirty="0"/>
+          </a:p>
+        </p:txBody>
+      </p:sp>
+      <p:pic>
+        <p:nvPicPr>
+          <p:cNvPr id="4" name="Content Placeholder 4"/>
+          <p:cNvPicPr>
+            <a:picLocks noChangeAspect="1"/>
+          </p:cNvPicPr>
+          <p:nvPr/>
+        </p:nvPicPr>
+        <p:blipFill>
+          <a:blip r:embed="rId3">
+            <a:extLst>
+              <a:ext uri="{28A0092B-C50C-407E-A947-70E740481C1C}">
+                <a14:useLocalDpi xmlns:a14="http://schemas.microsoft.com/office/drawing/2010/main" val="0"/>
+              </a:ext>
+            </a:extLst>
+          </a:blip>
+          <a:stretch>
+            <a:fillRect/>
+          </a:stretch>
+        </p:blipFill>
+        <p:spPr>
+          <a:xfrm>
+            <a:off x="1154955" y="563880"/>
+            <a:ext cx="3819192" cy="3055354"/>
+          </a:xfrm>
+          <a:prstGeom prst="rect">
+            <a:avLst/>
+          </a:prstGeom>
+        </p:spPr>
+      </p:pic>
+    </p:spTree>
+    <p:extLst>
+      <p:ext uri="{BB962C8B-B14F-4D97-AF65-F5344CB8AC3E}">
+        <p14:creationId xmlns:p14="http://schemas.microsoft.com/office/powerpoint/2010/main" val="1464523826"/>
+      </p:ext>
+    </p:extLst>
+  </p:cSld>
+  <p:clrMapOvr>
+    <a:masterClrMapping/>
+  </p:clrMapOvr>
+  <p:timing>
+    <p:tnLst>
+      <p:par>
+        <p:cTn id="1" dur="indefinite" restart="never" nodeType="tmRoot"/>
+      </p:par>
+    </p:tnLst>
+  </p:timing>
+</p:sld>
+</file>
+
+<file path=ppt/slides/slide21.xml><?xml version="1.0" encoding="utf-8"?>
+<p:sld xmlns:a="http://schemas.openxmlformats.org/drawingml/2006/main" xmlns:r="http://schemas.openxmlformats.org/officeDocument/2006/relationships" xmlns:p="http://schemas.openxmlformats.org/presentationml/2006/main">
+  <p:cSld>
+    <p:spTree>
+      <p:nvGrpSpPr>
+        <p:cNvPr id="1" name=""/>
+        <p:cNvGrpSpPr/>
+        <p:nvPr/>
+      </p:nvGrpSpPr>
+      <p:grpSpPr>
+        <a:xfrm>
+          <a:off x="0" y="0"/>
+          <a:ext cx="0" cy="0"/>
+          <a:chOff x="0" y="0"/>
+          <a:chExt cx="0" cy="0"/>
+        </a:xfrm>
+      </p:grpSpPr>
+      <p:sp>
+        <p:nvSpPr>
+          <p:cNvPr id="2" name="Title 1"/>
+          <p:cNvSpPr>
+            <a:spLocks noGrp="1"/>
+          </p:cNvSpPr>
+          <p:nvPr>
+            <p:ph type="ctrTitle"/>
+          </p:nvPr>
+        </p:nvSpPr>
+        <p:spPr/>
+        <p:txBody>
+          <a:bodyPr/>
+          <a:lstStyle/>
+          <a:p>
+            <a:r>
+              <a:rPr lang="en-US" dirty="0" smtClean="0"/>
+              <a:t>ASSESSMENT</a:t>
+            </a:r>
+            <a:endParaRPr lang="en-US" dirty="0"/>
+          </a:p>
+        </p:txBody>
+      </p:sp>
+      <p:sp>
+        <p:nvSpPr>
+          <p:cNvPr id="3" name="Subtitle 2"/>
+          <p:cNvSpPr>
+            <a:spLocks noGrp="1"/>
+          </p:cNvSpPr>
+          <p:nvPr>
+            <p:ph type="subTitle" idx="1"/>
+          </p:nvPr>
+        </p:nvSpPr>
+        <p:spPr/>
+        <p:txBody>
+          <a:bodyPr/>
+          <a:lstStyle/>
+          <a:p>
+            <a:r>
+              <a:rPr lang="en-US" dirty="0" smtClean="0"/>
+              <a:t>Links, Tables, and forms</a:t>
+            </a:r>
+            <a:endParaRPr lang="en-US" dirty="0"/>
+          </a:p>
+        </p:txBody>
+      </p:sp>
+      <p:pic>
+        <p:nvPicPr>
+          <p:cNvPr id="4" name="Picture 3"/>
+          <p:cNvPicPr>
+            <a:picLocks noChangeAspect="1"/>
+          </p:cNvPicPr>
+          <p:nvPr/>
+        </p:nvPicPr>
+        <p:blipFill>
+          <a:blip r:embed="rId3">
+            <a:extLst>
+              <a:ext uri="{28A0092B-C50C-407E-A947-70E740481C1C}">
+                <a14:useLocalDpi xmlns:a14="http://schemas.microsoft.com/office/drawing/2010/main" val="0"/>
+              </a:ext>
+            </a:extLst>
+          </a:blip>
+          <a:stretch>
+            <a:fillRect/>
+          </a:stretch>
+        </p:blipFill>
+        <p:spPr>
+          <a:xfrm>
+            <a:off x="7950200" y="1447800"/>
+            <a:ext cx="3571240" cy="4529836"/>
+          </a:xfrm>
+          <a:prstGeom prst="rect">
+            <a:avLst/>
+          </a:prstGeom>
+        </p:spPr>
+      </p:pic>
+    </p:spTree>
+    <p:extLst>
+      <p:ext uri="{BB962C8B-B14F-4D97-AF65-F5344CB8AC3E}">
+        <p14:creationId xmlns:p14="http://schemas.microsoft.com/office/powerpoint/2010/main" val="432358962"/>
+      </p:ext>
+    </p:extLst>
+  </p:cSld>
+  <p:clrMapOvr>
+    <a:masterClrMapping/>
+  </p:clrMapOvr>
+  <p:timing>
+    <p:tnLst>
+      <p:par>
+        <p:cTn id="1" dur="indefinite" restart="never" nodeType="tmRoot"/>
+      </p:par>
+    </p:tnLst>
+  </p:timing>
+</p:sld>
+</file>
+
+<file path=ppt/slides/slide22.xml><?xml version="1.0" encoding="utf-8"?>
+<p:sld xmlns:a="http://schemas.openxmlformats.org/drawingml/2006/main" xmlns:r="http://schemas.openxmlformats.org/officeDocument/2006/relationships" xmlns:p="http://schemas.openxmlformats.org/presentationml/2006/main">
+  <p:cSld>
+    <p:spTree>
+      <p:nvGrpSpPr>
+        <p:cNvPr id="1" name=""/>
+        <p:cNvGrpSpPr/>
+        <p:nvPr/>
+      </p:nvGrpSpPr>
+      <p:grpSpPr>
+        <a:xfrm>
+          <a:off x="0" y="0"/>
+          <a:ext cx="0" cy="0"/>
+          <a:chOff x="0" y="0"/>
+          <a:chExt cx="0" cy="0"/>
+        </a:xfrm>
+      </p:grpSpPr>
+      <p:sp>
+        <p:nvSpPr>
+          <p:cNvPr id="2" name="Title 1"/>
+          <p:cNvSpPr>
+            <a:spLocks noGrp="1"/>
+          </p:cNvSpPr>
+          <p:nvPr>
+            <p:ph type="title"/>
+          </p:nvPr>
+        </p:nvSpPr>
+        <p:spPr/>
+        <p:txBody>
+          <a:bodyPr/>
+          <a:lstStyle/>
+          <a:p>
+            <a:r>
+              <a:rPr lang="en-US" dirty="0" smtClean="0"/>
+              <a:t>Assignment</a:t>
+            </a:r>
+            <a:endParaRPr lang="en-US" dirty="0"/>
+          </a:p>
+        </p:txBody>
+      </p:sp>
+      <p:sp>
+        <p:nvSpPr>
+          <p:cNvPr id="3" name="Content Placeholder 2"/>
+          <p:cNvSpPr>
+            <a:spLocks noGrp="1"/>
+          </p:cNvSpPr>
+          <p:nvPr>
+            <p:ph sz="half" idx="1"/>
+          </p:nvPr>
+        </p:nvSpPr>
+        <p:spPr>
+          <a:xfrm>
+            <a:off x="496388" y="1387975"/>
+            <a:ext cx="7772401" cy="5119408"/>
+          </a:xfrm>
+        </p:spPr>
+        <p:txBody>
+          <a:bodyPr>
+            <a:normAutofit fontScale="92500"/>
+          </a:bodyPr>
+          <a:lstStyle/>
+          <a:p>
+            <a:r>
+              <a:rPr lang="en-US" sz="3200" dirty="0" smtClean="0"/>
+              <a:t>Write an interface for our status report.</a:t>
+            </a:r>
+            <a:endParaRPr lang="en-US" sz="3200" dirty="0"/>
+          </a:p>
+          <a:p>
+            <a:pPr lvl="0"/>
+            <a:r>
+              <a:rPr lang="en-US" sz="3200" dirty="0" smtClean="0"/>
+              <a:t>Under the paragraph add a table with a header that has </a:t>
+            </a:r>
+            <a:r>
+              <a:rPr lang="en-US" sz="3200" dirty="0"/>
+              <a:t>4</a:t>
+            </a:r>
+            <a:r>
+              <a:rPr lang="en-US" sz="3200" dirty="0" smtClean="0"/>
+              <a:t> columns: First Name, Last Name, Status Id, and Status.  Fill in some rows with data.</a:t>
+            </a:r>
+          </a:p>
+          <a:p>
+            <a:pPr lvl="0"/>
+            <a:r>
+              <a:rPr lang="en-US" sz="3200" dirty="0" smtClean="0"/>
+              <a:t>Create a new page with form fields First Name (text), Last Name (text), and Status (drop down).</a:t>
+            </a:r>
+          </a:p>
+          <a:p>
+            <a:pPr lvl="0"/>
+            <a:r>
+              <a:rPr lang="en-US" sz="3200" dirty="0" smtClean="0"/>
+              <a:t>Under the table add a link to open the new page with text, “Add”.</a:t>
+            </a:r>
+            <a:endParaRPr lang="en-US" sz="3200" dirty="0" smtClean="0"/>
+          </a:p>
+          <a:p>
+            <a:pPr lvl="0"/>
+            <a:endParaRPr lang="en-US" sz="2800" dirty="0"/>
+          </a:p>
+        </p:txBody>
+      </p:sp>
+      <p:pic>
+        <p:nvPicPr>
+          <p:cNvPr id="5" name="Content Placeholder 4"/>
+          <p:cNvPicPr>
+            <a:picLocks noGrp="1" noChangeAspect="1"/>
+          </p:cNvPicPr>
+          <p:nvPr>
+            <p:ph sz="half" idx="2"/>
+          </p:nvPr>
+        </p:nvPicPr>
+        <p:blipFill>
+          <a:blip r:embed="rId3">
+            <a:extLst>
+              <a:ext uri="{28A0092B-C50C-407E-A947-70E740481C1C}">
+                <a14:useLocalDpi xmlns:a14="http://schemas.microsoft.com/office/drawing/2010/main" val="0"/>
+              </a:ext>
+            </a:extLst>
+          </a:blip>
+          <a:stretch>
+            <a:fillRect/>
+          </a:stretch>
+        </p:blipFill>
+        <p:spPr>
+          <a:xfrm>
+            <a:off x="8630940" y="1387975"/>
+            <a:ext cx="3179422" cy="5119408"/>
+          </a:xfrm>
+        </p:spPr>
+      </p:pic>
+    </p:spTree>
+    <p:extLst>
+      <p:ext uri="{BB962C8B-B14F-4D97-AF65-F5344CB8AC3E}">
+        <p14:creationId xmlns:p14="http://schemas.microsoft.com/office/powerpoint/2010/main" val="2060083904"/>
+      </p:ext>
+    </p:extLst>
+  </p:cSld>
+  <p:clrMapOvr>
+    <a:masterClrMapping/>
+  </p:clrMapOvr>
+</p:sld>
+</file>
+
+<file path=ppt/slides/slide23.xml><?xml version="1.0" encoding="utf-8"?>
+<p:sld xmlns:a="http://schemas.openxmlformats.org/drawingml/2006/main" xmlns:r="http://schemas.openxmlformats.org/officeDocument/2006/relationships" xmlns:p="http://schemas.openxmlformats.org/presentationml/2006/main">
+  <p:cSld>
+    <p:spTree>
+      <p:nvGrpSpPr>
+        <p:cNvPr id="1" name=""/>
+        <p:cNvGrpSpPr/>
+        <p:nvPr/>
+      </p:nvGrpSpPr>
+      <p:grpSpPr>
+        <a:xfrm>
+          <a:off x="0" y="0"/>
+          <a:ext cx="0" cy="0"/>
+          <a:chOff x="0" y="0"/>
+          <a:chExt cx="0" cy="0"/>
+        </a:xfrm>
+      </p:grpSpPr>
+      <p:sp>
+        <p:nvSpPr>
+          <p:cNvPr id="2" name="Title 1"/>
+          <p:cNvSpPr>
+            <a:spLocks noGrp="1"/>
+          </p:cNvSpPr>
+          <p:nvPr>
+            <p:ph type="title"/>
+          </p:nvPr>
+        </p:nvSpPr>
+        <p:spPr/>
+        <p:txBody>
+          <a:bodyPr/>
+          <a:lstStyle/>
+          <a:p>
+            <a:r>
+              <a:rPr lang="en-US" dirty="0" smtClean="0"/>
+              <a:t>Comments</a:t>
+            </a:r>
+            <a:endParaRPr lang="en-US" dirty="0"/>
+          </a:p>
+        </p:txBody>
+      </p:sp>
+      <p:sp>
+        <p:nvSpPr>
+          <p:cNvPr id="3" name="Content Placeholder 2"/>
+          <p:cNvSpPr>
+            <a:spLocks noGrp="1"/>
+          </p:cNvSpPr>
+          <p:nvPr>
+            <p:ph idx="1"/>
+          </p:nvPr>
+        </p:nvSpPr>
+        <p:spPr/>
+        <p:txBody>
+          <a:bodyPr>
+            <a:normAutofit/>
+          </a:bodyPr>
+          <a:lstStyle/>
+          <a:p>
+            <a:r>
+              <a:rPr lang="en-US" sz="2800" dirty="0" smtClean="0"/>
+              <a:t>Syntax:  &lt;!--  …  --&gt;</a:t>
+            </a:r>
+          </a:p>
+          <a:p>
+            <a:pPr marL="45720" indent="0">
+              <a:buNone/>
+            </a:pPr>
+            <a:endParaRPr lang="en-US" sz="2800" dirty="0"/>
+          </a:p>
+          <a:p>
+            <a:pPr marL="45720" indent="0">
+              <a:spcBef>
+                <a:spcPts val="100"/>
+              </a:spcBef>
+              <a:buNone/>
+            </a:pPr>
+            <a:r>
+              <a:rPr lang="en-US" sz="2800" dirty="0" smtClean="0"/>
+              <a:t>Example:</a:t>
+            </a:r>
+          </a:p>
+          <a:p>
+            <a:pPr marL="45720" indent="0">
+              <a:spcBef>
+                <a:spcPts val="100"/>
+              </a:spcBef>
+              <a:buNone/>
+            </a:pPr>
+            <a:r>
+              <a:rPr lang="en-US" sz="2800" dirty="0" smtClean="0"/>
+              <a:t>&lt;!– Comments here, everything commented until end comment</a:t>
+            </a:r>
+          </a:p>
+          <a:p>
+            <a:pPr marL="45720" indent="0">
+              <a:spcBef>
+                <a:spcPts val="100"/>
+              </a:spcBef>
+              <a:buNone/>
+            </a:pPr>
+            <a:r>
+              <a:rPr lang="en-US" sz="2800" dirty="0" smtClean="0"/>
+              <a:t>&lt;p&gt;</a:t>
+            </a:r>
+          </a:p>
+          <a:p>
+            <a:pPr marL="45720" indent="0">
+              <a:spcBef>
+                <a:spcPts val="100"/>
+              </a:spcBef>
+              <a:buNone/>
+            </a:pPr>
+            <a:r>
+              <a:rPr lang="en-US" sz="2800" dirty="0"/>
+              <a:t> </a:t>
+            </a:r>
+            <a:r>
+              <a:rPr lang="en-US" sz="2800" dirty="0" smtClean="0"/>
+              <a:t> Some text that won’t show up</a:t>
+            </a:r>
+          </a:p>
+          <a:p>
+            <a:pPr marL="45720" indent="0">
+              <a:spcBef>
+                <a:spcPts val="100"/>
+              </a:spcBef>
+              <a:buNone/>
+            </a:pPr>
+            <a:r>
+              <a:rPr lang="en-US" sz="2800" dirty="0" smtClean="0"/>
+              <a:t>&lt;/p&gt;</a:t>
+            </a:r>
+          </a:p>
+          <a:p>
+            <a:pPr marL="45720" indent="0">
+              <a:spcBef>
+                <a:spcPts val="100"/>
+              </a:spcBef>
+              <a:buNone/>
+            </a:pPr>
+            <a:r>
+              <a:rPr lang="en-US" sz="2800" dirty="0" smtClean="0"/>
+              <a:t>--&gt;</a:t>
+            </a:r>
+            <a:endParaRPr lang="en-US" sz="2800" dirty="0"/>
+          </a:p>
+        </p:txBody>
+      </p:sp>
+    </p:spTree>
+    <p:extLst>
+      <p:ext uri="{BB962C8B-B14F-4D97-AF65-F5344CB8AC3E}">
+        <p14:creationId xmlns:p14="http://schemas.microsoft.com/office/powerpoint/2010/main" val="222774906"/>
+      </p:ext>
+    </p:extLst>
+  </p:cSld>
+  <p:clrMapOvr>
+    <a:masterClrMapping/>
+  </p:clrMapOvr>
+</p:sld>
+</file>
+
+<file path=ppt/slides/slide24.xml><?xml version="1.0" encoding="utf-8"?>
+<p:sld xmlns:a="http://schemas.openxmlformats.org/drawingml/2006/main" xmlns:r="http://schemas.openxmlformats.org/officeDocument/2006/relationships" xmlns:p="http://schemas.openxmlformats.org/presentationml/2006/main">
+  <p:cSld>
+    <p:spTree>
+      <p:nvGrpSpPr>
+        <p:cNvPr id="1" name=""/>
+        <p:cNvGrpSpPr/>
+        <p:nvPr/>
+      </p:nvGrpSpPr>
+      <p:grpSpPr>
+        <a:xfrm>
+          <a:off x="0" y="0"/>
+          <a:ext cx="0" cy="0"/>
+          <a:chOff x="0" y="0"/>
+          <a:chExt cx="0" cy="0"/>
+        </a:xfrm>
+      </p:grpSpPr>
+      <p:sp>
+        <p:nvSpPr>
+          <p:cNvPr id="2" name="Title 1"/>
+          <p:cNvSpPr>
+            <a:spLocks noGrp="1"/>
+          </p:cNvSpPr>
+          <p:nvPr>
+            <p:ph type="ctrTitle"/>
+          </p:nvPr>
+        </p:nvSpPr>
+        <p:spPr/>
+        <p:txBody>
+          <a:bodyPr/>
+          <a:lstStyle/>
+          <a:p>
+            <a:r>
+              <a:rPr lang="en-US" dirty="0" smtClean="0"/>
+              <a:t>QUICK REVIEW</a:t>
+            </a:r>
+            <a:endParaRPr lang="en-US" dirty="0"/>
+          </a:p>
+        </p:txBody>
+      </p:sp>
+      <p:sp>
+        <p:nvSpPr>
+          <p:cNvPr id="3" name="Subtitle 2"/>
+          <p:cNvSpPr>
+            <a:spLocks noGrp="1"/>
+          </p:cNvSpPr>
+          <p:nvPr>
+            <p:ph type="subTitle" idx="1"/>
+          </p:nvPr>
+        </p:nvSpPr>
+        <p:spPr/>
+        <p:txBody>
+          <a:bodyPr/>
+          <a:lstStyle/>
+          <a:p>
+            <a:r>
+              <a:rPr lang="en-US" dirty="0" smtClean="0"/>
+              <a:t>HTML</a:t>
+            </a:r>
+            <a:endParaRPr lang="en-US" dirty="0"/>
+          </a:p>
+        </p:txBody>
+      </p:sp>
+      <p:pic>
+        <p:nvPicPr>
+          <p:cNvPr id="4" name="Picture 3"/>
+          <p:cNvPicPr>
+            <a:picLocks noChangeAspect="1"/>
+          </p:cNvPicPr>
+          <p:nvPr/>
+        </p:nvPicPr>
+        <p:blipFill>
+          <a:blip r:embed="rId3">
+            <a:extLst>
+              <a:ext uri="{28A0092B-C50C-407E-A947-70E740481C1C}">
+                <a14:useLocalDpi xmlns:a14="http://schemas.microsoft.com/office/drawing/2010/main" val="0"/>
+              </a:ext>
+            </a:extLst>
+          </a:blip>
+          <a:stretch>
+            <a:fillRect/>
+          </a:stretch>
+        </p:blipFill>
+        <p:spPr>
+          <a:xfrm>
+            <a:off x="8168603" y="1172656"/>
+            <a:ext cx="3624020" cy="5461159"/>
+          </a:xfrm>
+          <a:prstGeom prst="rect">
+            <a:avLst/>
+          </a:prstGeom>
+        </p:spPr>
+      </p:pic>
+    </p:spTree>
+    <p:extLst>
+      <p:ext uri="{BB962C8B-B14F-4D97-AF65-F5344CB8AC3E}">
+        <p14:creationId xmlns:p14="http://schemas.microsoft.com/office/powerpoint/2010/main" val="1661233291"/>
+      </p:ext>
+    </p:extLst>
+  </p:cSld>
+  <p:clrMapOvr>
+    <a:masterClrMapping/>
+  </p:clrMapOvr>
+  <p:timing>
+    <p:tnLst>
+      <p:par>
+        <p:cTn id="1" dur="indefinite" restart="never" nodeType="tmRoot"/>
+      </p:par>
+    </p:tnLst>
+  </p:timing>
+</p:sld>
+</file>
+
+<file path=ppt/slides/slide25.xml><?xml version="1.0" encoding="utf-8"?>
+<p:sld xmlns:a="http://schemas.openxmlformats.org/drawingml/2006/main" xmlns:r="http://schemas.openxmlformats.org/officeDocument/2006/relationships" xmlns:p="http://schemas.openxmlformats.org/presentationml/2006/main">
+  <p:cSld>
+    <p:spTree>
+      <p:nvGrpSpPr>
+        <p:cNvPr id="1" name=""/>
+        <p:cNvGrpSpPr/>
+        <p:nvPr/>
+      </p:nvGrpSpPr>
+      <p:grpSpPr>
+        <a:xfrm>
+          <a:off x="0" y="0"/>
+          <a:ext cx="0" cy="0"/>
+          <a:chOff x="0" y="0"/>
+          <a:chExt cx="0" cy="0"/>
+        </a:xfrm>
+      </p:grpSpPr>
+      <p:sp>
+        <p:nvSpPr>
+          <p:cNvPr id="2" name="Title 1"/>
+          <p:cNvSpPr>
+            <a:spLocks noGrp="1"/>
+          </p:cNvSpPr>
+          <p:nvPr>
+            <p:ph type="title"/>
+          </p:nvPr>
+        </p:nvSpPr>
+        <p:spPr/>
+        <p:txBody>
+          <a:bodyPr/>
+          <a:lstStyle/>
+          <a:p>
+            <a:r>
+              <a:rPr lang="en-US" dirty="0" smtClean="0"/>
+              <a:t>Additional Resources</a:t>
+            </a:r>
+            <a:endParaRPr lang="en-US" dirty="0"/>
+          </a:p>
+        </p:txBody>
+      </p:sp>
+      <p:sp>
+        <p:nvSpPr>
+          <p:cNvPr id="3" name="Content Placeholder 2"/>
+          <p:cNvSpPr>
+            <a:spLocks noGrp="1"/>
+          </p:cNvSpPr>
+          <p:nvPr>
+            <p:ph sz="half" idx="1"/>
+          </p:nvPr>
+        </p:nvSpPr>
+        <p:spPr>
+          <a:xfrm>
+            <a:off x="1103312" y="2060575"/>
+            <a:ext cx="10008033" cy="4195763"/>
+          </a:xfrm>
+        </p:spPr>
+        <p:txBody>
+          <a:bodyPr>
+            <a:normAutofit/>
+          </a:bodyPr>
+          <a:lstStyle/>
+          <a:p>
+            <a:pPr lvl="0"/>
+            <a:r>
+              <a:rPr lang="en-US" sz="2800" dirty="0" smtClean="0"/>
+              <a:t>MDN Tutorial</a:t>
+            </a:r>
+          </a:p>
+          <a:p>
+            <a:pPr lvl="1"/>
+            <a:r>
+              <a:rPr lang="en-US" sz="2600" dirty="0">
+                <a:hlinkClick r:id="rId3"/>
+              </a:rPr>
+              <a:t>https://</a:t>
+            </a:r>
+            <a:r>
+              <a:rPr lang="en-US" sz="2600" dirty="0" smtClean="0">
+                <a:hlinkClick r:id="rId3"/>
+              </a:rPr>
+              <a:t>developer.mozilla.org/en-US/docs/Learn/HTML</a:t>
+            </a:r>
+            <a:endParaRPr lang="en-US" sz="2600" dirty="0" smtClean="0"/>
+          </a:p>
+          <a:p>
+            <a:pPr lvl="0"/>
+            <a:r>
+              <a:rPr lang="en-US" sz="2800" dirty="0" err="1"/>
+              <a:t>JSFiddle</a:t>
+            </a:r>
+            <a:endParaRPr lang="en-US" sz="2800" dirty="0"/>
+          </a:p>
+          <a:p>
+            <a:pPr lvl="1"/>
+            <a:r>
+              <a:rPr lang="en-US" sz="2600" dirty="0">
+                <a:hlinkClick r:id="rId4"/>
+              </a:rPr>
+              <a:t>https://jsfiddle.net/</a:t>
+            </a:r>
+            <a:endParaRPr lang="en-US" sz="2600" dirty="0"/>
+          </a:p>
+          <a:p>
+            <a:r>
+              <a:rPr lang="en-US" sz="3000" dirty="0"/>
+              <a:t>free Code Camp</a:t>
+            </a:r>
+          </a:p>
+          <a:p>
+            <a:pPr lvl="1"/>
+            <a:r>
+              <a:rPr lang="en-US" sz="2600" dirty="0">
+                <a:hlinkClick r:id="rId5"/>
+              </a:rPr>
+              <a:t>https://www.freecodecamp.org/</a:t>
+            </a:r>
+            <a:endParaRPr lang="en-US" sz="2600" dirty="0"/>
+          </a:p>
+          <a:p>
+            <a:endParaRPr lang="en-US" sz="2800" dirty="0" smtClean="0"/>
+          </a:p>
+        </p:txBody>
+      </p:sp>
+    </p:spTree>
+    <p:extLst>
+      <p:ext uri="{BB962C8B-B14F-4D97-AF65-F5344CB8AC3E}">
+        <p14:creationId xmlns:p14="http://schemas.microsoft.com/office/powerpoint/2010/main" val="3977379878"/>
       </p:ext>
     </p:extLst>
   </p:cSld>
@@ -11159,6 +13107,232 @@
 </file>
 
 <file path=ppt/slides/slide6.xml><?xml version="1.0" encoding="utf-8"?>
+<p:sld xmlns:a="http://schemas.openxmlformats.org/drawingml/2006/main" xmlns:r="http://schemas.openxmlformats.org/officeDocument/2006/relationships" xmlns:p="http://schemas.openxmlformats.org/presentationml/2006/main">
+  <p:cSld>
+    <p:spTree>
+      <p:nvGrpSpPr>
+        <p:cNvPr id="1" name=""/>
+        <p:cNvGrpSpPr/>
+        <p:nvPr/>
+      </p:nvGrpSpPr>
+      <p:grpSpPr>
+        <a:xfrm>
+          <a:off x="0" y="0"/>
+          <a:ext cx="0" cy="0"/>
+          <a:chOff x="0" y="0"/>
+          <a:chExt cx="0" cy="0"/>
+        </a:xfrm>
+      </p:grpSpPr>
+      <p:sp>
+        <p:nvSpPr>
+          <p:cNvPr id="2" name="Title 1"/>
+          <p:cNvSpPr>
+            <a:spLocks noGrp="1"/>
+          </p:cNvSpPr>
+          <p:nvPr>
+            <p:ph type="title"/>
+          </p:nvPr>
+        </p:nvSpPr>
+        <p:spPr/>
+        <p:txBody>
+          <a:bodyPr/>
+          <a:lstStyle/>
+          <a:p>
+            <a:r>
+              <a:rPr lang="en-US" dirty="0" smtClean="0"/>
+              <a:t>EXAMPLE</a:t>
+            </a:r>
+            <a:endParaRPr lang="en-US" dirty="0"/>
+          </a:p>
+        </p:txBody>
+      </p:sp>
+      <p:sp>
+        <p:nvSpPr>
+          <p:cNvPr id="3" name="Text Placeholder 2"/>
+          <p:cNvSpPr>
+            <a:spLocks noGrp="1"/>
+          </p:cNvSpPr>
+          <p:nvPr>
+            <p:ph type="body" idx="1"/>
+          </p:nvPr>
+        </p:nvSpPr>
+        <p:spPr/>
+        <p:txBody>
+          <a:bodyPr/>
+          <a:lstStyle/>
+          <a:p>
+            <a:r>
+              <a:rPr lang="en-US" dirty="0" smtClean="0"/>
+              <a:t>BASIC html STRUCTURE</a:t>
+            </a:r>
+            <a:endParaRPr lang="en-US" dirty="0"/>
+          </a:p>
+        </p:txBody>
+      </p:sp>
+      <p:pic>
+        <p:nvPicPr>
+          <p:cNvPr id="4" name="Content Placeholder 4"/>
+          <p:cNvPicPr>
+            <a:picLocks noChangeAspect="1"/>
+          </p:cNvPicPr>
+          <p:nvPr/>
+        </p:nvPicPr>
+        <p:blipFill>
+          <a:blip r:embed="rId3">
+            <a:extLst>
+              <a:ext uri="{28A0092B-C50C-407E-A947-70E740481C1C}">
+                <a14:useLocalDpi xmlns:a14="http://schemas.microsoft.com/office/drawing/2010/main" val="0"/>
+              </a:ext>
+            </a:extLst>
+          </a:blip>
+          <a:stretch>
+            <a:fillRect/>
+          </a:stretch>
+        </p:blipFill>
+        <p:spPr>
+          <a:xfrm>
+            <a:off x="1154955" y="563880"/>
+            <a:ext cx="3819192" cy="3055354"/>
+          </a:xfrm>
+          <a:prstGeom prst="rect">
+            <a:avLst/>
+          </a:prstGeom>
+        </p:spPr>
+      </p:pic>
+    </p:spTree>
+    <p:extLst>
+      <p:ext uri="{BB962C8B-B14F-4D97-AF65-F5344CB8AC3E}">
+        <p14:creationId xmlns:p14="http://schemas.microsoft.com/office/powerpoint/2010/main" val="1526200381"/>
+      </p:ext>
+    </p:extLst>
+  </p:cSld>
+  <p:clrMapOvr>
+    <a:masterClrMapping/>
+  </p:clrMapOvr>
+  <p:timing>
+    <p:tnLst>
+      <p:par>
+        <p:cTn id="1" dur="indefinite" restart="never" nodeType="tmRoot"/>
+      </p:par>
+    </p:tnLst>
+  </p:timing>
+</p:sld>
+</file>
+
+<file path=ppt/slides/slide7.xml><?xml version="1.0" encoding="utf-8"?>
+<p:sld xmlns:a="http://schemas.openxmlformats.org/drawingml/2006/main" xmlns:r="http://schemas.openxmlformats.org/officeDocument/2006/relationships" xmlns:p="http://schemas.openxmlformats.org/presentationml/2006/main">
+  <p:cSld>
+    <p:spTree>
+      <p:nvGrpSpPr>
+        <p:cNvPr id="1" name=""/>
+        <p:cNvGrpSpPr/>
+        <p:nvPr/>
+      </p:nvGrpSpPr>
+      <p:grpSpPr>
+        <a:xfrm>
+          <a:off x="0" y="0"/>
+          <a:ext cx="0" cy="0"/>
+          <a:chOff x="0" y="0"/>
+          <a:chExt cx="0" cy="0"/>
+        </a:xfrm>
+      </p:grpSpPr>
+      <p:sp>
+        <p:nvSpPr>
+          <p:cNvPr id="2" name="Title 1"/>
+          <p:cNvSpPr>
+            <a:spLocks noGrp="1"/>
+          </p:cNvSpPr>
+          <p:nvPr>
+            <p:ph type="ctrTitle"/>
+          </p:nvPr>
+        </p:nvSpPr>
+        <p:spPr/>
+        <p:txBody>
+          <a:bodyPr/>
+          <a:lstStyle/>
+          <a:p>
+            <a:r>
+              <a:rPr lang="en-US" dirty="0" smtClean="0"/>
+              <a:t>ASSESSMENT</a:t>
+            </a:r>
+            <a:endParaRPr lang="en-US" dirty="0"/>
+          </a:p>
+        </p:txBody>
+      </p:sp>
+      <p:sp>
+        <p:nvSpPr>
+          <p:cNvPr id="3" name="Subtitle 2"/>
+          <p:cNvSpPr>
+            <a:spLocks noGrp="1"/>
+          </p:cNvSpPr>
+          <p:nvPr>
+            <p:ph type="subTitle" idx="1"/>
+          </p:nvPr>
+        </p:nvSpPr>
+        <p:spPr/>
+        <p:txBody>
+          <a:bodyPr/>
+          <a:lstStyle/>
+          <a:p>
+            <a:r>
+              <a:rPr lang="en-US" dirty="0"/>
+              <a:t>BASIC html STRUCTURE</a:t>
+            </a:r>
+            <a:endParaRPr lang="en-US" dirty="0"/>
+          </a:p>
+        </p:txBody>
+      </p:sp>
+      <p:pic>
+        <p:nvPicPr>
+          <p:cNvPr id="4" name="Picture 3"/>
+          <p:cNvPicPr>
+            <a:picLocks noChangeAspect="1"/>
+          </p:cNvPicPr>
+          <p:nvPr/>
+        </p:nvPicPr>
+        <p:blipFill>
+          <a:blip r:embed="rId3">
+            <a:extLst>
+              <a:ext uri="{28A0092B-C50C-407E-A947-70E740481C1C}">
+                <a14:useLocalDpi xmlns:a14="http://schemas.microsoft.com/office/drawing/2010/main" val="0"/>
+              </a:ext>
+            </a:extLst>
+          </a:blip>
+          <a:stretch>
+            <a:fillRect/>
+          </a:stretch>
+        </p:blipFill>
+        <p:spPr>
+          <a:xfrm>
+            <a:off x="7950200" y="1447800"/>
+            <a:ext cx="3571240" cy="4529836"/>
+          </a:xfrm>
+          <a:prstGeom prst="rect">
+            <a:avLst/>
+          </a:prstGeom>
+        </p:spPr>
+      </p:pic>
+    </p:spTree>
+    <p:extLst>
+      <p:ext uri="{BB962C8B-B14F-4D97-AF65-F5344CB8AC3E}">
+        <p14:creationId xmlns:p14="http://schemas.microsoft.com/office/powerpoint/2010/main" val="1372634205"/>
+      </p:ext>
+    </p:extLst>
+  </p:cSld>
+  <p:clrMapOvr>
+    <a:masterClrMapping/>
+  </p:clrMapOvr>
+  <p:timing>
+    <p:tnLst>
+      <p:par>
+        <p:cTn id="1" dur="indefinite" restart="never" nodeType="tmRoot"/>
+      </p:par>
+    </p:tnLst>
+  </p:timing>
+</p:sld>
+</file>
+
+<file path=ppt/slides/slide8.xml><?xml version="1.0" encoding="utf-8"?>
 <p:sld xmlns:a="http://schemas.openxmlformats.org/drawingml/2006/main" xmlns:r="http://schemas.openxmlformats.org/officeDocument/2006/relationships" xmlns:p="http://schemas.openxmlformats.org/presentationml/2006/main">
   <p:cSld>
     <p:spTree>
@@ -11316,7 +13490,7 @@
 </p:sld>
 </file>
 
-<file path=ppt/slides/slide7.xml><?xml version="1.0" encoding="utf-8"?>
+<file path=ppt/slides/slide9.xml><?xml version="1.0" encoding="utf-8"?>
 <p:sld xmlns:a="http://schemas.openxmlformats.org/drawingml/2006/main" xmlns:r="http://schemas.openxmlformats.org/officeDocument/2006/relationships" xmlns:p="http://schemas.openxmlformats.org/presentationml/2006/main">
   <p:cSld>
     <p:spTree>
@@ -11534,389 +13708,6 @@
     <p:extLst>
       <p:ext uri="{BB962C8B-B14F-4D97-AF65-F5344CB8AC3E}">
         <p14:creationId xmlns:p14="http://schemas.microsoft.com/office/powerpoint/2010/main" val="2977903078"/>
-      </p:ext>
-    </p:extLst>
-  </p:cSld>
-  <p:clrMapOvr>
-    <a:masterClrMapping/>
-  </p:clrMapOvr>
-</p:sld>
-</file>
-
-<file path=ppt/slides/slide8.xml><?xml version="1.0" encoding="utf-8"?>
-<p:sld xmlns:a="http://schemas.openxmlformats.org/drawingml/2006/main" xmlns:r="http://schemas.openxmlformats.org/officeDocument/2006/relationships" xmlns:p="http://schemas.openxmlformats.org/presentationml/2006/main">
-  <p:cSld>
-    <p:spTree>
-      <p:nvGrpSpPr>
-        <p:cNvPr id="1" name=""/>
-        <p:cNvGrpSpPr/>
-        <p:nvPr/>
-      </p:nvGrpSpPr>
-      <p:grpSpPr>
-        <a:xfrm>
-          <a:off x="0" y="0"/>
-          <a:ext cx="0" cy="0"/>
-          <a:chOff x="0" y="0"/>
-          <a:chExt cx="0" cy="0"/>
-        </a:xfrm>
-      </p:grpSpPr>
-      <p:sp>
-        <p:nvSpPr>
-          <p:cNvPr id="2" name="Title 1"/>
-          <p:cNvSpPr>
-            <a:spLocks noGrp="1"/>
-          </p:cNvSpPr>
-          <p:nvPr>
-            <p:ph type="title"/>
-          </p:nvPr>
-        </p:nvSpPr>
-        <p:spPr/>
-        <p:txBody>
-          <a:bodyPr/>
-          <a:lstStyle/>
-          <a:p>
-            <a:r>
-              <a:rPr lang="en-US" dirty="0" smtClean="0"/>
-              <a:t>Links (Hyperlinks)</a:t>
-            </a:r>
-            <a:endParaRPr lang="en-US" dirty="0"/>
-          </a:p>
-        </p:txBody>
-      </p:sp>
-      <p:sp>
-        <p:nvSpPr>
-          <p:cNvPr id="3" name="Content Placeholder 2"/>
-          <p:cNvSpPr>
-            <a:spLocks noGrp="1"/>
-          </p:cNvSpPr>
-          <p:nvPr>
-            <p:ph sz="half" idx="1"/>
-          </p:nvPr>
-        </p:nvSpPr>
-        <p:spPr/>
-        <p:txBody>
-          <a:bodyPr>
-            <a:normAutofit fontScale="92500" lnSpcReduction="20000"/>
-          </a:bodyPr>
-          <a:lstStyle/>
-          <a:p>
-            <a:r>
-              <a:rPr lang="en-US" dirty="0" smtClean="0"/>
-              <a:t>Represented by the a Element</a:t>
-            </a:r>
-          </a:p>
-          <a:p>
-            <a:r>
-              <a:rPr lang="en-US" dirty="0" smtClean="0"/>
-              <a:t>Attributes:</a:t>
-            </a:r>
-          </a:p>
-          <a:p>
-            <a:pPr lvl="1"/>
-            <a:r>
-              <a:rPr lang="en-US" dirty="0" err="1" smtClean="0"/>
-              <a:t>Href</a:t>
-            </a:r>
-            <a:endParaRPr lang="en-US" dirty="0" smtClean="0"/>
-          </a:p>
-          <a:p>
-            <a:r>
-              <a:rPr lang="en-US" dirty="0" smtClean="0"/>
-              <a:t>Absolute Path</a:t>
-            </a:r>
-          </a:p>
-          <a:p>
-            <a:pPr lvl="1"/>
-            <a:r>
-              <a:rPr lang="en-US" dirty="0" smtClean="0"/>
-              <a:t>http://www.google.com</a:t>
-            </a:r>
-          </a:p>
-          <a:p>
-            <a:r>
-              <a:rPr lang="en-US" dirty="0" smtClean="0"/>
-              <a:t>Relative Paths</a:t>
-            </a:r>
-          </a:p>
-          <a:p>
-            <a:pPr lvl="1"/>
-            <a:r>
-              <a:rPr lang="en-US" dirty="0" smtClean="0"/>
-              <a:t>About.html</a:t>
-            </a:r>
-          </a:p>
-          <a:p>
-            <a:pPr lvl="1"/>
-            <a:r>
-              <a:rPr lang="en-US" dirty="0" smtClean="0"/>
-              <a:t>../About.html</a:t>
-            </a:r>
-          </a:p>
-          <a:p>
-            <a:pPr lvl="1"/>
-            <a:r>
-              <a:rPr lang="en-US" dirty="0" smtClean="0"/>
-              <a:t>/Company/About.html</a:t>
-            </a:r>
-          </a:p>
-          <a:p>
-            <a:pPr marL="274320" lvl="1" indent="0">
-              <a:buNone/>
-            </a:pPr>
-            <a:endParaRPr lang="en-US" dirty="0" smtClean="0"/>
-          </a:p>
-          <a:p>
-            <a:pPr marL="45720" indent="0">
-              <a:spcBef>
-                <a:spcPts val="100"/>
-              </a:spcBef>
-              <a:buNone/>
-            </a:pPr>
-            <a:r>
-              <a:rPr lang="en-US" dirty="0" smtClean="0"/>
-              <a:t>Example:</a:t>
-            </a:r>
-          </a:p>
-          <a:p>
-            <a:pPr marL="45720" indent="0">
-              <a:spcBef>
-                <a:spcPts val="100"/>
-              </a:spcBef>
-              <a:buNone/>
-            </a:pPr>
-            <a:r>
-              <a:rPr lang="en-US" dirty="0" smtClean="0"/>
-              <a:t>&lt;a </a:t>
-            </a:r>
-            <a:r>
-              <a:rPr lang="en-US" dirty="0" err="1" smtClean="0"/>
-              <a:t>href</a:t>
-            </a:r>
-            <a:r>
-              <a:rPr lang="en-US" dirty="0" smtClean="0"/>
-              <a:t>=“http://www.google.com”&gt;Google </a:t>
-            </a:r>
-            <a:r>
-              <a:rPr lang="en-US" dirty="0" smtClean="0"/>
-              <a:t>Link&lt;/</a:t>
-            </a:r>
-            <a:r>
-              <a:rPr lang="en-US" dirty="0" smtClean="0"/>
-              <a:t>a&gt;</a:t>
-            </a:r>
-          </a:p>
-          <a:p>
-            <a:endParaRPr lang="en-US" dirty="0"/>
-          </a:p>
-        </p:txBody>
-      </p:sp>
-      <p:pic>
-        <p:nvPicPr>
-          <p:cNvPr id="5" name="Content Placeholder 4"/>
-          <p:cNvPicPr>
-            <a:picLocks noGrp="1" noChangeAspect="1"/>
-          </p:cNvPicPr>
-          <p:nvPr>
-            <p:ph sz="half" idx="2"/>
-          </p:nvPr>
-        </p:nvPicPr>
-        <p:blipFill>
-          <a:blip r:embed="rId3">
-            <a:extLst>
-              <a:ext uri="{28A0092B-C50C-407E-A947-70E740481C1C}">
-                <a14:useLocalDpi xmlns:a14="http://schemas.microsoft.com/office/drawing/2010/main" val="0"/>
-              </a:ext>
-            </a:extLst>
-          </a:blip>
-          <a:stretch>
-            <a:fillRect/>
-          </a:stretch>
-        </p:blipFill>
-        <p:spPr>
-          <a:xfrm>
-            <a:off x="5968183" y="2365747"/>
-            <a:ext cx="4395788" cy="2718509"/>
-          </a:xfrm>
-        </p:spPr>
-      </p:pic>
-    </p:spTree>
-    <p:extLst>
-      <p:ext uri="{BB962C8B-B14F-4D97-AF65-F5344CB8AC3E}">
-        <p14:creationId xmlns:p14="http://schemas.microsoft.com/office/powerpoint/2010/main" val="2370260309"/>
-      </p:ext>
-    </p:extLst>
-  </p:cSld>
-  <p:clrMapOvr>
-    <a:masterClrMapping/>
-  </p:clrMapOvr>
-</p:sld>
-</file>
-
-<file path=ppt/slides/slide9.xml><?xml version="1.0" encoding="utf-8"?>
-<p:sld xmlns:a="http://schemas.openxmlformats.org/drawingml/2006/main" xmlns:r="http://schemas.openxmlformats.org/officeDocument/2006/relationships" xmlns:p="http://schemas.openxmlformats.org/presentationml/2006/main">
-  <p:cSld>
-    <p:spTree>
-      <p:nvGrpSpPr>
-        <p:cNvPr id="1" name=""/>
-        <p:cNvGrpSpPr/>
-        <p:nvPr/>
-      </p:nvGrpSpPr>
-      <p:grpSpPr>
-        <a:xfrm>
-          <a:off x="0" y="0"/>
-          <a:ext cx="0" cy="0"/>
-          <a:chOff x="0" y="0"/>
-          <a:chExt cx="0" cy="0"/>
-        </a:xfrm>
-      </p:grpSpPr>
-      <p:sp>
-        <p:nvSpPr>
-          <p:cNvPr id="2" name="Title 1"/>
-          <p:cNvSpPr>
-            <a:spLocks noGrp="1"/>
-          </p:cNvSpPr>
-          <p:nvPr>
-            <p:ph type="title"/>
-          </p:nvPr>
-        </p:nvSpPr>
-        <p:spPr/>
-        <p:txBody>
-          <a:bodyPr/>
-          <a:lstStyle/>
-          <a:p>
-            <a:r>
-              <a:rPr lang="en-US" dirty="0" smtClean="0"/>
-              <a:t>Semantic Elements</a:t>
-            </a:r>
-            <a:endParaRPr lang="en-US" dirty="0"/>
-          </a:p>
-        </p:txBody>
-      </p:sp>
-      <p:sp>
-        <p:nvSpPr>
-          <p:cNvPr id="3" name="Content Placeholder 2"/>
-          <p:cNvSpPr>
-            <a:spLocks noGrp="1"/>
-          </p:cNvSpPr>
-          <p:nvPr>
-            <p:ph sz="half" idx="1"/>
-          </p:nvPr>
-        </p:nvSpPr>
-        <p:spPr/>
-        <p:txBody>
-          <a:bodyPr>
-            <a:normAutofit/>
-          </a:bodyPr>
-          <a:lstStyle/>
-          <a:p>
-            <a:r>
-              <a:rPr lang="en-US" sz="2800" dirty="0" smtClean="0"/>
-              <a:t>article</a:t>
-            </a:r>
-          </a:p>
-          <a:p>
-            <a:r>
-              <a:rPr lang="en-US" sz="2800" dirty="0" smtClean="0"/>
-              <a:t>aside</a:t>
-            </a:r>
-          </a:p>
-          <a:p>
-            <a:r>
-              <a:rPr lang="en-US" sz="2800" dirty="0" smtClean="0"/>
-              <a:t>details</a:t>
-            </a:r>
-          </a:p>
-          <a:p>
-            <a:r>
-              <a:rPr lang="en-US" sz="2800" dirty="0" err="1" smtClean="0"/>
-              <a:t>figcaption</a:t>
-            </a:r>
-            <a:endParaRPr lang="en-US" sz="2800" dirty="0" smtClean="0"/>
-          </a:p>
-          <a:p>
-            <a:r>
-              <a:rPr lang="en-US" sz="2800" dirty="0" smtClean="0"/>
-              <a:t>figure</a:t>
-            </a:r>
-          </a:p>
-          <a:p>
-            <a:r>
-              <a:rPr lang="en-US" sz="2800" dirty="0" smtClean="0"/>
-              <a:t>footer</a:t>
-            </a:r>
-          </a:p>
-          <a:p>
-            <a:r>
-              <a:rPr lang="en-US" sz="2800" dirty="0" smtClean="0"/>
-              <a:t>header</a:t>
-            </a:r>
-          </a:p>
-          <a:p>
-            <a:endParaRPr lang="en-US" dirty="0"/>
-          </a:p>
-        </p:txBody>
-      </p:sp>
-      <p:sp>
-        <p:nvSpPr>
-          <p:cNvPr id="4" name="Content Placeholder 3"/>
-          <p:cNvSpPr>
-            <a:spLocks noGrp="1"/>
-          </p:cNvSpPr>
-          <p:nvPr>
-            <p:ph sz="half" idx="2"/>
-          </p:nvPr>
-        </p:nvSpPr>
-        <p:spPr/>
-        <p:txBody>
-          <a:bodyPr/>
-          <a:lstStyle/>
-          <a:p>
-            <a:r>
-              <a:rPr lang="en-US" sz="2800" dirty="0" smtClean="0"/>
-              <a:t>mark</a:t>
-            </a:r>
-          </a:p>
-          <a:p>
-            <a:r>
-              <a:rPr lang="en-US" sz="2800" dirty="0" err="1" smtClean="0"/>
-              <a:t>nav</a:t>
-            </a:r>
-            <a:endParaRPr lang="en-US" sz="2800" dirty="0" smtClean="0"/>
-          </a:p>
-          <a:p>
-            <a:r>
-              <a:rPr lang="en-US" sz="2800" dirty="0" smtClean="0"/>
-              <a:t>section</a:t>
-            </a:r>
-          </a:p>
-          <a:p>
-            <a:r>
-              <a:rPr lang="en-US" sz="2800" dirty="0" smtClean="0"/>
-              <a:t>summary</a:t>
-            </a:r>
-          </a:p>
-          <a:p>
-            <a:r>
-              <a:rPr lang="en-US" sz="2800" dirty="0" smtClean="0"/>
-              <a:t>Time</a:t>
-            </a:r>
-            <a:endParaRPr lang="en-US" sz="2800" dirty="0"/>
-          </a:p>
-          <a:p>
-            <a:r>
-              <a:rPr lang="en-US" sz="2800" dirty="0"/>
-              <a:t>main</a:t>
-            </a:r>
-          </a:p>
-          <a:p>
-            <a:endParaRPr lang="en-US" dirty="0"/>
-          </a:p>
-        </p:txBody>
-      </p:sp>
-    </p:spTree>
-    <p:extLst>
-      <p:ext uri="{BB962C8B-B14F-4D97-AF65-F5344CB8AC3E}">
-        <p14:creationId xmlns:p14="http://schemas.microsoft.com/office/powerpoint/2010/main" val="346751915"/>
       </p:ext>
     </p:extLst>
   </p:cSld>

--- a/Slides/07_HTML_TrainingPlan.pptx
+++ b/Slides/07_HTML_TrainingPlan.pptx
@@ -11,26 +11,26 @@
     <p:sldId id="256" r:id="rId2"/>
     <p:sldId id="295" r:id="rId3"/>
     <p:sldId id="296" r:id="rId4"/>
-    <p:sldId id="294" r:id="rId5"/>
-    <p:sldId id="299" r:id="rId6"/>
-    <p:sldId id="343" r:id="rId7"/>
-    <p:sldId id="348" r:id="rId8"/>
-    <p:sldId id="300" r:id="rId9"/>
-    <p:sldId id="301" r:id="rId10"/>
-    <p:sldId id="344" r:id="rId11"/>
-    <p:sldId id="349" r:id="rId12"/>
-    <p:sldId id="351" r:id="rId13"/>
-    <p:sldId id="303" r:id="rId14"/>
-    <p:sldId id="345" r:id="rId15"/>
-    <p:sldId id="302" r:id="rId16"/>
-    <p:sldId id="305" r:id="rId17"/>
-    <p:sldId id="346" r:id="rId18"/>
-    <p:sldId id="298" r:id="rId19"/>
-    <p:sldId id="297" r:id="rId20"/>
-    <p:sldId id="347" r:id="rId21"/>
-    <p:sldId id="350" r:id="rId22"/>
-    <p:sldId id="352" r:id="rId23"/>
-    <p:sldId id="304" r:id="rId24"/>
+    <p:sldId id="304" r:id="rId5"/>
+    <p:sldId id="294" r:id="rId6"/>
+    <p:sldId id="299" r:id="rId7"/>
+    <p:sldId id="343" r:id="rId8"/>
+    <p:sldId id="348" r:id="rId9"/>
+    <p:sldId id="300" r:id="rId10"/>
+    <p:sldId id="301" r:id="rId11"/>
+    <p:sldId id="302" r:id="rId12"/>
+    <p:sldId id="344" r:id="rId13"/>
+    <p:sldId id="349" r:id="rId14"/>
+    <p:sldId id="351" r:id="rId15"/>
+    <p:sldId id="303" r:id="rId16"/>
+    <p:sldId id="345" r:id="rId17"/>
+    <p:sldId id="305" r:id="rId18"/>
+    <p:sldId id="346" r:id="rId19"/>
+    <p:sldId id="298" r:id="rId20"/>
+    <p:sldId id="297" r:id="rId21"/>
+    <p:sldId id="347" r:id="rId22"/>
+    <p:sldId id="350" r:id="rId23"/>
+    <p:sldId id="352" r:id="rId24"/>
     <p:sldId id="340" r:id="rId25"/>
     <p:sldId id="342" r:id="rId26"/>
   </p:sldIdLst>
@@ -221,7 +221,7 @@
           <a:p>
             <a:fld id="{511FFA03-EA42-4D4B-BC08-EB70C6D8C289}" type="datetimeFigureOut">
               <a:rPr lang="en-US" smtClean="0"/>
-              <a:t>2/4/2018</a:t>
+              <a:t>3/3/2018</a:t>
             </a:fld>
             <a:endParaRPr lang="en-US"/>
           </a:p>
@@ -664,87 +664,33 @@
           <a:bodyPr/>
           <a:lstStyle/>
           <a:p>
-            <a:pPr marL="171450" lvl="0" indent="-171450">
+            <a:pPr marL="171450" indent="-171450">
               <a:buFont typeface="Arial" panose="020B0604020202020204" pitchFamily="34" charset="0"/>
               <a:buChar char="•"/>
             </a:pPr>
             <a:r>
-              <a:rPr lang="en-US" sz="1200" kern="1200" dirty="0" smtClean="0">
-                <a:solidFill>
-                  <a:schemeClr val="tx1"/>
-                </a:solidFill>
-                <a:effectLst/>
-                <a:latin typeface="+mn-lt"/>
-                <a:ea typeface="+mn-ea"/>
-                <a:cs typeface="+mn-cs"/>
-              </a:rPr>
-              <a:t>Write </a:t>
-            </a:r>
-            <a:r>
-              <a:rPr lang="en-US" sz="1200" kern="1200" dirty="0" smtClean="0">
-                <a:solidFill>
-                  <a:schemeClr val="tx1"/>
-                </a:solidFill>
-                <a:effectLst/>
-                <a:latin typeface="+mn-lt"/>
-                <a:ea typeface="+mn-ea"/>
-                <a:cs typeface="+mn-cs"/>
-              </a:rPr>
-              <a:t>on the board a paragraph with text “this is a paragraph”.</a:t>
-            </a:r>
-          </a:p>
-          <a:p>
-            <a:pPr marL="171450" lvl="0" indent="-171450">
+              <a:rPr lang="en-US" baseline="0" dirty="0" smtClean="0"/>
+              <a:t>There are a number of elements that just exist to help make the page more semantic.</a:t>
+            </a:r>
+          </a:p>
+          <a:p>
+            <a:pPr marL="171450" indent="-171450">
               <a:buFont typeface="Arial" panose="020B0604020202020204" pitchFamily="34" charset="0"/>
               <a:buChar char="•"/>
             </a:pPr>
             <a:r>
-              <a:rPr lang="en-US" sz="1200" kern="1200" dirty="0" smtClean="0">
-                <a:solidFill>
-                  <a:schemeClr val="tx1"/>
-                </a:solidFill>
-                <a:effectLst/>
-                <a:latin typeface="+mn-lt"/>
-                <a:ea typeface="+mn-ea"/>
-                <a:cs typeface="+mn-cs"/>
-              </a:rPr>
-              <a:t>Write on the board an image that exists in the </a:t>
-            </a:r>
-            <a:r>
-              <a:rPr lang="en-US" sz="1200" kern="1200" dirty="0" err="1" smtClean="0">
-                <a:solidFill>
-                  <a:schemeClr val="tx1"/>
-                </a:solidFill>
-                <a:effectLst/>
-                <a:latin typeface="+mn-lt"/>
-                <a:ea typeface="+mn-ea"/>
-                <a:cs typeface="+mn-cs"/>
-              </a:rPr>
-              <a:t>img</a:t>
-            </a:r>
-            <a:r>
-              <a:rPr lang="en-US" sz="1200" kern="1200" dirty="0" smtClean="0">
-                <a:solidFill>
-                  <a:schemeClr val="tx1"/>
-                </a:solidFill>
-                <a:effectLst/>
-                <a:latin typeface="+mn-lt"/>
-                <a:ea typeface="+mn-ea"/>
-                <a:cs typeface="+mn-cs"/>
-              </a:rPr>
-              <a:t> folder named </a:t>
-            </a:r>
-            <a:r>
-              <a:rPr lang="en-US" sz="1200" kern="1200" dirty="0" smtClean="0">
-                <a:solidFill>
-                  <a:schemeClr val="tx1"/>
-                </a:solidFill>
-                <a:effectLst/>
-                <a:latin typeface="+mn-lt"/>
-                <a:ea typeface="+mn-ea"/>
-                <a:cs typeface="+mn-cs"/>
-              </a:rPr>
-              <a:t>profile.gif</a:t>
+              <a:rPr lang="en-US" baseline="0" dirty="0" smtClean="0"/>
+              <a:t>This means that the elements are describing what is inside the element.</a:t>
+            </a:r>
+          </a:p>
+          <a:p>
+            <a:pPr marL="171450" indent="-171450">
+              <a:buFont typeface="Arial" panose="020B0604020202020204" pitchFamily="34" charset="0"/>
+              <a:buChar char="•"/>
+            </a:pPr>
+            <a:r>
+              <a:rPr lang="en-US" baseline="0" dirty="0" smtClean="0"/>
+              <a:t>This means that not only does the page work for users to use it in a browser, but it can also be used by other machines to read the page and figure out what to do with the text based upon what semantic element it’s in.</a:t>
             </a:r>
           </a:p>
         </p:txBody>
@@ -764,7 +710,7 @@
           <a:bodyPr/>
           <a:lstStyle/>
           <a:p>
-            <a:fld id="{226FA58D-4B12-4E7B-A2FA-693CE3EACDFD}" type="slidenum">
+            <a:fld id="{90562276-63C7-43F9-8E9E-CFA137F6F839}" type="slidenum">
               <a:rPr lang="en-US" smtClean="0"/>
               <a:t>11</a:t>
             </a:fld>
@@ -775,7 +721,7 @@
     </p:spTree>
     <p:extLst>
       <p:ext uri="{BB962C8B-B14F-4D97-AF65-F5344CB8AC3E}">
-        <p14:creationId xmlns:p14="http://schemas.microsoft.com/office/powerpoint/2010/main" val="2638990938"/>
+        <p14:creationId xmlns:p14="http://schemas.microsoft.com/office/powerpoint/2010/main" val="34666075"/>
       </p:ext>
     </p:extLst>
   </p:cSld>
@@ -829,10 +775,6 @@
           <a:bodyPr/>
           <a:lstStyle/>
           <a:p>
-            <a:pPr marL="171450" indent="-171450">
-              <a:buFont typeface="Arial" panose="020B0604020202020204" pitchFamily="34" charset="0"/>
-              <a:buChar char="•"/>
-            </a:pPr>
             <a:endParaRPr lang="en-US" dirty="0"/>
           </a:p>
         </p:txBody>
@@ -852,7 +794,7 @@
           <a:bodyPr/>
           <a:lstStyle/>
           <a:p>
-            <a:fld id="{226FA58D-4B12-4E7B-A2FA-693CE3EACDFD}" type="slidenum">
+            <a:fld id="{CB14DD28-1949-4B74-B4FA-306122DED2C3}" type="slidenum">
               <a:rPr lang="en-US" smtClean="0"/>
               <a:t>12</a:t>
             </a:fld>
@@ -863,7 +805,7 @@
     </p:spTree>
     <p:extLst>
       <p:ext uri="{BB962C8B-B14F-4D97-AF65-F5344CB8AC3E}">
-        <p14:creationId xmlns:p14="http://schemas.microsoft.com/office/powerpoint/2010/main" val="779278617"/>
+        <p14:creationId xmlns:p14="http://schemas.microsoft.com/office/powerpoint/2010/main" val="3809248829"/>
       </p:ext>
     </p:extLst>
   </p:cSld>
@@ -917,89 +859,63 @@
           <a:bodyPr/>
           <a:lstStyle/>
           <a:p>
-            <a:pPr marL="171450" indent="-171450">
+            <a:pPr marL="171450" lvl="0" indent="-171450">
               <a:buFont typeface="Arial" panose="020B0604020202020204" pitchFamily="34" charset="0"/>
               <a:buChar char="•"/>
             </a:pPr>
             <a:r>
-              <a:rPr lang="en-US" baseline="0" dirty="0" smtClean="0"/>
-              <a:t>Links are represented by the a element.</a:t>
-            </a:r>
-          </a:p>
-          <a:p>
-            <a:pPr marL="171450" indent="-171450">
+              <a:rPr lang="en-US" sz="1200" kern="1200" dirty="0" smtClean="0">
+                <a:solidFill>
+                  <a:schemeClr val="tx1"/>
+                </a:solidFill>
+                <a:effectLst/>
+                <a:latin typeface="+mn-lt"/>
+                <a:ea typeface="+mn-ea"/>
+                <a:cs typeface="+mn-cs"/>
+              </a:rPr>
+              <a:t>Write on the board a paragraph with text “this is a paragraph”.</a:t>
+            </a:r>
+          </a:p>
+          <a:p>
+            <a:pPr marL="171450" lvl="0" indent="-171450">
               <a:buFont typeface="Arial" panose="020B0604020202020204" pitchFamily="34" charset="0"/>
               <a:buChar char="•"/>
             </a:pPr>
             <a:r>
-              <a:rPr lang="en-US" baseline="0" dirty="0" smtClean="0"/>
-              <a:t>The </a:t>
-            </a:r>
-            <a:r>
-              <a:rPr lang="en-US" baseline="0" dirty="0" err="1" smtClean="0"/>
-              <a:t>href</a:t>
-            </a:r>
-            <a:r>
-              <a:rPr lang="en-US" baseline="0" dirty="0" smtClean="0"/>
-              <a:t> attribute specifies the location of the link.</a:t>
-            </a:r>
-          </a:p>
-          <a:p>
-            <a:pPr marL="171450" indent="-171450">
-              <a:buFont typeface="Arial" panose="020B0604020202020204" pitchFamily="34" charset="0"/>
-              <a:buChar char="•"/>
-            </a:pPr>
-            <a:r>
-              <a:rPr lang="en-US" baseline="0" dirty="0" smtClean="0"/>
-              <a:t>The text of the link goes between the tags.</a:t>
-            </a:r>
-          </a:p>
-          <a:p>
-            <a:pPr marL="171450" indent="-171450">
-              <a:buFont typeface="Arial" panose="020B0604020202020204" pitchFamily="34" charset="0"/>
-              <a:buChar char="•"/>
-            </a:pPr>
-            <a:r>
-              <a:rPr lang="en-US" baseline="0" dirty="0" smtClean="0"/>
-              <a:t>The paths can be specified in multiple ways.  </a:t>
-            </a:r>
-          </a:p>
-          <a:p>
-            <a:pPr marL="171450" indent="-171450">
-              <a:buFont typeface="Arial" panose="020B0604020202020204" pitchFamily="34" charset="0"/>
-              <a:buChar char="•"/>
-            </a:pPr>
-            <a:r>
-              <a:rPr lang="en-US" baseline="0" dirty="0" smtClean="0"/>
-              <a:t>An absolute path can be specified with the full </a:t>
-            </a:r>
-            <a:r>
-              <a:rPr lang="en-US" baseline="0" dirty="0" err="1" smtClean="0"/>
-              <a:t>url</a:t>
-            </a:r>
-            <a:r>
-              <a:rPr lang="en-US" baseline="0" dirty="0" smtClean="0"/>
-              <a:t>.</a:t>
-            </a:r>
-          </a:p>
-          <a:p>
-            <a:pPr marL="171450" indent="-171450">
-              <a:buFont typeface="Arial" panose="020B0604020202020204" pitchFamily="34" charset="0"/>
-              <a:buChar char="•"/>
-            </a:pPr>
-            <a:r>
-              <a:rPr lang="en-US" baseline="0" dirty="0" smtClean="0"/>
-              <a:t>Or a relative path can be used in reference to the page that the link is displayed on.</a:t>
-            </a:r>
-          </a:p>
-          <a:p>
-            <a:pPr marL="171450" indent="-171450">
-              <a:buFont typeface="Arial" panose="020B0604020202020204" pitchFamily="34" charset="0"/>
-              <a:buChar char="•"/>
-            </a:pPr>
-            <a:r>
-              <a:rPr lang="en-US" baseline="0" dirty="0" smtClean="0"/>
-              <a:t>The relative path is recommended if the link is hosted within the same site.</a:t>
+              <a:rPr lang="en-US" sz="1200" kern="1200" dirty="0" smtClean="0">
+                <a:solidFill>
+                  <a:schemeClr val="tx1"/>
+                </a:solidFill>
+                <a:effectLst/>
+                <a:latin typeface="+mn-lt"/>
+                <a:ea typeface="+mn-ea"/>
+                <a:cs typeface="+mn-cs"/>
+              </a:rPr>
+              <a:t>Write on the board an image that exists in the </a:t>
+            </a:r>
+            <a:r>
+              <a:rPr lang="en-US" sz="1200" kern="1200" dirty="0" err="1" smtClean="0">
+                <a:solidFill>
+                  <a:schemeClr val="tx1"/>
+                </a:solidFill>
+                <a:effectLst/>
+                <a:latin typeface="+mn-lt"/>
+                <a:ea typeface="+mn-ea"/>
+                <a:cs typeface="+mn-cs"/>
+              </a:rPr>
+              <a:t>img</a:t>
+            </a:r>
+            <a:r>
+              <a:rPr lang="en-US" sz="1200" kern="1200" dirty="0" smtClean="0">
+                <a:solidFill>
+                  <a:schemeClr val="tx1"/>
+                </a:solidFill>
+                <a:effectLst/>
+                <a:latin typeface="+mn-lt"/>
+                <a:ea typeface="+mn-ea"/>
+                <a:cs typeface="+mn-cs"/>
+              </a:rPr>
+              <a:t> folder named profile.gif</a:t>
             </a:r>
           </a:p>
         </p:txBody>
@@ -1019,7 +935,7 @@
           <a:bodyPr/>
           <a:lstStyle/>
           <a:p>
-            <a:fld id="{90562276-63C7-43F9-8E9E-CFA137F6F839}" type="slidenum">
+            <a:fld id="{226FA58D-4B12-4E7B-A2FA-693CE3EACDFD}" type="slidenum">
               <a:rPr lang="en-US" smtClean="0"/>
               <a:t>13</a:t>
             </a:fld>
@@ -1030,7 +946,7 @@
     </p:spTree>
     <p:extLst>
       <p:ext uri="{BB962C8B-B14F-4D97-AF65-F5344CB8AC3E}">
-        <p14:creationId xmlns:p14="http://schemas.microsoft.com/office/powerpoint/2010/main" val="330587490"/>
+        <p14:creationId xmlns:p14="http://schemas.microsoft.com/office/powerpoint/2010/main" val="2638990938"/>
       </p:ext>
     </p:extLst>
   </p:cSld>
@@ -1084,6 +1000,10 @@
           <a:bodyPr/>
           <a:lstStyle/>
           <a:p>
+            <a:pPr marL="171450" indent="-171450">
+              <a:buFont typeface="Arial" panose="020B0604020202020204" pitchFamily="34" charset="0"/>
+              <a:buChar char="•"/>
+            </a:pPr>
             <a:endParaRPr lang="en-US" dirty="0"/>
           </a:p>
         </p:txBody>
@@ -1103,7 +1023,7 @@
           <a:bodyPr/>
           <a:lstStyle/>
           <a:p>
-            <a:fld id="{CB14DD28-1949-4B74-B4FA-306122DED2C3}" type="slidenum">
+            <a:fld id="{226FA58D-4B12-4E7B-A2FA-693CE3EACDFD}" type="slidenum">
               <a:rPr lang="en-US" smtClean="0"/>
               <a:t>14</a:t>
             </a:fld>
@@ -1114,7 +1034,7 @@
     </p:spTree>
     <p:extLst>
       <p:ext uri="{BB962C8B-B14F-4D97-AF65-F5344CB8AC3E}">
-        <p14:creationId xmlns:p14="http://schemas.microsoft.com/office/powerpoint/2010/main" val="571624853"/>
+        <p14:creationId xmlns:p14="http://schemas.microsoft.com/office/powerpoint/2010/main" val="779278617"/>
       </p:ext>
     </p:extLst>
   </p:cSld>
@@ -1174,7 +1094,7 @@
             </a:pPr>
             <a:r>
               <a:rPr lang="en-US" baseline="0" dirty="0" smtClean="0"/>
-              <a:t>There are a number of elements that just exist to help make the page more semantic.</a:t>
+              <a:t>Links are represented by the a element.</a:t>
             </a:r>
           </a:p>
           <a:p>
@@ -1184,7 +1104,15 @@
             </a:pPr>
             <a:r>
               <a:rPr lang="en-US" baseline="0" dirty="0" smtClean="0"/>
-              <a:t>This means that the elements are describing what is inside the element.</a:t>
+              <a:t>The </a:t>
+            </a:r>
+            <a:r>
+              <a:rPr lang="en-US" baseline="0" dirty="0" err="1" smtClean="0"/>
+              <a:t>href</a:t>
+            </a:r>
+            <a:r>
+              <a:rPr lang="en-US" baseline="0" dirty="0" smtClean="0"/>
+              <a:t> attribute specifies the location of the link.</a:t>
             </a:r>
           </a:p>
           <a:p>
@@ -1194,7 +1122,55 @@
             </a:pPr>
             <a:r>
               <a:rPr lang="en-US" baseline="0" dirty="0" smtClean="0"/>
-              <a:t>This means that not only does the page work for users to use it in a browser, but it can also be used by other machines to read the page and figure out what to do with the text based upon what semantic element it’s in.</a:t>
+              <a:t>The text of the link goes between the tags.</a:t>
+            </a:r>
+          </a:p>
+          <a:p>
+            <a:pPr marL="171450" indent="-171450">
+              <a:buFont typeface="Arial" panose="020B0604020202020204" pitchFamily="34" charset="0"/>
+              <a:buChar char="•"/>
+            </a:pPr>
+            <a:r>
+              <a:rPr lang="en-US" baseline="0" dirty="0" smtClean="0"/>
+              <a:t>The paths can be specified in multiple ways.  </a:t>
+            </a:r>
+          </a:p>
+          <a:p>
+            <a:pPr marL="171450" indent="-171450">
+              <a:buFont typeface="Arial" panose="020B0604020202020204" pitchFamily="34" charset="0"/>
+              <a:buChar char="•"/>
+            </a:pPr>
+            <a:r>
+              <a:rPr lang="en-US" baseline="0" dirty="0" smtClean="0"/>
+              <a:t>An absolute path can be specified with the full </a:t>
+            </a:r>
+            <a:r>
+              <a:rPr lang="en-US" baseline="0" dirty="0" err="1" smtClean="0"/>
+              <a:t>url</a:t>
+            </a:r>
+            <a:r>
+              <a:rPr lang="en-US" baseline="0" dirty="0" smtClean="0"/>
+              <a:t>.</a:t>
+            </a:r>
+          </a:p>
+          <a:p>
+            <a:pPr marL="171450" indent="-171450">
+              <a:buFont typeface="Arial" panose="020B0604020202020204" pitchFamily="34" charset="0"/>
+              <a:buChar char="•"/>
+            </a:pPr>
+            <a:r>
+              <a:rPr lang="en-US" baseline="0" dirty="0" smtClean="0"/>
+              <a:t>Or a relative path can be used in reference to the page that the link is displayed on.</a:t>
+            </a:r>
+          </a:p>
+          <a:p>
+            <a:pPr marL="171450" indent="-171450">
+              <a:buFont typeface="Arial" panose="020B0604020202020204" pitchFamily="34" charset="0"/>
+              <a:buChar char="•"/>
+            </a:pPr>
+            <a:r>
+              <a:rPr lang="en-US" baseline="0" dirty="0" smtClean="0"/>
+              <a:t>The relative path is recommended if the link is hosted within the same site.</a:t>
             </a:r>
           </a:p>
         </p:txBody>
@@ -1225,7 +1201,7 @@
     </p:spTree>
     <p:extLst>
       <p:ext uri="{BB962C8B-B14F-4D97-AF65-F5344CB8AC3E}">
-        <p14:creationId xmlns:p14="http://schemas.microsoft.com/office/powerpoint/2010/main" val="34666075"/>
+        <p14:creationId xmlns:p14="http://schemas.microsoft.com/office/powerpoint/2010/main" val="330587490"/>
       </p:ext>
     </p:extLst>
   </p:cSld>
@@ -1279,104 +1255,7 @@
           <a:bodyPr/>
           <a:lstStyle/>
           <a:p>
-            <a:pPr marL="171450" indent="-171450">
-              <a:buFont typeface="Arial" panose="020B0604020202020204" pitchFamily="34" charset="0"/>
-              <a:buChar char="•"/>
-            </a:pPr>
-            <a:r>
-              <a:rPr lang="en-US" baseline="0" dirty="0" smtClean="0"/>
-              <a:t>The table element represents a table as you might imagine.</a:t>
-            </a:r>
-          </a:p>
-          <a:p>
-            <a:pPr marL="171450" indent="-171450">
-              <a:buFont typeface="Arial" panose="020B0604020202020204" pitchFamily="34" charset="0"/>
-              <a:buChar char="•"/>
-            </a:pPr>
-            <a:r>
-              <a:rPr lang="en-US" baseline="0" dirty="0" smtClean="0"/>
-              <a:t>There is a </a:t>
-            </a:r>
-            <a:r>
-              <a:rPr lang="en-US" baseline="0" dirty="0" err="1" smtClean="0"/>
-              <a:t>thead</a:t>
-            </a:r>
-            <a:r>
-              <a:rPr lang="en-US" baseline="0" dirty="0" smtClean="0"/>
-              <a:t> element that represent the header and a </a:t>
-            </a:r>
-            <a:r>
-              <a:rPr lang="en-US" baseline="0" dirty="0" err="1" smtClean="0"/>
-              <a:t>tbody</a:t>
-            </a:r>
-            <a:r>
-              <a:rPr lang="en-US" baseline="0" dirty="0" smtClean="0"/>
-              <a:t> element that represents the body of the table.</a:t>
-            </a:r>
-          </a:p>
-          <a:p>
-            <a:pPr marL="171450" indent="-171450">
-              <a:buFont typeface="Arial" panose="020B0604020202020204" pitchFamily="34" charset="0"/>
-              <a:buChar char="•"/>
-            </a:pPr>
-            <a:r>
-              <a:rPr lang="en-US" baseline="0" dirty="0" smtClean="0"/>
-              <a:t>The footer is represented by the </a:t>
-            </a:r>
-            <a:r>
-              <a:rPr lang="en-US" baseline="0" dirty="0" err="1" smtClean="0"/>
-              <a:t>tfoot</a:t>
-            </a:r>
-            <a:r>
-              <a:rPr lang="en-US" baseline="0" dirty="0" smtClean="0"/>
-              <a:t> element.</a:t>
-            </a:r>
-          </a:p>
-          <a:p>
-            <a:pPr marL="171450" indent="-171450">
-              <a:buFont typeface="Arial" panose="020B0604020202020204" pitchFamily="34" charset="0"/>
-              <a:buChar char="•"/>
-            </a:pPr>
-            <a:r>
-              <a:rPr lang="en-US" baseline="0" dirty="0" smtClean="0"/>
-              <a:t>These are optional.</a:t>
-            </a:r>
-          </a:p>
-          <a:p>
-            <a:pPr marL="171450" indent="-171450">
-              <a:buFont typeface="Arial" panose="020B0604020202020204" pitchFamily="34" charset="0"/>
-              <a:buChar char="•"/>
-            </a:pPr>
-            <a:r>
-              <a:rPr lang="en-US" baseline="0" dirty="0" smtClean="0"/>
-              <a:t>Inside the table the </a:t>
-            </a:r>
-            <a:r>
-              <a:rPr lang="en-US" baseline="0" dirty="0" err="1" smtClean="0"/>
-              <a:t>tr</a:t>
-            </a:r>
-            <a:r>
-              <a:rPr lang="en-US" baseline="0" dirty="0" smtClean="0"/>
-              <a:t> element represents a table row.</a:t>
-            </a:r>
-          </a:p>
-          <a:p>
-            <a:pPr marL="171450" indent="-171450">
-              <a:buFont typeface="Arial" panose="020B0604020202020204" pitchFamily="34" charset="0"/>
-              <a:buChar char="•"/>
-            </a:pPr>
-            <a:r>
-              <a:rPr lang="en-US" baseline="0" dirty="0" smtClean="0"/>
-              <a:t>Each column is represented by </a:t>
-            </a:r>
-            <a:r>
-              <a:rPr lang="en-US" baseline="0" dirty="0" err="1" smtClean="0"/>
-              <a:t>th</a:t>
-            </a:r>
-            <a:r>
-              <a:rPr lang="en-US" baseline="0" dirty="0" smtClean="0"/>
-              <a:t> in the header and td in the body.</a:t>
-            </a:r>
+            <a:endParaRPr lang="en-US" dirty="0"/>
           </a:p>
         </p:txBody>
       </p:sp>
@@ -1395,7 +1274,7 @@
           <a:bodyPr/>
           <a:lstStyle/>
           <a:p>
-            <a:fld id="{90562276-63C7-43F9-8E9E-CFA137F6F839}" type="slidenum">
+            <a:fld id="{CB14DD28-1949-4B74-B4FA-306122DED2C3}" type="slidenum">
               <a:rPr lang="en-US" smtClean="0"/>
               <a:t>16</a:t>
             </a:fld>
@@ -1406,7 +1285,7 @@
     </p:spTree>
     <p:extLst>
       <p:ext uri="{BB962C8B-B14F-4D97-AF65-F5344CB8AC3E}">
-        <p14:creationId xmlns:p14="http://schemas.microsoft.com/office/powerpoint/2010/main" val="190889969"/>
+        <p14:creationId xmlns:p14="http://schemas.microsoft.com/office/powerpoint/2010/main" val="571624853"/>
       </p:ext>
     </p:extLst>
   </p:cSld>
@@ -1460,7 +1339,104 @@
           <a:bodyPr/>
           <a:lstStyle/>
           <a:p>
-            <a:endParaRPr lang="en-US" dirty="0"/>
+            <a:pPr marL="171450" indent="-171450">
+              <a:buFont typeface="Arial" panose="020B0604020202020204" pitchFamily="34" charset="0"/>
+              <a:buChar char="•"/>
+            </a:pPr>
+            <a:r>
+              <a:rPr lang="en-US" baseline="0" dirty="0" smtClean="0"/>
+              <a:t>The table element represents a table as you might imagine.</a:t>
+            </a:r>
+          </a:p>
+          <a:p>
+            <a:pPr marL="171450" indent="-171450">
+              <a:buFont typeface="Arial" panose="020B0604020202020204" pitchFamily="34" charset="0"/>
+              <a:buChar char="•"/>
+            </a:pPr>
+            <a:r>
+              <a:rPr lang="en-US" baseline="0" dirty="0" smtClean="0"/>
+              <a:t>There is a </a:t>
+            </a:r>
+            <a:r>
+              <a:rPr lang="en-US" baseline="0" dirty="0" err="1" smtClean="0"/>
+              <a:t>thead</a:t>
+            </a:r>
+            <a:r>
+              <a:rPr lang="en-US" baseline="0" dirty="0" smtClean="0"/>
+              <a:t> element that represent the header and a </a:t>
+            </a:r>
+            <a:r>
+              <a:rPr lang="en-US" baseline="0" dirty="0" err="1" smtClean="0"/>
+              <a:t>tbody</a:t>
+            </a:r>
+            <a:r>
+              <a:rPr lang="en-US" baseline="0" dirty="0" smtClean="0"/>
+              <a:t> element that represents the body of the table.</a:t>
+            </a:r>
+          </a:p>
+          <a:p>
+            <a:pPr marL="171450" indent="-171450">
+              <a:buFont typeface="Arial" panose="020B0604020202020204" pitchFamily="34" charset="0"/>
+              <a:buChar char="•"/>
+            </a:pPr>
+            <a:r>
+              <a:rPr lang="en-US" baseline="0" dirty="0" smtClean="0"/>
+              <a:t>The footer is represented by the </a:t>
+            </a:r>
+            <a:r>
+              <a:rPr lang="en-US" baseline="0" dirty="0" err="1" smtClean="0"/>
+              <a:t>tfoot</a:t>
+            </a:r>
+            <a:r>
+              <a:rPr lang="en-US" baseline="0" dirty="0" smtClean="0"/>
+              <a:t> element.</a:t>
+            </a:r>
+          </a:p>
+          <a:p>
+            <a:pPr marL="171450" indent="-171450">
+              <a:buFont typeface="Arial" panose="020B0604020202020204" pitchFamily="34" charset="0"/>
+              <a:buChar char="•"/>
+            </a:pPr>
+            <a:r>
+              <a:rPr lang="en-US" baseline="0" dirty="0" smtClean="0"/>
+              <a:t>These are optional.</a:t>
+            </a:r>
+          </a:p>
+          <a:p>
+            <a:pPr marL="171450" indent="-171450">
+              <a:buFont typeface="Arial" panose="020B0604020202020204" pitchFamily="34" charset="0"/>
+              <a:buChar char="•"/>
+            </a:pPr>
+            <a:r>
+              <a:rPr lang="en-US" baseline="0" dirty="0" smtClean="0"/>
+              <a:t>Inside the table the </a:t>
+            </a:r>
+            <a:r>
+              <a:rPr lang="en-US" baseline="0" dirty="0" err="1" smtClean="0"/>
+              <a:t>tr</a:t>
+            </a:r>
+            <a:r>
+              <a:rPr lang="en-US" baseline="0" dirty="0" smtClean="0"/>
+              <a:t> element represents a table row.</a:t>
+            </a:r>
+          </a:p>
+          <a:p>
+            <a:pPr marL="171450" indent="-171450">
+              <a:buFont typeface="Arial" panose="020B0604020202020204" pitchFamily="34" charset="0"/>
+              <a:buChar char="•"/>
+            </a:pPr>
+            <a:r>
+              <a:rPr lang="en-US" baseline="0" dirty="0" smtClean="0"/>
+              <a:t>Each column is represented by </a:t>
+            </a:r>
+            <a:r>
+              <a:rPr lang="en-US" baseline="0" dirty="0" err="1" smtClean="0"/>
+              <a:t>th</a:t>
+            </a:r>
+            <a:r>
+              <a:rPr lang="en-US" baseline="0" dirty="0" smtClean="0"/>
+              <a:t> in the header and td in the body.</a:t>
+            </a:r>
           </a:p>
         </p:txBody>
       </p:sp>
@@ -1479,7 +1455,7 @@
           <a:bodyPr/>
           <a:lstStyle/>
           <a:p>
-            <a:fld id="{CB14DD28-1949-4B74-B4FA-306122DED2C3}" type="slidenum">
+            <a:fld id="{90562276-63C7-43F9-8E9E-CFA137F6F839}" type="slidenum">
               <a:rPr lang="en-US" smtClean="0"/>
               <a:t>17</a:t>
             </a:fld>
@@ -1490,7 +1466,7 @@
     </p:spTree>
     <p:extLst>
       <p:ext uri="{BB962C8B-B14F-4D97-AF65-F5344CB8AC3E}">
-        <p14:creationId xmlns:p14="http://schemas.microsoft.com/office/powerpoint/2010/main" val="2830135243"/>
+        <p14:creationId xmlns:p14="http://schemas.microsoft.com/office/powerpoint/2010/main" val="190889969"/>
       </p:ext>
     </p:extLst>
   </p:cSld>
@@ -1544,62 +1520,7 @@
           <a:bodyPr/>
           <a:lstStyle/>
           <a:p>
-            <a:pPr marL="171450" indent="-171450">
-              <a:buFont typeface="Arial" panose="020B0604020202020204" pitchFamily="34" charset="0"/>
-              <a:buChar char="•"/>
-            </a:pPr>
-            <a:r>
-              <a:rPr lang="en-US" baseline="0" dirty="0" smtClean="0"/>
-              <a:t>The form is the standard way for the page to submit data to the server.</a:t>
-            </a:r>
-          </a:p>
-          <a:p>
-            <a:pPr marL="171450" indent="-171450">
-              <a:buFont typeface="Arial" panose="020B0604020202020204" pitchFamily="34" charset="0"/>
-              <a:buChar char="•"/>
-            </a:pPr>
-            <a:r>
-              <a:rPr lang="en-US" baseline="0" dirty="0" smtClean="0"/>
-              <a:t>Everything is surrounded by the form element start and end tags.</a:t>
-            </a:r>
-          </a:p>
-          <a:p>
-            <a:pPr marL="171450" indent="-171450">
-              <a:buFont typeface="Arial" panose="020B0604020202020204" pitchFamily="34" charset="0"/>
-              <a:buChar char="•"/>
-            </a:pPr>
-            <a:r>
-              <a:rPr lang="en-US" baseline="0" dirty="0" smtClean="0"/>
-              <a:t>Within the form tags are input elements.</a:t>
-            </a:r>
-          </a:p>
-          <a:p>
-            <a:pPr marL="171450" indent="-171450">
-              <a:buFont typeface="Arial" panose="020B0604020202020204" pitchFamily="34" charset="0"/>
-              <a:buChar char="•"/>
-            </a:pPr>
-            <a:r>
-              <a:rPr lang="en-US" baseline="0" dirty="0" smtClean="0"/>
-              <a:t>Different types can be specified for the input such as text for a textbox, radio for radio buttons, checkbox for checkboxes, and submit for the submit button.</a:t>
-            </a:r>
-          </a:p>
-          <a:p>
-            <a:pPr marL="171450" indent="-171450">
-              <a:buFont typeface="Arial" panose="020B0604020202020204" pitchFamily="34" charset="0"/>
-              <a:buChar char="•"/>
-            </a:pPr>
-            <a:r>
-              <a:rPr lang="en-US" baseline="0" dirty="0" smtClean="0"/>
-              <a:t>The </a:t>
-            </a:r>
-            <a:r>
-              <a:rPr lang="en-US" baseline="0" dirty="0" err="1" smtClean="0"/>
-              <a:t>fieldset</a:t>
-            </a:r>
-            <a:r>
-              <a:rPr lang="en-US" baseline="0" dirty="0" smtClean="0"/>
-              <a:t> can be used to semantically describe where form fields are.</a:t>
-            </a:r>
+            <a:endParaRPr lang="en-US" dirty="0"/>
           </a:p>
         </p:txBody>
       </p:sp>
@@ -1618,7 +1539,7 @@
           <a:bodyPr/>
           <a:lstStyle/>
           <a:p>
-            <a:fld id="{90562276-63C7-43F9-8E9E-CFA137F6F839}" type="slidenum">
+            <a:fld id="{CB14DD28-1949-4B74-B4FA-306122DED2C3}" type="slidenum">
               <a:rPr lang="en-US" smtClean="0"/>
               <a:t>18</a:t>
             </a:fld>
@@ -1629,7 +1550,7 @@
     </p:spTree>
     <p:extLst>
       <p:ext uri="{BB962C8B-B14F-4D97-AF65-F5344CB8AC3E}">
-        <p14:creationId xmlns:p14="http://schemas.microsoft.com/office/powerpoint/2010/main" val="3728070651"/>
+        <p14:creationId xmlns:p14="http://schemas.microsoft.com/office/powerpoint/2010/main" val="2830135243"/>
       </p:ext>
     </p:extLst>
   </p:cSld>
@@ -1689,7 +1610,55 @@
             </a:pPr>
             <a:r>
               <a:rPr lang="en-US" baseline="0" dirty="0" smtClean="0"/>
-              <a:t>Here’s a quick example of a form.</a:t>
+              <a:t>The form is the standard way for the page to submit data to the server.</a:t>
+            </a:r>
+          </a:p>
+          <a:p>
+            <a:pPr marL="171450" indent="-171450">
+              <a:buFont typeface="Arial" panose="020B0604020202020204" pitchFamily="34" charset="0"/>
+              <a:buChar char="•"/>
+            </a:pPr>
+            <a:r>
+              <a:rPr lang="en-US" baseline="0" dirty="0" smtClean="0"/>
+              <a:t>Everything is surrounded by the form element start and end tags.</a:t>
+            </a:r>
+          </a:p>
+          <a:p>
+            <a:pPr marL="171450" indent="-171450">
+              <a:buFont typeface="Arial" panose="020B0604020202020204" pitchFamily="34" charset="0"/>
+              <a:buChar char="•"/>
+            </a:pPr>
+            <a:r>
+              <a:rPr lang="en-US" baseline="0" dirty="0" smtClean="0"/>
+              <a:t>Within the form tags are input elements.</a:t>
+            </a:r>
+          </a:p>
+          <a:p>
+            <a:pPr marL="171450" indent="-171450">
+              <a:buFont typeface="Arial" panose="020B0604020202020204" pitchFamily="34" charset="0"/>
+              <a:buChar char="•"/>
+            </a:pPr>
+            <a:r>
+              <a:rPr lang="en-US" baseline="0" dirty="0" smtClean="0"/>
+              <a:t>Different types can be specified for the input such as text for a textbox, radio for radio buttons, checkbox for checkboxes, and submit for the submit button.</a:t>
+            </a:r>
+          </a:p>
+          <a:p>
+            <a:pPr marL="171450" indent="-171450">
+              <a:buFont typeface="Arial" panose="020B0604020202020204" pitchFamily="34" charset="0"/>
+              <a:buChar char="•"/>
+            </a:pPr>
+            <a:r>
+              <a:rPr lang="en-US" baseline="0" dirty="0" smtClean="0"/>
+              <a:t>The </a:t>
+            </a:r>
+            <a:r>
+              <a:rPr lang="en-US" baseline="0" dirty="0" err="1" smtClean="0"/>
+              <a:t>fieldset</a:t>
+            </a:r>
+            <a:r>
+              <a:rPr lang="en-US" baseline="0" dirty="0" smtClean="0"/>
+              <a:t> can be used to semantically describe where form fields are.</a:t>
             </a:r>
           </a:p>
         </p:txBody>
@@ -1720,7 +1689,7 @@
     </p:spTree>
     <p:extLst>
       <p:ext uri="{BB962C8B-B14F-4D97-AF65-F5344CB8AC3E}">
-        <p14:creationId xmlns:p14="http://schemas.microsoft.com/office/powerpoint/2010/main" val="1463369117"/>
+        <p14:creationId xmlns:p14="http://schemas.microsoft.com/office/powerpoint/2010/main" val="3728070651"/>
       </p:ext>
     </p:extLst>
   </p:cSld>
@@ -1774,7 +1743,14 @@
           <a:bodyPr/>
           <a:lstStyle/>
           <a:p>
-            <a:endParaRPr lang="en-US" dirty="0"/>
+            <a:pPr marL="171450" indent="-171450">
+              <a:buFont typeface="Arial" panose="020B0604020202020204" pitchFamily="34" charset="0"/>
+              <a:buChar char="•"/>
+            </a:pPr>
+            <a:r>
+              <a:rPr lang="en-US" baseline="0" dirty="0" smtClean="0"/>
+              <a:t>Here’s a quick example of a form.</a:t>
+            </a:r>
           </a:p>
         </p:txBody>
       </p:sp>
@@ -1793,7 +1769,7 @@
           <a:bodyPr/>
           <a:lstStyle/>
           <a:p>
-            <a:fld id="{CB14DD28-1949-4B74-B4FA-306122DED2C3}" type="slidenum">
+            <a:fld id="{90562276-63C7-43F9-8E9E-CFA137F6F839}" type="slidenum">
               <a:rPr lang="en-US" smtClean="0"/>
               <a:t>20</a:t>
             </a:fld>
@@ -1804,7 +1780,7 @@
     </p:spTree>
     <p:extLst>
       <p:ext uri="{BB962C8B-B14F-4D97-AF65-F5344CB8AC3E}">
-        <p14:creationId xmlns:p14="http://schemas.microsoft.com/office/powerpoint/2010/main" val="2401793172"/>
+        <p14:creationId xmlns:p14="http://schemas.microsoft.com/office/powerpoint/2010/main" val="1463369117"/>
       </p:ext>
     </p:extLst>
   </p:cSld>
@@ -1969,107 +1945,7 @@
           <a:bodyPr/>
           <a:lstStyle/>
           <a:p>
-            <a:pPr marL="171450" marR="0" lvl="0" indent="-171450" algn="l" defTabSz="914400" rtl="0" eaLnBrk="1" fontAlgn="auto" latinLnBrk="0" hangingPunct="1">
-              <a:lnSpc>
-                <a:spcPct val="100000"/>
-              </a:lnSpc>
-              <a:spcBef>
-                <a:spcPts val="0"/>
-              </a:spcBef>
-              <a:spcAft>
-                <a:spcPts val="0"/>
-              </a:spcAft>
-              <a:buClrTx/>
-              <a:buSzTx/>
-              <a:buFont typeface="Arial" panose="020B0604020202020204" pitchFamily="34" charset="0"/>
-              <a:buChar char="•"/>
-              <a:tabLst/>
-              <a:defRPr/>
-            </a:pPr>
-            <a:r>
-              <a:rPr lang="en-US" sz="1200" kern="1200" dirty="0" smtClean="0">
-                <a:solidFill>
-                  <a:schemeClr val="tx1"/>
-                </a:solidFill>
-                <a:effectLst/>
-                <a:latin typeface="+mn-lt"/>
-                <a:ea typeface="+mn-ea"/>
-                <a:cs typeface="+mn-cs"/>
-              </a:rPr>
-              <a:t>Write on the board a link to Google’s site with text “search engine”</a:t>
-            </a:r>
-          </a:p>
-          <a:p>
-            <a:pPr marL="171450" lvl="0" indent="-171450">
-              <a:buFont typeface="Arial" panose="020B0604020202020204" pitchFamily="34" charset="0"/>
-              <a:buChar char="•"/>
-            </a:pPr>
-            <a:r>
-              <a:rPr lang="en-US" sz="1200" kern="1200" dirty="0" smtClean="0">
-                <a:solidFill>
-                  <a:schemeClr val="tx1"/>
-                </a:solidFill>
-                <a:effectLst/>
-                <a:latin typeface="+mn-lt"/>
-                <a:ea typeface="+mn-ea"/>
-                <a:cs typeface="+mn-cs"/>
-              </a:rPr>
-              <a:t>Write </a:t>
-            </a:r>
-            <a:r>
-              <a:rPr lang="en-US" sz="1200" kern="1200" dirty="0" smtClean="0">
-                <a:solidFill>
-                  <a:schemeClr val="tx1"/>
-                </a:solidFill>
-                <a:effectLst/>
-                <a:latin typeface="+mn-lt"/>
-                <a:ea typeface="+mn-ea"/>
-                <a:cs typeface="+mn-cs"/>
-              </a:rPr>
-              <a:t>on the board a table with two columns, a header, and two rows.  Put in whatever text you would like.</a:t>
-            </a:r>
-          </a:p>
-          <a:p>
-            <a:pPr marL="171450" lvl="0" indent="-171450">
-              <a:buFont typeface="Arial" panose="020B0604020202020204" pitchFamily="34" charset="0"/>
-              <a:buChar char="•"/>
-            </a:pPr>
-            <a:r>
-              <a:rPr lang="en-US" sz="1200" kern="1200" dirty="0" smtClean="0">
-                <a:solidFill>
-                  <a:schemeClr val="tx1"/>
-                </a:solidFill>
-                <a:effectLst/>
-                <a:latin typeface="+mn-lt"/>
-                <a:ea typeface="+mn-ea"/>
-                <a:cs typeface="+mn-cs"/>
-              </a:rPr>
-              <a:t>Write on the board a text box with an id “</a:t>
-            </a:r>
-            <a:r>
-              <a:rPr lang="en-US" sz="1200" kern="1200" dirty="0" err="1" smtClean="0">
-                <a:solidFill>
-                  <a:schemeClr val="tx1"/>
-                </a:solidFill>
-                <a:effectLst/>
-                <a:latin typeface="+mn-lt"/>
-                <a:ea typeface="+mn-ea"/>
-                <a:cs typeface="+mn-cs"/>
-              </a:rPr>
-              <a:t>LastName</a:t>
-            </a:r>
-            <a:r>
-              <a:rPr lang="en-US" sz="1200" kern="1200" dirty="0" smtClean="0">
-                <a:solidFill>
-                  <a:schemeClr val="tx1"/>
-                </a:solidFill>
-                <a:effectLst/>
-                <a:latin typeface="+mn-lt"/>
-                <a:ea typeface="+mn-ea"/>
-                <a:cs typeface="+mn-cs"/>
-              </a:rPr>
-              <a:t>”</a:t>
-            </a:r>
+            <a:endParaRPr lang="en-US" dirty="0"/>
           </a:p>
         </p:txBody>
       </p:sp>
@@ -2088,7 +1964,7 @@
           <a:bodyPr/>
           <a:lstStyle/>
           <a:p>
-            <a:fld id="{226FA58D-4B12-4E7B-A2FA-693CE3EACDFD}" type="slidenum">
+            <a:fld id="{CB14DD28-1949-4B74-B4FA-306122DED2C3}" type="slidenum">
               <a:rPr lang="en-US" smtClean="0"/>
               <a:t>21</a:t>
             </a:fld>
@@ -2099,7 +1975,7 @@
     </p:spTree>
     <p:extLst>
       <p:ext uri="{BB962C8B-B14F-4D97-AF65-F5344CB8AC3E}">
-        <p14:creationId xmlns:p14="http://schemas.microsoft.com/office/powerpoint/2010/main" val="3635157650"/>
+        <p14:creationId xmlns:p14="http://schemas.microsoft.com/office/powerpoint/2010/main" val="2401793172"/>
       </p:ext>
     </p:extLst>
   </p:cSld>
@@ -2153,11 +2029,95 @@
           <a:bodyPr/>
           <a:lstStyle/>
           <a:p>
-            <a:pPr marL="171450" indent="-171450">
+            <a:pPr marL="171450" marR="0" lvl="0" indent="-171450" algn="l" defTabSz="914400" rtl="0" eaLnBrk="1" fontAlgn="auto" latinLnBrk="0" hangingPunct="1">
+              <a:lnSpc>
+                <a:spcPct val="100000"/>
+              </a:lnSpc>
+              <a:spcBef>
+                <a:spcPts val="0"/>
+              </a:spcBef>
+              <a:spcAft>
+                <a:spcPts val="0"/>
+              </a:spcAft>
+              <a:buClrTx/>
+              <a:buSzTx/>
+              <a:buFont typeface="Arial" panose="020B0604020202020204" pitchFamily="34" charset="0"/>
+              <a:buChar char="•"/>
+              <a:tabLst/>
+              <a:defRPr/>
+            </a:pPr>
+            <a:r>
+              <a:rPr lang="en-US" sz="1200" kern="1200" dirty="0" smtClean="0">
+                <a:solidFill>
+                  <a:schemeClr val="tx1"/>
+                </a:solidFill>
+                <a:effectLst/>
+                <a:latin typeface="+mn-lt"/>
+                <a:ea typeface="+mn-ea"/>
+                <a:cs typeface="+mn-cs"/>
+              </a:rPr>
+              <a:t>Write on the board a link to Google’s site with text “search engine”</a:t>
+            </a:r>
+          </a:p>
+          <a:p>
+            <a:pPr marL="171450" lvl="0" indent="-171450">
               <a:buFont typeface="Arial" panose="020B0604020202020204" pitchFamily="34" charset="0"/>
               <a:buChar char="•"/>
             </a:pPr>
-            <a:endParaRPr lang="en-US" dirty="0"/>
+            <a:r>
+              <a:rPr lang="en-US" sz="1200" kern="1200" dirty="0" smtClean="0">
+                <a:solidFill>
+                  <a:schemeClr val="tx1"/>
+                </a:solidFill>
+                <a:effectLst/>
+                <a:latin typeface="+mn-lt"/>
+                <a:ea typeface="+mn-ea"/>
+                <a:cs typeface="+mn-cs"/>
+              </a:rPr>
+              <a:t>Write on the board a table with two columns, a header, and two rows.  Put in whatever text you would like.</a:t>
+            </a:r>
+          </a:p>
+          <a:p>
+            <a:pPr marL="171450" lvl="0" indent="-171450">
+              <a:buFont typeface="Arial" panose="020B0604020202020204" pitchFamily="34" charset="0"/>
+              <a:buChar char="•"/>
+            </a:pPr>
+            <a:r>
+              <a:rPr lang="en-US" sz="1200" kern="1200" dirty="0" smtClean="0">
+                <a:solidFill>
+                  <a:schemeClr val="tx1"/>
+                </a:solidFill>
+                <a:effectLst/>
+                <a:latin typeface="+mn-lt"/>
+                <a:ea typeface="+mn-ea"/>
+                <a:cs typeface="+mn-cs"/>
+              </a:rPr>
+              <a:t>Write on the board a text box with an id “</a:t>
+            </a:r>
+            <a:r>
+              <a:rPr lang="en-US" sz="1200" kern="1200" dirty="0" err="1" smtClean="0">
+                <a:solidFill>
+                  <a:schemeClr val="tx1"/>
+                </a:solidFill>
+                <a:effectLst/>
+                <a:latin typeface="+mn-lt"/>
+                <a:ea typeface="+mn-ea"/>
+                <a:cs typeface="+mn-cs"/>
+              </a:rPr>
+              <a:t>LastName</a:t>
+            </a:r>
+            <a:r>
+              <a:rPr lang="en-US" sz="1200" kern="1200" dirty="0" smtClean="0">
+                <a:solidFill>
+                  <a:schemeClr val="tx1"/>
+                </a:solidFill>
+                <a:effectLst/>
+                <a:latin typeface="+mn-lt"/>
+                <a:ea typeface="+mn-ea"/>
+                <a:cs typeface="+mn-cs"/>
+              </a:rPr>
+              <a:t>”</a:t>
+            </a:r>
           </a:p>
         </p:txBody>
       </p:sp>
@@ -2187,7 +2147,7 @@
     </p:spTree>
     <p:extLst>
       <p:ext uri="{BB962C8B-B14F-4D97-AF65-F5344CB8AC3E}">
-        <p14:creationId xmlns:p14="http://schemas.microsoft.com/office/powerpoint/2010/main" val="3860952169"/>
+        <p14:creationId xmlns:p14="http://schemas.microsoft.com/office/powerpoint/2010/main" val="3635157650"/>
       </p:ext>
     </p:extLst>
   </p:cSld>
@@ -2245,20 +2205,7 @@
               <a:buFont typeface="Arial" panose="020B0604020202020204" pitchFamily="34" charset="0"/>
               <a:buChar char="•"/>
             </a:pPr>
-            <a:r>
-              <a:rPr lang="en-US" baseline="0" dirty="0" smtClean="0"/>
-              <a:t>Comments in html are represented with this syntax &lt;!-- comment --&gt;</a:t>
-            </a:r>
-          </a:p>
-          <a:p>
-            <a:pPr marL="171450" indent="-171450">
-              <a:buFont typeface="Arial" panose="020B0604020202020204" pitchFamily="34" charset="0"/>
-              <a:buChar char="•"/>
-            </a:pPr>
-            <a:r>
-              <a:rPr lang="en-US" baseline="0" dirty="0" smtClean="0"/>
-              <a:t>Here is an example.</a:t>
-            </a:r>
+            <a:endParaRPr lang="en-US" dirty="0"/>
           </a:p>
         </p:txBody>
       </p:sp>
@@ -2277,7 +2224,7 @@
           <a:bodyPr/>
           <a:lstStyle/>
           <a:p>
-            <a:fld id="{90562276-63C7-43F9-8E9E-CFA137F6F839}" type="slidenum">
+            <a:fld id="{226FA58D-4B12-4E7B-A2FA-693CE3EACDFD}" type="slidenum">
               <a:rPr lang="en-US" smtClean="0"/>
               <a:t>23</a:t>
             </a:fld>
@@ -2288,7 +2235,7 @@
     </p:spTree>
     <p:extLst>
       <p:ext uri="{BB962C8B-B14F-4D97-AF65-F5344CB8AC3E}">
-        <p14:creationId xmlns:p14="http://schemas.microsoft.com/office/powerpoint/2010/main" val="4123764120"/>
+        <p14:creationId xmlns:p14="http://schemas.microsoft.com/office/powerpoint/2010/main" val="3860952169"/>
       </p:ext>
     </p:extLst>
   </p:cSld>
@@ -2691,15 +2638,7 @@
             </a:pPr>
             <a:r>
               <a:rPr lang="en-US" baseline="0" dirty="0" smtClean="0"/>
-              <a:t>The </a:t>
-            </a:r>
-            <a:r>
-              <a:rPr lang="en-US" baseline="0" dirty="0" err="1" smtClean="0"/>
-              <a:t>DocType</a:t>
-            </a:r>
-            <a:r>
-              <a:rPr lang="en-US" baseline="0" dirty="0" smtClean="0"/>
-              <a:t> is that first part of the HTML page.</a:t>
+              <a:t>Comments in html are represented with this syntax &lt;!-- comment --&gt;</a:t>
             </a:r>
           </a:p>
           <a:p>
@@ -2709,27 +2648,7 @@
             </a:pPr>
             <a:r>
               <a:rPr lang="en-US" baseline="0" dirty="0" smtClean="0"/>
-              <a:t>It tells the browser which version of HTML it is.</a:t>
-            </a:r>
-          </a:p>
-          <a:p>
-            <a:pPr marL="171450" indent="-171450">
-              <a:buFont typeface="Arial" panose="020B0604020202020204" pitchFamily="34" charset="0"/>
-              <a:buChar char="•"/>
-            </a:pPr>
-            <a:r>
-              <a:rPr lang="en-US" baseline="0" dirty="0" smtClean="0"/>
-              <a:t>Let’s see the examples..</a:t>
-            </a:r>
-          </a:p>
-          <a:p>
-            <a:pPr marL="171450" indent="-171450">
-              <a:buFont typeface="Arial" panose="020B0604020202020204" pitchFamily="34" charset="0"/>
-              <a:buChar char="•"/>
-            </a:pPr>
-            <a:r>
-              <a:rPr lang="en-US" baseline="0" dirty="0" smtClean="0"/>
-              <a:t>For HTML 5 you just specify html.</a:t>
+              <a:t>Here is an example.</a:t>
             </a:r>
           </a:p>
         </p:txBody>
@@ -2760,7 +2679,7 @@
     </p:spTree>
     <p:extLst>
       <p:ext uri="{BB962C8B-B14F-4D97-AF65-F5344CB8AC3E}">
-        <p14:creationId xmlns:p14="http://schemas.microsoft.com/office/powerpoint/2010/main" val="838798049"/>
+        <p14:creationId xmlns:p14="http://schemas.microsoft.com/office/powerpoint/2010/main" val="4123764120"/>
       </p:ext>
     </p:extLst>
   </p:cSld>
@@ -2820,7 +2739,15 @@
             </a:pPr>
             <a:r>
               <a:rPr lang="en-US" baseline="0" dirty="0" smtClean="0"/>
-              <a:t>This is the structure of a basic html page.</a:t>
+              <a:t>The </a:t>
+            </a:r>
+            <a:r>
+              <a:rPr lang="en-US" baseline="0" dirty="0" err="1" smtClean="0"/>
+              <a:t>DocType</a:t>
+            </a:r>
+            <a:r>
+              <a:rPr lang="en-US" baseline="0" dirty="0" smtClean="0"/>
+              <a:t> is that first part of the HTML page.</a:t>
             </a:r>
           </a:p>
           <a:p>
@@ -2830,15 +2757,7 @@
             </a:pPr>
             <a:r>
               <a:rPr lang="en-US" baseline="0" dirty="0" smtClean="0"/>
-              <a:t>The </a:t>
-            </a:r>
-            <a:r>
-              <a:rPr lang="en-US" baseline="0" dirty="0" err="1" smtClean="0"/>
-              <a:t>DocType</a:t>
-            </a:r>
-            <a:r>
-              <a:rPr lang="en-US" baseline="0" dirty="0" smtClean="0"/>
-              <a:t> element is specified first.</a:t>
+              <a:t>It tells the browser which version of HTML it is.</a:t>
             </a:r>
           </a:p>
           <a:p>
@@ -2848,7 +2767,7 @@
             </a:pPr>
             <a:r>
               <a:rPr lang="en-US" baseline="0" dirty="0" smtClean="0"/>
-              <a:t>Then you have the html element.</a:t>
+              <a:t>Let’s see the examples..</a:t>
             </a:r>
           </a:p>
           <a:p>
@@ -2858,35 +2777,8 @@
             </a:pPr>
             <a:r>
               <a:rPr lang="en-US" baseline="0" dirty="0" smtClean="0"/>
-              <a:t>Inside the html element is the head element.</a:t>
-            </a:r>
-          </a:p>
-          <a:p>
-            <a:pPr marL="171450" indent="-171450">
-              <a:buFont typeface="Arial" panose="020B0604020202020204" pitchFamily="34" charset="0"/>
-              <a:buChar char="•"/>
-            </a:pPr>
-            <a:r>
-              <a:rPr lang="en-US" baseline="0" dirty="0" smtClean="0"/>
-              <a:t>After the head element is the body element inside of the html element.</a:t>
-            </a:r>
-          </a:p>
-          <a:p>
-            <a:pPr marL="171450" indent="-171450">
-              <a:buFont typeface="Arial" panose="020B0604020202020204" pitchFamily="34" charset="0"/>
-              <a:buChar char="•"/>
-            </a:pPr>
-            <a:r>
-              <a:rPr lang="en-US" baseline="0" dirty="0" smtClean="0"/>
-              <a:t>The other page elements will go in the body.</a:t>
-            </a:r>
-          </a:p>
-          <a:p>
-            <a:pPr marL="171450" indent="-171450">
-              <a:buFont typeface="Arial" panose="020B0604020202020204" pitchFamily="34" charset="0"/>
-              <a:buChar char="•"/>
-            </a:pPr>
-            <a:endParaRPr lang="en-US" baseline="0" dirty="0" smtClean="0"/>
+              <a:t>For HTML 5 you just specify html.</a:t>
+            </a:r>
           </a:p>
         </p:txBody>
       </p:sp>
@@ -2916,7 +2808,7 @@
     </p:spTree>
     <p:extLst>
       <p:ext uri="{BB962C8B-B14F-4D97-AF65-F5344CB8AC3E}">
-        <p14:creationId xmlns:p14="http://schemas.microsoft.com/office/powerpoint/2010/main" val="1108138888"/>
+        <p14:creationId xmlns:p14="http://schemas.microsoft.com/office/powerpoint/2010/main" val="838798049"/>
       </p:ext>
     </p:extLst>
   </p:cSld>
@@ -2970,7 +2862,79 @@
           <a:bodyPr/>
           <a:lstStyle/>
           <a:p>
-            <a:endParaRPr lang="en-US" dirty="0"/>
+            <a:pPr marL="171450" indent="-171450">
+              <a:buFont typeface="Arial" panose="020B0604020202020204" pitchFamily="34" charset="0"/>
+              <a:buChar char="•"/>
+            </a:pPr>
+            <a:r>
+              <a:rPr lang="en-US" baseline="0" dirty="0" smtClean="0"/>
+              <a:t>This is the structure of a basic html page.</a:t>
+            </a:r>
+          </a:p>
+          <a:p>
+            <a:pPr marL="171450" indent="-171450">
+              <a:buFont typeface="Arial" panose="020B0604020202020204" pitchFamily="34" charset="0"/>
+              <a:buChar char="•"/>
+            </a:pPr>
+            <a:r>
+              <a:rPr lang="en-US" baseline="0" dirty="0" smtClean="0"/>
+              <a:t>The </a:t>
+            </a:r>
+            <a:r>
+              <a:rPr lang="en-US" baseline="0" dirty="0" err="1" smtClean="0"/>
+              <a:t>DocType</a:t>
+            </a:r>
+            <a:r>
+              <a:rPr lang="en-US" baseline="0" dirty="0" smtClean="0"/>
+              <a:t> element is specified first.</a:t>
+            </a:r>
+          </a:p>
+          <a:p>
+            <a:pPr marL="171450" indent="-171450">
+              <a:buFont typeface="Arial" panose="020B0604020202020204" pitchFamily="34" charset="0"/>
+              <a:buChar char="•"/>
+            </a:pPr>
+            <a:r>
+              <a:rPr lang="en-US" baseline="0" dirty="0" smtClean="0"/>
+              <a:t>Then you have the html element.</a:t>
+            </a:r>
+          </a:p>
+          <a:p>
+            <a:pPr marL="171450" indent="-171450">
+              <a:buFont typeface="Arial" panose="020B0604020202020204" pitchFamily="34" charset="0"/>
+              <a:buChar char="•"/>
+            </a:pPr>
+            <a:r>
+              <a:rPr lang="en-US" baseline="0" dirty="0" smtClean="0"/>
+              <a:t>Inside the html element is the head element.</a:t>
+            </a:r>
+          </a:p>
+          <a:p>
+            <a:pPr marL="171450" indent="-171450">
+              <a:buFont typeface="Arial" panose="020B0604020202020204" pitchFamily="34" charset="0"/>
+              <a:buChar char="•"/>
+            </a:pPr>
+            <a:r>
+              <a:rPr lang="en-US" baseline="0" dirty="0" smtClean="0"/>
+              <a:t>After the head element is the body element inside of the html element.</a:t>
+            </a:r>
+          </a:p>
+          <a:p>
+            <a:pPr marL="171450" indent="-171450">
+              <a:buFont typeface="Arial" panose="020B0604020202020204" pitchFamily="34" charset="0"/>
+              <a:buChar char="•"/>
+            </a:pPr>
+            <a:r>
+              <a:rPr lang="en-US" baseline="0" dirty="0" smtClean="0"/>
+              <a:t>The other page elements will go in the body.</a:t>
+            </a:r>
+          </a:p>
+          <a:p>
+            <a:pPr marL="171450" indent="-171450">
+              <a:buFont typeface="Arial" panose="020B0604020202020204" pitchFamily="34" charset="0"/>
+              <a:buChar char="•"/>
+            </a:pPr>
+            <a:endParaRPr lang="en-US" baseline="0" dirty="0" smtClean="0"/>
           </a:p>
         </p:txBody>
       </p:sp>
@@ -2989,7 +2953,7 @@
           <a:bodyPr/>
           <a:lstStyle/>
           <a:p>
-            <a:fld id="{CB14DD28-1949-4B74-B4FA-306122DED2C3}" type="slidenum">
+            <a:fld id="{90562276-63C7-43F9-8E9E-CFA137F6F839}" type="slidenum">
               <a:rPr lang="en-US" smtClean="0"/>
               <a:t>6</a:t>
             </a:fld>
@@ -3000,7 +2964,7 @@
     </p:spTree>
     <p:extLst>
       <p:ext uri="{BB962C8B-B14F-4D97-AF65-F5344CB8AC3E}">
-        <p14:creationId xmlns:p14="http://schemas.microsoft.com/office/powerpoint/2010/main" val="3081801029"/>
+        <p14:creationId xmlns:p14="http://schemas.microsoft.com/office/powerpoint/2010/main" val="1108138888"/>
       </p:ext>
     </p:extLst>
   </p:cSld>
@@ -3054,61 +3018,7 @@
           <a:bodyPr/>
           <a:lstStyle/>
           <a:p>
-            <a:pPr marL="171450" lvl="0" indent="-171450">
-              <a:buFont typeface="Arial" panose="020B0604020202020204" pitchFamily="34" charset="0"/>
-              <a:buChar char="•"/>
-            </a:pPr>
-            <a:r>
-              <a:rPr lang="en-US" sz="1200" kern="1200" dirty="0" smtClean="0">
-                <a:solidFill>
-                  <a:schemeClr val="tx1"/>
-                </a:solidFill>
-                <a:effectLst/>
-                <a:latin typeface="+mn-lt"/>
-                <a:ea typeface="+mn-ea"/>
-                <a:cs typeface="+mn-cs"/>
-              </a:rPr>
-              <a:t>What is the name of objects on the page?</a:t>
-            </a:r>
-          </a:p>
-          <a:p>
-            <a:pPr marL="171450" lvl="0" indent="-171450">
-              <a:buFont typeface="Arial" panose="020B0604020202020204" pitchFamily="34" charset="0"/>
-              <a:buChar char="•"/>
-            </a:pPr>
-            <a:r>
-              <a:rPr lang="en-US" sz="1200" kern="1200" dirty="0" smtClean="0">
-                <a:solidFill>
-                  <a:schemeClr val="tx1"/>
-                </a:solidFill>
-                <a:effectLst/>
-                <a:latin typeface="+mn-lt"/>
-                <a:ea typeface="+mn-ea"/>
-                <a:cs typeface="+mn-cs"/>
-              </a:rPr>
-              <a:t>What are properties associated with an element called</a:t>
-            </a:r>
-            <a:r>
-              <a:rPr lang="en-US" sz="1200" kern="1200" dirty="0" smtClean="0">
-                <a:solidFill>
-                  <a:schemeClr val="tx1"/>
-                </a:solidFill>
-                <a:effectLst/>
-                <a:latin typeface="+mn-lt"/>
-                <a:ea typeface="+mn-ea"/>
-                <a:cs typeface="+mn-cs"/>
-              </a:rPr>
-              <a:t>?</a:t>
-            </a:r>
-            <a:endParaRPr lang="en-US" sz="1200" kern="1200" dirty="0" smtClean="0">
-              <a:solidFill>
-                <a:schemeClr val="tx1"/>
-              </a:solidFill>
-              <a:effectLst/>
-              <a:latin typeface="+mn-lt"/>
-              <a:ea typeface="+mn-ea"/>
-              <a:cs typeface="+mn-cs"/>
-            </a:endParaRPr>
+            <a:endParaRPr lang="en-US" dirty="0"/>
           </a:p>
         </p:txBody>
       </p:sp>
@@ -3127,7 +3037,7 @@
           <a:bodyPr/>
           <a:lstStyle/>
           <a:p>
-            <a:fld id="{226FA58D-4B12-4E7B-A2FA-693CE3EACDFD}" type="slidenum">
+            <a:fld id="{CB14DD28-1949-4B74-B4FA-306122DED2C3}" type="slidenum">
               <a:rPr lang="en-US" smtClean="0"/>
               <a:t>7</a:t>
             </a:fld>
@@ -3138,7 +3048,7 @@
     </p:spTree>
     <p:extLst>
       <p:ext uri="{BB962C8B-B14F-4D97-AF65-F5344CB8AC3E}">
-        <p14:creationId xmlns:p14="http://schemas.microsoft.com/office/powerpoint/2010/main" val="2878688675"/>
+        <p14:creationId xmlns:p14="http://schemas.microsoft.com/office/powerpoint/2010/main" val="3081801029"/>
       </p:ext>
     </p:extLst>
   </p:cSld>
@@ -3192,100 +3102,40 @@
           <a:bodyPr/>
           <a:lstStyle/>
           <a:p>
-            <a:pPr marL="171450" indent="-171450">
+            <a:pPr marL="171450" lvl="0" indent="-171450">
               <a:buFont typeface="Arial" panose="020B0604020202020204" pitchFamily="34" charset="0"/>
               <a:buChar char="•"/>
             </a:pPr>
             <a:r>
-              <a:rPr lang="en-US" baseline="0" dirty="0" smtClean="0"/>
-              <a:t>Here are some common elements that you will see over and over again.</a:t>
-            </a:r>
-          </a:p>
-          <a:p>
-            <a:pPr marL="171450" indent="-171450">
+              <a:rPr lang="en-US" sz="1200" kern="1200" dirty="0" smtClean="0">
+                <a:solidFill>
+                  <a:schemeClr val="tx1"/>
+                </a:solidFill>
+                <a:effectLst/>
+                <a:latin typeface="+mn-lt"/>
+                <a:ea typeface="+mn-ea"/>
+                <a:cs typeface="+mn-cs"/>
+              </a:rPr>
+              <a:t>What is the name of objects on the page?</a:t>
+            </a:r>
+          </a:p>
+          <a:p>
+            <a:pPr marL="171450" lvl="0" indent="-171450">
               <a:buFont typeface="Arial" panose="020B0604020202020204" pitchFamily="34" charset="0"/>
               <a:buChar char="•"/>
             </a:pPr>
             <a:r>
-              <a:rPr lang="en-US" baseline="0" dirty="0" err="1" smtClean="0"/>
-              <a:t>Div</a:t>
-            </a:r>
-            <a:r>
-              <a:rPr lang="en-US" baseline="0" dirty="0" smtClean="0"/>
-              <a:t> provides an empty container to be styled.</a:t>
-            </a:r>
-          </a:p>
-          <a:p>
-            <a:pPr marL="171450" indent="-171450">
-              <a:buFont typeface="Arial" panose="020B0604020202020204" pitchFamily="34" charset="0"/>
-              <a:buChar char="•"/>
-            </a:pPr>
-            <a:r>
-              <a:rPr lang="en-US" baseline="0" dirty="0" smtClean="0"/>
-              <a:t>Span also provides an empty container to be styled, but inline.</a:t>
-            </a:r>
-          </a:p>
-          <a:p>
-            <a:pPr marL="171450" indent="-171450">
-              <a:buFont typeface="Arial" panose="020B0604020202020204" pitchFamily="34" charset="0"/>
-              <a:buChar char="•"/>
-            </a:pPr>
-            <a:r>
-              <a:rPr lang="en-US" baseline="0" dirty="0" smtClean="0"/>
-              <a:t>p represents a paragraph</a:t>
-            </a:r>
-          </a:p>
-          <a:p>
-            <a:pPr marL="171450" indent="-171450">
-              <a:buFont typeface="Arial" panose="020B0604020202020204" pitchFamily="34" charset="0"/>
-              <a:buChar char="•"/>
-            </a:pPr>
-            <a:r>
-              <a:rPr lang="en-US" baseline="0" dirty="0" smtClean="0"/>
-              <a:t>h1, h2, h3, h4, h5, and h6 are different sizes of headings.</a:t>
-            </a:r>
-          </a:p>
-          <a:p>
-            <a:pPr marL="171450" indent="-171450">
-              <a:buFont typeface="Arial" panose="020B0604020202020204" pitchFamily="34" charset="0"/>
-              <a:buChar char="•"/>
-            </a:pPr>
-            <a:r>
-              <a:rPr lang="en-US" baseline="0" dirty="0" err="1" smtClean="0"/>
-              <a:t>br</a:t>
-            </a:r>
-            <a:r>
-              <a:rPr lang="en-US" baseline="0" dirty="0" smtClean="0"/>
-              <a:t> represents a break</a:t>
-            </a:r>
-          </a:p>
-          <a:p>
-            <a:pPr marL="171450" indent="-171450">
-              <a:buFont typeface="Arial" panose="020B0604020202020204" pitchFamily="34" charset="0"/>
-              <a:buChar char="•"/>
-            </a:pPr>
-            <a:r>
-              <a:rPr lang="en-US" baseline="0" dirty="0" err="1" smtClean="0"/>
-              <a:t>hr</a:t>
-            </a:r>
-            <a:r>
-              <a:rPr lang="en-US" baseline="0" dirty="0" smtClean="0"/>
-              <a:t> represents a horizontal line</a:t>
-            </a:r>
-          </a:p>
-          <a:p>
-            <a:pPr marL="171450" indent="-171450">
-              <a:buFont typeface="Arial" panose="020B0604020202020204" pitchFamily="34" charset="0"/>
-              <a:buChar char="•"/>
-            </a:pPr>
-            <a:endParaRPr lang="en-US" baseline="0" dirty="0" smtClean="0"/>
-          </a:p>
-          <a:p>
-            <a:pPr marL="171450" indent="-171450">
-              <a:buFont typeface="Arial" panose="020B0604020202020204" pitchFamily="34" charset="0"/>
-              <a:buChar char="•"/>
-            </a:pPr>
-            <a:endParaRPr lang="en-US" baseline="0" dirty="0" smtClean="0"/>
+              <a:rPr lang="en-US" sz="1200" kern="1200" dirty="0" smtClean="0">
+                <a:solidFill>
+                  <a:schemeClr val="tx1"/>
+                </a:solidFill>
+                <a:effectLst/>
+                <a:latin typeface="+mn-lt"/>
+                <a:ea typeface="+mn-ea"/>
+                <a:cs typeface="+mn-cs"/>
+              </a:rPr>
+              <a:t>What are properties associated with an element called?</a:t>
+            </a:r>
           </a:p>
         </p:txBody>
       </p:sp>
@@ -3304,7 +3154,7 @@
           <a:bodyPr/>
           <a:lstStyle/>
           <a:p>
-            <a:fld id="{90562276-63C7-43F9-8E9E-CFA137F6F839}" type="slidenum">
+            <a:fld id="{226FA58D-4B12-4E7B-A2FA-693CE3EACDFD}" type="slidenum">
               <a:rPr lang="en-US" smtClean="0"/>
               <a:t>8</a:t>
             </a:fld>
@@ -3315,7 +3165,7 @@
     </p:spTree>
     <p:extLst>
       <p:ext uri="{BB962C8B-B14F-4D97-AF65-F5344CB8AC3E}">
-        <p14:creationId xmlns:p14="http://schemas.microsoft.com/office/powerpoint/2010/main" val="2189443116"/>
+        <p14:creationId xmlns:p14="http://schemas.microsoft.com/office/powerpoint/2010/main" val="2878688675"/>
       </p:ext>
     </p:extLst>
   </p:cSld>
@@ -3375,15 +3225,7 @@
             </a:pPr>
             <a:r>
               <a:rPr lang="en-US" baseline="0" dirty="0" smtClean="0"/>
-              <a:t>The </a:t>
-            </a:r>
-            <a:r>
-              <a:rPr lang="en-US" baseline="0" dirty="0" err="1" smtClean="0"/>
-              <a:t>img</a:t>
-            </a:r>
-            <a:r>
-              <a:rPr lang="en-US" baseline="0" dirty="0" smtClean="0"/>
-              <a:t> element represents an image on the page.</a:t>
+              <a:t>Here are some common elements that you will see over and over again.</a:t>
             </a:r>
           </a:p>
           <a:p>
@@ -3392,8 +3234,12 @@
               <a:buChar char="•"/>
             </a:pPr>
             <a:r>
+              <a:rPr lang="en-US" baseline="0" dirty="0" err="1" smtClean="0"/>
+              <a:t>Div</a:t>
+            </a:r>
+            <a:r>
               <a:rPr lang="en-US" baseline="0" dirty="0" smtClean="0"/>
-              <a:t>Here is an example of the element.</a:t>
+              <a:t> provides an empty container to be styled.</a:t>
             </a:r>
           </a:p>
           <a:p>
@@ -3403,15 +3249,7 @@
             </a:pPr>
             <a:r>
               <a:rPr lang="en-US" baseline="0" dirty="0" smtClean="0"/>
-              <a:t>There is a </a:t>
-            </a:r>
-            <a:r>
-              <a:rPr lang="en-US" baseline="0" dirty="0" err="1" smtClean="0"/>
-              <a:t>src</a:t>
-            </a:r>
-            <a:r>
-              <a:rPr lang="en-US" baseline="0" dirty="0" smtClean="0"/>
-              <a:t> attribute that defines where the image is in reference to the page.</a:t>
+              <a:t>Span also provides an empty container to be styled, but inline.</a:t>
             </a:r>
           </a:p>
           <a:p>
@@ -3421,7 +3259,7 @@
             </a:pPr>
             <a:r>
               <a:rPr lang="en-US" baseline="0" dirty="0" smtClean="0"/>
-              <a:t>The alt attribute is text that shows if the image cannot be displayed for some reason.</a:t>
+              <a:t>p represents a paragraph</a:t>
             </a:r>
           </a:p>
           <a:p>
@@ -3431,8 +3269,50 @@
             </a:pPr>
             <a:r>
               <a:rPr lang="en-US" baseline="0" dirty="0" smtClean="0"/>
-              <a:t>There is a width and height also, but it is recommended to use the style instead.</a:t>
-            </a:r>
+              <a:t>h1, h2, h3, h4, h5, and h6 are different sizes of headings.</a:t>
+            </a:r>
+          </a:p>
+          <a:p>
+            <a:pPr marL="171450" indent="-171450">
+              <a:buFont typeface="Arial" panose="020B0604020202020204" pitchFamily="34" charset="0"/>
+              <a:buChar char="•"/>
+            </a:pPr>
+            <a:r>
+              <a:rPr lang="en-US" baseline="0" dirty="0" err="1" smtClean="0"/>
+              <a:t>br</a:t>
+            </a:r>
+            <a:r>
+              <a:rPr lang="en-US" baseline="0" dirty="0" smtClean="0"/>
+              <a:t> represents a break</a:t>
+            </a:r>
+          </a:p>
+          <a:p>
+            <a:pPr marL="171450" indent="-171450">
+              <a:buFont typeface="Arial" panose="020B0604020202020204" pitchFamily="34" charset="0"/>
+              <a:buChar char="•"/>
+            </a:pPr>
+            <a:r>
+              <a:rPr lang="en-US" baseline="0" dirty="0" err="1" smtClean="0"/>
+              <a:t>hr</a:t>
+            </a:r>
+            <a:r>
+              <a:rPr lang="en-US" baseline="0" dirty="0" smtClean="0"/>
+              <a:t> represents a horizontal line</a:t>
+            </a:r>
+          </a:p>
+          <a:p>
+            <a:pPr marL="171450" indent="-171450">
+              <a:buFont typeface="Arial" panose="020B0604020202020204" pitchFamily="34" charset="0"/>
+              <a:buChar char="•"/>
+            </a:pPr>
+            <a:endParaRPr lang="en-US" baseline="0" dirty="0" smtClean="0"/>
+          </a:p>
+          <a:p>
+            <a:pPr marL="171450" indent="-171450">
+              <a:buFont typeface="Arial" panose="020B0604020202020204" pitchFamily="34" charset="0"/>
+              <a:buChar char="•"/>
+            </a:pPr>
+            <a:endParaRPr lang="en-US" baseline="0" dirty="0" smtClean="0"/>
           </a:p>
         </p:txBody>
       </p:sp>
@@ -3462,7 +3342,7 @@
     </p:spTree>
     <p:extLst>
       <p:ext uri="{BB962C8B-B14F-4D97-AF65-F5344CB8AC3E}">
-        <p14:creationId xmlns:p14="http://schemas.microsoft.com/office/powerpoint/2010/main" val="1217673261"/>
+        <p14:creationId xmlns:p14="http://schemas.microsoft.com/office/powerpoint/2010/main" val="2189443116"/>
       </p:ext>
     </p:extLst>
   </p:cSld>
@@ -3516,7 +3396,70 @@
           <a:bodyPr/>
           <a:lstStyle/>
           <a:p>
-            <a:endParaRPr lang="en-US" dirty="0"/>
+            <a:pPr marL="171450" indent="-171450">
+              <a:buFont typeface="Arial" panose="020B0604020202020204" pitchFamily="34" charset="0"/>
+              <a:buChar char="•"/>
+            </a:pPr>
+            <a:r>
+              <a:rPr lang="en-US" baseline="0" dirty="0" smtClean="0"/>
+              <a:t>The </a:t>
+            </a:r>
+            <a:r>
+              <a:rPr lang="en-US" baseline="0" dirty="0" err="1" smtClean="0"/>
+              <a:t>img</a:t>
+            </a:r>
+            <a:r>
+              <a:rPr lang="en-US" baseline="0" dirty="0" smtClean="0"/>
+              <a:t> element represents an image on the page.</a:t>
+            </a:r>
+          </a:p>
+          <a:p>
+            <a:pPr marL="171450" indent="-171450">
+              <a:buFont typeface="Arial" panose="020B0604020202020204" pitchFamily="34" charset="0"/>
+              <a:buChar char="•"/>
+            </a:pPr>
+            <a:r>
+              <a:rPr lang="en-US" baseline="0" dirty="0" smtClean="0"/>
+              <a:t>Here is an example of the element.</a:t>
+            </a:r>
+          </a:p>
+          <a:p>
+            <a:pPr marL="171450" indent="-171450">
+              <a:buFont typeface="Arial" panose="020B0604020202020204" pitchFamily="34" charset="0"/>
+              <a:buChar char="•"/>
+            </a:pPr>
+            <a:r>
+              <a:rPr lang="en-US" baseline="0" dirty="0" smtClean="0"/>
+              <a:t>There is a </a:t>
+            </a:r>
+            <a:r>
+              <a:rPr lang="en-US" baseline="0" dirty="0" err="1" smtClean="0"/>
+              <a:t>src</a:t>
+            </a:r>
+            <a:r>
+              <a:rPr lang="en-US" baseline="0" dirty="0" smtClean="0"/>
+              <a:t> attribute that defines where the image is in reference to the page.</a:t>
+            </a:r>
+          </a:p>
+          <a:p>
+            <a:pPr marL="171450" indent="-171450">
+              <a:buFont typeface="Arial" panose="020B0604020202020204" pitchFamily="34" charset="0"/>
+              <a:buChar char="•"/>
+            </a:pPr>
+            <a:r>
+              <a:rPr lang="en-US" baseline="0" dirty="0" smtClean="0"/>
+              <a:t>The alt attribute is text that shows if the image cannot be displayed for some reason.</a:t>
+            </a:r>
+          </a:p>
+          <a:p>
+            <a:pPr marL="171450" indent="-171450">
+              <a:buFont typeface="Arial" panose="020B0604020202020204" pitchFamily="34" charset="0"/>
+              <a:buChar char="•"/>
+            </a:pPr>
+            <a:r>
+              <a:rPr lang="en-US" baseline="0" dirty="0" smtClean="0"/>
+              <a:t>There is a width and height also, but it is recommended to use the style instead.</a:t>
+            </a:r>
           </a:p>
         </p:txBody>
       </p:sp>
@@ -3535,7 +3478,7 @@
           <a:bodyPr/>
           <a:lstStyle/>
           <a:p>
-            <a:fld id="{CB14DD28-1949-4B74-B4FA-306122DED2C3}" type="slidenum">
+            <a:fld id="{90562276-63C7-43F9-8E9E-CFA137F6F839}" type="slidenum">
               <a:rPr lang="en-US" smtClean="0"/>
               <a:t>10</a:t>
             </a:fld>
@@ -3546,7 +3489,7 @@
     </p:spTree>
     <p:extLst>
       <p:ext uri="{BB962C8B-B14F-4D97-AF65-F5344CB8AC3E}">
-        <p14:creationId xmlns:p14="http://schemas.microsoft.com/office/powerpoint/2010/main" val="3809248829"/>
+        <p14:creationId xmlns:p14="http://schemas.microsoft.com/office/powerpoint/2010/main" val="1217673261"/>
       </p:ext>
     </p:extLst>
   </p:cSld>
@@ -3742,7 +3685,7 @@
           <a:p>
             <a:fld id="{96FB5D56-0812-4ED5-8B52-3D0DCBF578CB}" type="datetimeFigureOut">
               <a:rPr lang="en-US" smtClean="0"/>
-              <a:t>2/4/2018</a:t>
+              <a:t>3/3/2018</a:t>
             </a:fld>
             <a:endParaRPr lang="en-US"/>
           </a:p>
@@ -4017,7 +3960,7 @@
           <a:p>
             <a:fld id="{96FB5D56-0812-4ED5-8B52-3D0DCBF578CB}" type="datetimeFigureOut">
               <a:rPr lang="en-US" smtClean="0"/>
-              <a:t>2/4/2018</a:t>
+              <a:t>3/3/2018</a:t>
             </a:fld>
             <a:endParaRPr lang="en-US"/>
           </a:p>
@@ -4211,7 +4154,7 @@
           <a:p>
             <a:fld id="{96FB5D56-0812-4ED5-8B52-3D0DCBF578CB}" type="datetimeFigureOut">
               <a:rPr lang="en-US" smtClean="0"/>
-              <a:t>2/4/2018</a:t>
+              <a:t>3/3/2018</a:t>
             </a:fld>
             <a:endParaRPr lang="en-US"/>
           </a:p>
@@ -4484,7 +4427,7 @@
           <a:p>
             <a:fld id="{96FB5D56-0812-4ED5-8B52-3D0DCBF578CB}" type="datetimeFigureOut">
               <a:rPr lang="en-US" smtClean="0"/>
-              <a:t>2/4/2018</a:t>
+              <a:t>3/3/2018</a:t>
             </a:fld>
             <a:endParaRPr lang="en-US"/>
           </a:p>
@@ -4825,7 +4768,7 @@
           <a:p>
             <a:fld id="{96FB5D56-0812-4ED5-8B52-3D0DCBF578CB}" type="datetimeFigureOut">
               <a:rPr lang="en-US" smtClean="0"/>
-              <a:t>2/4/2018</a:t>
+              <a:t>3/3/2018</a:t>
             </a:fld>
             <a:endParaRPr lang="en-US"/>
           </a:p>
@@ -5448,7 +5391,7 @@
           <a:p>
             <a:fld id="{96FB5D56-0812-4ED5-8B52-3D0DCBF578CB}" type="datetimeFigureOut">
               <a:rPr lang="en-US" smtClean="0"/>
-              <a:t>2/4/2018</a:t>
+              <a:t>3/3/2018</a:t>
             </a:fld>
             <a:endParaRPr lang="en-US"/>
           </a:p>
@@ -6308,7 +6251,7 @@
           <a:p>
             <a:fld id="{96FB5D56-0812-4ED5-8B52-3D0DCBF578CB}" type="datetimeFigureOut">
               <a:rPr lang="en-US" smtClean="0"/>
-              <a:t>2/4/2018</a:t>
+              <a:t>3/3/2018</a:t>
             </a:fld>
             <a:endParaRPr lang="en-US"/>
           </a:p>
@@ -6478,7 +6421,7 @@
           <a:p>
             <a:fld id="{96FB5D56-0812-4ED5-8B52-3D0DCBF578CB}" type="datetimeFigureOut">
               <a:rPr lang="en-US" smtClean="0"/>
-              <a:t>2/4/2018</a:t>
+              <a:t>3/3/2018</a:t>
             </a:fld>
             <a:endParaRPr lang="en-US"/>
           </a:p>
@@ -6658,7 +6601,7 @@
           <a:p>
             <a:fld id="{96FB5D56-0812-4ED5-8B52-3D0DCBF578CB}" type="datetimeFigureOut">
               <a:rPr lang="en-US" smtClean="0"/>
-              <a:t>2/4/2018</a:t>
+              <a:t>3/3/2018</a:t>
             </a:fld>
             <a:endParaRPr lang="en-US"/>
           </a:p>
@@ -6828,7 +6771,7 @@
           <a:p>
             <a:fld id="{96FB5D56-0812-4ED5-8B52-3D0DCBF578CB}" type="datetimeFigureOut">
               <a:rPr lang="en-US" smtClean="0"/>
-              <a:t>2/4/2018</a:t>
+              <a:t>3/3/2018</a:t>
             </a:fld>
             <a:endParaRPr lang="en-US"/>
           </a:p>
@@ -7075,7 +7018,7 @@
           <a:p>
             <a:fld id="{96FB5D56-0812-4ED5-8B52-3D0DCBF578CB}" type="datetimeFigureOut">
               <a:rPr lang="en-US" smtClean="0"/>
-              <a:t>2/4/2018</a:t>
+              <a:t>3/3/2018</a:t>
             </a:fld>
             <a:endParaRPr lang="en-US"/>
           </a:p>
@@ -7367,7 +7310,7 @@
           <a:p>
             <a:fld id="{96FB5D56-0812-4ED5-8B52-3D0DCBF578CB}" type="datetimeFigureOut">
               <a:rPr lang="en-US" smtClean="0"/>
-              <a:t>2/4/2018</a:t>
+              <a:t>3/3/2018</a:t>
             </a:fld>
             <a:endParaRPr lang="en-US"/>
           </a:p>
@@ -7811,7 +7754,7 @@
           <a:p>
             <a:fld id="{96FB5D56-0812-4ED5-8B52-3D0DCBF578CB}" type="datetimeFigureOut">
               <a:rPr lang="en-US" smtClean="0"/>
-              <a:t>2/4/2018</a:t>
+              <a:t>3/3/2018</a:t>
             </a:fld>
             <a:endParaRPr lang="en-US"/>
           </a:p>
@@ -7929,7 +7872,7 @@
           <a:p>
             <a:fld id="{96FB5D56-0812-4ED5-8B52-3D0DCBF578CB}" type="datetimeFigureOut">
               <a:rPr lang="en-US" smtClean="0"/>
-              <a:t>2/4/2018</a:t>
+              <a:t>3/3/2018</a:t>
             </a:fld>
             <a:endParaRPr lang="en-US"/>
           </a:p>
@@ -8024,7 +7967,7 @@
           <a:p>
             <a:fld id="{96FB5D56-0812-4ED5-8B52-3D0DCBF578CB}" type="datetimeFigureOut">
               <a:rPr lang="en-US" smtClean="0"/>
-              <a:t>2/4/2018</a:t>
+              <a:t>3/3/2018</a:t>
             </a:fld>
             <a:endParaRPr lang="en-US"/>
           </a:p>
@@ -8303,7 +8246,7 @@
           <a:p>
             <a:fld id="{96FB5D56-0812-4ED5-8B52-3D0DCBF578CB}" type="datetimeFigureOut">
               <a:rPr lang="en-US" smtClean="0"/>
-              <a:t>2/4/2018</a:t>
+              <a:t>3/3/2018</a:t>
             </a:fld>
             <a:endParaRPr lang="en-US"/>
           </a:p>
@@ -8578,7 +8521,7 @@
           <a:p>
             <a:fld id="{96FB5D56-0812-4ED5-8B52-3D0DCBF578CB}" type="datetimeFigureOut">
               <a:rPr lang="en-US" smtClean="0"/>
-              <a:t>2/4/2018</a:t>
+              <a:t>3/3/2018</a:t>
             </a:fld>
             <a:endParaRPr lang="en-US"/>
           </a:p>
@@ -9007,7 +8950,7 @@
           <a:p>
             <a:fld id="{96FB5D56-0812-4ED5-8B52-3D0DCBF578CB}" type="datetimeFigureOut">
               <a:rPr lang="en-US" smtClean="0"/>
-              <a:t>2/4/2018</a:t>
+              <a:t>3/3/2018</a:t>
             </a:fld>
             <a:endParaRPr lang="en-US"/>
           </a:p>
@@ -9645,6 +9588,407 @@
           <a:p>
             <a:r>
               <a:rPr lang="en-US" dirty="0" smtClean="0"/>
+              <a:t>Images</a:t>
+            </a:r>
+            <a:endParaRPr lang="en-US" dirty="0"/>
+          </a:p>
+        </p:txBody>
+      </p:sp>
+      <p:sp>
+        <p:nvSpPr>
+          <p:cNvPr id="3" name="Content Placeholder 2"/>
+          <p:cNvSpPr>
+            <a:spLocks noGrp="1"/>
+          </p:cNvSpPr>
+          <p:nvPr>
+            <p:ph sz="half" idx="1"/>
+          </p:nvPr>
+        </p:nvSpPr>
+        <p:spPr/>
+        <p:txBody>
+          <a:bodyPr>
+            <a:normAutofit lnSpcReduction="10000"/>
+          </a:bodyPr>
+          <a:lstStyle/>
+          <a:p>
+            <a:r>
+              <a:rPr lang="en-US" sz="1800" dirty="0" smtClean="0"/>
+              <a:t>Represented by the </a:t>
+            </a:r>
+            <a:r>
+              <a:rPr lang="en-US" sz="1800" dirty="0" err="1" smtClean="0"/>
+              <a:t>img</a:t>
+            </a:r>
+            <a:r>
+              <a:rPr lang="en-US" sz="1800" dirty="0" smtClean="0"/>
+              <a:t> element</a:t>
+            </a:r>
+          </a:p>
+          <a:p>
+            <a:r>
+              <a:rPr lang="en-US" sz="1800" dirty="0" smtClean="0"/>
+              <a:t>Attributes:</a:t>
+            </a:r>
+          </a:p>
+          <a:p>
+            <a:pPr lvl="1"/>
+            <a:r>
+              <a:rPr lang="en-US" dirty="0" err="1"/>
+              <a:t>s</a:t>
+            </a:r>
+            <a:r>
+              <a:rPr lang="en-US" dirty="0" err="1" smtClean="0"/>
+              <a:t>rc</a:t>
+            </a:r>
+            <a:endParaRPr lang="en-US" dirty="0" smtClean="0"/>
+          </a:p>
+          <a:p>
+            <a:pPr lvl="1"/>
+            <a:r>
+              <a:rPr lang="en-US" dirty="0" smtClean="0"/>
+              <a:t>alt</a:t>
+            </a:r>
+          </a:p>
+          <a:p>
+            <a:pPr lvl="1"/>
+            <a:r>
+              <a:rPr lang="en-US" dirty="0"/>
+              <a:t>w</a:t>
+            </a:r>
+            <a:r>
+              <a:rPr lang="en-US" dirty="0" smtClean="0"/>
+              <a:t>idth</a:t>
+            </a:r>
+          </a:p>
+          <a:p>
+            <a:pPr lvl="1"/>
+            <a:r>
+              <a:rPr lang="en-US" dirty="0"/>
+              <a:t>h</a:t>
+            </a:r>
+            <a:r>
+              <a:rPr lang="en-US" dirty="0" smtClean="0"/>
+              <a:t>eight</a:t>
+            </a:r>
+          </a:p>
+          <a:p>
+            <a:pPr lvl="1"/>
+            <a:r>
+              <a:rPr lang="en-US" dirty="0"/>
+              <a:t>s</a:t>
+            </a:r>
+            <a:r>
+              <a:rPr lang="en-US" dirty="0" smtClean="0"/>
+              <a:t>tyle</a:t>
+            </a:r>
+          </a:p>
+          <a:p>
+            <a:pPr lvl="1"/>
+            <a:r>
+              <a:rPr lang="en-US" dirty="0" err="1" smtClean="0"/>
+              <a:t>Usemap</a:t>
+            </a:r>
+            <a:endParaRPr lang="en-US" dirty="0" smtClean="0"/>
+          </a:p>
+          <a:p>
+            <a:pPr marL="274320" lvl="1" indent="0">
+              <a:buNone/>
+            </a:pPr>
+            <a:endParaRPr lang="en-US" dirty="0" smtClean="0"/>
+          </a:p>
+          <a:p>
+            <a:pPr marL="45720" indent="0">
+              <a:spcBef>
+                <a:spcPts val="100"/>
+              </a:spcBef>
+              <a:buNone/>
+            </a:pPr>
+            <a:r>
+              <a:rPr lang="en-US" sz="1800" dirty="0" smtClean="0"/>
+              <a:t>Example:</a:t>
+            </a:r>
+          </a:p>
+          <a:p>
+            <a:pPr marL="45720" indent="0">
+              <a:spcBef>
+                <a:spcPts val="100"/>
+              </a:spcBef>
+              <a:buNone/>
+            </a:pPr>
+            <a:r>
+              <a:rPr lang="en-US" sz="1800" dirty="0" smtClean="0"/>
+              <a:t>&lt;</a:t>
+            </a:r>
+            <a:r>
+              <a:rPr lang="en-US" sz="1800" dirty="0" err="1" smtClean="0"/>
+              <a:t>img</a:t>
+            </a:r>
+            <a:r>
+              <a:rPr lang="en-US" sz="1800" dirty="0" smtClean="0"/>
+              <a:t> </a:t>
+            </a:r>
+            <a:r>
+              <a:rPr lang="en-US" sz="1800" dirty="0" err="1" smtClean="0"/>
+              <a:t>src</a:t>
+            </a:r>
+            <a:r>
+              <a:rPr lang="en-US" sz="1800" dirty="0" smtClean="0"/>
+              <a:t>=“logo.gif” alt=“my logo” style=“width:100px; height:100px;” /&gt;</a:t>
+            </a:r>
+            <a:endParaRPr lang="en-US" sz="1800" dirty="0"/>
+          </a:p>
+        </p:txBody>
+      </p:sp>
+      <p:pic>
+        <p:nvPicPr>
+          <p:cNvPr id="5" name="Content Placeholder 4"/>
+          <p:cNvPicPr>
+            <a:picLocks noGrp="1" noChangeAspect="1"/>
+          </p:cNvPicPr>
+          <p:nvPr>
+            <p:ph sz="half" idx="2"/>
+          </p:nvPr>
+        </p:nvPicPr>
+        <p:blipFill>
+          <a:blip r:embed="rId3">
+            <a:extLst>
+              <a:ext uri="{28A0092B-C50C-407E-A947-70E740481C1C}">
+                <a14:useLocalDpi xmlns:a14="http://schemas.microsoft.com/office/drawing/2010/main" val="0"/>
+              </a:ext>
+            </a:extLst>
+          </a:blip>
+          <a:stretch>
+            <a:fillRect/>
+          </a:stretch>
+        </p:blipFill>
+        <p:spPr>
+          <a:xfrm>
+            <a:off x="5654675" y="2266916"/>
+            <a:ext cx="4395788" cy="3778319"/>
+          </a:xfrm>
+        </p:spPr>
+      </p:pic>
+    </p:spTree>
+    <p:extLst>
+      <p:ext uri="{BB962C8B-B14F-4D97-AF65-F5344CB8AC3E}">
+        <p14:creationId xmlns:p14="http://schemas.microsoft.com/office/powerpoint/2010/main" val="2977903078"/>
+      </p:ext>
+    </p:extLst>
+  </p:cSld>
+  <p:clrMapOvr>
+    <a:masterClrMapping/>
+  </p:clrMapOvr>
+</p:sld>
+</file>
+
+<file path=ppt/slides/slide11.xml><?xml version="1.0" encoding="utf-8"?>
+<p:sld xmlns:a="http://schemas.openxmlformats.org/drawingml/2006/main" xmlns:r="http://schemas.openxmlformats.org/officeDocument/2006/relationships" xmlns:p="http://schemas.openxmlformats.org/presentationml/2006/main">
+  <p:cSld>
+    <p:spTree>
+      <p:nvGrpSpPr>
+        <p:cNvPr id="1" name=""/>
+        <p:cNvGrpSpPr/>
+        <p:nvPr/>
+      </p:nvGrpSpPr>
+      <p:grpSpPr>
+        <a:xfrm>
+          <a:off x="0" y="0"/>
+          <a:ext cx="0" cy="0"/>
+          <a:chOff x="0" y="0"/>
+          <a:chExt cx="0" cy="0"/>
+        </a:xfrm>
+      </p:grpSpPr>
+      <p:sp>
+        <p:nvSpPr>
+          <p:cNvPr id="2" name="Title 1"/>
+          <p:cNvSpPr>
+            <a:spLocks noGrp="1"/>
+          </p:cNvSpPr>
+          <p:nvPr>
+            <p:ph type="title"/>
+          </p:nvPr>
+        </p:nvSpPr>
+        <p:spPr/>
+        <p:txBody>
+          <a:bodyPr/>
+          <a:lstStyle/>
+          <a:p>
+            <a:r>
+              <a:rPr lang="en-US" dirty="0" smtClean="0"/>
+              <a:t>Semantic Elements</a:t>
+            </a:r>
+            <a:endParaRPr lang="en-US" dirty="0"/>
+          </a:p>
+        </p:txBody>
+      </p:sp>
+      <p:sp>
+        <p:nvSpPr>
+          <p:cNvPr id="3" name="Content Placeholder 2"/>
+          <p:cNvSpPr>
+            <a:spLocks noGrp="1"/>
+          </p:cNvSpPr>
+          <p:nvPr>
+            <p:ph sz="half" idx="1"/>
+          </p:nvPr>
+        </p:nvSpPr>
+        <p:spPr/>
+        <p:txBody>
+          <a:bodyPr>
+            <a:normAutofit/>
+          </a:bodyPr>
+          <a:lstStyle/>
+          <a:p>
+            <a:r>
+              <a:rPr lang="en-US" sz="2800" dirty="0" smtClean="0"/>
+              <a:t>article</a:t>
+            </a:r>
+          </a:p>
+          <a:p>
+            <a:r>
+              <a:rPr lang="en-US" sz="2800" dirty="0" smtClean="0"/>
+              <a:t>aside</a:t>
+            </a:r>
+          </a:p>
+          <a:p>
+            <a:r>
+              <a:rPr lang="en-US" sz="2800" dirty="0" smtClean="0"/>
+              <a:t>details</a:t>
+            </a:r>
+          </a:p>
+          <a:p>
+            <a:r>
+              <a:rPr lang="en-US" sz="2800" dirty="0" err="1" smtClean="0"/>
+              <a:t>figcaption</a:t>
+            </a:r>
+            <a:endParaRPr lang="en-US" sz="2800" dirty="0" smtClean="0"/>
+          </a:p>
+          <a:p>
+            <a:r>
+              <a:rPr lang="en-US" sz="2800" dirty="0" smtClean="0"/>
+              <a:t>figure</a:t>
+            </a:r>
+          </a:p>
+          <a:p>
+            <a:r>
+              <a:rPr lang="en-US" sz="2800" dirty="0" smtClean="0"/>
+              <a:t>footer</a:t>
+            </a:r>
+          </a:p>
+          <a:p>
+            <a:r>
+              <a:rPr lang="en-US" sz="2800" dirty="0" smtClean="0"/>
+              <a:t>header</a:t>
+            </a:r>
+          </a:p>
+          <a:p>
+            <a:endParaRPr lang="en-US" dirty="0"/>
+          </a:p>
+        </p:txBody>
+      </p:sp>
+      <p:sp>
+        <p:nvSpPr>
+          <p:cNvPr id="4" name="Content Placeholder 3"/>
+          <p:cNvSpPr>
+            <a:spLocks noGrp="1"/>
+          </p:cNvSpPr>
+          <p:nvPr>
+            <p:ph sz="half" idx="2"/>
+          </p:nvPr>
+        </p:nvSpPr>
+        <p:spPr/>
+        <p:txBody>
+          <a:bodyPr/>
+          <a:lstStyle/>
+          <a:p>
+            <a:r>
+              <a:rPr lang="en-US" sz="2800" dirty="0" smtClean="0"/>
+              <a:t>mark</a:t>
+            </a:r>
+          </a:p>
+          <a:p>
+            <a:r>
+              <a:rPr lang="en-US" sz="2800" dirty="0" err="1" smtClean="0"/>
+              <a:t>nav</a:t>
+            </a:r>
+            <a:endParaRPr lang="en-US" sz="2800" dirty="0" smtClean="0"/>
+          </a:p>
+          <a:p>
+            <a:r>
+              <a:rPr lang="en-US" sz="2800" dirty="0" smtClean="0"/>
+              <a:t>section</a:t>
+            </a:r>
+          </a:p>
+          <a:p>
+            <a:r>
+              <a:rPr lang="en-US" sz="2800" dirty="0" smtClean="0"/>
+              <a:t>summary</a:t>
+            </a:r>
+          </a:p>
+          <a:p>
+            <a:r>
+              <a:rPr lang="en-US" sz="2800" dirty="0" smtClean="0"/>
+              <a:t>Time</a:t>
+            </a:r>
+            <a:endParaRPr lang="en-US" sz="2800" dirty="0"/>
+          </a:p>
+          <a:p>
+            <a:r>
+              <a:rPr lang="en-US" sz="2800" dirty="0"/>
+              <a:t>main</a:t>
+            </a:r>
+          </a:p>
+          <a:p>
+            <a:endParaRPr lang="en-US" dirty="0"/>
+          </a:p>
+        </p:txBody>
+      </p:sp>
+    </p:spTree>
+    <p:extLst>
+      <p:ext uri="{BB962C8B-B14F-4D97-AF65-F5344CB8AC3E}">
+        <p14:creationId xmlns:p14="http://schemas.microsoft.com/office/powerpoint/2010/main" val="346751915"/>
+      </p:ext>
+    </p:extLst>
+  </p:cSld>
+  <p:clrMapOvr>
+    <a:masterClrMapping/>
+  </p:clrMapOvr>
+</p:sld>
+</file>
+
+<file path=ppt/slides/slide12.xml><?xml version="1.0" encoding="utf-8"?>
+<p:sld xmlns:a="http://schemas.openxmlformats.org/drawingml/2006/main" xmlns:r="http://schemas.openxmlformats.org/officeDocument/2006/relationships" xmlns:p="http://schemas.openxmlformats.org/presentationml/2006/main">
+  <p:cSld>
+    <p:spTree>
+      <p:nvGrpSpPr>
+        <p:cNvPr id="1" name=""/>
+        <p:cNvGrpSpPr/>
+        <p:nvPr/>
+      </p:nvGrpSpPr>
+      <p:grpSpPr>
+        <a:xfrm>
+          <a:off x="0" y="0"/>
+          <a:ext cx="0" cy="0"/>
+          <a:chOff x="0" y="0"/>
+          <a:chExt cx="0" cy="0"/>
+        </a:xfrm>
+      </p:grpSpPr>
+      <p:sp>
+        <p:nvSpPr>
+          <p:cNvPr id="2" name="Title 1"/>
+          <p:cNvSpPr>
+            <a:spLocks noGrp="1"/>
+          </p:cNvSpPr>
+          <p:nvPr>
+            <p:ph type="title"/>
+          </p:nvPr>
+        </p:nvSpPr>
+        <p:spPr/>
+        <p:txBody>
+          <a:bodyPr/>
+          <a:lstStyle/>
+          <a:p>
+            <a:r>
+              <a:rPr lang="en-US" dirty="0" smtClean="0"/>
               <a:t>EXAMPLE</a:t>
             </a:r>
             <a:endParaRPr lang="en-US" dirty="0"/>
@@ -9724,7 +10068,7 @@
 </p:sld>
 </file>
 
-<file path=ppt/slides/slide11.xml><?xml version="1.0" encoding="utf-8"?>
+<file path=ppt/slides/slide13.xml><?xml version="1.0" encoding="utf-8"?>
 <p:sld xmlns:a="http://schemas.openxmlformats.org/drawingml/2006/main" xmlns:r="http://schemas.openxmlformats.org/officeDocument/2006/relationships" xmlns:p="http://schemas.openxmlformats.org/presentationml/2006/main">
   <p:cSld>
     <p:spTree>
@@ -9845,7 +10189,7 @@
 </p:sld>
 </file>
 
-<file path=ppt/slides/slide12.xml><?xml version="1.0" encoding="utf-8"?>
+<file path=ppt/slides/slide14.xml><?xml version="1.0" encoding="utf-8"?>
 <p:sld xmlns:a="http://schemas.openxmlformats.org/drawingml/2006/main" xmlns:r="http://schemas.openxmlformats.org/officeDocument/2006/relationships" xmlns:p="http://schemas.openxmlformats.org/presentationml/2006/main">
   <p:cSld>
     <p:spTree>
@@ -9933,7 +10277,6 @@
               <a:rPr lang="en-US" sz="3200" dirty="0" smtClean="0"/>
               <a:t>Under the image add a paragraph tag describing the report.</a:t>
             </a:r>
-            <a:endParaRPr lang="en-US" sz="3200" dirty="0" smtClean="0"/>
           </a:p>
           <a:p>
             <a:pPr lvl="0"/>
@@ -9983,7 +10326,7 @@
 </p:sld>
 </file>
 
-<file path=ppt/slides/slide13.xml><?xml version="1.0" encoding="utf-8"?>
+<file path=ppt/slides/slide15.xml><?xml version="1.0" encoding="utf-8"?>
 <p:sld xmlns:a="http://schemas.openxmlformats.org/drawingml/2006/main" xmlns:r="http://schemas.openxmlformats.org/officeDocument/2006/relationships" xmlns:p="http://schemas.openxmlformats.org/presentationml/2006/main">
   <p:cSld>
     <p:spTree>
@@ -10096,7 +10439,11 @@
             <a:pPr lvl="1"/>
             <a:r>
               <a:rPr lang="en-US" dirty="0" smtClean="0"/>
-              <a:t>/Company/About.html</a:t>
+              <a:t>./</a:t>
+            </a:r>
+            <a:r>
+              <a:rPr lang="en-US" dirty="0" smtClean="0"/>
+              <a:t>Company/About.html</a:t>
             </a:r>
           </a:p>
           <a:p>
@@ -10184,7 +10531,7 @@
 </p:sld>
 </file>
 
-<file path=ppt/slides/slide14.xml><?xml version="1.0" encoding="utf-8"?>
+<file path=ppt/slides/slide16.xml><?xml version="1.0" encoding="utf-8"?>
 <p:sld xmlns:a="http://schemas.openxmlformats.org/drawingml/2006/main" xmlns:r="http://schemas.openxmlformats.org/officeDocument/2006/relationships" xmlns:p="http://schemas.openxmlformats.org/presentationml/2006/main">
   <p:cSld>
     <p:spTree>
@@ -10297,181 +10644,7 @@
 </p:sld>
 </file>
 
-<file path=ppt/slides/slide15.xml><?xml version="1.0" encoding="utf-8"?>
-<p:sld xmlns:a="http://schemas.openxmlformats.org/drawingml/2006/main" xmlns:r="http://schemas.openxmlformats.org/officeDocument/2006/relationships" xmlns:p="http://schemas.openxmlformats.org/presentationml/2006/main">
-  <p:cSld>
-    <p:spTree>
-      <p:nvGrpSpPr>
-        <p:cNvPr id="1" name=""/>
-        <p:cNvGrpSpPr/>
-        <p:nvPr/>
-      </p:nvGrpSpPr>
-      <p:grpSpPr>
-        <a:xfrm>
-          <a:off x="0" y="0"/>
-          <a:ext cx="0" cy="0"/>
-          <a:chOff x="0" y="0"/>
-          <a:chExt cx="0" cy="0"/>
-        </a:xfrm>
-      </p:grpSpPr>
-      <p:sp>
-        <p:nvSpPr>
-          <p:cNvPr id="2" name="Title 1"/>
-          <p:cNvSpPr>
-            <a:spLocks noGrp="1"/>
-          </p:cNvSpPr>
-          <p:nvPr>
-            <p:ph type="title"/>
-          </p:nvPr>
-        </p:nvSpPr>
-        <p:spPr/>
-        <p:txBody>
-          <a:bodyPr/>
-          <a:lstStyle/>
-          <a:p>
-            <a:r>
-              <a:rPr lang="en-US" dirty="0" smtClean="0"/>
-              <a:t>Semantic Elements</a:t>
-            </a:r>
-            <a:endParaRPr lang="en-US" dirty="0"/>
-          </a:p>
-        </p:txBody>
-      </p:sp>
-      <p:sp>
-        <p:nvSpPr>
-          <p:cNvPr id="3" name="Content Placeholder 2"/>
-          <p:cNvSpPr>
-            <a:spLocks noGrp="1"/>
-          </p:cNvSpPr>
-          <p:nvPr>
-            <p:ph sz="half" idx="1"/>
-          </p:nvPr>
-        </p:nvSpPr>
-        <p:spPr/>
-        <p:txBody>
-          <a:bodyPr>
-            <a:normAutofit/>
-          </a:bodyPr>
-          <a:lstStyle/>
-          <a:p>
-            <a:r>
-              <a:rPr lang="en-US" sz="2800" dirty="0" smtClean="0"/>
-              <a:t>article</a:t>
-            </a:r>
-          </a:p>
-          <a:p>
-            <a:r>
-              <a:rPr lang="en-US" sz="2800" dirty="0" smtClean="0"/>
-              <a:t>aside</a:t>
-            </a:r>
-          </a:p>
-          <a:p>
-            <a:r>
-              <a:rPr lang="en-US" sz="2800" dirty="0" smtClean="0"/>
-              <a:t>details</a:t>
-            </a:r>
-          </a:p>
-          <a:p>
-            <a:r>
-              <a:rPr lang="en-US" sz="2800" dirty="0" err="1" smtClean="0"/>
-              <a:t>figcaption</a:t>
-            </a:r>
-            <a:endParaRPr lang="en-US" sz="2800" dirty="0" smtClean="0"/>
-          </a:p>
-          <a:p>
-            <a:r>
-              <a:rPr lang="en-US" sz="2800" dirty="0" smtClean="0"/>
-              <a:t>figure</a:t>
-            </a:r>
-          </a:p>
-          <a:p>
-            <a:r>
-              <a:rPr lang="en-US" sz="2800" dirty="0" smtClean="0"/>
-              <a:t>footer</a:t>
-            </a:r>
-          </a:p>
-          <a:p>
-            <a:r>
-              <a:rPr lang="en-US" sz="2800" dirty="0" smtClean="0"/>
-              <a:t>header</a:t>
-            </a:r>
-          </a:p>
-          <a:p>
-            <a:endParaRPr lang="en-US" dirty="0"/>
-          </a:p>
-        </p:txBody>
-      </p:sp>
-      <p:sp>
-        <p:nvSpPr>
-          <p:cNvPr id="4" name="Content Placeholder 3"/>
-          <p:cNvSpPr>
-            <a:spLocks noGrp="1"/>
-          </p:cNvSpPr>
-          <p:nvPr>
-            <p:ph sz="half" idx="2"/>
-          </p:nvPr>
-        </p:nvSpPr>
-        <p:spPr/>
-        <p:txBody>
-          <a:bodyPr/>
-          <a:lstStyle/>
-          <a:p>
-            <a:r>
-              <a:rPr lang="en-US" sz="2800" dirty="0" smtClean="0"/>
-              <a:t>mark</a:t>
-            </a:r>
-          </a:p>
-          <a:p>
-            <a:r>
-              <a:rPr lang="en-US" sz="2800" dirty="0" err="1" smtClean="0"/>
-              <a:t>nav</a:t>
-            </a:r>
-            <a:endParaRPr lang="en-US" sz="2800" dirty="0" smtClean="0"/>
-          </a:p>
-          <a:p>
-            <a:r>
-              <a:rPr lang="en-US" sz="2800" dirty="0" smtClean="0"/>
-              <a:t>section</a:t>
-            </a:r>
-          </a:p>
-          <a:p>
-            <a:r>
-              <a:rPr lang="en-US" sz="2800" dirty="0" smtClean="0"/>
-              <a:t>summary</a:t>
-            </a:r>
-          </a:p>
-          <a:p>
-            <a:r>
-              <a:rPr lang="en-US" sz="2800" dirty="0" smtClean="0"/>
-              <a:t>Time</a:t>
-            </a:r>
-            <a:endParaRPr lang="en-US" sz="2800" dirty="0"/>
-          </a:p>
-          <a:p>
-            <a:r>
-              <a:rPr lang="en-US" sz="2800" dirty="0"/>
-              <a:t>main</a:t>
-            </a:r>
-          </a:p>
-          <a:p>
-            <a:endParaRPr lang="en-US" dirty="0"/>
-          </a:p>
-        </p:txBody>
-      </p:sp>
-    </p:spTree>
-    <p:extLst>
-      <p:ext uri="{BB962C8B-B14F-4D97-AF65-F5344CB8AC3E}">
-        <p14:creationId xmlns:p14="http://schemas.microsoft.com/office/powerpoint/2010/main" val="346751915"/>
-      </p:ext>
-    </p:extLst>
-  </p:cSld>
-  <p:clrMapOvr>
-    <a:masterClrMapping/>
-  </p:clrMapOvr>
-</p:sld>
-</file>
-
-<file path=ppt/slides/slide16.xml><?xml version="1.0" encoding="utf-8"?>
+<file path=ppt/slides/slide17.xml><?xml version="1.0" encoding="utf-8"?>
 <p:sld xmlns:a="http://schemas.openxmlformats.org/drawingml/2006/main" xmlns:r="http://schemas.openxmlformats.org/officeDocument/2006/relationships" xmlns:p="http://schemas.openxmlformats.org/presentationml/2006/main">
   <p:cSld>
     <p:spTree>
@@ -10971,7 +11144,7 @@
 </p:sld>
 </file>
 
-<file path=ppt/slides/slide17.xml><?xml version="1.0" encoding="utf-8"?>
+<file path=ppt/slides/slide18.xml><?xml version="1.0" encoding="utf-8"?>
 <p:sld xmlns:a="http://schemas.openxmlformats.org/drawingml/2006/main" xmlns:r="http://schemas.openxmlformats.org/officeDocument/2006/relationships" xmlns:p="http://schemas.openxmlformats.org/presentationml/2006/main">
   <p:cSld>
     <p:spTree>
@@ -11084,149 +11257,6 @@
 </p:sld>
 </file>
 
-<file path=ppt/slides/slide18.xml><?xml version="1.0" encoding="utf-8"?>
-<p:sld xmlns:a="http://schemas.openxmlformats.org/drawingml/2006/main" xmlns:r="http://schemas.openxmlformats.org/officeDocument/2006/relationships" xmlns:p="http://schemas.openxmlformats.org/presentationml/2006/main">
-  <p:cSld>
-    <p:spTree>
-      <p:nvGrpSpPr>
-        <p:cNvPr id="1" name=""/>
-        <p:cNvGrpSpPr/>
-        <p:nvPr/>
-      </p:nvGrpSpPr>
-      <p:grpSpPr>
-        <a:xfrm>
-          <a:off x="0" y="0"/>
-          <a:ext cx="0" cy="0"/>
-          <a:chOff x="0" y="0"/>
-          <a:chExt cx="0" cy="0"/>
-        </a:xfrm>
-      </p:grpSpPr>
-      <p:sp>
-        <p:nvSpPr>
-          <p:cNvPr id="2" name="Title 1"/>
-          <p:cNvSpPr>
-            <a:spLocks noGrp="1"/>
-          </p:cNvSpPr>
-          <p:nvPr>
-            <p:ph type="title"/>
-          </p:nvPr>
-        </p:nvSpPr>
-        <p:spPr/>
-        <p:txBody>
-          <a:bodyPr/>
-          <a:lstStyle/>
-          <a:p>
-            <a:r>
-              <a:rPr lang="en-US" dirty="0" smtClean="0"/>
-              <a:t>Form Elements</a:t>
-            </a:r>
-            <a:endParaRPr lang="en-US" dirty="0"/>
-          </a:p>
-        </p:txBody>
-      </p:sp>
-      <p:sp>
-        <p:nvSpPr>
-          <p:cNvPr id="3" name="Content Placeholder 2"/>
-          <p:cNvSpPr>
-            <a:spLocks noGrp="1"/>
-          </p:cNvSpPr>
-          <p:nvPr>
-            <p:ph idx="1"/>
-          </p:nvPr>
-        </p:nvSpPr>
-        <p:spPr/>
-        <p:txBody>
-          <a:bodyPr>
-            <a:normAutofit lnSpcReduction="10000"/>
-          </a:bodyPr>
-          <a:lstStyle/>
-          <a:p>
-            <a:r>
-              <a:rPr lang="en-US" sz="2400" dirty="0" smtClean="0"/>
-              <a:t>form</a:t>
-            </a:r>
-          </a:p>
-          <a:p>
-            <a:pPr lvl="1"/>
-            <a:r>
-              <a:rPr lang="en-US" sz="2400" dirty="0" smtClean="0"/>
-              <a:t>Attributes:  action, method, autocomplete, name, </a:t>
-            </a:r>
-            <a:r>
-              <a:rPr lang="en-US" sz="2400" dirty="0" err="1" smtClean="0"/>
-              <a:t>novalidate</a:t>
-            </a:r>
-            <a:r>
-              <a:rPr lang="en-US" sz="2400" dirty="0" smtClean="0"/>
-              <a:t>, target, accept-charset</a:t>
-            </a:r>
-          </a:p>
-          <a:p>
-            <a:pPr lvl="1"/>
-            <a:r>
-              <a:rPr lang="en-US" sz="2400" dirty="0" smtClean="0"/>
-              <a:t>Methods:  get, post</a:t>
-            </a:r>
-          </a:p>
-          <a:p>
-            <a:r>
-              <a:rPr lang="en-US" sz="2400" dirty="0" smtClean="0"/>
-              <a:t>Input</a:t>
-            </a:r>
-          </a:p>
-          <a:p>
-            <a:pPr lvl="1"/>
-            <a:r>
-              <a:rPr lang="en-US" sz="2400" dirty="0" smtClean="0"/>
-              <a:t>Attributes:  type, name, value</a:t>
-            </a:r>
-          </a:p>
-          <a:p>
-            <a:pPr lvl="1"/>
-            <a:r>
-              <a:rPr lang="en-US" sz="2400" dirty="0" smtClean="0"/>
-              <a:t>Types:  text, radio, checkbox, </a:t>
-            </a:r>
-            <a:r>
-              <a:rPr lang="en-US" sz="2400" dirty="0" smtClean="0"/>
-              <a:t>submit, select</a:t>
-            </a:r>
-            <a:endParaRPr lang="en-US" sz="2400" dirty="0" smtClean="0"/>
-          </a:p>
-          <a:p>
-            <a:r>
-              <a:rPr lang="en-US" sz="2400" dirty="0" err="1" smtClean="0"/>
-              <a:t>fieldset</a:t>
-            </a:r>
-            <a:endParaRPr lang="en-US" sz="2400" dirty="0" smtClean="0"/>
-          </a:p>
-          <a:p>
-            <a:r>
-              <a:rPr lang="en-US" sz="2400" dirty="0" smtClean="0"/>
-              <a:t>legend</a:t>
-            </a:r>
-          </a:p>
-          <a:p>
-            <a:endParaRPr lang="en-US" dirty="0" smtClean="0"/>
-          </a:p>
-          <a:p>
-            <a:endParaRPr lang="en-US" dirty="0"/>
-          </a:p>
-        </p:txBody>
-      </p:sp>
-    </p:spTree>
-    <p:extLst>
-      <p:ext uri="{BB962C8B-B14F-4D97-AF65-F5344CB8AC3E}">
-        <p14:creationId xmlns:p14="http://schemas.microsoft.com/office/powerpoint/2010/main" val="3746883367"/>
-      </p:ext>
-    </p:extLst>
-  </p:cSld>
-  <p:clrMapOvr>
-    <a:masterClrMapping/>
-  </p:clrMapOvr>
-</p:sld>
-</file>
-
 <file path=ppt/slides/slide19.xml><?xml version="1.0" encoding="utf-8"?>
 <p:sld xmlns:a="http://schemas.openxmlformats.org/drawingml/2006/main" xmlns:r="http://schemas.openxmlformats.org/officeDocument/2006/relationships" xmlns:p="http://schemas.openxmlformats.org/presentationml/2006/main">
   <p:cSld>
@@ -11261,7 +11291,7 @@
           <a:p>
             <a:r>
               <a:rPr lang="en-US" dirty="0" smtClean="0"/>
-              <a:t>Forms</a:t>
+              <a:t>Form Elements</a:t>
             </a:r>
             <a:endParaRPr lang="en-US" dirty="0"/>
           </a:p>
@@ -11280,228 +11310,82 @@
         <p:spPr/>
         <p:txBody>
           <a:bodyPr>
-            <a:noAutofit/>
+            <a:normAutofit lnSpcReduction="10000"/>
           </a:bodyPr>
           <a:lstStyle/>
           <a:p>
-            <a:pPr marL="45720" indent="0">
-              <a:spcBef>
-                <a:spcPts val="100"/>
-              </a:spcBef>
-              <a:buNone/>
-            </a:pPr>
             <a:r>
               <a:rPr lang="en-US" sz="2400" dirty="0" smtClean="0"/>
-              <a:t>Example:</a:t>
-            </a:r>
-          </a:p>
-          <a:p>
-            <a:pPr marL="45720" indent="0">
-              <a:spcBef>
-                <a:spcPts val="100"/>
-              </a:spcBef>
-              <a:buNone/>
-            </a:pPr>
+              <a:t>form</a:t>
+            </a:r>
+          </a:p>
+          <a:p>
+            <a:pPr lvl="1"/>
             <a:r>
               <a:rPr lang="en-US" sz="2400" dirty="0" smtClean="0"/>
-              <a:t>&lt;form action=“/formAction.html” method=“post”&gt;</a:t>
-            </a:r>
-          </a:p>
-          <a:p>
-            <a:pPr marL="45720" indent="0">
-              <a:spcBef>
-                <a:spcPts val="100"/>
-              </a:spcBef>
-              <a:buNone/>
-            </a:pPr>
-            <a:r>
-              <a:rPr lang="en-US" sz="2400" dirty="0"/>
-              <a:t> </a:t>
+              <a:t>Attributes:  action, method, autocomplete, name, </a:t>
+            </a:r>
+            <a:r>
+              <a:rPr lang="en-US" sz="2400" dirty="0" err="1" smtClean="0"/>
+              <a:t>novalidate</a:t>
             </a:r>
             <a:r>
               <a:rPr lang="en-US" sz="2400" dirty="0" smtClean="0"/>
-              <a:t> First Name:&lt;</a:t>
-            </a:r>
+              <a:t>, target, accept-charset</a:t>
+            </a:r>
+          </a:p>
+          <a:p>
+            <a:pPr lvl="1"/>
+            <a:r>
+              <a:rPr lang="en-US" sz="2400" dirty="0" smtClean="0"/>
+              <a:t>Methods:  get, post</a:t>
+            </a:r>
+          </a:p>
+          <a:p>
+            <a:r>
+              <a:rPr lang="en-US" sz="2400" dirty="0" smtClean="0"/>
+              <a:t>Input</a:t>
+            </a:r>
+          </a:p>
+          <a:p>
+            <a:pPr lvl="1"/>
+            <a:r>
+              <a:rPr lang="en-US" sz="2400" dirty="0" smtClean="0"/>
+              <a:t>Attributes:  type, name, value</a:t>
+            </a:r>
+          </a:p>
+          <a:p>
+            <a:pPr lvl="1"/>
+            <a:r>
+              <a:rPr lang="en-US" sz="2400" dirty="0" smtClean="0"/>
+              <a:t>Types:  text, radio, checkbox, submit, select</a:t>
+            </a:r>
+          </a:p>
+          <a:p>
             <a:r>
               <a:rPr lang="en-US" sz="2400" dirty="0" err="1" smtClean="0"/>
-              <a:t>br</a:t>
-            </a:r>
+              <a:t>fieldset</a:t>
+            </a:r>
+            <a:endParaRPr lang="en-US" sz="2400" dirty="0" smtClean="0"/>
+          </a:p>
+          <a:p>
             <a:r>
               <a:rPr lang="en-US" sz="2400" dirty="0" smtClean="0"/>
-              <a:t> /&gt;</a:t>
-            </a:r>
-          </a:p>
-          <a:p>
-            <a:pPr marL="45720" indent="0">
-              <a:spcBef>
-                <a:spcPts val="100"/>
-              </a:spcBef>
-              <a:buNone/>
-            </a:pPr>
-            <a:r>
-              <a:rPr lang="en-US" sz="2400" dirty="0"/>
-              <a:t> </a:t>
-            </a:r>
-            <a:r>
-              <a:rPr lang="en-US" sz="2400" dirty="0" smtClean="0"/>
-              <a:t> &lt;input type=“text” name=“</a:t>
-            </a:r>
-            <a:r>
-              <a:rPr lang="en-US" sz="2400" dirty="0" err="1" smtClean="0"/>
-              <a:t>firstName</a:t>
-            </a:r>
-            <a:r>
-              <a:rPr lang="en-US" sz="2400" dirty="0" smtClean="0"/>
-              <a:t>” value=“First” /&gt;</a:t>
-            </a:r>
-          </a:p>
-          <a:p>
-            <a:pPr marL="45720" indent="0">
-              <a:spcBef>
-                <a:spcPts val="100"/>
-              </a:spcBef>
-              <a:buNone/>
-            </a:pPr>
-            <a:r>
-              <a:rPr lang="en-US" sz="2400" dirty="0"/>
-              <a:t> </a:t>
-            </a:r>
-            <a:r>
-              <a:rPr lang="en-US" sz="2400" dirty="0" smtClean="0"/>
-              <a:t> Last Name:&lt;</a:t>
-            </a:r>
-            <a:r>
-              <a:rPr lang="en-US" sz="2400" dirty="0" err="1" smtClean="0"/>
-              <a:t>br</a:t>
-            </a:r>
-            <a:r>
-              <a:rPr lang="en-US" sz="2400" dirty="0" smtClean="0"/>
-              <a:t> /&gt;</a:t>
-            </a:r>
-          </a:p>
-          <a:p>
-            <a:pPr marL="45720" indent="0">
-              <a:spcBef>
-                <a:spcPts val="100"/>
-              </a:spcBef>
-              <a:buNone/>
-            </a:pPr>
-            <a:r>
-              <a:rPr lang="en-US" sz="2400" dirty="0" smtClean="0"/>
-              <a:t>  &lt;</a:t>
-            </a:r>
-            <a:r>
-              <a:rPr lang="en-US" sz="2400" dirty="0"/>
-              <a:t>input type=“text” name</a:t>
-            </a:r>
-            <a:r>
-              <a:rPr lang="en-US" sz="2400" dirty="0" smtClean="0"/>
-              <a:t>=“</a:t>
-            </a:r>
-            <a:r>
-              <a:rPr lang="en-US" sz="2400" dirty="0" err="1" smtClean="0"/>
-              <a:t>lastName</a:t>
-            </a:r>
-            <a:r>
-              <a:rPr lang="en-US" sz="2400" dirty="0"/>
-              <a:t>” value</a:t>
-            </a:r>
-            <a:r>
-              <a:rPr lang="en-US" sz="2400" dirty="0" smtClean="0"/>
-              <a:t>=“Last” /&gt;</a:t>
-            </a:r>
-          </a:p>
-          <a:p>
-            <a:pPr marL="45720" indent="0">
-              <a:spcBef>
-                <a:spcPts val="100"/>
-              </a:spcBef>
-              <a:buNone/>
-            </a:pPr>
-            <a:r>
-              <a:rPr lang="en-US" sz="2400" dirty="0"/>
-              <a:t> </a:t>
-            </a:r>
-            <a:r>
-              <a:rPr lang="en-US" sz="2400" dirty="0" smtClean="0"/>
-              <a:t> &lt;input type=“checkbox” name=“</a:t>
-            </a:r>
-            <a:r>
-              <a:rPr lang="en-US" sz="2400" dirty="0" err="1" smtClean="0"/>
-              <a:t>signUp</a:t>
-            </a:r>
-            <a:r>
-              <a:rPr lang="en-US" sz="2400" dirty="0" smtClean="0"/>
-              <a:t>” value=“</a:t>
-            </a:r>
-            <a:r>
-              <a:rPr lang="en-US" sz="2400" dirty="0" err="1" smtClean="0"/>
-              <a:t>SignedUp</a:t>
-            </a:r>
-            <a:r>
-              <a:rPr lang="en-US" sz="2400" dirty="0" smtClean="0"/>
-              <a:t>” /&gt;</a:t>
-            </a:r>
-          </a:p>
-          <a:p>
-            <a:pPr marL="45720" indent="0">
-              <a:spcBef>
-                <a:spcPts val="100"/>
-              </a:spcBef>
-              <a:buNone/>
-            </a:pPr>
-            <a:r>
-              <a:rPr lang="en-US" sz="2400" dirty="0"/>
-              <a:t> </a:t>
-            </a:r>
-            <a:r>
-              <a:rPr lang="en-US" sz="2400" dirty="0" smtClean="0"/>
-              <a:t> Sign Up?&lt;</a:t>
-            </a:r>
-            <a:r>
-              <a:rPr lang="en-US" sz="2400" dirty="0" err="1" smtClean="0"/>
-              <a:t>br</a:t>
-            </a:r>
-            <a:r>
-              <a:rPr lang="en-US" sz="2400" dirty="0" smtClean="0"/>
-              <a:t> /&gt;</a:t>
-            </a:r>
-          </a:p>
-          <a:p>
-            <a:pPr marL="45720" indent="0">
-              <a:spcBef>
-                <a:spcPts val="100"/>
-              </a:spcBef>
-              <a:buNone/>
-            </a:pPr>
-            <a:r>
-              <a:rPr lang="en-US" sz="2400" dirty="0"/>
-              <a:t> </a:t>
-            </a:r>
-            <a:r>
-              <a:rPr lang="en-US" sz="2400" dirty="0" smtClean="0"/>
-              <a:t> &lt;input type=“submit” value=“Submit” /&gt;</a:t>
-            </a:r>
-          </a:p>
-          <a:p>
-            <a:pPr marL="45720" indent="0">
-              <a:spcBef>
-                <a:spcPts val="100"/>
-              </a:spcBef>
-              <a:buNone/>
-            </a:pPr>
-            <a:r>
-              <a:rPr lang="en-US" sz="2400" dirty="0" smtClean="0"/>
-              <a:t>&lt;/form&gt;</a:t>
-            </a:r>
-            <a:endParaRPr lang="en-US" sz="2400" dirty="0"/>
+              <a:t>legend</a:t>
+            </a:r>
+          </a:p>
+          <a:p>
+            <a:endParaRPr lang="en-US" dirty="0" smtClean="0"/>
+          </a:p>
+          <a:p>
+            <a:endParaRPr lang="en-US" dirty="0"/>
           </a:p>
         </p:txBody>
       </p:sp>
     </p:spTree>
     <p:extLst>
       <p:ext uri="{BB962C8B-B14F-4D97-AF65-F5344CB8AC3E}">
-        <p14:creationId xmlns:p14="http://schemas.microsoft.com/office/powerpoint/2010/main" val="1243737899"/>
+        <p14:creationId xmlns:p14="http://schemas.microsoft.com/office/powerpoint/2010/main" val="3746883367"/>
       </p:ext>
     </p:extLst>
   </p:cSld>
@@ -11736,6 +11620,290 @@
 </file>
 
 <file path=ppt/slides/slide20.xml><?xml version="1.0" encoding="utf-8"?>
+<p:sld xmlns:a="http://schemas.openxmlformats.org/drawingml/2006/main" xmlns:r="http://schemas.openxmlformats.org/officeDocument/2006/relationships" xmlns:p="http://schemas.openxmlformats.org/presentationml/2006/main">
+  <p:cSld>
+    <p:spTree>
+      <p:nvGrpSpPr>
+        <p:cNvPr id="1" name=""/>
+        <p:cNvGrpSpPr/>
+        <p:nvPr/>
+      </p:nvGrpSpPr>
+      <p:grpSpPr>
+        <a:xfrm>
+          <a:off x="0" y="0"/>
+          <a:ext cx="0" cy="0"/>
+          <a:chOff x="0" y="0"/>
+          <a:chExt cx="0" cy="0"/>
+        </a:xfrm>
+      </p:grpSpPr>
+      <p:sp>
+        <p:nvSpPr>
+          <p:cNvPr id="2" name="Title 1"/>
+          <p:cNvSpPr>
+            <a:spLocks noGrp="1"/>
+          </p:cNvSpPr>
+          <p:nvPr>
+            <p:ph type="title"/>
+          </p:nvPr>
+        </p:nvSpPr>
+        <p:spPr/>
+        <p:txBody>
+          <a:bodyPr/>
+          <a:lstStyle/>
+          <a:p>
+            <a:r>
+              <a:rPr lang="en-US" dirty="0" smtClean="0"/>
+              <a:t>Forms</a:t>
+            </a:r>
+            <a:endParaRPr lang="en-US" dirty="0"/>
+          </a:p>
+        </p:txBody>
+      </p:sp>
+      <p:sp>
+        <p:nvSpPr>
+          <p:cNvPr id="3" name="Content Placeholder 2"/>
+          <p:cNvSpPr>
+            <a:spLocks noGrp="1"/>
+          </p:cNvSpPr>
+          <p:nvPr>
+            <p:ph idx="1"/>
+          </p:nvPr>
+        </p:nvSpPr>
+        <p:spPr/>
+        <p:txBody>
+          <a:bodyPr>
+            <a:noAutofit/>
+          </a:bodyPr>
+          <a:lstStyle/>
+          <a:p>
+            <a:pPr marL="45720" indent="0">
+              <a:spcBef>
+                <a:spcPts val="100"/>
+              </a:spcBef>
+              <a:buNone/>
+            </a:pPr>
+            <a:r>
+              <a:rPr lang="en-US" sz="2400" dirty="0" smtClean="0"/>
+              <a:t>Example:</a:t>
+            </a:r>
+          </a:p>
+          <a:p>
+            <a:pPr marL="45720" indent="0">
+              <a:spcBef>
+                <a:spcPts val="100"/>
+              </a:spcBef>
+              <a:buNone/>
+            </a:pPr>
+            <a:r>
+              <a:rPr lang="en-US" sz="2400" dirty="0" smtClean="0"/>
+              <a:t>&lt;form action=“/formAction.html” method=“post”&gt;</a:t>
+            </a:r>
+          </a:p>
+          <a:p>
+            <a:pPr marL="45720" indent="0">
+              <a:spcBef>
+                <a:spcPts val="100"/>
+              </a:spcBef>
+              <a:buNone/>
+            </a:pPr>
+            <a:r>
+              <a:rPr lang="en-US" sz="2400" dirty="0"/>
+              <a:t> </a:t>
+            </a:r>
+            <a:r>
+              <a:rPr lang="en-US" sz="2400" dirty="0" smtClean="0"/>
+              <a:t> First Name:&lt;</a:t>
+            </a:r>
+            <a:r>
+              <a:rPr lang="en-US" sz="2400" dirty="0" err="1" smtClean="0"/>
+              <a:t>br</a:t>
+            </a:r>
+            <a:r>
+              <a:rPr lang="en-US" sz="2400" dirty="0" smtClean="0"/>
+              <a:t> /&gt;</a:t>
+            </a:r>
+          </a:p>
+          <a:p>
+            <a:pPr marL="45720" indent="0">
+              <a:spcBef>
+                <a:spcPts val="100"/>
+              </a:spcBef>
+              <a:buNone/>
+            </a:pPr>
+            <a:r>
+              <a:rPr lang="en-US" sz="2400" dirty="0"/>
+              <a:t> </a:t>
+            </a:r>
+            <a:r>
+              <a:rPr lang="en-US" sz="2400" dirty="0" smtClean="0"/>
+              <a:t> &lt;input type=“text” name=“</a:t>
+            </a:r>
+            <a:r>
+              <a:rPr lang="en-US" sz="2400" dirty="0" err="1" smtClean="0"/>
+              <a:t>firstName</a:t>
+            </a:r>
+            <a:r>
+              <a:rPr lang="en-US" sz="2400" dirty="0" smtClean="0"/>
+              <a:t>” value=“First” /&gt;</a:t>
+            </a:r>
+          </a:p>
+          <a:p>
+            <a:pPr marL="45720" indent="0">
+              <a:spcBef>
+                <a:spcPts val="100"/>
+              </a:spcBef>
+              <a:buNone/>
+            </a:pPr>
+            <a:r>
+              <a:rPr lang="en-US" sz="2400" dirty="0"/>
+              <a:t> </a:t>
+            </a:r>
+            <a:r>
+              <a:rPr lang="en-US" sz="2400" dirty="0" smtClean="0"/>
+              <a:t> Last Name:&lt;</a:t>
+            </a:r>
+            <a:r>
+              <a:rPr lang="en-US" sz="2400" dirty="0" err="1" smtClean="0"/>
+              <a:t>br</a:t>
+            </a:r>
+            <a:r>
+              <a:rPr lang="en-US" sz="2400" dirty="0" smtClean="0"/>
+              <a:t> /&gt;</a:t>
+            </a:r>
+          </a:p>
+          <a:p>
+            <a:pPr marL="45720" indent="0">
+              <a:spcBef>
+                <a:spcPts val="100"/>
+              </a:spcBef>
+              <a:buNone/>
+            </a:pPr>
+            <a:r>
+              <a:rPr lang="en-US" sz="2400" dirty="0" smtClean="0"/>
+              <a:t>  &lt;</a:t>
+            </a:r>
+            <a:r>
+              <a:rPr lang="en-US" sz="2400" dirty="0"/>
+              <a:t>input type=“text” name</a:t>
+            </a:r>
+            <a:r>
+              <a:rPr lang="en-US" sz="2400" dirty="0" smtClean="0"/>
+              <a:t>=“</a:t>
+            </a:r>
+            <a:r>
+              <a:rPr lang="en-US" sz="2400" dirty="0" err="1" smtClean="0"/>
+              <a:t>lastName</a:t>
+            </a:r>
+            <a:r>
+              <a:rPr lang="en-US" sz="2400" dirty="0"/>
+              <a:t>” value</a:t>
+            </a:r>
+            <a:r>
+              <a:rPr lang="en-US" sz="2400" dirty="0" smtClean="0"/>
+              <a:t>=“Last” /&gt;</a:t>
+            </a:r>
+          </a:p>
+          <a:p>
+            <a:pPr marL="45720" indent="0">
+              <a:spcBef>
+                <a:spcPts val="100"/>
+              </a:spcBef>
+              <a:buNone/>
+            </a:pPr>
+            <a:r>
+              <a:rPr lang="en-US" sz="2400" dirty="0"/>
+              <a:t> </a:t>
+            </a:r>
+            <a:r>
+              <a:rPr lang="en-US" sz="2400" dirty="0" smtClean="0"/>
+              <a:t> &lt;input type=“checkbox” name=“</a:t>
+            </a:r>
+            <a:r>
+              <a:rPr lang="en-US" sz="2400" dirty="0" err="1" smtClean="0"/>
+              <a:t>signUp</a:t>
+            </a:r>
+            <a:r>
+              <a:rPr lang="en-US" sz="2400" dirty="0" smtClean="0"/>
+              <a:t>” value=“</a:t>
+            </a:r>
+            <a:r>
+              <a:rPr lang="en-US" sz="2400" dirty="0" err="1" smtClean="0"/>
+              <a:t>SignedUp</a:t>
+            </a:r>
+            <a:r>
+              <a:rPr lang="en-US" sz="2400" dirty="0" smtClean="0"/>
+              <a:t>” /&gt;</a:t>
+            </a:r>
+          </a:p>
+          <a:p>
+            <a:pPr marL="45720" indent="0">
+              <a:spcBef>
+                <a:spcPts val="100"/>
+              </a:spcBef>
+              <a:buNone/>
+            </a:pPr>
+            <a:r>
+              <a:rPr lang="en-US" sz="2400" dirty="0"/>
+              <a:t> </a:t>
+            </a:r>
+            <a:r>
+              <a:rPr lang="en-US" sz="2400" dirty="0" smtClean="0"/>
+              <a:t> Sign Up?&lt;</a:t>
+            </a:r>
+            <a:r>
+              <a:rPr lang="en-US" sz="2400" dirty="0" err="1" smtClean="0"/>
+              <a:t>br</a:t>
+            </a:r>
+            <a:r>
+              <a:rPr lang="en-US" sz="2400" dirty="0" smtClean="0"/>
+              <a:t> /&gt;</a:t>
+            </a:r>
+          </a:p>
+          <a:p>
+            <a:pPr marL="45720" indent="0">
+              <a:spcBef>
+                <a:spcPts val="100"/>
+              </a:spcBef>
+              <a:buNone/>
+            </a:pPr>
+            <a:r>
+              <a:rPr lang="en-US" sz="2400" dirty="0"/>
+              <a:t> </a:t>
+            </a:r>
+            <a:r>
+              <a:rPr lang="en-US" sz="2400" dirty="0" smtClean="0"/>
+              <a:t> &lt;input type=“submit” value=“Submit” /&gt;</a:t>
+            </a:r>
+          </a:p>
+          <a:p>
+            <a:pPr marL="45720" indent="0">
+              <a:spcBef>
+                <a:spcPts val="100"/>
+              </a:spcBef>
+              <a:buNone/>
+            </a:pPr>
+            <a:r>
+              <a:rPr lang="en-US" sz="2400" dirty="0" smtClean="0"/>
+              <a:t>&lt;/form&gt;</a:t>
+            </a:r>
+            <a:endParaRPr lang="en-US" sz="2400" dirty="0"/>
+          </a:p>
+        </p:txBody>
+      </p:sp>
+    </p:spTree>
+    <p:extLst>
+      <p:ext uri="{BB962C8B-B14F-4D97-AF65-F5344CB8AC3E}">
+        <p14:creationId xmlns:p14="http://schemas.microsoft.com/office/powerpoint/2010/main" val="1243737899"/>
+      </p:ext>
+    </p:extLst>
+  </p:cSld>
+  <p:clrMapOvr>
+    <a:masterClrMapping/>
+  </p:clrMapOvr>
+</p:sld>
+</file>
+
+<file path=ppt/slides/slide21.xml><?xml version="1.0" encoding="utf-8"?>
 <p:sld xmlns:a="http://schemas.openxmlformats.org/drawingml/2006/main" xmlns:r="http://schemas.openxmlformats.org/officeDocument/2006/relationships" xmlns:p="http://schemas.openxmlformats.org/presentationml/2006/main">
   <p:cSld>
     <p:spTree>
@@ -11848,7 +12016,7 @@
 </p:sld>
 </file>
 
-<file path=ppt/slides/slide21.xml><?xml version="1.0" encoding="utf-8"?>
+<file path=ppt/slides/slide22.xml><?xml version="1.0" encoding="utf-8"?>
 <p:sld xmlns:a="http://schemas.openxmlformats.org/drawingml/2006/main" xmlns:r="http://schemas.openxmlformats.org/officeDocument/2006/relationships" xmlns:p="http://schemas.openxmlformats.org/presentationml/2006/main">
   <p:cSld>
     <p:spTree>
@@ -11961,7 +12129,7 @@
 </p:sld>
 </file>
 
-<file path=ppt/slides/slide22.xml><?xml version="1.0" encoding="utf-8"?>
+<file path=ppt/slides/slide23.xml><?xml version="1.0" encoding="utf-8"?>
 <p:sld xmlns:a="http://schemas.openxmlformats.org/drawingml/2006/main" xmlns:r="http://schemas.openxmlformats.org/officeDocument/2006/relationships" xmlns:p="http://schemas.openxmlformats.org/presentationml/2006/main">
   <p:cSld>
     <p:spTree>
@@ -12057,7 +12225,6 @@
               <a:rPr lang="en-US" sz="3200" dirty="0" smtClean="0"/>
               <a:t>Under the table add a link to open the new page with text, “Add”.</a:t>
             </a:r>
-            <a:endParaRPr lang="en-US" sz="3200" dirty="0" smtClean="0"/>
           </a:p>
           <a:p>
             <a:pPr lvl="0"/>
@@ -12098,166 +12265,6 @@
     <p:extLst>
       <p:ext uri="{BB962C8B-B14F-4D97-AF65-F5344CB8AC3E}">
         <p14:creationId xmlns:p14="http://schemas.microsoft.com/office/powerpoint/2010/main" val="2060083904"/>
-      </p:ext>
-    </p:extLst>
-  </p:cSld>
-  <p:clrMapOvr>
-    <a:masterClrMapping/>
-  </p:clrMapOvr>
-</p:sld>
-</file>
-
-<file path=ppt/slides/slide23.xml><?xml version="1.0" encoding="utf-8"?>
-<p:sld xmlns:a="http://schemas.openxmlformats.org/drawingml/2006/main" xmlns:r="http://schemas.openxmlformats.org/officeDocument/2006/relationships" xmlns:p="http://schemas.openxmlformats.org/presentationml/2006/main">
-  <p:cSld>
-    <p:spTree>
-      <p:nvGrpSpPr>
-        <p:cNvPr id="1" name=""/>
-        <p:cNvGrpSpPr/>
-        <p:nvPr/>
-      </p:nvGrpSpPr>
-      <p:grpSpPr>
-        <a:xfrm>
-          <a:off x="0" y="0"/>
-          <a:ext cx="0" cy="0"/>
-          <a:chOff x="0" y="0"/>
-          <a:chExt cx="0" cy="0"/>
-        </a:xfrm>
-      </p:grpSpPr>
-      <p:sp>
-        <p:nvSpPr>
-          <p:cNvPr id="2" name="Title 1"/>
-          <p:cNvSpPr>
-            <a:spLocks noGrp="1"/>
-          </p:cNvSpPr>
-          <p:nvPr>
-            <p:ph type="title"/>
-          </p:nvPr>
-        </p:nvSpPr>
-        <p:spPr/>
-        <p:txBody>
-          <a:bodyPr/>
-          <a:lstStyle/>
-          <a:p>
-            <a:r>
-              <a:rPr lang="en-US" dirty="0" smtClean="0"/>
-              <a:t>Comments</a:t>
-            </a:r>
-            <a:endParaRPr lang="en-US" dirty="0"/>
-          </a:p>
-        </p:txBody>
-      </p:sp>
-      <p:sp>
-        <p:nvSpPr>
-          <p:cNvPr id="3" name="Content Placeholder 2"/>
-          <p:cNvSpPr>
-            <a:spLocks noGrp="1"/>
-          </p:cNvSpPr>
-          <p:nvPr>
-            <p:ph idx="1"/>
-          </p:nvPr>
-        </p:nvSpPr>
-        <p:spPr/>
-        <p:txBody>
-          <a:bodyPr>
-            <a:normAutofit/>
-          </a:bodyPr>
-          <a:lstStyle/>
-          <a:p>
-            <a:r>
-              <a:rPr lang="en-US" sz="2800" dirty="0" smtClean="0"/>
-              <a:t>Syntax:  &lt;!--  …  --&gt;</a:t>
-            </a:r>
-          </a:p>
-          <a:p>
-            <a:pPr marL="45720" indent="0">
-              <a:buNone/>
-            </a:pPr>
-            <a:endParaRPr lang="en-US" sz="2800" dirty="0"/>
-          </a:p>
-          <a:p>
-            <a:pPr marL="45720" indent="0">
-              <a:spcBef>
-                <a:spcPts val="100"/>
-              </a:spcBef>
-              <a:buNone/>
-            </a:pPr>
-            <a:r>
-              <a:rPr lang="en-US" sz="2800" dirty="0" smtClean="0"/>
-              <a:t>Example:</a:t>
-            </a:r>
-          </a:p>
-          <a:p>
-            <a:pPr marL="45720" indent="0">
-              <a:spcBef>
-                <a:spcPts val="100"/>
-              </a:spcBef>
-              <a:buNone/>
-            </a:pPr>
-            <a:r>
-              <a:rPr lang="en-US" sz="2800" dirty="0" smtClean="0"/>
-              <a:t>&lt;!– Comments here, everything commented until end comment</a:t>
-            </a:r>
-          </a:p>
-          <a:p>
-            <a:pPr marL="45720" indent="0">
-              <a:spcBef>
-                <a:spcPts val="100"/>
-              </a:spcBef>
-              <a:buNone/>
-            </a:pPr>
-            <a:r>
-              <a:rPr lang="en-US" sz="2800" dirty="0" smtClean="0"/>
-              <a:t>&lt;p&gt;</a:t>
-            </a:r>
-          </a:p>
-          <a:p>
-            <a:pPr marL="45720" indent="0">
-              <a:spcBef>
-                <a:spcPts val="100"/>
-              </a:spcBef>
-              <a:buNone/>
-            </a:pPr>
-            <a:r>
-              <a:rPr lang="en-US" sz="2800" dirty="0"/>
-              <a:t> </a:t>
-            </a:r>
-            <a:r>
-              <a:rPr lang="en-US" sz="2800" dirty="0" smtClean="0"/>
-              <a:t> Some text that won’t show up</a:t>
-            </a:r>
-          </a:p>
-          <a:p>
-            <a:pPr marL="45720" indent="0">
-              <a:spcBef>
-                <a:spcPts val="100"/>
-              </a:spcBef>
-              <a:buNone/>
-            </a:pPr>
-            <a:r>
-              <a:rPr lang="en-US" sz="2800" dirty="0" smtClean="0"/>
-              <a:t>&lt;/p&gt;</a:t>
-            </a:r>
-          </a:p>
-          <a:p>
-            <a:pPr marL="45720" indent="0">
-              <a:spcBef>
-                <a:spcPts val="100"/>
-              </a:spcBef>
-              <a:buNone/>
-            </a:pPr>
-            <a:r>
-              <a:rPr lang="en-US" sz="2800" dirty="0" smtClean="0"/>
-              <a:t>--&gt;</a:t>
-            </a:r>
-            <a:endParaRPr lang="en-US" sz="2800" dirty="0"/>
-          </a:p>
-        </p:txBody>
-      </p:sp>
-    </p:spTree>
-    <p:extLst>
-      <p:ext uri="{BB962C8B-B14F-4D97-AF65-F5344CB8AC3E}">
-        <p14:creationId xmlns:p14="http://schemas.microsoft.com/office/powerpoint/2010/main" val="222774906"/>
       </p:ext>
     </p:extLst>
   </p:cSld>
@@ -12715,8 +12722,8 @@
           <a:lstStyle/>
           <a:p>
             <a:r>
-              <a:rPr lang="en-US" dirty="0" err="1" smtClean="0"/>
-              <a:t>DocType</a:t>
+              <a:rPr lang="en-US" dirty="0" smtClean="0"/>
+              <a:t>Comments</a:t>
             </a:r>
             <a:endParaRPr lang="en-US" dirty="0"/>
           </a:p>
@@ -12740,82 +12747,99 @@
           <a:lstStyle/>
           <a:p>
             <a:r>
-              <a:rPr lang="en-US" sz="2400" dirty="0" smtClean="0"/>
-              <a:t>First in the HMTL file</a:t>
-            </a:r>
-          </a:p>
-          <a:p>
-            <a:r>
-              <a:rPr lang="en-US" sz="2400" dirty="0" smtClean="0"/>
-              <a:t>Instructs the browser the version of HTML that is used</a:t>
-            </a:r>
-          </a:p>
-          <a:p>
-            <a:r>
-              <a:rPr lang="en-US" sz="2400" dirty="0" smtClean="0"/>
-              <a:t>Types:</a:t>
-            </a:r>
-          </a:p>
-          <a:p>
-            <a:pPr lvl="1"/>
-            <a:r>
-              <a:rPr lang="en-US" sz="2400" dirty="0" smtClean="0"/>
-              <a:t>HTML 5</a:t>
-            </a:r>
-          </a:p>
-          <a:p>
-            <a:pPr lvl="1"/>
-            <a:r>
-              <a:rPr lang="en-US" sz="2400" dirty="0" smtClean="0"/>
-              <a:t>HTML 4.01 Transitional</a:t>
-            </a:r>
-          </a:p>
-          <a:p>
-            <a:pPr lvl="1"/>
-            <a:r>
-              <a:rPr lang="en-US" sz="2400" dirty="0" smtClean="0"/>
-              <a:t>HTML 4.01 Frameset</a:t>
-            </a:r>
-          </a:p>
-          <a:p>
-            <a:pPr lvl="1"/>
-            <a:r>
-              <a:rPr lang="en-US" sz="2400" dirty="0" err="1" smtClean="0"/>
-              <a:t>Etc</a:t>
-            </a:r>
-            <a:r>
-              <a:rPr lang="en-US" sz="2400" dirty="0" smtClean="0"/>
-              <a:t>…</a:t>
-            </a:r>
-          </a:p>
-          <a:p>
-            <a:r>
-              <a:rPr lang="en-US" sz="2400" dirty="0"/>
-              <a:t>Example:  </a:t>
-            </a:r>
-            <a:r>
-              <a:rPr lang="en-US" sz="2400" dirty="0">
-                <a:hlinkClick r:id="rId3"/>
-              </a:rPr>
-              <a:t>http://html.com/tags/doctype</a:t>
-            </a:r>
-            <a:r>
-              <a:rPr lang="en-US" sz="2400" dirty="0" smtClean="0">
-                <a:hlinkClick r:id="rId3"/>
-              </a:rPr>
-              <a:t>/</a:t>
-            </a:r>
-            <a:endParaRPr lang="en-US" sz="2400" dirty="0" smtClean="0"/>
-          </a:p>
-          <a:p>
-            <a:endParaRPr lang="en-US" dirty="0"/>
+              <a:rPr lang="en-US" sz="2800" dirty="0" smtClean="0"/>
+              <a:t>Syntax:  &lt;!--  …  --&gt;</a:t>
+            </a:r>
+          </a:p>
+          <a:p>
+            <a:pPr marL="45720" indent="0">
+              <a:buNone/>
+            </a:pPr>
+            <a:endParaRPr lang="en-US" sz="2800" dirty="0"/>
+          </a:p>
+          <a:p>
+            <a:pPr marL="45720" indent="0">
+              <a:spcBef>
+                <a:spcPts val="100"/>
+              </a:spcBef>
+              <a:buNone/>
+            </a:pPr>
+            <a:r>
+              <a:rPr lang="en-US" sz="2800" dirty="0" smtClean="0"/>
+              <a:t>Example:</a:t>
+            </a:r>
+          </a:p>
+          <a:p>
+            <a:pPr marL="45720" indent="0">
+              <a:spcBef>
+                <a:spcPts val="100"/>
+              </a:spcBef>
+              <a:buNone/>
+            </a:pPr>
+            <a:r>
+              <a:rPr lang="en-US" sz="2800" dirty="0" smtClean="0"/>
+              <a:t>&lt;!– Comments here, everything commented until end comment</a:t>
+            </a:r>
+          </a:p>
+          <a:p>
+            <a:pPr marL="45720" indent="0">
+              <a:spcBef>
+                <a:spcPts val="100"/>
+              </a:spcBef>
+              <a:buNone/>
+            </a:pPr>
+            <a:r>
+              <a:rPr lang="en-US" sz="2800" dirty="0" smtClean="0"/>
+              <a:t>&lt;p&gt;</a:t>
+            </a:r>
+          </a:p>
+          <a:p>
+            <a:pPr marL="45720" indent="0">
+              <a:spcBef>
+                <a:spcPts val="100"/>
+              </a:spcBef>
+              <a:buNone/>
+            </a:pPr>
+            <a:r>
+              <a:rPr lang="en-US" sz="2800" dirty="0"/>
+              <a:t> </a:t>
+            </a:r>
+            <a:r>
+              <a:rPr lang="en-US" sz="2800" dirty="0" smtClean="0"/>
+              <a:t> Some text that won’t show up</a:t>
+            </a:r>
+          </a:p>
+          <a:p>
+            <a:pPr marL="45720" indent="0">
+              <a:spcBef>
+                <a:spcPts val="100"/>
+              </a:spcBef>
+              <a:buNone/>
+            </a:pPr>
+            <a:r>
+              <a:rPr lang="en-US" sz="2800" dirty="0" smtClean="0"/>
+              <a:t>&lt;/p&gt;</a:t>
+            </a:r>
+          </a:p>
+          <a:p>
+            <a:pPr marL="45720" indent="0">
+              <a:spcBef>
+                <a:spcPts val="100"/>
+              </a:spcBef>
+              <a:buNone/>
+            </a:pPr>
+            <a:r>
+              <a:rPr lang="en-US" sz="2800" dirty="0" smtClean="0"/>
+              <a:t>--&gt;</a:t>
+            </a:r>
+            <a:endParaRPr lang="en-US" sz="2800" dirty="0"/>
           </a:p>
         </p:txBody>
       </p:sp>
     </p:spTree>
     <p:extLst>
       <p:ext uri="{BB962C8B-B14F-4D97-AF65-F5344CB8AC3E}">
-        <p14:creationId xmlns:p14="http://schemas.microsoft.com/office/powerpoint/2010/main" val="4137984679"/>
+        <p14:creationId xmlns:p14="http://schemas.microsoft.com/office/powerpoint/2010/main" val="222774906"/>
       </p:ext>
     </p:extLst>
   </p:cSld>
@@ -12858,6 +12882,149 @@
           <a:lstStyle/>
           <a:p>
             <a:r>
+              <a:rPr lang="en-US" dirty="0" err="1" smtClean="0"/>
+              <a:t>DocType</a:t>
+            </a:r>
+            <a:endParaRPr lang="en-US" dirty="0"/>
+          </a:p>
+        </p:txBody>
+      </p:sp>
+      <p:sp>
+        <p:nvSpPr>
+          <p:cNvPr id="3" name="Content Placeholder 2"/>
+          <p:cNvSpPr>
+            <a:spLocks noGrp="1"/>
+          </p:cNvSpPr>
+          <p:nvPr>
+            <p:ph idx="1"/>
+          </p:nvPr>
+        </p:nvSpPr>
+        <p:spPr/>
+        <p:txBody>
+          <a:bodyPr>
+            <a:normAutofit/>
+          </a:bodyPr>
+          <a:lstStyle/>
+          <a:p>
+            <a:r>
+              <a:rPr lang="en-US" sz="2400" dirty="0" smtClean="0"/>
+              <a:t>First in the HMTL file</a:t>
+            </a:r>
+          </a:p>
+          <a:p>
+            <a:r>
+              <a:rPr lang="en-US" sz="2400" dirty="0" smtClean="0"/>
+              <a:t>Instructs the browser the version of HTML that is used</a:t>
+            </a:r>
+          </a:p>
+          <a:p>
+            <a:r>
+              <a:rPr lang="en-US" sz="2400" dirty="0" smtClean="0"/>
+              <a:t>Types:</a:t>
+            </a:r>
+          </a:p>
+          <a:p>
+            <a:pPr lvl="1"/>
+            <a:r>
+              <a:rPr lang="en-US" sz="2400" dirty="0" smtClean="0"/>
+              <a:t>HTML 5</a:t>
+            </a:r>
+          </a:p>
+          <a:p>
+            <a:pPr lvl="1"/>
+            <a:r>
+              <a:rPr lang="en-US" sz="2400" dirty="0" smtClean="0"/>
+              <a:t>HTML 4.01 Transitional</a:t>
+            </a:r>
+          </a:p>
+          <a:p>
+            <a:pPr lvl="1"/>
+            <a:r>
+              <a:rPr lang="en-US" sz="2400" dirty="0" smtClean="0"/>
+              <a:t>HTML 4.01 Frameset</a:t>
+            </a:r>
+          </a:p>
+          <a:p>
+            <a:pPr lvl="1"/>
+            <a:r>
+              <a:rPr lang="en-US" sz="2400" dirty="0" err="1" smtClean="0"/>
+              <a:t>Etc</a:t>
+            </a:r>
+            <a:r>
+              <a:rPr lang="en-US" sz="2400" dirty="0" smtClean="0"/>
+              <a:t>…</a:t>
+            </a:r>
+          </a:p>
+          <a:p>
+            <a:r>
+              <a:rPr lang="en-US" sz="2400" dirty="0"/>
+              <a:t>Example:  </a:t>
+            </a:r>
+            <a:r>
+              <a:rPr lang="en-US" sz="2400" dirty="0">
+                <a:hlinkClick r:id="rId3"/>
+              </a:rPr>
+              <a:t>http://html.com/tags/doctype</a:t>
+            </a:r>
+            <a:r>
+              <a:rPr lang="en-US" sz="2400" dirty="0" smtClean="0">
+                <a:hlinkClick r:id="rId3"/>
+              </a:rPr>
+              <a:t>/</a:t>
+            </a:r>
+            <a:endParaRPr lang="en-US" sz="2400" dirty="0" smtClean="0"/>
+          </a:p>
+          <a:p>
+            <a:endParaRPr lang="en-US" dirty="0"/>
+          </a:p>
+        </p:txBody>
+      </p:sp>
+    </p:spTree>
+    <p:extLst>
+      <p:ext uri="{BB962C8B-B14F-4D97-AF65-F5344CB8AC3E}">
+        <p14:creationId xmlns:p14="http://schemas.microsoft.com/office/powerpoint/2010/main" val="4137984679"/>
+      </p:ext>
+    </p:extLst>
+  </p:cSld>
+  <p:clrMapOvr>
+    <a:masterClrMapping/>
+  </p:clrMapOvr>
+</p:sld>
+</file>
+
+<file path=ppt/slides/slide6.xml><?xml version="1.0" encoding="utf-8"?>
+<p:sld xmlns:a="http://schemas.openxmlformats.org/drawingml/2006/main" xmlns:r="http://schemas.openxmlformats.org/officeDocument/2006/relationships" xmlns:p="http://schemas.openxmlformats.org/presentationml/2006/main">
+  <p:cSld>
+    <p:spTree>
+      <p:nvGrpSpPr>
+        <p:cNvPr id="1" name=""/>
+        <p:cNvGrpSpPr/>
+        <p:nvPr/>
+      </p:nvGrpSpPr>
+      <p:grpSpPr>
+        <a:xfrm>
+          <a:off x="0" y="0"/>
+          <a:ext cx="0" cy="0"/>
+          <a:chOff x="0" y="0"/>
+          <a:chExt cx="0" cy="0"/>
+        </a:xfrm>
+      </p:grpSpPr>
+      <p:sp>
+        <p:nvSpPr>
+          <p:cNvPr id="2" name="Title 1"/>
+          <p:cNvSpPr>
+            <a:spLocks noGrp="1"/>
+          </p:cNvSpPr>
+          <p:nvPr>
+            <p:ph type="title"/>
+          </p:nvPr>
+        </p:nvSpPr>
+        <p:spPr/>
+        <p:txBody>
+          <a:bodyPr/>
+          <a:lstStyle/>
+          <a:p>
+            <a:r>
               <a:rPr lang="en-US" dirty="0" smtClean="0"/>
               <a:t>Basic Structure</a:t>
             </a:r>
@@ -13106,7 +13273,7 @@
 </p:sld>
 </file>
 
-<file path=ppt/slides/slide6.xml><?xml version="1.0" encoding="utf-8"?>
+<file path=ppt/slides/slide7.xml><?xml version="1.0" encoding="utf-8"?>
 <p:sld xmlns:a="http://schemas.openxmlformats.org/drawingml/2006/main" xmlns:r="http://schemas.openxmlformats.org/officeDocument/2006/relationships" xmlns:p="http://schemas.openxmlformats.org/presentationml/2006/main">
   <p:cSld>
     <p:spTree>
@@ -13219,7 +13386,7 @@
 </p:sld>
 </file>
 
-<file path=ppt/slides/slide7.xml><?xml version="1.0" encoding="utf-8"?>
+<file path=ppt/slides/slide8.xml><?xml version="1.0" encoding="utf-8"?>
 <p:sld xmlns:a="http://schemas.openxmlformats.org/drawingml/2006/main" xmlns:r="http://schemas.openxmlformats.org/officeDocument/2006/relationships" xmlns:p="http://schemas.openxmlformats.org/presentationml/2006/main">
   <p:cSld>
     <p:spTree>
@@ -13278,7 +13445,6 @@
               <a:rPr lang="en-US" dirty="0"/>
               <a:t>BASIC html STRUCTURE</a:t>
             </a:r>
-            <a:endParaRPr lang="en-US" dirty="0"/>
           </a:p>
         </p:txBody>
       </p:sp>
@@ -13332,7 +13498,7 @@
 </p:sld>
 </file>
 
-<file path=ppt/slides/slide8.xml><?xml version="1.0" encoding="utf-8"?>
+<file path=ppt/slides/slide9.xml><?xml version="1.0" encoding="utf-8"?>
 <p:sld xmlns:a="http://schemas.openxmlformats.org/drawingml/2006/main" xmlns:r="http://schemas.openxmlformats.org/officeDocument/2006/relationships" xmlns:p="http://schemas.openxmlformats.org/presentationml/2006/main">
   <p:cSld>
     <p:spTree>
@@ -13481,233 +13647,6 @@
     <p:extLst>
       <p:ext uri="{BB962C8B-B14F-4D97-AF65-F5344CB8AC3E}">
         <p14:creationId xmlns:p14="http://schemas.microsoft.com/office/powerpoint/2010/main" val="2650108362"/>
-      </p:ext>
-    </p:extLst>
-  </p:cSld>
-  <p:clrMapOvr>
-    <a:masterClrMapping/>
-  </p:clrMapOvr>
-</p:sld>
-</file>
-
-<file path=ppt/slides/slide9.xml><?xml version="1.0" encoding="utf-8"?>
-<p:sld xmlns:a="http://schemas.openxmlformats.org/drawingml/2006/main" xmlns:r="http://schemas.openxmlformats.org/officeDocument/2006/relationships" xmlns:p="http://schemas.openxmlformats.org/presentationml/2006/main">
-  <p:cSld>
-    <p:spTree>
-      <p:nvGrpSpPr>
-        <p:cNvPr id="1" name=""/>
-        <p:cNvGrpSpPr/>
-        <p:nvPr/>
-      </p:nvGrpSpPr>
-      <p:grpSpPr>
-        <a:xfrm>
-          <a:off x="0" y="0"/>
-          <a:ext cx="0" cy="0"/>
-          <a:chOff x="0" y="0"/>
-          <a:chExt cx="0" cy="0"/>
-        </a:xfrm>
-      </p:grpSpPr>
-      <p:sp>
-        <p:nvSpPr>
-          <p:cNvPr id="2" name="Title 1"/>
-          <p:cNvSpPr>
-            <a:spLocks noGrp="1"/>
-          </p:cNvSpPr>
-          <p:nvPr>
-            <p:ph type="title"/>
-          </p:nvPr>
-        </p:nvSpPr>
-        <p:spPr/>
-        <p:txBody>
-          <a:bodyPr/>
-          <a:lstStyle/>
-          <a:p>
-            <a:r>
-              <a:rPr lang="en-US" dirty="0" smtClean="0"/>
-              <a:t>Images</a:t>
-            </a:r>
-            <a:endParaRPr lang="en-US" dirty="0"/>
-          </a:p>
-        </p:txBody>
-      </p:sp>
-      <p:sp>
-        <p:nvSpPr>
-          <p:cNvPr id="3" name="Content Placeholder 2"/>
-          <p:cNvSpPr>
-            <a:spLocks noGrp="1"/>
-          </p:cNvSpPr>
-          <p:nvPr>
-            <p:ph sz="half" idx="1"/>
-          </p:nvPr>
-        </p:nvSpPr>
-        <p:spPr/>
-        <p:txBody>
-          <a:bodyPr>
-            <a:normAutofit lnSpcReduction="10000"/>
-          </a:bodyPr>
-          <a:lstStyle/>
-          <a:p>
-            <a:r>
-              <a:rPr lang="en-US" sz="1800" dirty="0" smtClean="0"/>
-              <a:t>Represented by the </a:t>
-            </a:r>
-            <a:r>
-              <a:rPr lang="en-US" sz="1800" dirty="0" err="1" smtClean="0"/>
-              <a:t>img</a:t>
-            </a:r>
-            <a:r>
-              <a:rPr lang="en-US" sz="1800" dirty="0" smtClean="0"/>
-              <a:t> element</a:t>
-            </a:r>
-          </a:p>
-          <a:p>
-            <a:r>
-              <a:rPr lang="en-US" sz="1800" dirty="0" smtClean="0"/>
-              <a:t>Attributes:</a:t>
-            </a:r>
-          </a:p>
-          <a:p>
-            <a:pPr lvl="1"/>
-            <a:r>
-              <a:rPr lang="en-US" dirty="0" err="1"/>
-              <a:t>s</a:t>
-            </a:r>
-            <a:r>
-              <a:rPr lang="en-US" dirty="0" err="1" smtClean="0"/>
-              <a:t>rc</a:t>
-            </a:r>
-            <a:endParaRPr lang="en-US" dirty="0" smtClean="0"/>
-          </a:p>
-          <a:p>
-            <a:pPr lvl="1"/>
-            <a:r>
-              <a:rPr lang="en-US" dirty="0" smtClean="0"/>
-              <a:t>alt</a:t>
-            </a:r>
-          </a:p>
-          <a:p>
-            <a:pPr lvl="1"/>
-            <a:r>
-              <a:rPr lang="en-US" dirty="0"/>
-              <a:t>w</a:t>
-            </a:r>
-            <a:r>
-              <a:rPr lang="en-US" dirty="0" smtClean="0"/>
-              <a:t>idth</a:t>
-            </a:r>
-          </a:p>
-          <a:p>
-            <a:pPr lvl="1"/>
-            <a:r>
-              <a:rPr lang="en-US" dirty="0"/>
-              <a:t>h</a:t>
-            </a:r>
-            <a:r>
-              <a:rPr lang="en-US" dirty="0" smtClean="0"/>
-              <a:t>eight</a:t>
-            </a:r>
-          </a:p>
-          <a:p>
-            <a:pPr lvl="1"/>
-            <a:r>
-              <a:rPr lang="en-US" dirty="0"/>
-              <a:t>s</a:t>
-            </a:r>
-            <a:r>
-              <a:rPr lang="en-US" dirty="0" smtClean="0"/>
-              <a:t>tyle</a:t>
-            </a:r>
-          </a:p>
-          <a:p>
-            <a:pPr lvl="1"/>
-            <a:r>
-              <a:rPr lang="en-US" dirty="0" err="1" smtClean="0"/>
-              <a:t>Usemap</a:t>
-            </a:r>
-            <a:endParaRPr lang="en-US" dirty="0" smtClean="0"/>
-          </a:p>
-          <a:p>
-            <a:pPr marL="274320" lvl="1" indent="0">
-              <a:buNone/>
-            </a:pPr>
-            <a:endParaRPr lang="en-US" dirty="0" smtClean="0"/>
-          </a:p>
-          <a:p>
-            <a:pPr marL="45720" indent="0">
-              <a:spcBef>
-                <a:spcPts val="100"/>
-              </a:spcBef>
-              <a:buNone/>
-            </a:pPr>
-            <a:r>
-              <a:rPr lang="en-US" sz="1800" dirty="0" smtClean="0"/>
-              <a:t>Example:</a:t>
-            </a:r>
-          </a:p>
-          <a:p>
-            <a:pPr marL="45720" indent="0">
-              <a:spcBef>
-                <a:spcPts val="100"/>
-              </a:spcBef>
-              <a:buNone/>
-            </a:pPr>
-            <a:r>
-              <a:rPr lang="en-US" sz="1800" dirty="0" smtClean="0"/>
-              <a:t>&lt;</a:t>
-            </a:r>
-            <a:r>
-              <a:rPr lang="en-US" sz="1800" dirty="0" err="1" smtClean="0"/>
-              <a:t>img</a:t>
-            </a:r>
-            <a:r>
-              <a:rPr lang="en-US" sz="1800" dirty="0" smtClean="0"/>
-              <a:t> </a:t>
-            </a:r>
-            <a:r>
-              <a:rPr lang="en-US" sz="1800" dirty="0" err="1" smtClean="0"/>
-              <a:t>src</a:t>
-            </a:r>
-            <a:r>
-              <a:rPr lang="en-US" sz="1800" dirty="0" smtClean="0"/>
-              <a:t>=“logo.gif” alt=“my logo” style=“width:100px; height:100px;” /&gt;</a:t>
-            </a:r>
-            <a:endParaRPr lang="en-US" sz="1800" dirty="0"/>
-          </a:p>
-        </p:txBody>
-      </p:sp>
-      <p:pic>
-        <p:nvPicPr>
-          <p:cNvPr id="5" name="Content Placeholder 4"/>
-          <p:cNvPicPr>
-            <a:picLocks noGrp="1" noChangeAspect="1"/>
-          </p:cNvPicPr>
-          <p:nvPr>
-            <p:ph sz="half" idx="2"/>
-          </p:nvPr>
-        </p:nvPicPr>
-        <p:blipFill>
-          <a:blip r:embed="rId3">
-            <a:extLst>
-              <a:ext uri="{28A0092B-C50C-407E-A947-70E740481C1C}">
-                <a14:useLocalDpi xmlns:a14="http://schemas.microsoft.com/office/drawing/2010/main" val="0"/>
-              </a:ext>
-            </a:extLst>
-          </a:blip>
-          <a:stretch>
-            <a:fillRect/>
-          </a:stretch>
-        </p:blipFill>
-        <p:spPr>
-          <a:xfrm>
-            <a:off x="5654675" y="2266916"/>
-            <a:ext cx="4395788" cy="3778319"/>
-          </a:xfrm>
-        </p:spPr>
-      </p:pic>
-    </p:spTree>
-    <p:extLst>
-      <p:ext uri="{BB962C8B-B14F-4D97-AF65-F5344CB8AC3E}">
-        <p14:creationId xmlns:p14="http://schemas.microsoft.com/office/powerpoint/2010/main" val="2977903078"/>
       </p:ext>
     </p:extLst>
   </p:cSld>
